--- a/material/19_CSharp_WPF (디자인 패턴).pptx
+++ b/material/19_CSharp_WPF (디자인 패턴).pptx
@@ -5,42 +5,51 @@
     <p:sldMasterId id="2147483672" r:id="rId1"/>
   </p:sldMasterIdLst>
   <p:notesMasterIdLst>
-    <p:notesMasterId r:id="rId18"/>
+    <p:notesMasterId r:id="rId27"/>
   </p:notesMasterIdLst>
   <p:sldIdLst>
-    <p:sldId id="743" r:id="rId2"/>
-    <p:sldId id="744" r:id="rId3"/>
-    <p:sldId id="745" r:id="rId4"/>
-    <p:sldId id="681" r:id="rId5"/>
-    <p:sldId id="746" r:id="rId6"/>
-    <p:sldId id="677" r:id="rId7"/>
-    <p:sldId id="680" r:id="rId8"/>
-    <p:sldId id="741" r:id="rId9"/>
-    <p:sldId id="742" r:id="rId10"/>
-    <p:sldId id="690" r:id="rId11"/>
-    <p:sldId id="687" r:id="rId12"/>
-    <p:sldId id="688" r:id="rId13"/>
-    <p:sldId id="738" r:id="rId14"/>
-    <p:sldId id="739" r:id="rId15"/>
-    <p:sldId id="685" r:id="rId16"/>
-    <p:sldId id="740" r:id="rId17"/>
+    <p:sldId id="747" r:id="rId2"/>
+    <p:sldId id="748" r:id="rId3"/>
+    <p:sldId id="749" r:id="rId4"/>
+    <p:sldId id="750" r:id="rId5"/>
+    <p:sldId id="751" r:id="rId6"/>
+    <p:sldId id="752" r:id="rId7"/>
+    <p:sldId id="753" r:id="rId8"/>
+    <p:sldId id="754" r:id="rId9"/>
+    <p:sldId id="755" r:id="rId10"/>
+    <p:sldId id="743" r:id="rId11"/>
+    <p:sldId id="744" r:id="rId12"/>
+    <p:sldId id="745" r:id="rId13"/>
+    <p:sldId id="681" r:id="rId14"/>
+    <p:sldId id="746" r:id="rId15"/>
+    <p:sldId id="677" r:id="rId16"/>
+    <p:sldId id="680" r:id="rId17"/>
+    <p:sldId id="741" r:id="rId18"/>
+    <p:sldId id="742" r:id="rId19"/>
+    <p:sldId id="690" r:id="rId20"/>
+    <p:sldId id="687" r:id="rId21"/>
+    <p:sldId id="688" r:id="rId22"/>
+    <p:sldId id="738" r:id="rId23"/>
+    <p:sldId id="739" r:id="rId24"/>
+    <p:sldId id="685" r:id="rId25"/>
+    <p:sldId id="740" r:id="rId26"/>
   </p:sldIdLst>
   <p:sldSz cx="12192000" cy="6858000"/>
   <p:notesSz cx="6858000" cy="9144000"/>
   <p:embeddedFontLst>
     <p:embeddedFont>
-      <p:font typeface="Pretendard Black" panose="020B0600000101010101" charset="0"/>
-      <p:bold r:id="rId19"/>
+      <p:font typeface="Pretendard Black" panose="02000A03000000020004" pitchFamily="2" charset="-127"/>
+      <p:bold r:id="rId28"/>
     </p:embeddedFont>
     <p:embeddedFont>
-      <p:font typeface="Pretendard GOV" panose="02000503000000020004" pitchFamily="2" charset="-127"/>
-      <p:regular r:id="rId20"/>
-      <p:bold r:id="rId21"/>
+      <p:font typeface="Pretendard GOV" panose="020B0600000101010101" charset="-127"/>
+      <p:regular r:id="rId29"/>
+      <p:bold r:id="rId30"/>
     </p:embeddedFont>
     <p:embeddedFont>
       <p:font typeface="맑은 고딕" panose="020B0503020000020004" pitchFamily="50" charset="-127"/>
-      <p:regular r:id="rId22"/>
-      <p:bold r:id="rId23"/>
+      <p:regular r:id="rId31"/>
+      <p:bold r:id="rId32"/>
     </p:embeddedFont>
   </p:embeddedFontLst>
   <p:defaultTextStyle>
@@ -231,7 +240,7 @@
           <a:p>
             <a:fld id="{2EF3F159-7250-4DD4-91C2-13B35D56E1AF}" type="datetimeFigureOut">
               <a:rPr lang="ko-KR" altLang="en-US" smtClean="0"/>
-              <a:t>2025-05-19</a:t>
+              <a:t>2025-05-22</a:t>
             </a:fld>
             <a:endParaRPr lang="ko-KR" altLang="en-US"/>
           </a:p>
@@ -543,10 +552,45 @@
           <a:lstStyle/>
           <a:p>
             <a:r>
-              <a:rPr lang="en-US" altLang="ko-KR" dirty="0"/>
-              <a:t>https://oobwrite.com/entry/%EB%94%94%EC%9E%90%EC%9D%B8-%ED%8C%A8%ED%84%B4Design-Pattern-%EC%B4%9D%EC%A0%95%EB%A6%AC-23%EA%B0%80%EC%A7%80-%EB%94%94%EC%9E%90%EC%9D%B8-%ED%8C%A8%ED%84%B4-%EC%A0%95%EC%9D%98-%EC%A2%85%EB%A5%98-%EC%9E%A5%EB%8B%A8%EC%A0%90</a:t>
-            </a:r>
-            <a:endParaRPr lang="ko-KR" altLang="en-US" dirty="0"/>
+              <a:rPr lang="ko-KR" altLang="en-US"/>
+              <a:t>새로운 언어를 배울 때는 내가 알고 있는 기존 언어와 차이점만 기억을 하면 됨</a:t>
+            </a:r>
+            <a:r>
+              <a:rPr lang="en-US" altLang="ko-KR"/>
+              <a:t>.</a:t>
+            </a:r>
+          </a:p>
+          <a:p>
+            <a:endParaRPr lang="en-US" altLang="ko-KR"/>
+          </a:p>
+          <a:p>
+            <a:r>
+              <a:rPr lang="ko-KR" altLang="en-US"/>
+              <a:t>자세한 문법 또는 함수의 사용법은 그때그때 검색을 통해 찾아보고 적용하면 됨</a:t>
+            </a:r>
+            <a:r>
+              <a:rPr lang="en-US" altLang="ko-KR"/>
+              <a:t>. </a:t>
+            </a:r>
+          </a:p>
+          <a:p>
+            <a:endParaRPr lang="en-US" altLang="ko-KR"/>
+          </a:p>
+          <a:p>
+            <a:r>
+              <a:rPr lang="ko-KR" altLang="en-US"/>
+              <a:t>이론을 충분히 공부하고 무언가 시작하기 보다는 일단 시작하고 부딪히는 곳을 적극적으로 검색하여 찾아보며 해결해나가는 것이 훨씬 좋음</a:t>
+            </a:r>
+            <a:r>
+              <a:rPr lang="en-US" altLang="ko-KR"/>
+              <a:t>.</a:t>
+            </a:r>
+          </a:p>
+          <a:p>
+            <a:endParaRPr lang="en-US" altLang="ko-KR"/>
+          </a:p>
+          <a:p>
+            <a:endParaRPr lang="ko-KR" altLang="en-US"/>
           </a:p>
         </p:txBody>
       </p:sp>
@@ -567,7 +611,7 @@
           <a:p>
             <a:fld id="{C09E5BFC-1559-42F1-8940-AB342D56BF02}" type="slidenum">
               <a:rPr lang="ko-KR" altLang="en-US" smtClean="0"/>
-              <a:t>2</a:t>
+              <a:t>1</a:t>
             </a:fld>
             <a:endParaRPr lang="ko-KR" altLang="en-US"/>
           </a:p>
@@ -576,7 +620,7 @@
     </p:spTree>
     <p:extLst>
       <p:ext uri="{BB962C8B-B14F-4D97-AF65-F5344CB8AC3E}">
-        <p14:creationId xmlns:p14="http://schemas.microsoft.com/office/powerpoint/2010/main" val="3745941800"/>
+        <p14:creationId xmlns:p14="http://schemas.microsoft.com/office/powerpoint/2010/main" val="2470732176"/>
       </p:ext>
     </p:extLst>
   </p:cSld>
@@ -630,7 +674,11 @@
           <a:bodyPr/>
           <a:lstStyle/>
           <a:p>
-            <a:endParaRPr lang="ko-KR" altLang="en-US"/>
+            <a:r>
+              <a:rPr lang="en-US" altLang="ko-KR" dirty="0"/>
+              <a:t>https://oobwrite.com/entry/%EB%94%94%EC%9E%90%EC%9D%B8-%ED%8C%A8%ED%84%B4Design-Pattern-%EC%B4%9D%EC%A0%95%EB%A6%AC-23%EA%B0%80%EC%A7%80-%EB%94%94%EC%9E%90%EC%9D%B8-%ED%8C%A8%ED%84%B4-%EC%A0%95%EC%9D%98-%EC%A2%85%EB%A5%98-%EC%9E%A5%EB%8B%A8%EC%A0%90</a:t>
+            </a:r>
+            <a:endParaRPr lang="ko-KR" altLang="en-US" dirty="0"/>
           </a:p>
         </p:txBody>
       </p:sp>
@@ -651,7 +699,91 @@
           <a:p>
             <a:fld id="{C09E5BFC-1559-42F1-8940-AB342D56BF02}" type="slidenum">
               <a:rPr lang="ko-KR" altLang="en-US" smtClean="0"/>
-              <a:t>4</a:t>
+              <a:t>11</a:t>
+            </a:fld>
+            <a:endParaRPr lang="ko-KR" altLang="en-US"/>
+          </a:p>
+        </p:txBody>
+      </p:sp>
+    </p:spTree>
+    <p:extLst>
+      <p:ext uri="{BB962C8B-B14F-4D97-AF65-F5344CB8AC3E}">
+        <p14:creationId xmlns:p14="http://schemas.microsoft.com/office/powerpoint/2010/main" val="3745941800"/>
+      </p:ext>
+    </p:extLst>
+  </p:cSld>
+  <p:clrMapOvr>
+    <a:masterClrMapping/>
+  </p:clrMapOvr>
+</p:notes>
+</file>
+
+<file path=ppt/notesSlides/notesSlide3.xml><?xml version="1.0" encoding="utf-8"?>
+<p:notes xmlns:a="http://schemas.openxmlformats.org/drawingml/2006/main" xmlns:r="http://schemas.openxmlformats.org/officeDocument/2006/relationships" xmlns:p="http://schemas.openxmlformats.org/presentationml/2006/main">
+  <p:cSld>
+    <p:spTree>
+      <p:nvGrpSpPr>
+        <p:cNvPr id="1" name=""/>
+        <p:cNvGrpSpPr/>
+        <p:nvPr/>
+      </p:nvGrpSpPr>
+      <p:grpSpPr>
+        <a:xfrm>
+          <a:off x="0" y="0"/>
+          <a:ext cx="0" cy="0"/>
+          <a:chOff x="0" y="0"/>
+          <a:chExt cx="0" cy="0"/>
+        </a:xfrm>
+      </p:grpSpPr>
+      <p:sp>
+        <p:nvSpPr>
+          <p:cNvPr id="2" name="슬라이드 이미지 개체 틀 1"/>
+          <p:cNvSpPr>
+            <a:spLocks noGrp="1" noRot="1" noChangeAspect="1"/>
+          </p:cNvSpPr>
+          <p:nvPr>
+            <p:ph type="sldImg"/>
+          </p:nvPr>
+        </p:nvSpPr>
+        <p:spPr/>
+      </p:sp>
+      <p:sp>
+        <p:nvSpPr>
+          <p:cNvPr id="3" name="슬라이드 노트 개체 틀 2"/>
+          <p:cNvSpPr>
+            <a:spLocks noGrp="1"/>
+          </p:cNvSpPr>
+          <p:nvPr>
+            <p:ph type="body" idx="1"/>
+          </p:nvPr>
+        </p:nvSpPr>
+        <p:spPr/>
+        <p:txBody>
+          <a:bodyPr/>
+          <a:lstStyle/>
+          <a:p>
+            <a:endParaRPr lang="ko-KR" altLang="en-US"/>
+          </a:p>
+        </p:txBody>
+      </p:sp>
+      <p:sp>
+        <p:nvSpPr>
+          <p:cNvPr id="4" name="슬라이드 번호 개체 틀 3"/>
+          <p:cNvSpPr>
+            <a:spLocks noGrp="1"/>
+          </p:cNvSpPr>
+          <p:nvPr>
+            <p:ph type="sldNum" sz="quarter" idx="5"/>
+          </p:nvPr>
+        </p:nvSpPr>
+        <p:spPr/>
+        <p:txBody>
+          <a:bodyPr/>
+          <a:lstStyle/>
+          <a:p>
+            <a:fld id="{C09E5BFC-1559-42F1-8940-AB342D56BF02}" type="slidenum">
+              <a:rPr lang="ko-KR" altLang="en-US" smtClean="0"/>
+              <a:t>13</a:t>
             </a:fld>
             <a:endParaRPr lang="ko-KR" altLang="en-US"/>
           </a:p>
@@ -670,7 +802,7 @@
 </p:notes>
 </file>
 
-<file path=ppt/notesSlides/notesSlide3.xml><?xml version="1.0" encoding="utf-8"?>
+<file path=ppt/notesSlides/notesSlide4.xml><?xml version="1.0" encoding="utf-8"?>
 <p:notes xmlns:a="http://schemas.openxmlformats.org/drawingml/2006/main" xmlns:r="http://schemas.openxmlformats.org/officeDocument/2006/relationships" xmlns:p="http://schemas.openxmlformats.org/presentationml/2006/main">
   <p:cSld>
     <p:spTree>
@@ -782,7 +914,7 @@
           <a:p>
             <a:fld id="{C09E5BFC-1559-42F1-8940-AB342D56BF02}" type="slidenum">
               <a:rPr lang="ko-KR" altLang="en-US" smtClean="0"/>
-              <a:t>5</a:t>
+              <a:t>14</a:t>
             </a:fld>
             <a:endParaRPr lang="ko-KR" altLang="en-US"/>
           </a:p>
@@ -792,90 +924,6 @@
     <p:extLst>
       <p:ext uri="{BB962C8B-B14F-4D97-AF65-F5344CB8AC3E}">
         <p14:creationId xmlns:p14="http://schemas.microsoft.com/office/powerpoint/2010/main" val="579496297"/>
-      </p:ext>
-    </p:extLst>
-  </p:cSld>
-  <p:clrMapOvr>
-    <a:masterClrMapping/>
-  </p:clrMapOvr>
-</p:notes>
-</file>
-
-<file path=ppt/notesSlides/notesSlide4.xml><?xml version="1.0" encoding="utf-8"?>
-<p:notes xmlns:a="http://schemas.openxmlformats.org/drawingml/2006/main" xmlns:r="http://schemas.openxmlformats.org/officeDocument/2006/relationships" xmlns:p="http://schemas.openxmlformats.org/presentationml/2006/main">
-  <p:cSld>
-    <p:spTree>
-      <p:nvGrpSpPr>
-        <p:cNvPr id="1" name=""/>
-        <p:cNvGrpSpPr/>
-        <p:nvPr/>
-      </p:nvGrpSpPr>
-      <p:grpSpPr>
-        <a:xfrm>
-          <a:off x="0" y="0"/>
-          <a:ext cx="0" cy="0"/>
-          <a:chOff x="0" y="0"/>
-          <a:chExt cx="0" cy="0"/>
-        </a:xfrm>
-      </p:grpSpPr>
-      <p:sp>
-        <p:nvSpPr>
-          <p:cNvPr id="2" name="슬라이드 이미지 개체 틀 1"/>
-          <p:cNvSpPr>
-            <a:spLocks noGrp="1" noRot="1" noChangeAspect="1"/>
-          </p:cNvSpPr>
-          <p:nvPr>
-            <p:ph type="sldImg"/>
-          </p:nvPr>
-        </p:nvSpPr>
-        <p:spPr/>
-      </p:sp>
-      <p:sp>
-        <p:nvSpPr>
-          <p:cNvPr id="3" name="슬라이드 노트 개체 틀 2"/>
-          <p:cNvSpPr>
-            <a:spLocks noGrp="1"/>
-          </p:cNvSpPr>
-          <p:nvPr>
-            <p:ph type="body" idx="1"/>
-          </p:nvPr>
-        </p:nvSpPr>
-        <p:spPr/>
-        <p:txBody>
-          <a:bodyPr/>
-          <a:lstStyle/>
-          <a:p>
-            <a:endParaRPr lang="ko-KR" altLang="en-US" dirty="0"/>
-          </a:p>
-        </p:txBody>
-      </p:sp>
-      <p:sp>
-        <p:nvSpPr>
-          <p:cNvPr id="4" name="슬라이드 번호 개체 틀 3"/>
-          <p:cNvSpPr>
-            <a:spLocks noGrp="1"/>
-          </p:cNvSpPr>
-          <p:nvPr>
-            <p:ph type="sldNum" sz="quarter" idx="5"/>
-          </p:nvPr>
-        </p:nvSpPr>
-        <p:spPr/>
-        <p:txBody>
-          <a:bodyPr/>
-          <a:lstStyle/>
-          <a:p>
-            <a:fld id="{C09E5BFC-1559-42F1-8940-AB342D56BF02}" type="slidenum">
-              <a:rPr lang="ko-KR" altLang="en-US" smtClean="0"/>
-              <a:t>6</a:t>
-            </a:fld>
-            <a:endParaRPr lang="ko-KR" altLang="en-US"/>
-          </a:p>
-        </p:txBody>
-      </p:sp>
-    </p:spTree>
-    <p:extLst>
-      <p:ext uri="{BB962C8B-B14F-4D97-AF65-F5344CB8AC3E}">
-        <p14:creationId xmlns:p14="http://schemas.microsoft.com/office/powerpoint/2010/main" val="1487852166"/>
       </p:ext>
     </p:extLst>
   </p:cSld>
@@ -929,33 +977,6 @@
           <a:bodyPr/>
           <a:lstStyle/>
           <a:p>
-            <a:pPr marL="0" marR="0" lvl="0" indent="0" algn="l" defTabSz="914400" rtl="0" eaLnBrk="1" fontAlgn="auto" latinLnBrk="1" hangingPunct="1">
-              <a:lnSpc>
-                <a:spcPct val="100000"/>
-              </a:lnSpc>
-              <a:spcBef>
-                <a:spcPts val="0"/>
-              </a:spcBef>
-              <a:spcAft>
-                <a:spcPts val="0"/>
-              </a:spcAft>
-              <a:buClrTx/>
-              <a:buSzTx/>
-              <a:buFontTx/>
-              <a:buNone/>
-              <a:tabLst/>
-              <a:defRPr/>
-            </a:pPr>
-            <a:r>
-              <a:rPr lang="en-US" altLang="ko-KR" dirty="0"/>
-              <a:t>https://devbong.tistory.com/34</a:t>
-            </a:r>
-            <a:endParaRPr lang="ko-KR" altLang="en-US" dirty="0"/>
-          </a:p>
-          <a:p>
-            <a:endParaRPr lang="ko-KR" altLang="en-US" dirty="0"/>
-          </a:p>
-          <a:p>
             <a:endParaRPr lang="ko-KR" altLang="en-US" dirty="0"/>
           </a:p>
         </p:txBody>
@@ -977,7 +998,7 @@
           <a:p>
             <a:fld id="{C09E5BFC-1559-42F1-8940-AB342D56BF02}" type="slidenum">
               <a:rPr lang="ko-KR" altLang="en-US" smtClean="0"/>
-              <a:t>7</a:t>
+              <a:t>15</a:t>
             </a:fld>
             <a:endParaRPr lang="ko-KR" altLang="en-US"/>
           </a:p>
@@ -986,7 +1007,7 @@
     </p:spTree>
     <p:extLst>
       <p:ext uri="{BB962C8B-B14F-4D97-AF65-F5344CB8AC3E}">
-        <p14:creationId xmlns:p14="http://schemas.microsoft.com/office/powerpoint/2010/main" val="4234280221"/>
+        <p14:creationId xmlns:p14="http://schemas.microsoft.com/office/powerpoint/2010/main" val="1487852166"/>
       </p:ext>
     </p:extLst>
   </p:cSld>
@@ -1066,6 +1087,9 @@
           <a:p>
             <a:endParaRPr lang="ko-KR" altLang="en-US" dirty="0"/>
           </a:p>
+          <a:p>
+            <a:endParaRPr lang="ko-KR" altLang="en-US" dirty="0"/>
+          </a:p>
         </p:txBody>
       </p:sp>
       <p:sp>
@@ -1085,7 +1109,7 @@
           <a:p>
             <a:fld id="{C09E5BFC-1559-42F1-8940-AB342D56BF02}" type="slidenum">
               <a:rPr lang="ko-KR" altLang="en-US" smtClean="0"/>
-              <a:t>8</a:t>
+              <a:t>16</a:t>
             </a:fld>
             <a:endParaRPr lang="ko-KR" altLang="en-US"/>
           </a:p>
@@ -1094,7 +1118,7 @@
     </p:spTree>
     <p:extLst>
       <p:ext uri="{BB962C8B-B14F-4D97-AF65-F5344CB8AC3E}">
-        <p14:creationId xmlns:p14="http://schemas.microsoft.com/office/powerpoint/2010/main" val="3277542341"/>
+        <p14:creationId xmlns:p14="http://schemas.microsoft.com/office/powerpoint/2010/main" val="4234280221"/>
       </p:ext>
     </p:extLst>
   </p:cSld>
@@ -1193,7 +1217,7 @@
           <a:p>
             <a:fld id="{C09E5BFC-1559-42F1-8940-AB342D56BF02}" type="slidenum">
               <a:rPr lang="ko-KR" altLang="en-US" smtClean="0"/>
-              <a:t>9</a:t>
+              <a:t>17</a:t>
             </a:fld>
             <a:endParaRPr lang="ko-KR" altLang="en-US"/>
           </a:p>
@@ -1202,7 +1226,7 @@
     </p:spTree>
     <p:extLst>
       <p:ext uri="{BB962C8B-B14F-4D97-AF65-F5344CB8AC3E}">
-        <p14:creationId xmlns:p14="http://schemas.microsoft.com/office/powerpoint/2010/main" val="711147641"/>
+        <p14:creationId xmlns:p14="http://schemas.microsoft.com/office/powerpoint/2010/main" val="3277542341"/>
       </p:ext>
     </p:extLst>
   </p:cSld>
@@ -1256,6 +1280,114 @@
           <a:bodyPr/>
           <a:lstStyle/>
           <a:p>
+            <a:pPr marL="0" marR="0" lvl="0" indent="0" algn="l" defTabSz="914400" rtl="0" eaLnBrk="1" fontAlgn="auto" latinLnBrk="1" hangingPunct="1">
+              <a:lnSpc>
+                <a:spcPct val="100000"/>
+              </a:lnSpc>
+              <a:spcBef>
+                <a:spcPts val="0"/>
+              </a:spcBef>
+              <a:spcAft>
+                <a:spcPts val="0"/>
+              </a:spcAft>
+              <a:buClrTx/>
+              <a:buSzTx/>
+              <a:buFontTx/>
+              <a:buNone/>
+              <a:tabLst/>
+              <a:defRPr/>
+            </a:pPr>
+            <a:r>
+              <a:rPr lang="en-US" altLang="ko-KR" dirty="0"/>
+              <a:t>https://devbong.tistory.com/34</a:t>
+            </a:r>
+            <a:endParaRPr lang="ko-KR" altLang="en-US" dirty="0"/>
+          </a:p>
+          <a:p>
+            <a:endParaRPr lang="ko-KR" altLang="en-US" dirty="0"/>
+          </a:p>
+        </p:txBody>
+      </p:sp>
+      <p:sp>
+        <p:nvSpPr>
+          <p:cNvPr id="4" name="슬라이드 번호 개체 틀 3"/>
+          <p:cNvSpPr>
+            <a:spLocks noGrp="1"/>
+          </p:cNvSpPr>
+          <p:nvPr>
+            <p:ph type="sldNum" sz="quarter" idx="5"/>
+          </p:nvPr>
+        </p:nvSpPr>
+        <p:spPr/>
+        <p:txBody>
+          <a:bodyPr/>
+          <a:lstStyle/>
+          <a:p>
+            <a:fld id="{C09E5BFC-1559-42F1-8940-AB342D56BF02}" type="slidenum">
+              <a:rPr lang="ko-KR" altLang="en-US" smtClean="0"/>
+              <a:t>18</a:t>
+            </a:fld>
+            <a:endParaRPr lang="ko-KR" altLang="en-US"/>
+          </a:p>
+        </p:txBody>
+      </p:sp>
+    </p:spTree>
+    <p:extLst>
+      <p:ext uri="{BB962C8B-B14F-4D97-AF65-F5344CB8AC3E}">
+        <p14:creationId xmlns:p14="http://schemas.microsoft.com/office/powerpoint/2010/main" val="711147641"/>
+      </p:ext>
+    </p:extLst>
+  </p:cSld>
+  <p:clrMapOvr>
+    <a:masterClrMapping/>
+  </p:clrMapOvr>
+</p:notes>
+</file>
+
+<file path=ppt/notesSlides/notesSlide9.xml><?xml version="1.0" encoding="utf-8"?>
+<p:notes xmlns:a="http://schemas.openxmlformats.org/drawingml/2006/main" xmlns:r="http://schemas.openxmlformats.org/officeDocument/2006/relationships" xmlns:p="http://schemas.openxmlformats.org/presentationml/2006/main">
+  <p:cSld>
+    <p:spTree>
+      <p:nvGrpSpPr>
+        <p:cNvPr id="1" name=""/>
+        <p:cNvGrpSpPr/>
+        <p:nvPr/>
+      </p:nvGrpSpPr>
+      <p:grpSpPr>
+        <a:xfrm>
+          <a:off x="0" y="0"/>
+          <a:ext cx="0" cy="0"/>
+          <a:chOff x="0" y="0"/>
+          <a:chExt cx="0" cy="0"/>
+        </a:xfrm>
+      </p:grpSpPr>
+      <p:sp>
+        <p:nvSpPr>
+          <p:cNvPr id="2" name="슬라이드 이미지 개체 틀 1"/>
+          <p:cNvSpPr>
+            <a:spLocks noGrp="1" noRot="1" noChangeAspect="1"/>
+          </p:cNvSpPr>
+          <p:nvPr>
+            <p:ph type="sldImg"/>
+          </p:nvPr>
+        </p:nvSpPr>
+        <p:spPr/>
+      </p:sp>
+      <p:sp>
+        <p:nvSpPr>
+          <p:cNvPr id="3" name="슬라이드 노트 개체 틀 2"/>
+          <p:cNvSpPr>
+            <a:spLocks noGrp="1"/>
+          </p:cNvSpPr>
+          <p:nvPr>
+            <p:ph type="body" idx="1"/>
+          </p:nvPr>
+        </p:nvSpPr>
+        <p:spPr/>
+        <p:txBody>
+          <a:bodyPr/>
+          <a:lstStyle/>
+          <a:p>
             <a:r>
               <a:rPr lang="en-US" altLang="ko-KR" dirty="0"/>
               <a:t>https://itisguide.tistory.com/4</a:t>
@@ -1281,7 +1413,7 @@
           <a:p>
             <a:fld id="{C09E5BFC-1559-42F1-8940-AB342D56BF02}" type="slidenum">
               <a:rPr lang="ko-KR" altLang="en-US" smtClean="0"/>
-              <a:t>10</a:t>
+              <a:t>19</a:t>
             </a:fld>
             <a:endParaRPr lang="ko-KR" altLang="en-US"/>
           </a:p>
@@ -1441,7 +1573,7 @@
           <a:p>
             <a:fld id="{442BEE3F-2E9A-4FD8-8B8A-8619F3E161C0}" type="datetime1">
               <a:rPr lang="ko-KR" altLang="en-US" smtClean="0"/>
-              <a:t>2025-05-19</a:t>
+              <a:t>2025-05-22</a:t>
             </a:fld>
             <a:endParaRPr lang="ko-KR" altLang="en-US"/>
           </a:p>
@@ -1627,7 +1759,7 @@
           <a:p>
             <a:fld id="{2EAE422B-0E68-47B5-84BB-CA2BDA8EE46C}" type="datetime1">
               <a:rPr lang="ko-KR" altLang="en-US" smtClean="0"/>
-              <a:t>2025-05-19</a:t>
+              <a:t>2025-05-22</a:t>
             </a:fld>
             <a:endParaRPr lang="ko-KR" altLang="en-US"/>
           </a:p>
@@ -1835,7 +1967,7 @@
           <a:p>
             <a:fld id="{AF7C623F-179B-417F-99B6-50F6DF228D4B}" type="datetime1">
               <a:rPr lang="ko-KR" altLang="en-US" smtClean="0"/>
-              <a:t>2025-05-19</a:t>
+              <a:t>2025-05-22</a:t>
             </a:fld>
             <a:endParaRPr lang="ko-KR" altLang="en-US"/>
           </a:p>
@@ -2077,7 +2209,7 @@
           <a:p>
             <a:fld id="{0F78D9C4-20C1-4B15-A116-16DC77AD9A1E}" type="datetime1">
               <a:rPr lang="ko-KR" altLang="en-US" smtClean="0"/>
-              <a:t>2025-05-19</a:t>
+              <a:t>2025-05-22</a:t>
             </a:fld>
             <a:endParaRPr lang="ko-KR" altLang="en-US"/>
           </a:p>
@@ -2352,7 +2484,7 @@
           <a:p>
             <a:fld id="{C7F43723-C509-4DEA-8428-B50818F79709}" type="datetime1">
               <a:rPr lang="ko-KR" altLang="en-US" smtClean="0"/>
-              <a:t>2025-05-19</a:t>
+              <a:t>2025-05-22</a:t>
             </a:fld>
             <a:endParaRPr lang="ko-KR" altLang="en-US"/>
           </a:p>
@@ -2617,7 +2749,7 @@
           <a:p>
             <a:fld id="{5D2B7482-EE74-4DBD-97F4-D0DAC0C0E4E5}" type="datetime1">
               <a:rPr lang="ko-KR" altLang="en-US" smtClean="0"/>
-              <a:t>2025-05-19</a:t>
+              <a:t>2025-05-22</a:t>
             </a:fld>
             <a:endParaRPr lang="ko-KR" altLang="en-US"/>
           </a:p>
@@ -3030,7 +3162,7 @@
           <a:p>
             <a:fld id="{051A8C49-CED7-4A86-9B4A-621D7F62EE92}" type="datetime1">
               <a:rPr lang="ko-KR" altLang="en-US" smtClean="0"/>
-              <a:t>2025-05-19</a:t>
+              <a:t>2025-05-22</a:t>
             </a:fld>
             <a:endParaRPr lang="ko-KR" altLang="en-US"/>
           </a:p>
@@ -3177,7 +3309,7 @@
           <a:p>
             <a:fld id="{84082D76-7079-412D-848B-E1B9E7A6A286}" type="datetime1">
               <a:rPr lang="ko-KR" altLang="en-US" smtClean="0"/>
-              <a:t>2025-05-19</a:t>
+              <a:t>2025-05-22</a:t>
             </a:fld>
             <a:endParaRPr lang="ko-KR" altLang="en-US"/>
           </a:p>
@@ -3290,7 +3422,7 @@
           <a:p>
             <a:fld id="{10C5FEB5-5F88-4F49-9108-1795E314F09F}" type="datetime1">
               <a:rPr lang="ko-KR" altLang="en-US" smtClean="0"/>
-              <a:t>2025-05-19</a:t>
+              <a:t>2025-05-22</a:t>
             </a:fld>
             <a:endParaRPr lang="ko-KR" altLang="en-US"/>
           </a:p>
@@ -3601,7 +3733,7 @@
           <a:p>
             <a:fld id="{E37ABBEE-D8D4-48AD-9887-4DC578B8A684}" type="datetime1">
               <a:rPr lang="ko-KR" altLang="en-US" smtClean="0"/>
-              <a:t>2025-05-19</a:t>
+              <a:t>2025-05-22</a:t>
             </a:fld>
             <a:endParaRPr lang="ko-KR" altLang="en-US"/>
           </a:p>
@@ -3892,7 +4024,7 @@
           <a:p>
             <a:fld id="{A2D6A55C-F3DD-45DD-9D50-F8680410167D}" type="datetime1">
               <a:rPr lang="ko-KR" altLang="en-US" smtClean="0"/>
-              <a:t>2025-05-19</a:t>
+              <a:t>2025-05-22</a:t>
             </a:fld>
             <a:endParaRPr lang="ko-KR" altLang="en-US"/>
           </a:p>
@@ -4136,7 +4268,7 @@
             <a:fld id="{7F5E23C3-0E3D-4E4E-8486-D7FB4C073DC1}" type="datetime1">
               <a:rPr lang="ko-KR" altLang="en-US" smtClean="0"/>
               <a:pPr/>
-              <a:t>2025-05-19</a:t>
+              <a:t>2025-05-22</a:t>
             </a:fld>
             <a:endParaRPr lang="ko-KR" altLang="en-US" dirty="0"/>
           </a:p>
@@ -4600,137 +4732,54 @@
           <p:cNvPr id="2" name="제목 1">
             <a:extLst>
               <a:ext uri="{FF2B5EF4-FFF2-40B4-BE49-F238E27FC236}">
-                <a16:creationId xmlns:a16="http://schemas.microsoft.com/office/drawing/2014/main" id="{E25D0C86-D95A-2B20-471F-DC46DDDBE765}"/>
-              </a:ext>
-            </a:extLst>
-          </p:cNvPr>
-          <p:cNvSpPr>
-            <a:spLocks noGrp="1"/>
-          </p:cNvSpPr>
-          <p:nvPr>
-            <p:ph type="title"/>
-          </p:nvPr>
-        </p:nvSpPr>
-        <p:spPr/>
-        <p:txBody>
-          <a:bodyPr/>
-          <a:lstStyle/>
-          <a:p>
+                <a16:creationId xmlns:a16="http://schemas.microsoft.com/office/drawing/2014/main" id="{5CB49C79-8DE4-4842-D1E6-927CDD6D4464}"/>
+              </a:ext>
+            </a:extLst>
+          </p:cNvPr>
+          <p:cNvSpPr>
+            <a:spLocks noGrp="1"/>
+          </p:cNvSpPr>
+          <p:nvPr>
+            <p:ph type="ctrTitle"/>
+          </p:nvPr>
+        </p:nvSpPr>
+        <p:spPr>
+          <a:xfrm>
+            <a:off x="3065599" y="3429000"/>
+            <a:ext cx="6060801" cy="974422"/>
+          </a:xfrm>
+        </p:spPr>
+        <p:txBody>
+          <a:bodyPr>
+            <a:noAutofit/>
+          </a:bodyPr>
+          <a:lstStyle/>
+          <a:p>
+            <a:pPr>
+              <a:lnSpc>
+                <a:spcPct val="150000"/>
+              </a:lnSpc>
+            </a:pPr>
             <a:r>
               <a:rPr lang="en-US" altLang="ko-KR" dirty="0"/>
-              <a:t>SW </a:t>
+              <a:t>C#</a:t>
             </a:r>
             <a:r>
               <a:rPr lang="ko-KR" altLang="en-US" dirty="0"/>
-              <a:t>디자인 패턴</a:t>
-            </a:r>
-          </a:p>
-        </p:txBody>
-      </p:sp>
-      <p:sp>
-        <p:nvSpPr>
-          <p:cNvPr id="3" name="내용 개체 틀 2">
-            <a:extLst>
-              <a:ext uri="{FF2B5EF4-FFF2-40B4-BE49-F238E27FC236}">
-                <a16:creationId xmlns:a16="http://schemas.microsoft.com/office/drawing/2014/main" id="{C637BFCD-7ABF-A996-5D56-7ADB2E33BC19}"/>
-              </a:ext>
-            </a:extLst>
-          </p:cNvPr>
-          <p:cNvSpPr>
-            <a:spLocks noGrp="1"/>
-          </p:cNvSpPr>
-          <p:nvPr>
-            <p:ph idx="1"/>
-          </p:nvPr>
-        </p:nvSpPr>
-        <p:spPr/>
-        <p:txBody>
-          <a:bodyPr/>
-          <a:lstStyle/>
-          <a:p>
-            <a:r>
-              <a:rPr lang="ko-KR" altLang="en-US" dirty="0"/>
-              <a:t>소프트웨어 개발에 있어 발생하는 문제들에 대한 일반적인 해결책</a:t>
-            </a:r>
-            <a:endParaRPr lang="en-US" altLang="ko-KR" dirty="0"/>
-          </a:p>
-          <a:p>
-            <a:r>
-              <a:rPr lang="ko-KR" altLang="en-US" dirty="0"/>
-              <a:t>특정 문맥</a:t>
+              <a:t> </a:t>
             </a:r>
             <a:r>
               <a:rPr lang="en-US" altLang="ko-KR" dirty="0"/>
-              <a:t>(</a:t>
-            </a:r>
-            <a:r>
-              <a:rPr lang="ko-KR" altLang="en-US" dirty="0"/>
-              <a:t>소스코드 구조</a:t>
-            </a:r>
-            <a:r>
+              <a:t>WPF NuGet</a:t>
+            </a:r>
+            <a:br>
               <a:rPr lang="en-US" altLang="ko-KR" dirty="0"/>
-              <a:t>)</a:t>
-            </a:r>
-            <a:r>
-              <a:rPr lang="ko-KR" altLang="en-US" dirty="0"/>
-              <a:t>에서 발생하는 설계 문제를 해결</a:t>
-            </a:r>
-            <a:endParaRPr lang="en-US" altLang="ko-KR" dirty="0"/>
-          </a:p>
-          <a:p>
-            <a:r>
-              <a:rPr lang="ko-KR" altLang="en-US" dirty="0"/>
-              <a:t>설계 과정에 대한 가이드 또는 지침</a:t>
-            </a:r>
-            <a:endParaRPr lang="en-US" altLang="ko-KR" dirty="0"/>
-          </a:p>
-          <a:p>
-            <a:endParaRPr lang="en-US" altLang="ko-KR" dirty="0"/>
-          </a:p>
-          <a:p>
-            <a:r>
-              <a:rPr lang="ko-KR" altLang="en-US" dirty="0"/>
-              <a:t>즉</a:t>
-            </a:r>
+            </a:br>
             <a:r>
               <a:rPr lang="en-US" altLang="ko-KR" dirty="0"/>
-              <a:t>, </a:t>
-            </a:r>
-            <a:r>
-              <a:rPr lang="ko-KR" altLang="en-US" dirty="0"/>
-              <a:t>자주 발생하는 문제들에 대해 미리 특정한 패턴을 만들어둔 것 </a:t>
-            </a:r>
-            <a:endParaRPr lang="en-US" altLang="ko-KR" dirty="0"/>
-          </a:p>
-          <a:p>
-            <a:r>
-              <a:rPr lang="ko-KR" altLang="en-US" dirty="0"/>
-              <a:t>주로 클래스 정의</a:t>
-            </a:r>
-            <a:r>
-              <a:rPr lang="en-US" altLang="ko-KR" dirty="0"/>
-              <a:t>, </a:t>
-            </a:r>
-            <a:r>
-              <a:rPr lang="ko-KR" altLang="en-US" dirty="0"/>
-              <a:t>클래스 설계</a:t>
-            </a:r>
-            <a:r>
-              <a:rPr lang="en-US" altLang="ko-KR" dirty="0"/>
-              <a:t>, </a:t>
-            </a:r>
-            <a:r>
-              <a:rPr lang="ko-KR" altLang="en-US" dirty="0"/>
-              <a:t>상속 관계</a:t>
-            </a:r>
-            <a:r>
-              <a:rPr lang="en-US" altLang="ko-KR" dirty="0"/>
-              <a:t> </a:t>
-            </a:r>
-            <a:r>
-              <a:rPr lang="ko-KR" altLang="en-US" dirty="0"/>
-              <a:t>등에 있어서 특정한 소스 코드 작성 방식을 말함</a:t>
-            </a:r>
+              <a:t>ScottPlot.NET</a:t>
+            </a:r>
+            <a:endParaRPr lang="ko-KR" altLang="en-US" dirty="0"/>
           </a:p>
         </p:txBody>
       </p:sp>
@@ -4739,7 +4788,7 @@
           <p:cNvPr id="4" name="날짜 개체 틀 3">
             <a:extLst>
               <a:ext uri="{FF2B5EF4-FFF2-40B4-BE49-F238E27FC236}">
-                <a16:creationId xmlns:a16="http://schemas.microsoft.com/office/drawing/2014/main" id="{1A8E54F8-35BD-8A3B-CA0C-D795B3D9C230}"/>
+                <a16:creationId xmlns:a16="http://schemas.microsoft.com/office/drawing/2014/main" id="{20223B3B-2FCF-58AF-BC81-E9824EB6B19E}"/>
               </a:ext>
             </a:extLst>
           </p:cNvPr>
@@ -4755,9 +4804,9 @@
           <a:bodyPr/>
           <a:lstStyle/>
           <a:p>
-            <a:fld id="{0F78D9C4-20C1-4B15-A116-16DC77AD9A1E}" type="datetime1">
+            <a:fld id="{2E2BEDFA-D8AA-4914-9440-7DF713C99FA9}" type="datetime1">
               <a:rPr lang="ko-KR" altLang="en-US" smtClean="0"/>
-              <a:t>2025-05-19</a:t>
+              <a:t>2025-05-22</a:t>
             </a:fld>
             <a:endParaRPr lang="ko-KR" altLang="en-US"/>
           </a:p>
@@ -4765,10 +4814,10 @@
       </p:sp>
       <p:sp>
         <p:nvSpPr>
-          <p:cNvPr id="5" name="슬라이드 번호 개체 틀 4">
-            <a:extLst>
-              <a:ext uri="{FF2B5EF4-FFF2-40B4-BE49-F238E27FC236}">
-                <a16:creationId xmlns:a16="http://schemas.microsoft.com/office/drawing/2014/main" id="{D1355E91-E4A6-A012-02A9-E599C06DB8C7}"/>
+          <p:cNvPr id="6" name="슬라이드 번호 개체 틀 5">
+            <a:extLst>
+              <a:ext uri="{FF2B5EF4-FFF2-40B4-BE49-F238E27FC236}">
+                <a16:creationId xmlns:a16="http://schemas.microsoft.com/office/drawing/2014/main" id="{AC7112DC-52CD-A148-06F6-6813E1A67427}"/>
               </a:ext>
             </a:extLst>
           </p:cNvPr>
@@ -4795,7 +4844,7 @@
     </p:spTree>
     <p:extLst>
       <p:ext uri="{BB962C8B-B14F-4D97-AF65-F5344CB8AC3E}">
-        <p14:creationId xmlns:p14="http://schemas.microsoft.com/office/powerpoint/2010/main" val="3980907170"/>
+        <p14:creationId xmlns:p14="http://schemas.microsoft.com/office/powerpoint/2010/main" val="3757153032"/>
       </p:ext>
     </p:extLst>
   </p:cSld>
@@ -4827,7 +4876,7 @@
           <p:cNvPr id="2" name="제목 1">
             <a:extLst>
               <a:ext uri="{FF2B5EF4-FFF2-40B4-BE49-F238E27FC236}">
-                <a16:creationId xmlns:a16="http://schemas.microsoft.com/office/drawing/2014/main" id="{15672117-1215-C3DF-77AC-07D54AB22051}"/>
+                <a16:creationId xmlns:a16="http://schemas.microsoft.com/office/drawing/2014/main" id="{E25D0C86-D95A-2B20-471F-DC46DDDBE765}"/>
               </a:ext>
             </a:extLst>
           </p:cNvPr>
@@ -4844,8 +4893,12 @@
           <a:lstStyle/>
           <a:p>
             <a:r>
+              <a:rPr lang="en-US" altLang="ko-KR" dirty="0"/>
+              <a:t>SW </a:t>
+            </a:r>
+            <a:r>
               <a:rPr lang="ko-KR" altLang="en-US" dirty="0"/>
-              <a:t>릴리즈 빌드</a:t>
+              <a:t>디자인 패턴</a:t>
             </a:r>
           </a:p>
         </p:txBody>
@@ -4855,7 +4908,7 @@
           <p:cNvPr id="3" name="내용 개체 틀 2">
             <a:extLst>
               <a:ext uri="{FF2B5EF4-FFF2-40B4-BE49-F238E27FC236}">
-                <a16:creationId xmlns:a16="http://schemas.microsoft.com/office/drawing/2014/main" id="{7467AB6C-494C-2C1F-67AC-F5513D30568C}"/>
+                <a16:creationId xmlns:a16="http://schemas.microsoft.com/office/drawing/2014/main" id="{C637BFCD-7ABF-A996-5D56-7ADB2E33BC19}"/>
               </a:ext>
             </a:extLst>
           </p:cNvPr>
@@ -4873,7 +4926,86 @@
           <a:p>
             <a:r>
               <a:rPr lang="ko-KR" altLang="en-US" dirty="0"/>
-              <a:t>코드 실행 결과는 동일</a:t>
+              <a:t>소프트웨어 개발에 있어 발생하는 문제들에 대한 일반적인 해결책</a:t>
+            </a:r>
+            <a:endParaRPr lang="en-US" altLang="ko-KR" dirty="0"/>
+          </a:p>
+          <a:p>
+            <a:r>
+              <a:rPr lang="ko-KR" altLang="en-US" dirty="0"/>
+              <a:t>특정 문맥</a:t>
+            </a:r>
+            <a:r>
+              <a:rPr lang="en-US" altLang="ko-KR" dirty="0"/>
+              <a:t>(</a:t>
+            </a:r>
+            <a:r>
+              <a:rPr lang="ko-KR" altLang="en-US" dirty="0"/>
+              <a:t>소스코드 구조</a:t>
+            </a:r>
+            <a:r>
+              <a:rPr lang="en-US" altLang="ko-KR" dirty="0"/>
+              <a:t>)</a:t>
+            </a:r>
+            <a:r>
+              <a:rPr lang="ko-KR" altLang="en-US" dirty="0"/>
+              <a:t>에서 발생하는 설계 문제를 해결</a:t>
+            </a:r>
+            <a:endParaRPr lang="en-US" altLang="ko-KR" dirty="0"/>
+          </a:p>
+          <a:p>
+            <a:r>
+              <a:rPr lang="ko-KR" altLang="en-US" dirty="0"/>
+              <a:t>설계 과정에 대한 가이드 또는 지침</a:t>
+            </a:r>
+            <a:endParaRPr lang="en-US" altLang="ko-KR" dirty="0"/>
+          </a:p>
+          <a:p>
+            <a:endParaRPr lang="en-US" altLang="ko-KR" dirty="0"/>
+          </a:p>
+          <a:p>
+            <a:r>
+              <a:rPr lang="ko-KR" altLang="en-US" dirty="0"/>
+              <a:t>즉</a:t>
+            </a:r>
+            <a:r>
+              <a:rPr lang="en-US" altLang="ko-KR" dirty="0"/>
+              <a:t>, </a:t>
+            </a:r>
+            <a:r>
+              <a:rPr lang="ko-KR" altLang="en-US" dirty="0"/>
+              <a:t>자주 발생하는 문제들에 대해 미리 특정한 패턴을 만들어둔 것 </a:t>
+            </a:r>
+            <a:endParaRPr lang="en-US" altLang="ko-KR" dirty="0"/>
+          </a:p>
+          <a:p>
+            <a:r>
+              <a:rPr lang="ko-KR" altLang="en-US" dirty="0"/>
+              <a:t>주로 클래스 정의</a:t>
+            </a:r>
+            <a:r>
+              <a:rPr lang="en-US" altLang="ko-KR" dirty="0"/>
+              <a:t>, </a:t>
+            </a:r>
+            <a:r>
+              <a:rPr lang="ko-KR" altLang="en-US" dirty="0"/>
+              <a:t>클래스 설계</a:t>
+            </a:r>
+            <a:r>
+              <a:rPr lang="en-US" altLang="ko-KR" dirty="0"/>
+              <a:t>, </a:t>
+            </a:r>
+            <a:r>
+              <a:rPr lang="ko-KR" altLang="en-US" dirty="0"/>
+              <a:t>상속 관계</a:t>
+            </a:r>
+            <a:r>
+              <a:rPr lang="en-US" altLang="ko-KR" dirty="0"/>
+              <a:t> </a:t>
+            </a:r>
+            <a:r>
+              <a:rPr lang="ko-KR" altLang="en-US" dirty="0"/>
+              <a:t>등에 있어서 특정한 소스 코드 작성 방식을 말함</a:t>
             </a:r>
           </a:p>
         </p:txBody>
@@ -4883,7 +5015,7 @@
           <p:cNvPr id="4" name="날짜 개체 틀 3">
             <a:extLst>
               <a:ext uri="{FF2B5EF4-FFF2-40B4-BE49-F238E27FC236}">
-                <a16:creationId xmlns:a16="http://schemas.microsoft.com/office/drawing/2014/main" id="{AB7580D8-0674-1F59-341E-CF8E218CABA0}"/>
+                <a16:creationId xmlns:a16="http://schemas.microsoft.com/office/drawing/2014/main" id="{1A8E54F8-35BD-8A3B-CA0C-D795B3D9C230}"/>
               </a:ext>
             </a:extLst>
           </p:cNvPr>
@@ -4901,7 +5033,7 @@
           <a:p>
             <a:fld id="{0F78D9C4-20C1-4B15-A116-16DC77AD9A1E}" type="datetime1">
               <a:rPr lang="ko-KR" altLang="en-US" smtClean="0"/>
-              <a:t>2025-05-19</a:t>
+              <a:t>2025-05-22</a:t>
             </a:fld>
             <a:endParaRPr lang="ko-KR" altLang="en-US"/>
           </a:p>
@@ -4912,7 +5044,7 @@
           <p:cNvPr id="5" name="슬라이드 번호 개체 틀 4">
             <a:extLst>
               <a:ext uri="{FF2B5EF4-FFF2-40B4-BE49-F238E27FC236}">
-                <a16:creationId xmlns:a16="http://schemas.microsoft.com/office/drawing/2014/main" id="{2644C262-F118-1637-D7E6-29B396333A0D}"/>
+                <a16:creationId xmlns:a16="http://schemas.microsoft.com/office/drawing/2014/main" id="{D1355E91-E4A6-A012-02A9-E599C06DB8C7}"/>
               </a:ext>
             </a:extLst>
           </p:cNvPr>
@@ -4931,6 +5063,2846 @@
             <a:fld id="{083A2CE0-18CD-4102-B738-4ACFF9E68BA4}" type="slidenum">
               <a:rPr lang="ko-KR" altLang="en-US" smtClean="0"/>
               <a:t>10</a:t>
+            </a:fld>
+            <a:endParaRPr lang="ko-KR" altLang="en-US"/>
+          </a:p>
+        </p:txBody>
+      </p:sp>
+    </p:spTree>
+    <p:extLst>
+      <p:ext uri="{BB962C8B-B14F-4D97-AF65-F5344CB8AC3E}">
+        <p14:creationId xmlns:p14="http://schemas.microsoft.com/office/powerpoint/2010/main" val="3980907170"/>
+      </p:ext>
+    </p:extLst>
+  </p:cSld>
+  <p:clrMapOvr>
+    <a:masterClrMapping/>
+  </p:clrMapOvr>
+</p:sld>
+</file>
+
+<file path=ppt/slides/slide11.xml><?xml version="1.0" encoding="utf-8"?>
+<p:sld xmlns:a="http://schemas.openxmlformats.org/drawingml/2006/main" xmlns:r="http://schemas.openxmlformats.org/officeDocument/2006/relationships" xmlns:p="http://schemas.openxmlformats.org/presentationml/2006/main">
+  <p:cSld>
+    <p:spTree>
+      <p:nvGrpSpPr>
+        <p:cNvPr id="1" name=""/>
+        <p:cNvGrpSpPr/>
+        <p:nvPr/>
+      </p:nvGrpSpPr>
+      <p:grpSpPr>
+        <a:xfrm>
+          <a:off x="0" y="0"/>
+          <a:ext cx="0" cy="0"/>
+          <a:chOff x="0" y="0"/>
+          <a:chExt cx="0" cy="0"/>
+        </a:xfrm>
+      </p:grpSpPr>
+      <p:sp>
+        <p:nvSpPr>
+          <p:cNvPr id="2" name="제목 1">
+            <a:extLst>
+              <a:ext uri="{FF2B5EF4-FFF2-40B4-BE49-F238E27FC236}">
+                <a16:creationId xmlns:a16="http://schemas.microsoft.com/office/drawing/2014/main" id="{61D38B02-F364-386E-B2BA-0C5AE68CAE53}"/>
+              </a:ext>
+            </a:extLst>
+          </p:cNvPr>
+          <p:cNvSpPr>
+            <a:spLocks noGrp="1"/>
+          </p:cNvSpPr>
+          <p:nvPr>
+            <p:ph type="title"/>
+          </p:nvPr>
+        </p:nvSpPr>
+        <p:spPr/>
+        <p:txBody>
+          <a:bodyPr/>
+          <a:lstStyle/>
+          <a:p>
+            <a:r>
+              <a:rPr lang="en-US" altLang="ko-KR" dirty="0"/>
+              <a:t>SW </a:t>
+            </a:r>
+            <a:r>
+              <a:rPr lang="ko-KR" altLang="en-US" dirty="0"/>
+              <a:t>디자인 패턴</a:t>
+            </a:r>
+          </a:p>
+        </p:txBody>
+      </p:sp>
+      <p:sp>
+        <p:nvSpPr>
+          <p:cNvPr id="3" name="내용 개체 틀 2">
+            <a:extLst>
+              <a:ext uri="{FF2B5EF4-FFF2-40B4-BE49-F238E27FC236}">
+                <a16:creationId xmlns:a16="http://schemas.microsoft.com/office/drawing/2014/main" id="{7CD3EA6F-1C78-E45D-A694-B7D7AB22594D}"/>
+              </a:ext>
+            </a:extLst>
+          </p:cNvPr>
+          <p:cNvSpPr>
+            <a:spLocks noGrp="1"/>
+          </p:cNvSpPr>
+          <p:nvPr>
+            <p:ph idx="1"/>
+          </p:nvPr>
+        </p:nvSpPr>
+        <p:spPr/>
+        <p:txBody>
+          <a:bodyPr>
+            <a:normAutofit lnSpcReduction="10000"/>
+          </a:bodyPr>
+          <a:lstStyle/>
+          <a:p>
+            <a:r>
+              <a:rPr lang="ko-KR" altLang="en-US" dirty="0"/>
+              <a:t>다양한 상황에 대한 해결 방법</a:t>
+            </a:r>
+            <a:r>
+              <a:rPr lang="en-US" altLang="ko-KR" dirty="0"/>
+              <a:t>(</a:t>
+            </a:r>
+            <a:r>
+              <a:rPr lang="ko-KR" altLang="en-US" dirty="0"/>
+              <a:t>디자인 패턴</a:t>
+            </a:r>
+            <a:r>
+              <a:rPr lang="en-US" altLang="ko-KR" dirty="0"/>
+              <a:t>)</a:t>
+            </a:r>
+            <a:r>
+              <a:rPr lang="ko-KR" altLang="en-US" dirty="0"/>
+              <a:t>이 있음</a:t>
+            </a:r>
+            <a:endParaRPr lang="en-US" altLang="ko-KR" dirty="0"/>
+          </a:p>
+          <a:p>
+            <a:pPr lvl="1"/>
+            <a:r>
+              <a:rPr lang="en-US" altLang="ko-KR" dirty="0">
+                <a:solidFill>
+                  <a:srgbClr val="00B050"/>
+                </a:solidFill>
+              </a:rPr>
+              <a:t>Singleton</a:t>
+            </a:r>
+            <a:r>
+              <a:rPr lang="en-US" altLang="ko-KR" dirty="0"/>
+              <a:t>: </a:t>
+            </a:r>
+            <a:r>
+              <a:rPr lang="ko-KR" altLang="en-US" dirty="0"/>
+              <a:t>한 클래스의 인스턴스가 오직 하나만 존재하도록 보장</a:t>
+            </a:r>
+            <a:endParaRPr lang="en-US" altLang="ko-KR" dirty="0"/>
+          </a:p>
+          <a:p>
+            <a:pPr lvl="1"/>
+            <a:r>
+              <a:rPr lang="en-US" altLang="ko-KR" dirty="0"/>
+              <a:t>Prototype:</a:t>
+            </a:r>
+            <a:r>
+              <a:rPr lang="ko-KR" altLang="en-US" dirty="0"/>
+              <a:t> 기존 객체를 복제하여 새로운 객체를 생성</a:t>
+            </a:r>
+            <a:endParaRPr lang="en-US" altLang="ko-KR" dirty="0"/>
+          </a:p>
+          <a:p>
+            <a:pPr lvl="1"/>
+            <a:r>
+              <a:rPr lang="en-US" altLang="ko-KR" dirty="0"/>
+              <a:t>Adapter: </a:t>
+            </a:r>
+            <a:r>
+              <a:rPr lang="ko-KR" altLang="en-US" dirty="0"/>
+              <a:t>호환되지 않는 인터페이스를 가진 클래스들이 함께 작동할 수 있도록 함</a:t>
+            </a:r>
+            <a:endParaRPr lang="en-US" altLang="ko-KR" dirty="0"/>
+          </a:p>
+          <a:p>
+            <a:pPr lvl="1"/>
+            <a:r>
+              <a:rPr lang="en-US" altLang="ko-KR" dirty="0"/>
+              <a:t>Bridge: </a:t>
+            </a:r>
+            <a:r>
+              <a:rPr lang="ko-KR" altLang="en-US" dirty="0"/>
+              <a:t>추상화</a:t>
+            </a:r>
+            <a:r>
+              <a:rPr lang="en-US" altLang="ko-KR" dirty="0"/>
+              <a:t>(Abstract)</a:t>
+            </a:r>
+            <a:r>
+              <a:rPr lang="ko-KR" altLang="en-US" dirty="0"/>
+              <a:t>와 구현을 분리하여</a:t>
+            </a:r>
+            <a:r>
+              <a:rPr lang="en-US" altLang="ko-KR" dirty="0"/>
+              <a:t>, </a:t>
+            </a:r>
+            <a:r>
+              <a:rPr lang="ko-KR" altLang="en-US" dirty="0"/>
+              <a:t>독립적으로 변형될 수 있게 함</a:t>
+            </a:r>
+            <a:endParaRPr lang="en-US" altLang="ko-KR" dirty="0"/>
+          </a:p>
+          <a:p>
+            <a:pPr lvl="1"/>
+            <a:r>
+              <a:rPr lang="en-US" altLang="ko-KR" dirty="0"/>
+              <a:t>Interpreter: </a:t>
+            </a:r>
+            <a:r>
+              <a:rPr lang="ko-KR" altLang="en-US" dirty="0"/>
+              <a:t>주어진 언어의 문법에 대한 표현을 정의하고 문장을 해석</a:t>
+            </a:r>
+            <a:endParaRPr lang="en-US" altLang="ko-KR" dirty="0"/>
+          </a:p>
+          <a:p>
+            <a:pPr lvl="1"/>
+            <a:r>
+              <a:rPr lang="en-US" altLang="ko-KR" dirty="0"/>
+              <a:t>State: </a:t>
+            </a:r>
+            <a:r>
+              <a:rPr lang="ko-KR" altLang="en-US" dirty="0"/>
+              <a:t>객체의 내부 상태에 따라 객체의 행동을 변경</a:t>
+            </a:r>
+            <a:endParaRPr lang="en-US" altLang="ko-KR" dirty="0"/>
+          </a:p>
+          <a:p>
+            <a:pPr lvl="1"/>
+            <a:r>
+              <a:rPr lang="en-US" altLang="ko-KR" dirty="0"/>
+              <a:t>Strategy: </a:t>
+            </a:r>
+            <a:r>
+              <a:rPr lang="ko-KR" altLang="en-US" dirty="0"/>
+              <a:t>알고리즘을 객체의 행동으로 </a:t>
+            </a:r>
+            <a:r>
+              <a:rPr lang="ko-KR" altLang="en-US" dirty="0" err="1"/>
+              <a:t>캡슐화하여</a:t>
+            </a:r>
+            <a:r>
+              <a:rPr lang="ko-KR" altLang="en-US" dirty="0"/>
+              <a:t> 동일한 기능을 하는 다른 알고리즘으로 교체할 수 있게 함</a:t>
+            </a:r>
+            <a:endParaRPr lang="en-US" altLang="ko-KR" dirty="0"/>
+          </a:p>
+          <a:p>
+            <a:pPr lvl="1"/>
+            <a:r>
+              <a:rPr lang="en-US" altLang="ko-KR" dirty="0"/>
+              <a:t>Iterator: </a:t>
+            </a:r>
+            <a:r>
+              <a:rPr lang="ko-KR" altLang="en-US" dirty="0"/>
+              <a:t>컬렉션 내의 요소를 순차적으로 접근하는 방법을 제공</a:t>
+            </a:r>
+            <a:endParaRPr lang="en-US" altLang="ko-KR" dirty="0"/>
+          </a:p>
+          <a:p>
+            <a:pPr lvl="1"/>
+            <a:r>
+              <a:rPr lang="en-US" altLang="ko-KR" dirty="0"/>
+              <a:t>...</a:t>
+            </a:r>
+          </a:p>
+          <a:p>
+            <a:pPr lvl="1"/>
+            <a:endParaRPr lang="ko-KR" altLang="en-US" dirty="0"/>
+          </a:p>
+        </p:txBody>
+      </p:sp>
+      <p:sp>
+        <p:nvSpPr>
+          <p:cNvPr id="4" name="날짜 개체 틀 3">
+            <a:extLst>
+              <a:ext uri="{FF2B5EF4-FFF2-40B4-BE49-F238E27FC236}">
+                <a16:creationId xmlns:a16="http://schemas.microsoft.com/office/drawing/2014/main" id="{D92842D5-8D65-4182-449D-5EE6395D4223}"/>
+              </a:ext>
+            </a:extLst>
+          </p:cNvPr>
+          <p:cNvSpPr>
+            <a:spLocks noGrp="1"/>
+          </p:cNvSpPr>
+          <p:nvPr>
+            <p:ph type="dt" sz="half" idx="10"/>
+          </p:nvPr>
+        </p:nvSpPr>
+        <p:spPr/>
+        <p:txBody>
+          <a:bodyPr/>
+          <a:lstStyle/>
+          <a:p>
+            <a:fld id="{0F78D9C4-20C1-4B15-A116-16DC77AD9A1E}" type="datetime1">
+              <a:rPr lang="ko-KR" altLang="en-US" smtClean="0"/>
+              <a:t>2025-05-22</a:t>
+            </a:fld>
+            <a:endParaRPr lang="ko-KR" altLang="en-US"/>
+          </a:p>
+        </p:txBody>
+      </p:sp>
+      <p:sp>
+        <p:nvSpPr>
+          <p:cNvPr id="5" name="슬라이드 번호 개체 틀 4">
+            <a:extLst>
+              <a:ext uri="{FF2B5EF4-FFF2-40B4-BE49-F238E27FC236}">
+                <a16:creationId xmlns:a16="http://schemas.microsoft.com/office/drawing/2014/main" id="{CA50545B-E805-FC27-89DE-0CF6B963ADAA}"/>
+              </a:ext>
+            </a:extLst>
+          </p:cNvPr>
+          <p:cNvSpPr>
+            <a:spLocks noGrp="1"/>
+          </p:cNvSpPr>
+          <p:nvPr>
+            <p:ph type="sldNum" sz="quarter" idx="12"/>
+          </p:nvPr>
+        </p:nvSpPr>
+        <p:spPr/>
+        <p:txBody>
+          <a:bodyPr/>
+          <a:lstStyle/>
+          <a:p>
+            <a:fld id="{083A2CE0-18CD-4102-B738-4ACFF9E68BA4}" type="slidenum">
+              <a:rPr lang="ko-KR" altLang="en-US" smtClean="0"/>
+              <a:t>11</a:t>
+            </a:fld>
+            <a:endParaRPr lang="ko-KR" altLang="en-US"/>
+          </a:p>
+        </p:txBody>
+      </p:sp>
+    </p:spTree>
+    <p:extLst>
+      <p:ext uri="{BB962C8B-B14F-4D97-AF65-F5344CB8AC3E}">
+        <p14:creationId xmlns:p14="http://schemas.microsoft.com/office/powerpoint/2010/main" val="1658821868"/>
+      </p:ext>
+    </p:extLst>
+  </p:cSld>
+  <p:clrMapOvr>
+    <a:masterClrMapping/>
+  </p:clrMapOvr>
+</p:sld>
+</file>
+
+<file path=ppt/slides/slide12.xml><?xml version="1.0" encoding="utf-8"?>
+<p:sld xmlns:a="http://schemas.openxmlformats.org/drawingml/2006/main" xmlns:r="http://schemas.openxmlformats.org/officeDocument/2006/relationships" xmlns:p="http://schemas.openxmlformats.org/presentationml/2006/main">
+  <p:cSld>
+    <p:spTree>
+      <p:nvGrpSpPr>
+        <p:cNvPr id="1" name=""/>
+        <p:cNvGrpSpPr/>
+        <p:nvPr/>
+      </p:nvGrpSpPr>
+      <p:grpSpPr>
+        <a:xfrm>
+          <a:off x="0" y="0"/>
+          <a:ext cx="0" cy="0"/>
+          <a:chOff x="0" y="0"/>
+          <a:chExt cx="0" cy="0"/>
+        </a:xfrm>
+      </p:grpSpPr>
+      <p:sp>
+        <p:nvSpPr>
+          <p:cNvPr id="2" name="제목 1">
+            <a:extLst>
+              <a:ext uri="{FF2B5EF4-FFF2-40B4-BE49-F238E27FC236}">
+                <a16:creationId xmlns:a16="http://schemas.microsoft.com/office/drawing/2014/main" id="{F158C4E9-5278-CBA7-8BF1-1AFAFCEAECD2}"/>
+              </a:ext>
+            </a:extLst>
+          </p:cNvPr>
+          <p:cNvSpPr>
+            <a:spLocks noGrp="1"/>
+          </p:cNvSpPr>
+          <p:nvPr>
+            <p:ph type="title"/>
+          </p:nvPr>
+        </p:nvSpPr>
+        <p:spPr/>
+        <p:txBody>
+          <a:bodyPr/>
+          <a:lstStyle/>
+          <a:p>
+            <a:r>
+              <a:rPr lang="en-US" altLang="ko-KR" dirty="0"/>
+              <a:t>Singleton </a:t>
+            </a:r>
+            <a:r>
+              <a:rPr lang="ko-KR" altLang="en-US" dirty="0"/>
+              <a:t>패턴</a:t>
+            </a:r>
+          </a:p>
+        </p:txBody>
+      </p:sp>
+      <p:sp>
+        <p:nvSpPr>
+          <p:cNvPr id="3" name="내용 개체 틀 2">
+            <a:extLst>
+              <a:ext uri="{FF2B5EF4-FFF2-40B4-BE49-F238E27FC236}">
+                <a16:creationId xmlns:a16="http://schemas.microsoft.com/office/drawing/2014/main" id="{6F3F0FBC-FE39-DD3B-5B60-63E7BF0D8511}"/>
+              </a:ext>
+            </a:extLst>
+          </p:cNvPr>
+          <p:cNvSpPr>
+            <a:spLocks noGrp="1"/>
+          </p:cNvSpPr>
+          <p:nvPr>
+            <p:ph idx="1"/>
+          </p:nvPr>
+        </p:nvSpPr>
+        <p:spPr/>
+        <p:txBody>
+          <a:bodyPr/>
+          <a:lstStyle/>
+          <a:p>
+            <a:r>
+              <a:rPr lang="ko-KR" altLang="en-US" dirty="0"/>
+              <a:t>클래스의 인스턴스가 프로그램 전체에서 오직 하나만 존재해야 할 때 사용</a:t>
+            </a:r>
+            <a:endParaRPr lang="en-US" altLang="ko-KR" dirty="0"/>
+          </a:p>
+          <a:p>
+            <a:pPr lvl="1"/>
+            <a:r>
+              <a:rPr lang="ko-KR" altLang="en-US" dirty="0"/>
+              <a:t>예</a:t>
+            </a:r>
+            <a:r>
+              <a:rPr lang="en-US" altLang="ko-KR" dirty="0"/>
+              <a:t>) </a:t>
+            </a:r>
+            <a:r>
+              <a:rPr lang="ko-KR" altLang="en-US" dirty="0"/>
+              <a:t>게임 점수 및 승패를 결정하는 </a:t>
+            </a:r>
+            <a:r>
+              <a:rPr lang="en-US" altLang="ko-KR" dirty="0" err="1"/>
+              <a:t>GameManager</a:t>
+            </a:r>
+            <a:r>
+              <a:rPr lang="ko-KR" altLang="en-US" dirty="0"/>
+              <a:t> 클래스</a:t>
+            </a:r>
+          </a:p>
+        </p:txBody>
+      </p:sp>
+      <p:sp>
+        <p:nvSpPr>
+          <p:cNvPr id="4" name="날짜 개체 틀 3">
+            <a:extLst>
+              <a:ext uri="{FF2B5EF4-FFF2-40B4-BE49-F238E27FC236}">
+                <a16:creationId xmlns:a16="http://schemas.microsoft.com/office/drawing/2014/main" id="{F049ADBB-5F5C-B6AE-AAEB-F6B866C08351}"/>
+              </a:ext>
+            </a:extLst>
+          </p:cNvPr>
+          <p:cNvSpPr>
+            <a:spLocks noGrp="1"/>
+          </p:cNvSpPr>
+          <p:nvPr>
+            <p:ph type="dt" sz="half" idx="10"/>
+          </p:nvPr>
+        </p:nvSpPr>
+        <p:spPr/>
+        <p:txBody>
+          <a:bodyPr/>
+          <a:lstStyle/>
+          <a:p>
+            <a:fld id="{0F78D9C4-20C1-4B15-A116-16DC77AD9A1E}" type="datetime1">
+              <a:rPr lang="ko-KR" altLang="en-US" smtClean="0"/>
+              <a:t>2025-05-22</a:t>
+            </a:fld>
+            <a:endParaRPr lang="ko-KR" altLang="en-US"/>
+          </a:p>
+        </p:txBody>
+      </p:sp>
+      <p:sp>
+        <p:nvSpPr>
+          <p:cNvPr id="5" name="슬라이드 번호 개체 틀 4">
+            <a:extLst>
+              <a:ext uri="{FF2B5EF4-FFF2-40B4-BE49-F238E27FC236}">
+                <a16:creationId xmlns:a16="http://schemas.microsoft.com/office/drawing/2014/main" id="{0B6F1BCC-30D8-DE80-86EB-394D584311CD}"/>
+              </a:ext>
+            </a:extLst>
+          </p:cNvPr>
+          <p:cNvSpPr>
+            <a:spLocks noGrp="1"/>
+          </p:cNvSpPr>
+          <p:nvPr>
+            <p:ph type="sldNum" sz="quarter" idx="12"/>
+          </p:nvPr>
+        </p:nvSpPr>
+        <p:spPr/>
+        <p:txBody>
+          <a:bodyPr/>
+          <a:lstStyle/>
+          <a:p>
+            <a:fld id="{083A2CE0-18CD-4102-B738-4ACFF9E68BA4}" type="slidenum">
+              <a:rPr lang="ko-KR" altLang="en-US" smtClean="0"/>
+              <a:t>12</a:t>
+            </a:fld>
+            <a:endParaRPr lang="ko-KR" altLang="en-US"/>
+          </a:p>
+        </p:txBody>
+      </p:sp>
+      <p:pic>
+        <p:nvPicPr>
+          <p:cNvPr id="7" name="그림 6">
+            <a:extLst>
+              <a:ext uri="{FF2B5EF4-FFF2-40B4-BE49-F238E27FC236}">
+                <a16:creationId xmlns:a16="http://schemas.microsoft.com/office/drawing/2014/main" id="{E1974C51-1450-9630-9D3D-F761262ADC00}"/>
+              </a:ext>
+            </a:extLst>
+          </p:cNvPr>
+          <p:cNvPicPr>
+            <a:picLocks noChangeAspect="1"/>
+          </p:cNvPicPr>
+          <p:nvPr/>
+        </p:nvPicPr>
+        <p:blipFill>
+          <a:blip r:embed="rId2"/>
+          <a:stretch>
+            <a:fillRect/>
+          </a:stretch>
+        </p:blipFill>
+        <p:spPr>
+          <a:xfrm>
+            <a:off x="324111" y="2752494"/>
+            <a:ext cx="5654195" cy="3647487"/>
+          </a:xfrm>
+          <a:prstGeom prst="rect">
+            <a:avLst/>
+          </a:prstGeom>
+        </p:spPr>
+      </p:pic>
+      <p:pic>
+        <p:nvPicPr>
+          <p:cNvPr id="9" name="그림 8">
+            <a:extLst>
+              <a:ext uri="{FF2B5EF4-FFF2-40B4-BE49-F238E27FC236}">
+                <a16:creationId xmlns:a16="http://schemas.microsoft.com/office/drawing/2014/main" id="{B5D5594C-EC71-70D4-70F7-22404D71318B}"/>
+              </a:ext>
+            </a:extLst>
+          </p:cNvPr>
+          <p:cNvPicPr>
+            <a:picLocks noChangeAspect="1"/>
+          </p:cNvPicPr>
+          <p:nvPr/>
+        </p:nvPicPr>
+        <p:blipFill>
+          <a:blip r:embed="rId3"/>
+          <a:stretch>
+            <a:fillRect/>
+          </a:stretch>
+        </p:blipFill>
+        <p:spPr>
+          <a:xfrm>
+            <a:off x="5995641" y="2763645"/>
+            <a:ext cx="6050478" cy="1919863"/>
+          </a:xfrm>
+          <a:prstGeom prst="rect">
+            <a:avLst/>
+          </a:prstGeom>
+        </p:spPr>
+      </p:pic>
+    </p:spTree>
+    <p:extLst>
+      <p:ext uri="{BB962C8B-B14F-4D97-AF65-F5344CB8AC3E}">
+        <p14:creationId xmlns:p14="http://schemas.microsoft.com/office/powerpoint/2010/main" val="3404123429"/>
+      </p:ext>
+    </p:extLst>
+  </p:cSld>
+  <p:clrMapOvr>
+    <a:masterClrMapping/>
+  </p:clrMapOvr>
+</p:sld>
+</file>
+
+<file path=ppt/slides/slide13.xml><?xml version="1.0" encoding="utf-8"?>
+<p:sld xmlns:a="http://schemas.openxmlformats.org/drawingml/2006/main" xmlns:r="http://schemas.openxmlformats.org/officeDocument/2006/relationships" xmlns:p="http://schemas.openxmlformats.org/presentationml/2006/main">
+  <p:cSld>
+    <p:spTree>
+      <p:nvGrpSpPr>
+        <p:cNvPr id="1" name=""/>
+        <p:cNvGrpSpPr/>
+        <p:nvPr/>
+      </p:nvGrpSpPr>
+      <p:grpSpPr>
+        <a:xfrm>
+          <a:off x="0" y="0"/>
+          <a:ext cx="0" cy="0"/>
+          <a:chOff x="0" y="0"/>
+          <a:chExt cx="0" cy="0"/>
+        </a:xfrm>
+      </p:grpSpPr>
+      <p:pic>
+        <p:nvPicPr>
+          <p:cNvPr id="6" name="그림 5">
+            <a:extLst>
+              <a:ext uri="{FF2B5EF4-FFF2-40B4-BE49-F238E27FC236}">
+                <a16:creationId xmlns:a16="http://schemas.microsoft.com/office/drawing/2014/main" id="{8A9F8BD3-07E3-DFE2-6156-828C48F8203C}"/>
+              </a:ext>
+            </a:extLst>
+          </p:cNvPr>
+          <p:cNvPicPr>
+            <a:picLocks noChangeAspect="1"/>
+          </p:cNvPicPr>
+          <p:nvPr/>
+        </p:nvPicPr>
+        <p:blipFill>
+          <a:blip r:embed="rId3"/>
+          <a:stretch>
+            <a:fillRect/>
+          </a:stretch>
+        </p:blipFill>
+        <p:spPr>
+          <a:xfrm>
+            <a:off x="7443769" y="1859148"/>
+            <a:ext cx="4748231" cy="3388650"/>
+          </a:xfrm>
+          <a:prstGeom prst="rect">
+            <a:avLst/>
+          </a:prstGeom>
+        </p:spPr>
+      </p:pic>
+      <p:sp>
+        <p:nvSpPr>
+          <p:cNvPr id="2" name="제목 1">
+            <a:extLst>
+              <a:ext uri="{FF2B5EF4-FFF2-40B4-BE49-F238E27FC236}">
+                <a16:creationId xmlns:a16="http://schemas.microsoft.com/office/drawing/2014/main" id="{FF6F4E9B-7388-97E9-9E63-C391980784FE}"/>
+              </a:ext>
+            </a:extLst>
+          </p:cNvPr>
+          <p:cNvSpPr>
+            <a:spLocks noGrp="1"/>
+          </p:cNvSpPr>
+          <p:nvPr>
+            <p:ph type="title"/>
+          </p:nvPr>
+        </p:nvSpPr>
+        <p:spPr/>
+        <p:txBody>
+          <a:bodyPr/>
+          <a:lstStyle/>
+          <a:p>
+            <a:r>
+              <a:rPr lang="en-US" altLang="ko-KR" dirty="0"/>
+              <a:t>MVC </a:t>
+            </a:r>
+            <a:r>
+              <a:rPr lang="ko-KR" altLang="en-US" dirty="0"/>
+              <a:t>패턴</a:t>
+            </a:r>
+          </a:p>
+        </p:txBody>
+      </p:sp>
+      <p:sp>
+        <p:nvSpPr>
+          <p:cNvPr id="4" name="날짜 개체 틀 3">
+            <a:extLst>
+              <a:ext uri="{FF2B5EF4-FFF2-40B4-BE49-F238E27FC236}">
+                <a16:creationId xmlns:a16="http://schemas.microsoft.com/office/drawing/2014/main" id="{3D63D705-7C15-33E0-BE4F-6DB21E173FA3}"/>
+              </a:ext>
+            </a:extLst>
+          </p:cNvPr>
+          <p:cNvSpPr>
+            <a:spLocks noGrp="1"/>
+          </p:cNvSpPr>
+          <p:nvPr>
+            <p:ph type="dt" sz="half" idx="10"/>
+          </p:nvPr>
+        </p:nvSpPr>
+        <p:spPr/>
+        <p:txBody>
+          <a:bodyPr/>
+          <a:lstStyle/>
+          <a:p>
+            <a:fld id="{0F78D9C4-20C1-4B15-A116-16DC77AD9A1E}" type="datetime1">
+              <a:rPr lang="ko-KR" altLang="en-US" smtClean="0"/>
+              <a:t>2025-05-22</a:t>
+            </a:fld>
+            <a:endParaRPr lang="ko-KR" altLang="en-US"/>
+          </a:p>
+        </p:txBody>
+      </p:sp>
+      <p:sp>
+        <p:nvSpPr>
+          <p:cNvPr id="5" name="슬라이드 번호 개체 틀 4">
+            <a:extLst>
+              <a:ext uri="{FF2B5EF4-FFF2-40B4-BE49-F238E27FC236}">
+                <a16:creationId xmlns:a16="http://schemas.microsoft.com/office/drawing/2014/main" id="{236BE420-8F8C-85E9-FF1E-568D045CF6EF}"/>
+              </a:ext>
+            </a:extLst>
+          </p:cNvPr>
+          <p:cNvSpPr>
+            <a:spLocks noGrp="1"/>
+          </p:cNvSpPr>
+          <p:nvPr>
+            <p:ph type="sldNum" sz="quarter" idx="12"/>
+          </p:nvPr>
+        </p:nvSpPr>
+        <p:spPr/>
+        <p:txBody>
+          <a:bodyPr/>
+          <a:lstStyle/>
+          <a:p>
+            <a:fld id="{083A2CE0-18CD-4102-B738-4ACFF9E68BA4}" type="slidenum">
+              <a:rPr lang="ko-KR" altLang="en-US" smtClean="0"/>
+              <a:t>13</a:t>
+            </a:fld>
+            <a:endParaRPr lang="ko-KR" altLang="en-US"/>
+          </a:p>
+        </p:txBody>
+      </p:sp>
+      <p:sp>
+        <p:nvSpPr>
+          <p:cNvPr id="3" name="TextBox 2">
+            <a:extLst>
+              <a:ext uri="{FF2B5EF4-FFF2-40B4-BE49-F238E27FC236}">
+                <a16:creationId xmlns:a16="http://schemas.microsoft.com/office/drawing/2014/main" id="{B5DF70C3-FBA0-A0EA-EA36-9F324D555ABB}"/>
+              </a:ext>
+            </a:extLst>
+          </p:cNvPr>
+          <p:cNvSpPr txBox="1"/>
+          <p:nvPr/>
+        </p:nvSpPr>
+        <p:spPr>
+          <a:xfrm>
+            <a:off x="157044" y="1572172"/>
+            <a:ext cx="7241191" cy="3619452"/>
+          </a:xfrm>
+          <a:prstGeom prst="rect">
+            <a:avLst/>
+          </a:prstGeom>
+          <a:noFill/>
+        </p:spPr>
+        <p:txBody>
+          <a:bodyPr wrap="square" rtlCol="0">
+            <a:spAutoFit/>
+          </a:bodyPr>
+          <a:lstStyle/>
+          <a:p>
+            <a:pPr marL="285750" indent="-285750">
+              <a:lnSpc>
+                <a:spcPct val="120000"/>
+              </a:lnSpc>
+              <a:buFont typeface="Arial" panose="020B0604020202020204" pitchFamily="34" charset="0"/>
+              <a:buChar char="•"/>
+            </a:pPr>
+            <a:r>
+              <a:rPr lang="en-US" altLang="ko-KR" sz="2400" b="1" dirty="0" err="1"/>
+              <a:t>WinForm</a:t>
+            </a:r>
+            <a:r>
+              <a:rPr lang="en-US" altLang="ko-KR" sz="2400" b="1" dirty="0"/>
+              <a:t> </a:t>
+            </a:r>
+            <a:r>
+              <a:rPr lang="ko-KR" altLang="en-US" sz="2400" b="1" dirty="0"/>
+              <a:t>개발에 있어 권장되는 디자인 패턴</a:t>
+            </a:r>
+            <a:endParaRPr lang="en-US" altLang="ko-KR" sz="2400" b="1" dirty="0"/>
+          </a:p>
+          <a:p>
+            <a:pPr marL="285750" indent="-285750">
+              <a:lnSpc>
+                <a:spcPct val="120000"/>
+              </a:lnSpc>
+              <a:buFont typeface="Arial" panose="020B0604020202020204" pitchFamily="34" charset="0"/>
+              <a:buChar char="•"/>
+            </a:pPr>
+            <a:endParaRPr lang="en-US" altLang="ko-KR" sz="2400" b="1" dirty="0"/>
+          </a:p>
+          <a:p>
+            <a:pPr marL="285750" indent="-285750">
+              <a:lnSpc>
+                <a:spcPct val="120000"/>
+              </a:lnSpc>
+              <a:buFont typeface="Arial" panose="020B0604020202020204" pitchFamily="34" charset="0"/>
+              <a:buChar char="•"/>
+            </a:pPr>
+            <a:r>
+              <a:rPr lang="en-US" altLang="ko-KR" sz="2400" b="1" dirty="0"/>
+              <a:t>MVC(Model + View + Controller) </a:t>
+            </a:r>
+            <a:r>
+              <a:rPr lang="ko-KR" altLang="en-US" sz="2400" b="1" dirty="0"/>
+              <a:t>패턴 시나리오</a:t>
+            </a:r>
+            <a:endParaRPr lang="en-US" altLang="ko-KR" sz="2400" b="1" dirty="0"/>
+          </a:p>
+          <a:p>
+            <a:pPr marL="742950" lvl="1" indent="-285750">
+              <a:lnSpc>
+                <a:spcPct val="120000"/>
+              </a:lnSpc>
+              <a:buFont typeface="Arial" panose="020B0604020202020204" pitchFamily="34" charset="0"/>
+              <a:buChar char="•"/>
+            </a:pPr>
+            <a:r>
+              <a:rPr lang="ko-KR" altLang="en-US" sz="2400" dirty="0"/>
+              <a:t>사용자의 </a:t>
+            </a:r>
+            <a:r>
+              <a:rPr lang="en-US" altLang="ko-KR" sz="2400" dirty="0"/>
+              <a:t>Action</a:t>
+            </a:r>
+            <a:r>
+              <a:rPr lang="ko-KR" altLang="en-US" sz="2400" dirty="0"/>
+              <a:t>들은 </a:t>
+            </a:r>
+            <a:r>
+              <a:rPr lang="en-US" altLang="ko-KR" sz="2400" dirty="0"/>
+              <a:t>Controller</a:t>
+            </a:r>
+            <a:r>
+              <a:rPr lang="ko-KR" altLang="en-US" sz="2400" dirty="0"/>
+              <a:t>에 들어옴</a:t>
+            </a:r>
+            <a:endParaRPr lang="en-US" altLang="ko-KR" sz="2400" dirty="0"/>
+          </a:p>
+          <a:p>
+            <a:pPr marL="742950" lvl="1" indent="-285750">
+              <a:lnSpc>
+                <a:spcPct val="120000"/>
+              </a:lnSpc>
+              <a:buFont typeface="Arial" panose="020B0604020202020204" pitchFamily="34" charset="0"/>
+              <a:buChar char="•"/>
+            </a:pPr>
+            <a:r>
+              <a:rPr lang="en-US" altLang="ko-KR" sz="2400" dirty="0"/>
+              <a:t>Controller</a:t>
+            </a:r>
+            <a:r>
+              <a:rPr lang="ko-KR" altLang="en-US" sz="2400" dirty="0"/>
+              <a:t>는 사용자의 </a:t>
+            </a:r>
+            <a:r>
+              <a:rPr lang="en-US" altLang="ko-KR" sz="2400" dirty="0"/>
+              <a:t>Action</a:t>
+            </a:r>
+            <a:r>
+              <a:rPr lang="ko-KR" altLang="en-US" sz="2400" dirty="0"/>
+              <a:t>을 확인하고</a:t>
+            </a:r>
+            <a:r>
+              <a:rPr lang="en-US" altLang="ko-KR" sz="2400" dirty="0"/>
+              <a:t>, Model</a:t>
+            </a:r>
+            <a:r>
+              <a:rPr lang="ko-KR" altLang="en-US" sz="2400" dirty="0"/>
+              <a:t>을 업데이트</a:t>
+            </a:r>
+            <a:endParaRPr lang="en-US" altLang="ko-KR" sz="2400" dirty="0"/>
+          </a:p>
+          <a:p>
+            <a:pPr marL="742950" lvl="1" indent="-285750">
+              <a:lnSpc>
+                <a:spcPct val="120000"/>
+              </a:lnSpc>
+              <a:buFont typeface="Arial" panose="020B0604020202020204" pitchFamily="34" charset="0"/>
+              <a:buChar char="•"/>
+            </a:pPr>
+            <a:r>
+              <a:rPr lang="en-US" altLang="ko-KR" sz="2400" dirty="0"/>
+              <a:t>Controller</a:t>
+            </a:r>
+            <a:r>
+              <a:rPr lang="ko-KR" altLang="en-US" sz="2400" dirty="0"/>
+              <a:t>는 </a:t>
+            </a:r>
+            <a:r>
+              <a:rPr lang="en-US" altLang="ko-KR" sz="2400" dirty="0"/>
+              <a:t>Model</a:t>
+            </a:r>
+            <a:r>
+              <a:rPr lang="ko-KR" altLang="en-US" sz="2400" dirty="0"/>
+              <a:t>을 나타내 줄 </a:t>
+            </a:r>
+            <a:r>
+              <a:rPr lang="en-US" altLang="ko-KR" sz="2400" dirty="0"/>
+              <a:t>View</a:t>
+            </a:r>
+            <a:r>
+              <a:rPr lang="ko-KR" altLang="en-US" sz="2400" dirty="0"/>
+              <a:t>를 선택</a:t>
+            </a:r>
+            <a:endParaRPr lang="en-US" altLang="ko-KR" sz="2400" dirty="0"/>
+          </a:p>
+          <a:p>
+            <a:pPr marL="742950" lvl="1" indent="-285750">
+              <a:lnSpc>
+                <a:spcPct val="120000"/>
+              </a:lnSpc>
+              <a:buFont typeface="Arial" panose="020B0604020202020204" pitchFamily="34" charset="0"/>
+              <a:buChar char="•"/>
+            </a:pPr>
+            <a:r>
+              <a:rPr lang="en-US" altLang="ko-KR" sz="2400" dirty="0"/>
+              <a:t>View</a:t>
+            </a:r>
+            <a:r>
+              <a:rPr lang="ko-KR" altLang="en-US" sz="2400" dirty="0"/>
+              <a:t>는 </a:t>
+            </a:r>
+            <a:r>
+              <a:rPr lang="en-US" altLang="ko-KR" sz="2400" dirty="0"/>
+              <a:t>Model</a:t>
+            </a:r>
+            <a:r>
+              <a:rPr lang="ko-KR" altLang="en-US" sz="2400" dirty="0"/>
+              <a:t>을 이용하여 화면을 나타냄</a:t>
+            </a:r>
+          </a:p>
+        </p:txBody>
+      </p:sp>
+    </p:spTree>
+    <p:extLst>
+      <p:ext uri="{BB962C8B-B14F-4D97-AF65-F5344CB8AC3E}">
+        <p14:creationId xmlns:p14="http://schemas.microsoft.com/office/powerpoint/2010/main" val="3051755043"/>
+      </p:ext>
+    </p:extLst>
+  </p:cSld>
+  <p:clrMapOvr>
+    <a:masterClrMapping/>
+  </p:clrMapOvr>
+</p:sld>
+</file>
+
+<file path=ppt/slides/slide14.xml><?xml version="1.0" encoding="utf-8"?>
+<p:sld xmlns:a="http://schemas.openxmlformats.org/drawingml/2006/main" xmlns:r="http://schemas.openxmlformats.org/officeDocument/2006/relationships" xmlns:p="http://schemas.openxmlformats.org/presentationml/2006/main">
+  <p:cSld>
+    <p:spTree>
+      <p:nvGrpSpPr>
+        <p:cNvPr id="1" name="">
+          <a:extLst>
+            <a:ext uri="{FF2B5EF4-FFF2-40B4-BE49-F238E27FC236}">
+              <a16:creationId xmlns:a16="http://schemas.microsoft.com/office/drawing/2014/main" id="{70DB591A-B2C5-1155-5FCD-DF1DCB634094}"/>
+            </a:ext>
+          </a:extLst>
+        </p:cNvPr>
+        <p:cNvGrpSpPr/>
+        <p:nvPr/>
+      </p:nvGrpSpPr>
+      <p:grpSpPr>
+        <a:xfrm>
+          <a:off x="0" y="0"/>
+          <a:ext cx="0" cy="0"/>
+          <a:chOff x="0" y="0"/>
+          <a:chExt cx="0" cy="0"/>
+        </a:xfrm>
+      </p:grpSpPr>
+      <p:pic>
+        <p:nvPicPr>
+          <p:cNvPr id="6" name="그림 5">
+            <a:extLst>
+              <a:ext uri="{FF2B5EF4-FFF2-40B4-BE49-F238E27FC236}">
+                <a16:creationId xmlns:a16="http://schemas.microsoft.com/office/drawing/2014/main" id="{F9BF7011-AF43-32A4-EF64-FC74AC8BEF6E}"/>
+              </a:ext>
+            </a:extLst>
+          </p:cNvPr>
+          <p:cNvPicPr>
+            <a:picLocks noChangeAspect="1"/>
+          </p:cNvPicPr>
+          <p:nvPr/>
+        </p:nvPicPr>
+        <p:blipFill>
+          <a:blip r:embed="rId3"/>
+          <a:stretch>
+            <a:fillRect/>
+          </a:stretch>
+        </p:blipFill>
+        <p:spPr>
+          <a:xfrm>
+            <a:off x="7443769" y="1859148"/>
+            <a:ext cx="4748231" cy="3388650"/>
+          </a:xfrm>
+          <a:prstGeom prst="rect">
+            <a:avLst/>
+          </a:prstGeom>
+        </p:spPr>
+      </p:pic>
+      <p:sp>
+        <p:nvSpPr>
+          <p:cNvPr id="2" name="제목 1">
+            <a:extLst>
+              <a:ext uri="{FF2B5EF4-FFF2-40B4-BE49-F238E27FC236}">
+                <a16:creationId xmlns:a16="http://schemas.microsoft.com/office/drawing/2014/main" id="{7D4FE4BD-6C1B-98DF-C6E3-5E542B164BA2}"/>
+              </a:ext>
+            </a:extLst>
+          </p:cNvPr>
+          <p:cNvSpPr>
+            <a:spLocks noGrp="1"/>
+          </p:cNvSpPr>
+          <p:nvPr>
+            <p:ph type="title"/>
+          </p:nvPr>
+        </p:nvSpPr>
+        <p:spPr/>
+        <p:txBody>
+          <a:bodyPr/>
+          <a:lstStyle/>
+          <a:p>
+            <a:r>
+              <a:rPr lang="en-US" altLang="ko-KR" dirty="0"/>
+              <a:t>MVC </a:t>
+            </a:r>
+            <a:r>
+              <a:rPr lang="ko-KR" altLang="en-US" dirty="0"/>
+              <a:t>패턴</a:t>
+            </a:r>
+          </a:p>
+        </p:txBody>
+      </p:sp>
+      <p:sp>
+        <p:nvSpPr>
+          <p:cNvPr id="4" name="날짜 개체 틀 3">
+            <a:extLst>
+              <a:ext uri="{FF2B5EF4-FFF2-40B4-BE49-F238E27FC236}">
+                <a16:creationId xmlns:a16="http://schemas.microsoft.com/office/drawing/2014/main" id="{B8D6CEB1-A6E2-E938-468E-B59B20193E2B}"/>
+              </a:ext>
+            </a:extLst>
+          </p:cNvPr>
+          <p:cNvSpPr>
+            <a:spLocks noGrp="1"/>
+          </p:cNvSpPr>
+          <p:nvPr>
+            <p:ph type="dt" sz="half" idx="10"/>
+          </p:nvPr>
+        </p:nvSpPr>
+        <p:spPr/>
+        <p:txBody>
+          <a:bodyPr/>
+          <a:lstStyle/>
+          <a:p>
+            <a:fld id="{0F78D9C4-20C1-4B15-A116-16DC77AD9A1E}" type="datetime1">
+              <a:rPr lang="ko-KR" altLang="en-US" smtClean="0"/>
+              <a:t>2025-05-22</a:t>
+            </a:fld>
+            <a:endParaRPr lang="ko-KR" altLang="en-US"/>
+          </a:p>
+        </p:txBody>
+      </p:sp>
+      <p:sp>
+        <p:nvSpPr>
+          <p:cNvPr id="5" name="슬라이드 번호 개체 틀 4">
+            <a:extLst>
+              <a:ext uri="{FF2B5EF4-FFF2-40B4-BE49-F238E27FC236}">
+                <a16:creationId xmlns:a16="http://schemas.microsoft.com/office/drawing/2014/main" id="{91E0BD37-3226-B822-8BBA-4B25B7D6243B}"/>
+              </a:ext>
+            </a:extLst>
+          </p:cNvPr>
+          <p:cNvSpPr>
+            <a:spLocks noGrp="1"/>
+          </p:cNvSpPr>
+          <p:nvPr>
+            <p:ph type="sldNum" sz="quarter" idx="12"/>
+          </p:nvPr>
+        </p:nvSpPr>
+        <p:spPr/>
+        <p:txBody>
+          <a:bodyPr/>
+          <a:lstStyle/>
+          <a:p>
+            <a:fld id="{083A2CE0-18CD-4102-B738-4ACFF9E68BA4}" type="slidenum">
+              <a:rPr lang="ko-KR" altLang="en-US" smtClean="0"/>
+              <a:t>14</a:t>
+            </a:fld>
+            <a:endParaRPr lang="ko-KR" altLang="en-US"/>
+          </a:p>
+        </p:txBody>
+      </p:sp>
+      <p:sp>
+        <p:nvSpPr>
+          <p:cNvPr id="3" name="TextBox 2">
+            <a:extLst>
+              <a:ext uri="{FF2B5EF4-FFF2-40B4-BE49-F238E27FC236}">
+                <a16:creationId xmlns:a16="http://schemas.microsoft.com/office/drawing/2014/main" id="{0704DB15-8DFD-9715-47EB-F97F684B1D1C}"/>
+              </a:ext>
+            </a:extLst>
+          </p:cNvPr>
+          <p:cNvSpPr txBox="1"/>
+          <p:nvPr/>
+        </p:nvSpPr>
+        <p:spPr>
+          <a:xfrm>
+            <a:off x="223950" y="1572172"/>
+            <a:ext cx="7342480" cy="4801314"/>
+          </a:xfrm>
+          <a:prstGeom prst="rect">
+            <a:avLst/>
+          </a:prstGeom>
+          <a:noFill/>
+        </p:spPr>
+        <p:txBody>
+          <a:bodyPr wrap="square" rtlCol="0">
+            <a:spAutoFit/>
+          </a:bodyPr>
+          <a:lstStyle/>
+          <a:p>
+            <a:pPr marL="285750" indent="-285750">
+              <a:lnSpc>
+                <a:spcPct val="120000"/>
+              </a:lnSpc>
+              <a:buFont typeface="Arial" panose="020B0604020202020204" pitchFamily="34" charset="0"/>
+              <a:buChar char="•"/>
+            </a:pPr>
+            <a:r>
+              <a:rPr lang="en-US" altLang="ko-KR" sz="2400" b="1" dirty="0"/>
+              <a:t>Model</a:t>
+            </a:r>
+          </a:p>
+          <a:p>
+            <a:pPr marL="742950" lvl="1" indent="-285750">
+              <a:lnSpc>
+                <a:spcPct val="120000"/>
+              </a:lnSpc>
+              <a:buFont typeface="Arial" panose="020B0604020202020204" pitchFamily="34" charset="0"/>
+              <a:buChar char="•"/>
+            </a:pPr>
+            <a:r>
+              <a:rPr lang="ko-KR" altLang="en-US" sz="2000" dirty="0"/>
+              <a:t>사용자 정보만 갖고 있는 클래스</a:t>
+            </a:r>
+            <a:endParaRPr lang="en-US" altLang="ko-KR" sz="2000" dirty="0"/>
+          </a:p>
+          <a:p>
+            <a:pPr marL="742950" lvl="1" indent="-285750">
+              <a:lnSpc>
+                <a:spcPct val="120000"/>
+              </a:lnSpc>
+              <a:buFont typeface="Arial" panose="020B0604020202020204" pitchFamily="34" charset="0"/>
+              <a:buChar char="•"/>
+            </a:pPr>
+            <a:r>
+              <a:rPr lang="ko-KR" altLang="en-US" sz="2000" dirty="0"/>
+              <a:t>예</a:t>
+            </a:r>
+            <a:r>
+              <a:rPr lang="en-US" altLang="ko-KR" sz="2000" dirty="0"/>
+              <a:t>) User </a:t>
+            </a:r>
+            <a:r>
+              <a:rPr lang="ko-KR" altLang="en-US" sz="2000" dirty="0"/>
+              <a:t>클래스 </a:t>
+            </a:r>
+            <a:r>
+              <a:rPr lang="en-US" altLang="ko-KR" sz="2000" dirty="0"/>
+              <a:t>(</a:t>
+            </a:r>
+            <a:r>
+              <a:rPr lang="ko-KR" altLang="en-US" sz="2000" dirty="0"/>
+              <a:t>이름</a:t>
+            </a:r>
+            <a:r>
+              <a:rPr lang="en-US" altLang="ko-KR" sz="2000" dirty="0"/>
+              <a:t>, ID, PW, </a:t>
+            </a:r>
+            <a:r>
+              <a:rPr lang="ko-KR" altLang="en-US" sz="2000" dirty="0"/>
+              <a:t>전화번호</a:t>
+            </a:r>
+            <a:r>
+              <a:rPr lang="en-US" altLang="ko-KR" sz="2000" dirty="0"/>
+              <a:t>)</a:t>
+            </a:r>
+          </a:p>
+          <a:p>
+            <a:pPr marL="285750" indent="-285750">
+              <a:lnSpc>
+                <a:spcPct val="120000"/>
+              </a:lnSpc>
+              <a:buFont typeface="Arial" panose="020B0604020202020204" pitchFamily="34" charset="0"/>
+              <a:buChar char="•"/>
+            </a:pPr>
+            <a:r>
+              <a:rPr lang="en-US" altLang="ko-KR" sz="2400" b="1" dirty="0"/>
+              <a:t>View</a:t>
+            </a:r>
+            <a:r>
+              <a:rPr lang="en-US" altLang="ko-KR" sz="2400" dirty="0"/>
+              <a:t> </a:t>
+            </a:r>
+          </a:p>
+          <a:p>
+            <a:pPr marL="742950" lvl="1" indent="-285750">
+              <a:lnSpc>
+                <a:spcPct val="120000"/>
+              </a:lnSpc>
+              <a:buFont typeface="Arial" panose="020B0604020202020204" pitchFamily="34" charset="0"/>
+              <a:buChar char="•"/>
+            </a:pPr>
+            <a:r>
+              <a:rPr lang="en-US" altLang="ko-KR" sz="2000" dirty="0"/>
+              <a:t>Form1.cs</a:t>
+            </a:r>
+            <a:r>
+              <a:rPr lang="ko-KR" altLang="en-US" sz="2000" dirty="0"/>
+              <a:t> 라고 보면 됨</a:t>
+            </a:r>
+            <a:endParaRPr lang="en-US" altLang="ko-KR" sz="2000" dirty="0"/>
+          </a:p>
+          <a:p>
+            <a:pPr marL="742950" lvl="1" indent="-285750">
+              <a:lnSpc>
+                <a:spcPct val="120000"/>
+              </a:lnSpc>
+              <a:buFont typeface="Arial" panose="020B0604020202020204" pitchFamily="34" charset="0"/>
+              <a:buChar char="•"/>
+            </a:pPr>
+            <a:r>
+              <a:rPr lang="en-US" altLang="ko-KR" sz="2000" dirty="0"/>
+              <a:t>(View</a:t>
+            </a:r>
+            <a:r>
+              <a:rPr lang="ko-KR" altLang="en-US" sz="2000" dirty="0"/>
+              <a:t>가 하는 일이 매우 많음</a:t>
+            </a:r>
+            <a:r>
+              <a:rPr lang="en-US" altLang="ko-KR" sz="2000" dirty="0"/>
+              <a:t>)</a:t>
+            </a:r>
+          </a:p>
+          <a:p>
+            <a:pPr marL="285750" indent="-285750">
+              <a:lnSpc>
+                <a:spcPct val="120000"/>
+              </a:lnSpc>
+              <a:buFont typeface="Arial" panose="020B0604020202020204" pitchFamily="34" charset="0"/>
+              <a:buChar char="•"/>
+            </a:pPr>
+            <a:r>
+              <a:rPr lang="en-US" altLang="ko-KR" sz="2400" b="1" dirty="0"/>
+              <a:t>Controller</a:t>
+            </a:r>
+          </a:p>
+          <a:p>
+            <a:pPr marL="742950" lvl="1" indent="-285750">
+              <a:lnSpc>
+                <a:spcPct val="120000"/>
+              </a:lnSpc>
+              <a:buFont typeface="Arial" panose="020B0604020202020204" pitchFamily="34" charset="0"/>
+              <a:buChar char="•"/>
+            </a:pPr>
+            <a:r>
+              <a:rPr lang="en-US" altLang="ko-KR" sz="2000" dirty="0"/>
+              <a:t>View</a:t>
+            </a:r>
+            <a:r>
+              <a:rPr lang="ko-KR" altLang="en-US" sz="2000" dirty="0"/>
+              <a:t>로 부터 받은 입력을 처리하여 </a:t>
+            </a:r>
+            <a:r>
+              <a:rPr lang="en-US" altLang="ko-KR" sz="2000" dirty="0"/>
+              <a:t>Model</a:t>
+            </a:r>
+            <a:r>
+              <a:rPr lang="ko-KR" altLang="en-US" sz="2000" dirty="0"/>
+              <a:t>을 정보를 업데이트</a:t>
+            </a:r>
+            <a:endParaRPr lang="en-US" altLang="ko-KR" sz="2000" dirty="0"/>
+          </a:p>
+          <a:p>
+            <a:pPr marL="742950" lvl="1" indent="-285750">
+              <a:lnSpc>
+                <a:spcPct val="120000"/>
+              </a:lnSpc>
+              <a:buFont typeface="Arial" panose="020B0604020202020204" pitchFamily="34" charset="0"/>
+              <a:buChar char="•"/>
+            </a:pPr>
+            <a:r>
+              <a:rPr lang="en-US" altLang="ko-KR" sz="2000" dirty="0"/>
+              <a:t>Model </a:t>
+            </a:r>
+            <a:r>
+              <a:rPr lang="ko-KR" altLang="en-US" sz="2000" dirty="0"/>
+              <a:t>정보가 업데이트 되면 </a:t>
+            </a:r>
+            <a:r>
+              <a:rPr lang="en-US" altLang="ko-KR" sz="2000" dirty="0"/>
+              <a:t>View</a:t>
+            </a:r>
+            <a:r>
+              <a:rPr lang="ko-KR" altLang="en-US" sz="2000" dirty="0"/>
+              <a:t>에 표시</a:t>
+            </a:r>
+            <a:endParaRPr lang="en-US" altLang="ko-KR" sz="2000" dirty="0"/>
+          </a:p>
+          <a:p>
+            <a:pPr marL="742950" lvl="1" indent="-285750">
+              <a:lnSpc>
+                <a:spcPct val="120000"/>
+              </a:lnSpc>
+              <a:buFont typeface="Arial" panose="020B0604020202020204" pitchFamily="34" charset="0"/>
+              <a:buChar char="•"/>
+            </a:pPr>
+            <a:r>
+              <a:rPr lang="ko-KR" altLang="en-US" sz="2000" dirty="0"/>
+              <a:t>예</a:t>
+            </a:r>
+            <a:r>
+              <a:rPr lang="en-US" altLang="ko-KR" sz="2000" dirty="0"/>
+              <a:t>) </a:t>
+            </a:r>
+            <a:r>
+              <a:rPr lang="en-US" altLang="ko-KR" sz="2000" dirty="0" err="1"/>
+              <a:t>UserControl</a:t>
+            </a:r>
+            <a:r>
+              <a:rPr lang="en-US" altLang="ko-KR" sz="2000" dirty="0"/>
+              <a:t> </a:t>
+            </a:r>
+            <a:r>
+              <a:rPr lang="ko-KR" altLang="en-US" sz="2000" dirty="0"/>
+              <a:t>클래스 </a:t>
+            </a:r>
+            <a:r>
+              <a:rPr lang="en-US" altLang="ko-KR" sz="2000" dirty="0"/>
+              <a:t>(</a:t>
+            </a:r>
+            <a:r>
+              <a:rPr lang="en-US" altLang="ko-KR" sz="2000" dirty="0" err="1"/>
+              <a:t>TextBox</a:t>
+            </a:r>
+            <a:r>
+              <a:rPr lang="ko-KR" altLang="en-US" sz="2000" dirty="0"/>
+              <a:t>로 입력 받은 값을 </a:t>
+            </a:r>
+            <a:r>
+              <a:rPr lang="en-US" altLang="ko-KR" sz="2000" dirty="0"/>
+              <a:t>User </a:t>
+            </a:r>
+            <a:r>
+              <a:rPr lang="ko-KR" altLang="en-US" sz="2000" dirty="0"/>
+              <a:t>클래스에 복사</a:t>
+            </a:r>
+            <a:r>
+              <a:rPr lang="en-US" altLang="ko-KR" sz="2000" dirty="0"/>
+              <a:t>, User </a:t>
+            </a:r>
+            <a:r>
+              <a:rPr lang="ko-KR" altLang="en-US" sz="2000" dirty="0"/>
+              <a:t>클래스의 정보와 비교하여 로그인 여부 체크 등</a:t>
+            </a:r>
+            <a:r>
+              <a:rPr lang="en-US" altLang="ko-KR" sz="2000" dirty="0"/>
+              <a:t>)</a:t>
+            </a:r>
+          </a:p>
+          <a:p>
+            <a:pPr marL="285750" indent="-285750">
+              <a:lnSpc>
+                <a:spcPct val="120000"/>
+              </a:lnSpc>
+              <a:buFont typeface="Arial" panose="020B0604020202020204" pitchFamily="34" charset="0"/>
+              <a:buChar char="•"/>
+            </a:pPr>
+            <a:endParaRPr lang="ko-KR" altLang="en-US" sz="2400" dirty="0"/>
+          </a:p>
+        </p:txBody>
+      </p:sp>
+    </p:spTree>
+    <p:extLst>
+      <p:ext uri="{BB962C8B-B14F-4D97-AF65-F5344CB8AC3E}">
+        <p14:creationId xmlns:p14="http://schemas.microsoft.com/office/powerpoint/2010/main" val="2606538847"/>
+      </p:ext>
+    </p:extLst>
+  </p:cSld>
+  <p:clrMapOvr>
+    <a:masterClrMapping/>
+  </p:clrMapOvr>
+</p:sld>
+</file>
+
+<file path=ppt/slides/slide15.xml><?xml version="1.0" encoding="utf-8"?>
+<p:sld xmlns:a="http://schemas.openxmlformats.org/drawingml/2006/main" xmlns:r="http://schemas.openxmlformats.org/officeDocument/2006/relationships" xmlns:p="http://schemas.openxmlformats.org/presentationml/2006/main">
+  <p:cSld>
+    <p:spTree>
+      <p:nvGrpSpPr>
+        <p:cNvPr id="1" name=""/>
+        <p:cNvGrpSpPr/>
+        <p:nvPr/>
+      </p:nvGrpSpPr>
+      <p:grpSpPr>
+        <a:xfrm>
+          <a:off x="0" y="0"/>
+          <a:ext cx="0" cy="0"/>
+          <a:chOff x="0" y="0"/>
+          <a:chExt cx="0" cy="0"/>
+        </a:xfrm>
+      </p:grpSpPr>
+      <p:sp>
+        <p:nvSpPr>
+          <p:cNvPr id="2" name="제목 1">
+            <a:extLst>
+              <a:ext uri="{FF2B5EF4-FFF2-40B4-BE49-F238E27FC236}">
+                <a16:creationId xmlns:a16="http://schemas.microsoft.com/office/drawing/2014/main" id="{FF6F4E9B-7388-97E9-9E63-C391980784FE}"/>
+              </a:ext>
+            </a:extLst>
+          </p:cNvPr>
+          <p:cNvSpPr>
+            <a:spLocks noGrp="1"/>
+          </p:cNvSpPr>
+          <p:nvPr>
+            <p:ph type="title"/>
+          </p:nvPr>
+        </p:nvSpPr>
+        <p:spPr/>
+        <p:txBody>
+          <a:bodyPr/>
+          <a:lstStyle/>
+          <a:p>
+            <a:r>
+              <a:rPr lang="en-US" altLang="ko-KR" dirty="0"/>
+              <a:t>MVVM </a:t>
+            </a:r>
+            <a:r>
+              <a:rPr lang="ko-KR" altLang="en-US" dirty="0"/>
+              <a:t>패턴</a:t>
+            </a:r>
+          </a:p>
+        </p:txBody>
+      </p:sp>
+      <p:sp>
+        <p:nvSpPr>
+          <p:cNvPr id="4" name="날짜 개체 틀 3">
+            <a:extLst>
+              <a:ext uri="{FF2B5EF4-FFF2-40B4-BE49-F238E27FC236}">
+                <a16:creationId xmlns:a16="http://schemas.microsoft.com/office/drawing/2014/main" id="{3D63D705-7C15-33E0-BE4F-6DB21E173FA3}"/>
+              </a:ext>
+            </a:extLst>
+          </p:cNvPr>
+          <p:cNvSpPr>
+            <a:spLocks noGrp="1"/>
+          </p:cNvSpPr>
+          <p:nvPr>
+            <p:ph type="dt" sz="half" idx="10"/>
+          </p:nvPr>
+        </p:nvSpPr>
+        <p:spPr/>
+        <p:txBody>
+          <a:bodyPr/>
+          <a:lstStyle/>
+          <a:p>
+            <a:fld id="{0F78D9C4-20C1-4B15-A116-16DC77AD9A1E}" type="datetime1">
+              <a:rPr lang="ko-KR" altLang="en-US" smtClean="0"/>
+              <a:t>2025-05-22</a:t>
+            </a:fld>
+            <a:endParaRPr lang="ko-KR" altLang="en-US"/>
+          </a:p>
+        </p:txBody>
+      </p:sp>
+      <p:sp>
+        <p:nvSpPr>
+          <p:cNvPr id="5" name="슬라이드 번호 개체 틀 4">
+            <a:extLst>
+              <a:ext uri="{FF2B5EF4-FFF2-40B4-BE49-F238E27FC236}">
+                <a16:creationId xmlns:a16="http://schemas.microsoft.com/office/drawing/2014/main" id="{236BE420-8F8C-85E9-FF1E-568D045CF6EF}"/>
+              </a:ext>
+            </a:extLst>
+          </p:cNvPr>
+          <p:cNvSpPr>
+            <a:spLocks noGrp="1"/>
+          </p:cNvSpPr>
+          <p:nvPr>
+            <p:ph type="sldNum" sz="quarter" idx="12"/>
+          </p:nvPr>
+        </p:nvSpPr>
+        <p:spPr/>
+        <p:txBody>
+          <a:bodyPr/>
+          <a:lstStyle/>
+          <a:p>
+            <a:fld id="{083A2CE0-18CD-4102-B738-4ACFF9E68BA4}" type="slidenum">
+              <a:rPr lang="ko-KR" altLang="en-US" smtClean="0"/>
+              <a:t>15</a:t>
+            </a:fld>
+            <a:endParaRPr lang="ko-KR" altLang="en-US"/>
+          </a:p>
+        </p:txBody>
+      </p:sp>
+      <p:sp>
+        <p:nvSpPr>
+          <p:cNvPr id="3" name="TextBox 2">
+            <a:extLst>
+              <a:ext uri="{FF2B5EF4-FFF2-40B4-BE49-F238E27FC236}">
+                <a16:creationId xmlns:a16="http://schemas.microsoft.com/office/drawing/2014/main" id="{B5DF70C3-FBA0-A0EA-EA36-9F324D555ABB}"/>
+              </a:ext>
+            </a:extLst>
+          </p:cNvPr>
+          <p:cNvSpPr txBox="1"/>
+          <p:nvPr/>
+        </p:nvSpPr>
+        <p:spPr>
+          <a:xfrm>
+            <a:off x="251789" y="1690688"/>
+            <a:ext cx="7617594" cy="3416320"/>
+          </a:xfrm>
+          <a:prstGeom prst="rect">
+            <a:avLst/>
+          </a:prstGeom>
+          <a:noFill/>
+        </p:spPr>
+        <p:txBody>
+          <a:bodyPr wrap="square" rtlCol="0">
+            <a:spAutoFit/>
+          </a:bodyPr>
+          <a:lstStyle/>
+          <a:p>
+            <a:pPr marL="285750" indent="-285750">
+              <a:buFont typeface="Arial" panose="020B0604020202020204" pitchFamily="34" charset="0"/>
+              <a:buChar char="•"/>
+            </a:pPr>
+            <a:r>
+              <a:rPr lang="en-US" altLang="ko-KR" sz="2400" dirty="0"/>
+              <a:t>WPF </a:t>
+            </a:r>
+            <a:r>
+              <a:rPr lang="ko-KR" altLang="en-US" sz="2400" dirty="0"/>
+              <a:t>출시와 함께 </a:t>
+            </a:r>
+            <a:r>
+              <a:rPr lang="en-US" altLang="ko-KR" sz="2400" dirty="0"/>
+              <a:t>Microsoft</a:t>
+            </a:r>
+            <a:r>
+              <a:rPr lang="ko-KR" altLang="en-US" sz="2400" dirty="0"/>
+              <a:t>에서 개발한 디자인 패턴</a:t>
+            </a:r>
+            <a:endParaRPr lang="en-US" altLang="ko-KR" sz="2400" dirty="0"/>
+          </a:p>
+          <a:p>
+            <a:pPr marL="285750" indent="-285750">
+              <a:buFont typeface="Arial" panose="020B0604020202020204" pitchFamily="34" charset="0"/>
+              <a:buChar char="•"/>
+            </a:pPr>
+            <a:endParaRPr lang="en-US" altLang="ko-KR" sz="2400" dirty="0"/>
+          </a:p>
+          <a:p>
+            <a:pPr marL="285750" indent="-285750">
+              <a:buFont typeface="Arial" panose="020B0604020202020204" pitchFamily="34" charset="0"/>
+              <a:buChar char="•"/>
+            </a:pPr>
+            <a:r>
+              <a:rPr lang="en-US" altLang="ko-KR" sz="2400" dirty="0"/>
+              <a:t>Model</a:t>
+            </a:r>
+            <a:r>
+              <a:rPr lang="ko-KR" altLang="en-US" sz="2400" dirty="0"/>
+              <a:t> </a:t>
+            </a:r>
+            <a:r>
+              <a:rPr lang="en-US" altLang="ko-KR" sz="2400" dirty="0"/>
+              <a:t>+</a:t>
+            </a:r>
+            <a:r>
+              <a:rPr lang="ko-KR" altLang="en-US" sz="2400" dirty="0"/>
+              <a:t> </a:t>
+            </a:r>
+            <a:r>
+              <a:rPr lang="en-US" altLang="ko-KR" sz="2400" dirty="0"/>
+              <a:t>View</a:t>
+            </a:r>
+            <a:r>
+              <a:rPr lang="ko-KR" altLang="en-US" sz="2400" dirty="0"/>
+              <a:t> </a:t>
+            </a:r>
+            <a:r>
+              <a:rPr lang="en-US" altLang="ko-KR" sz="2400" dirty="0"/>
+              <a:t>+ </a:t>
+            </a:r>
+            <a:r>
+              <a:rPr lang="en-US" altLang="ko-KR" sz="2400" dirty="0">
+                <a:solidFill>
+                  <a:srgbClr val="00B050"/>
+                </a:solidFill>
+              </a:rPr>
+              <a:t>View Model </a:t>
+            </a:r>
+            <a:r>
+              <a:rPr lang="ko-KR" altLang="en-US" sz="2400" dirty="0">
+                <a:solidFill>
+                  <a:srgbClr val="00B050"/>
+                </a:solidFill>
+              </a:rPr>
+              <a:t>로 구성됨</a:t>
+            </a:r>
+            <a:endParaRPr lang="en-US" altLang="ko-KR" sz="2400" dirty="0"/>
+          </a:p>
+          <a:p>
+            <a:pPr marL="285750" indent="-285750">
+              <a:buFont typeface="Arial" panose="020B0604020202020204" pitchFamily="34" charset="0"/>
+              <a:buChar char="•"/>
+            </a:pPr>
+            <a:endParaRPr lang="en-US" altLang="ko-KR" sz="2400" dirty="0"/>
+          </a:p>
+          <a:p>
+            <a:pPr marL="285750" indent="-285750">
+              <a:buFont typeface="Arial" panose="020B0604020202020204" pitchFamily="34" charset="0"/>
+              <a:buChar char="•"/>
+            </a:pPr>
+            <a:r>
+              <a:rPr lang="ko-KR" altLang="en-US" sz="2400" dirty="0"/>
+              <a:t>사용자 인터페이스에서 발생하는 이벤트 중심의 프로그래밍에서 탈피하기 위한 목적에서 고안 됨 </a:t>
+            </a:r>
+            <a:r>
+              <a:rPr lang="en-US" altLang="ko-KR" sz="2400" dirty="0"/>
+              <a:t>(View</a:t>
+            </a:r>
+            <a:r>
+              <a:rPr lang="ko-KR" altLang="en-US" sz="2400" dirty="0"/>
+              <a:t>가 너무 많은 기능을 담당하는 것을 방지</a:t>
+            </a:r>
+            <a:r>
+              <a:rPr lang="en-US" altLang="ko-KR" sz="2400" dirty="0"/>
+              <a:t>)</a:t>
+            </a:r>
+          </a:p>
+          <a:p>
+            <a:pPr marL="285750" indent="-285750">
+              <a:buFont typeface="Arial" panose="020B0604020202020204" pitchFamily="34" charset="0"/>
+              <a:buChar char="•"/>
+            </a:pPr>
+            <a:endParaRPr lang="en-US" altLang="ko-KR" sz="2400" dirty="0"/>
+          </a:p>
+          <a:p>
+            <a:pPr marL="285750" indent="-285750">
+              <a:buFont typeface="Arial" panose="020B0604020202020204" pitchFamily="34" charset="0"/>
+              <a:buChar char="•"/>
+            </a:pPr>
+            <a:r>
+              <a:rPr lang="ko-KR" altLang="en-US" sz="2400" dirty="0"/>
+              <a:t>개발 속도 향상 보다 유지보수를 쉽게 하기 위함</a:t>
+            </a:r>
+          </a:p>
+        </p:txBody>
+      </p:sp>
+      <p:pic>
+        <p:nvPicPr>
+          <p:cNvPr id="1028" name="Picture 4" descr="MVVM">
+            <a:extLst>
+              <a:ext uri="{FF2B5EF4-FFF2-40B4-BE49-F238E27FC236}">
+                <a16:creationId xmlns:a16="http://schemas.microsoft.com/office/drawing/2014/main" id="{71506DD0-2A35-43B2-4DC1-152EFA82AFD5}"/>
+              </a:ext>
+            </a:extLst>
+          </p:cNvPr>
+          <p:cNvPicPr>
+            <a:picLocks noChangeAspect="1" noChangeArrowheads="1"/>
+          </p:cNvPicPr>
+          <p:nvPr/>
+        </p:nvPicPr>
+        <p:blipFill>
+          <a:blip r:embed="rId3">
+            <a:extLst>
+              <a:ext uri="{28A0092B-C50C-407E-A947-70E740481C1C}">
+                <a14:useLocalDpi xmlns:a14="http://schemas.microsoft.com/office/drawing/2010/main" val="0"/>
+              </a:ext>
+            </a:extLst>
+          </a:blip>
+          <a:srcRect/>
+          <a:stretch>
+            <a:fillRect/>
+          </a:stretch>
+        </p:blipFill>
+        <p:spPr bwMode="auto">
+          <a:xfrm>
+            <a:off x="8050727" y="2200535"/>
+            <a:ext cx="3889484" cy="2883149"/>
+          </a:xfrm>
+          <a:prstGeom prst="rect">
+            <a:avLst/>
+          </a:prstGeom>
+          <a:noFill/>
+          <a:extLst>
+            <a:ext uri="{909E8E84-426E-40DD-AFC4-6F175D3DCCD1}">
+              <a14:hiddenFill xmlns:a14="http://schemas.microsoft.com/office/drawing/2010/main">
+                <a:solidFill>
+                  <a:srgbClr val="FFFFFF"/>
+                </a:solidFill>
+              </a14:hiddenFill>
+            </a:ext>
+          </a:extLst>
+        </p:spPr>
+      </p:pic>
+    </p:spTree>
+    <p:extLst>
+      <p:ext uri="{BB962C8B-B14F-4D97-AF65-F5344CB8AC3E}">
+        <p14:creationId xmlns:p14="http://schemas.microsoft.com/office/powerpoint/2010/main" val="3320831510"/>
+      </p:ext>
+    </p:extLst>
+  </p:cSld>
+  <p:clrMapOvr>
+    <a:masterClrMapping/>
+  </p:clrMapOvr>
+</p:sld>
+</file>
+
+<file path=ppt/slides/slide16.xml><?xml version="1.0" encoding="utf-8"?>
+<p:sld xmlns:a="http://schemas.openxmlformats.org/drawingml/2006/main" xmlns:r="http://schemas.openxmlformats.org/officeDocument/2006/relationships" xmlns:p="http://schemas.openxmlformats.org/presentationml/2006/main">
+  <p:cSld>
+    <p:spTree>
+      <p:nvGrpSpPr>
+        <p:cNvPr id="1" name=""/>
+        <p:cNvGrpSpPr/>
+        <p:nvPr/>
+      </p:nvGrpSpPr>
+      <p:grpSpPr>
+        <a:xfrm>
+          <a:off x="0" y="0"/>
+          <a:ext cx="0" cy="0"/>
+          <a:chOff x="0" y="0"/>
+          <a:chExt cx="0" cy="0"/>
+        </a:xfrm>
+      </p:grpSpPr>
+      <p:sp>
+        <p:nvSpPr>
+          <p:cNvPr id="2" name="제목 1">
+            <a:extLst>
+              <a:ext uri="{FF2B5EF4-FFF2-40B4-BE49-F238E27FC236}">
+                <a16:creationId xmlns:a16="http://schemas.microsoft.com/office/drawing/2014/main" id="{FF6F4E9B-7388-97E9-9E63-C391980784FE}"/>
+              </a:ext>
+            </a:extLst>
+          </p:cNvPr>
+          <p:cNvSpPr>
+            <a:spLocks noGrp="1"/>
+          </p:cNvSpPr>
+          <p:nvPr>
+            <p:ph type="title"/>
+          </p:nvPr>
+        </p:nvSpPr>
+        <p:spPr/>
+        <p:txBody>
+          <a:bodyPr/>
+          <a:lstStyle/>
+          <a:p>
+            <a:r>
+              <a:rPr lang="en-US" altLang="ko-KR" dirty="0"/>
+              <a:t>MVVM </a:t>
+            </a:r>
+            <a:r>
+              <a:rPr lang="ko-KR" altLang="en-US" dirty="0"/>
+              <a:t>패턴</a:t>
+            </a:r>
+          </a:p>
+        </p:txBody>
+      </p:sp>
+      <p:sp>
+        <p:nvSpPr>
+          <p:cNvPr id="4" name="날짜 개체 틀 3">
+            <a:extLst>
+              <a:ext uri="{FF2B5EF4-FFF2-40B4-BE49-F238E27FC236}">
+                <a16:creationId xmlns:a16="http://schemas.microsoft.com/office/drawing/2014/main" id="{3D63D705-7C15-33E0-BE4F-6DB21E173FA3}"/>
+              </a:ext>
+            </a:extLst>
+          </p:cNvPr>
+          <p:cNvSpPr>
+            <a:spLocks noGrp="1"/>
+          </p:cNvSpPr>
+          <p:nvPr>
+            <p:ph type="dt" sz="half" idx="10"/>
+          </p:nvPr>
+        </p:nvSpPr>
+        <p:spPr/>
+        <p:txBody>
+          <a:bodyPr/>
+          <a:lstStyle/>
+          <a:p>
+            <a:fld id="{0F78D9C4-20C1-4B15-A116-16DC77AD9A1E}" type="datetime1">
+              <a:rPr lang="ko-KR" altLang="en-US" smtClean="0"/>
+              <a:t>2025-05-22</a:t>
+            </a:fld>
+            <a:endParaRPr lang="ko-KR" altLang="en-US"/>
+          </a:p>
+        </p:txBody>
+      </p:sp>
+      <p:sp>
+        <p:nvSpPr>
+          <p:cNvPr id="5" name="슬라이드 번호 개체 틀 4">
+            <a:extLst>
+              <a:ext uri="{FF2B5EF4-FFF2-40B4-BE49-F238E27FC236}">
+                <a16:creationId xmlns:a16="http://schemas.microsoft.com/office/drawing/2014/main" id="{236BE420-8F8C-85E9-FF1E-568D045CF6EF}"/>
+              </a:ext>
+            </a:extLst>
+          </p:cNvPr>
+          <p:cNvSpPr>
+            <a:spLocks noGrp="1"/>
+          </p:cNvSpPr>
+          <p:nvPr>
+            <p:ph type="sldNum" sz="quarter" idx="12"/>
+          </p:nvPr>
+        </p:nvSpPr>
+        <p:spPr/>
+        <p:txBody>
+          <a:bodyPr/>
+          <a:lstStyle/>
+          <a:p>
+            <a:fld id="{083A2CE0-18CD-4102-B738-4ACFF9E68BA4}" type="slidenum">
+              <a:rPr lang="ko-KR" altLang="en-US" smtClean="0"/>
+              <a:t>16</a:t>
+            </a:fld>
+            <a:endParaRPr lang="ko-KR" altLang="en-US"/>
+          </a:p>
+        </p:txBody>
+      </p:sp>
+      <p:sp>
+        <p:nvSpPr>
+          <p:cNvPr id="3" name="TextBox 2">
+            <a:extLst>
+              <a:ext uri="{FF2B5EF4-FFF2-40B4-BE49-F238E27FC236}">
+                <a16:creationId xmlns:a16="http://schemas.microsoft.com/office/drawing/2014/main" id="{B5DF70C3-FBA0-A0EA-EA36-9F324D555ABB}"/>
+              </a:ext>
+            </a:extLst>
+          </p:cNvPr>
+          <p:cNvSpPr txBox="1"/>
+          <p:nvPr/>
+        </p:nvSpPr>
+        <p:spPr>
+          <a:xfrm>
+            <a:off x="461818" y="1690688"/>
+            <a:ext cx="7518401" cy="4862870"/>
+          </a:xfrm>
+          <a:prstGeom prst="rect">
+            <a:avLst/>
+          </a:prstGeom>
+          <a:noFill/>
+        </p:spPr>
+        <p:txBody>
+          <a:bodyPr wrap="square" rtlCol="0">
+            <a:spAutoFit/>
+          </a:bodyPr>
+          <a:lstStyle/>
+          <a:p>
+            <a:pPr marL="285750" indent="-285750">
+              <a:lnSpc>
+                <a:spcPct val="150000"/>
+              </a:lnSpc>
+              <a:buFont typeface="Arial" panose="020B0604020202020204" pitchFamily="34" charset="0"/>
+              <a:buChar char="•"/>
+            </a:pPr>
+            <a:r>
+              <a:rPr lang="en-US" altLang="ko-KR" sz="2000" dirty="0"/>
+              <a:t>MVVM </a:t>
+            </a:r>
+            <a:r>
+              <a:rPr lang="ko-KR" altLang="en-US" sz="2000" dirty="0"/>
+              <a:t>패턴 동작 시나리오</a:t>
+            </a:r>
+            <a:endParaRPr lang="en-US" altLang="ko-KR" sz="2000" dirty="0"/>
+          </a:p>
+          <a:p>
+            <a:pPr marL="971550" lvl="1" indent="-514350">
+              <a:lnSpc>
+                <a:spcPct val="120000"/>
+              </a:lnSpc>
+              <a:buFont typeface="+mj-lt"/>
+              <a:buAutoNum type="arabicPeriod"/>
+            </a:pPr>
+            <a:r>
+              <a:rPr lang="ko-KR" altLang="en-US" sz="2000" dirty="0"/>
+              <a:t>사용자의 </a:t>
+            </a:r>
+            <a:r>
+              <a:rPr lang="en-US" altLang="ko-KR" sz="2000" dirty="0"/>
+              <a:t>Action</a:t>
+            </a:r>
+            <a:r>
+              <a:rPr lang="ko-KR" altLang="en-US" sz="2000" dirty="0"/>
+              <a:t>은 </a:t>
+            </a:r>
+            <a:r>
+              <a:rPr lang="en-US" altLang="ko-KR" sz="2000" dirty="0"/>
+              <a:t>View</a:t>
+            </a:r>
+            <a:r>
+              <a:rPr lang="ko-KR" altLang="en-US" sz="2000" dirty="0"/>
+              <a:t>를 통해 들어옴</a:t>
+            </a:r>
+            <a:endParaRPr lang="en-US" altLang="ko-KR" sz="2000" dirty="0"/>
+          </a:p>
+          <a:p>
+            <a:pPr marL="971550" lvl="1" indent="-514350">
+              <a:lnSpc>
+                <a:spcPct val="120000"/>
+              </a:lnSpc>
+              <a:buFont typeface="+mj-lt"/>
+              <a:buAutoNum type="arabicPeriod"/>
+            </a:pPr>
+            <a:r>
+              <a:rPr lang="en-US" altLang="ko-KR" sz="2000" dirty="0"/>
+              <a:t>View</a:t>
+            </a:r>
+            <a:r>
+              <a:rPr lang="ko-KR" altLang="en-US" sz="2000" dirty="0"/>
+              <a:t>에 </a:t>
+            </a:r>
+            <a:r>
+              <a:rPr lang="en-US" altLang="ko-KR" sz="2000" dirty="0"/>
+              <a:t>Action</a:t>
+            </a:r>
+            <a:r>
+              <a:rPr lang="ko-KR" altLang="en-US" sz="2000" dirty="0"/>
+              <a:t>이 들어오면</a:t>
+            </a:r>
+            <a:r>
+              <a:rPr lang="en-US" altLang="ko-KR" sz="2000" dirty="0"/>
+              <a:t>, Command </a:t>
+            </a:r>
+            <a:r>
+              <a:rPr lang="ko-KR" altLang="en-US" sz="2000" dirty="0"/>
+              <a:t>패턴으로 </a:t>
+            </a:r>
+            <a:r>
+              <a:rPr lang="en-US" altLang="ko-KR" sz="2000" dirty="0"/>
+              <a:t>View Model</a:t>
+            </a:r>
+            <a:r>
+              <a:rPr lang="ko-KR" altLang="en-US" sz="2000" dirty="0"/>
+              <a:t>에 </a:t>
+            </a:r>
+            <a:r>
+              <a:rPr lang="en-US" altLang="ko-KR" sz="2000" dirty="0"/>
+              <a:t>Action</a:t>
+            </a:r>
+            <a:r>
+              <a:rPr lang="ko-KR" altLang="en-US" sz="2000" dirty="0"/>
+              <a:t>을 전달</a:t>
+            </a:r>
+            <a:endParaRPr lang="en-US" altLang="ko-KR" sz="2000" dirty="0"/>
+          </a:p>
+          <a:p>
+            <a:pPr marL="1428750" lvl="2" indent="-514350">
+              <a:lnSpc>
+                <a:spcPct val="120000"/>
+              </a:lnSpc>
+              <a:buFont typeface="Arial" panose="020B0604020202020204" pitchFamily="34" charset="0"/>
+              <a:buChar char="•"/>
+            </a:pPr>
+            <a:r>
+              <a:rPr lang="en-US" altLang="ko-KR" sz="2000" dirty="0"/>
+              <a:t>Command </a:t>
+            </a:r>
+            <a:r>
+              <a:rPr lang="ko-KR" altLang="en-US" sz="2000" dirty="0"/>
+              <a:t>패턴은 사용자 요청을 매개변수로 직접 전달하는 것이 아니라 각종 관련 정보들을 포함한 객체로 한 번 감싸서 전달하는 것</a:t>
+            </a:r>
+            <a:endParaRPr lang="en-US" altLang="ko-KR" sz="2000" dirty="0"/>
+          </a:p>
+          <a:p>
+            <a:pPr marL="971550" lvl="1" indent="-514350">
+              <a:lnSpc>
+                <a:spcPct val="120000"/>
+              </a:lnSpc>
+              <a:buFont typeface="+mj-lt"/>
+              <a:buAutoNum type="arabicPeriod"/>
+            </a:pPr>
+            <a:r>
+              <a:rPr lang="en-US" altLang="ko-KR" sz="2000" dirty="0"/>
+              <a:t>View Model</a:t>
+            </a:r>
+            <a:r>
+              <a:rPr lang="ko-KR" altLang="en-US" sz="2000" dirty="0"/>
+              <a:t>은 </a:t>
+            </a:r>
+            <a:r>
+              <a:rPr lang="en-US" altLang="ko-KR" sz="2000" dirty="0"/>
+              <a:t>Model</a:t>
+            </a:r>
+            <a:r>
+              <a:rPr lang="ko-KR" altLang="en-US" sz="2000" dirty="0"/>
+              <a:t>에게 데이터를 요청</a:t>
+            </a:r>
+            <a:endParaRPr lang="en-US" altLang="ko-KR" sz="2000" dirty="0"/>
+          </a:p>
+          <a:p>
+            <a:pPr marL="971550" lvl="1" indent="-514350">
+              <a:lnSpc>
+                <a:spcPct val="120000"/>
+              </a:lnSpc>
+              <a:buFont typeface="+mj-lt"/>
+              <a:buAutoNum type="arabicPeriod"/>
+            </a:pPr>
+            <a:r>
+              <a:rPr lang="en-US" altLang="ko-KR" sz="2000" dirty="0"/>
+              <a:t>Model</a:t>
+            </a:r>
+            <a:r>
+              <a:rPr lang="ko-KR" altLang="en-US" sz="2000" dirty="0"/>
+              <a:t>은 </a:t>
+            </a:r>
+            <a:r>
+              <a:rPr lang="en-US" altLang="ko-KR" sz="2000" dirty="0"/>
+              <a:t>View Model</a:t>
+            </a:r>
+            <a:r>
+              <a:rPr lang="ko-KR" altLang="en-US" sz="2000" dirty="0"/>
+              <a:t>에게 </a:t>
+            </a:r>
+            <a:r>
+              <a:rPr lang="ko-KR" altLang="en-US" sz="2000" dirty="0" err="1"/>
+              <a:t>요청받은</a:t>
+            </a:r>
+            <a:r>
+              <a:rPr lang="ko-KR" altLang="en-US" sz="2000" dirty="0"/>
+              <a:t> 데이터를 응답</a:t>
+            </a:r>
+            <a:endParaRPr lang="en-US" altLang="ko-KR" sz="2000" dirty="0"/>
+          </a:p>
+          <a:p>
+            <a:pPr marL="971550" lvl="1" indent="-514350">
+              <a:lnSpc>
+                <a:spcPct val="120000"/>
+              </a:lnSpc>
+              <a:buFont typeface="+mj-lt"/>
+              <a:buAutoNum type="arabicPeriod"/>
+            </a:pPr>
+            <a:r>
+              <a:rPr lang="en-US" altLang="ko-KR" sz="2000" dirty="0"/>
+              <a:t>View Model</a:t>
+            </a:r>
+            <a:r>
+              <a:rPr lang="ko-KR" altLang="en-US" sz="2000" dirty="0"/>
+              <a:t>은 응답 받은 데이터를 가공하여 저장</a:t>
+            </a:r>
+            <a:endParaRPr lang="en-US" altLang="ko-KR" sz="2000" dirty="0"/>
+          </a:p>
+          <a:p>
+            <a:pPr marL="971550" lvl="1" indent="-514350">
+              <a:lnSpc>
+                <a:spcPct val="120000"/>
+              </a:lnSpc>
+              <a:buFont typeface="+mj-lt"/>
+              <a:buAutoNum type="arabicPeriod"/>
+            </a:pPr>
+            <a:r>
+              <a:rPr lang="en-US" altLang="ko-KR" sz="2000" dirty="0"/>
+              <a:t>View</a:t>
+            </a:r>
+            <a:r>
+              <a:rPr lang="ko-KR" altLang="en-US" sz="2000" dirty="0"/>
+              <a:t>는 </a:t>
+            </a:r>
+            <a:r>
+              <a:rPr lang="en-US" altLang="ko-KR" sz="2000" dirty="0"/>
+              <a:t>View Model</a:t>
+            </a:r>
+            <a:r>
+              <a:rPr lang="ko-KR" altLang="en-US" sz="2000" dirty="0"/>
+              <a:t>과 </a:t>
+            </a:r>
+            <a:r>
+              <a:rPr lang="en-US" altLang="ko-KR" sz="2000" dirty="0"/>
+              <a:t>Data Binding</a:t>
+            </a:r>
+            <a:r>
+              <a:rPr lang="ko-KR" altLang="en-US" sz="2000" dirty="0"/>
+              <a:t>하여 화면을 그림</a:t>
+            </a:r>
+            <a:endParaRPr lang="en-US" altLang="ko-KR" sz="2000" dirty="0"/>
+          </a:p>
+          <a:p>
+            <a:pPr marL="285750" indent="-285750">
+              <a:buFont typeface="Arial" panose="020B0604020202020204" pitchFamily="34" charset="0"/>
+              <a:buChar char="•"/>
+            </a:pPr>
+            <a:endParaRPr lang="en-US" altLang="ko-KR" sz="2000" dirty="0"/>
+          </a:p>
+          <a:p>
+            <a:pPr marL="285750" indent="-285750">
+              <a:buFont typeface="Arial" panose="020B0604020202020204" pitchFamily="34" charset="0"/>
+              <a:buChar char="•"/>
+            </a:pPr>
+            <a:endParaRPr lang="ko-KR" altLang="en-US" sz="2000" dirty="0"/>
+          </a:p>
+        </p:txBody>
+      </p:sp>
+      <p:pic>
+        <p:nvPicPr>
+          <p:cNvPr id="1028" name="Picture 4" descr="MVVM">
+            <a:extLst>
+              <a:ext uri="{FF2B5EF4-FFF2-40B4-BE49-F238E27FC236}">
+                <a16:creationId xmlns:a16="http://schemas.microsoft.com/office/drawing/2014/main" id="{71506DD0-2A35-43B2-4DC1-152EFA82AFD5}"/>
+              </a:ext>
+            </a:extLst>
+          </p:cNvPr>
+          <p:cNvPicPr>
+            <a:picLocks noChangeAspect="1" noChangeArrowheads="1"/>
+          </p:cNvPicPr>
+          <p:nvPr/>
+        </p:nvPicPr>
+        <p:blipFill>
+          <a:blip r:embed="rId3">
+            <a:extLst>
+              <a:ext uri="{28A0092B-C50C-407E-A947-70E740481C1C}">
+                <a14:useLocalDpi xmlns:a14="http://schemas.microsoft.com/office/drawing/2010/main" val="0"/>
+              </a:ext>
+            </a:extLst>
+          </a:blip>
+          <a:srcRect/>
+          <a:stretch>
+            <a:fillRect/>
+          </a:stretch>
+        </p:blipFill>
+        <p:spPr bwMode="auto">
+          <a:xfrm>
+            <a:off x="8305980" y="2179520"/>
+            <a:ext cx="3777453" cy="2800103"/>
+          </a:xfrm>
+          <a:prstGeom prst="rect">
+            <a:avLst/>
+          </a:prstGeom>
+          <a:noFill/>
+          <a:extLst>
+            <a:ext uri="{909E8E84-426E-40DD-AFC4-6F175D3DCCD1}">
+              <a14:hiddenFill xmlns:a14="http://schemas.microsoft.com/office/drawing/2010/main">
+                <a:solidFill>
+                  <a:srgbClr val="FFFFFF"/>
+                </a:solidFill>
+              </a14:hiddenFill>
+            </a:ext>
+          </a:extLst>
+        </p:spPr>
+      </p:pic>
+    </p:spTree>
+    <p:extLst>
+      <p:ext uri="{BB962C8B-B14F-4D97-AF65-F5344CB8AC3E}">
+        <p14:creationId xmlns:p14="http://schemas.microsoft.com/office/powerpoint/2010/main" val="1931549941"/>
+      </p:ext>
+    </p:extLst>
+  </p:cSld>
+  <p:clrMapOvr>
+    <a:masterClrMapping/>
+  </p:clrMapOvr>
+</p:sld>
+</file>
+
+<file path=ppt/slides/slide17.xml><?xml version="1.0" encoding="utf-8"?>
+<p:sld xmlns:a="http://schemas.openxmlformats.org/drawingml/2006/main" xmlns:r="http://schemas.openxmlformats.org/officeDocument/2006/relationships" xmlns:p="http://schemas.openxmlformats.org/presentationml/2006/main">
+  <p:cSld>
+    <p:spTree>
+      <p:nvGrpSpPr>
+        <p:cNvPr id="1" name=""/>
+        <p:cNvGrpSpPr/>
+        <p:nvPr/>
+      </p:nvGrpSpPr>
+      <p:grpSpPr>
+        <a:xfrm>
+          <a:off x="0" y="0"/>
+          <a:ext cx="0" cy="0"/>
+          <a:chOff x="0" y="0"/>
+          <a:chExt cx="0" cy="0"/>
+        </a:xfrm>
+      </p:grpSpPr>
+      <p:sp>
+        <p:nvSpPr>
+          <p:cNvPr id="2" name="제목 1">
+            <a:extLst>
+              <a:ext uri="{FF2B5EF4-FFF2-40B4-BE49-F238E27FC236}">
+                <a16:creationId xmlns:a16="http://schemas.microsoft.com/office/drawing/2014/main" id="{DDDAF179-311F-B8E4-5C49-7606353EBC8C}"/>
+              </a:ext>
+            </a:extLst>
+          </p:cNvPr>
+          <p:cNvSpPr>
+            <a:spLocks noGrp="1"/>
+          </p:cNvSpPr>
+          <p:nvPr>
+            <p:ph type="title"/>
+          </p:nvPr>
+        </p:nvSpPr>
+        <p:spPr/>
+        <p:txBody>
+          <a:bodyPr/>
+          <a:lstStyle/>
+          <a:p>
+            <a:r>
+              <a:rPr lang="en-US" altLang="ko-KR" dirty="0"/>
+              <a:t>WPF MVVM </a:t>
+            </a:r>
+            <a:r>
+              <a:rPr lang="ko-KR" altLang="en-US" dirty="0"/>
+              <a:t>패턴</a:t>
+            </a:r>
+          </a:p>
+        </p:txBody>
+      </p:sp>
+      <p:sp>
+        <p:nvSpPr>
+          <p:cNvPr id="3" name="내용 개체 틀 2">
+            <a:extLst>
+              <a:ext uri="{FF2B5EF4-FFF2-40B4-BE49-F238E27FC236}">
+                <a16:creationId xmlns:a16="http://schemas.microsoft.com/office/drawing/2014/main" id="{B3179425-BE59-AC9D-1BB2-5FFAA04FF7AE}"/>
+              </a:ext>
+            </a:extLst>
+          </p:cNvPr>
+          <p:cNvSpPr>
+            <a:spLocks noGrp="1"/>
+          </p:cNvSpPr>
+          <p:nvPr>
+            <p:ph idx="1"/>
+          </p:nvPr>
+        </p:nvSpPr>
+        <p:spPr/>
+        <p:txBody>
+          <a:bodyPr/>
+          <a:lstStyle/>
+          <a:p>
+            <a:r>
+              <a:rPr lang="en-US" altLang="ko-KR" dirty="0">
+                <a:solidFill>
+                  <a:srgbClr val="7030A0"/>
+                </a:solidFill>
+              </a:rPr>
+              <a:t>Model</a:t>
+            </a:r>
+            <a:r>
+              <a:rPr lang="en-US" altLang="ko-KR" dirty="0"/>
+              <a:t> (</a:t>
+            </a:r>
+            <a:r>
+              <a:rPr lang="ko-KR" altLang="en-US" dirty="0"/>
+              <a:t>프로그래머</a:t>
+            </a:r>
+            <a:r>
+              <a:rPr lang="en-US" altLang="ko-KR" dirty="0"/>
+              <a:t>) </a:t>
+            </a:r>
+          </a:p>
+          <a:p>
+            <a:pPr lvl="1"/>
+            <a:r>
+              <a:rPr lang="ko-KR" altLang="en-US" dirty="0"/>
+              <a:t>데이터를 가져오고 저장하는 역할</a:t>
+            </a:r>
+            <a:endParaRPr lang="en-US" altLang="ko-KR" dirty="0"/>
+          </a:p>
+          <a:p>
+            <a:pPr lvl="1"/>
+            <a:r>
+              <a:rPr lang="en-US" altLang="ko-KR" dirty="0"/>
+              <a:t>DB, </a:t>
+            </a:r>
+            <a:r>
+              <a:rPr lang="ko-KR" altLang="en-US" dirty="0"/>
+              <a:t>네트워크 요청 또는 파일 시스템과 같은 데이터 소스와 상호작용</a:t>
+            </a:r>
+            <a:endParaRPr lang="en-US" altLang="ko-KR" dirty="0"/>
+          </a:p>
+          <a:p>
+            <a:r>
+              <a:rPr lang="en-US" altLang="ko-KR" dirty="0">
+                <a:solidFill>
+                  <a:srgbClr val="7030A0"/>
+                </a:solidFill>
+              </a:rPr>
+              <a:t>View</a:t>
+            </a:r>
+            <a:r>
+              <a:rPr lang="en-US" altLang="ko-KR" dirty="0"/>
+              <a:t> (</a:t>
+            </a:r>
+            <a:r>
+              <a:rPr lang="ko-KR" altLang="en-US" dirty="0"/>
+              <a:t>디자이너</a:t>
+            </a:r>
+            <a:r>
+              <a:rPr lang="en-US" altLang="ko-KR" dirty="0"/>
+              <a:t>)</a:t>
+            </a:r>
+          </a:p>
+          <a:p>
+            <a:pPr lvl="1"/>
+            <a:r>
+              <a:rPr lang="ko-KR" altLang="en-US" dirty="0"/>
+              <a:t>사용자 인터페이스를 담당하여 사용자 입력처리 및 화면 갱신을 처리</a:t>
+            </a:r>
+            <a:endParaRPr lang="en-US" altLang="ko-KR" dirty="0"/>
+          </a:p>
+          <a:p>
+            <a:pPr lvl="1"/>
+            <a:r>
+              <a:rPr lang="en-US" altLang="ko-KR" dirty="0"/>
+              <a:t>XAML </a:t>
+            </a:r>
+            <a:r>
+              <a:rPr lang="ko-KR" altLang="en-US" dirty="0"/>
+              <a:t>같은 마크업 언어를 사용하여 디자인</a:t>
+            </a:r>
+            <a:endParaRPr lang="en-US" altLang="ko-KR" dirty="0"/>
+          </a:p>
+          <a:p>
+            <a:r>
+              <a:rPr lang="en-US" altLang="ko-KR" dirty="0" err="1">
+                <a:solidFill>
+                  <a:srgbClr val="7030A0"/>
+                </a:solidFill>
+              </a:rPr>
+              <a:t>ViewModel</a:t>
+            </a:r>
+            <a:r>
+              <a:rPr lang="en-US" altLang="ko-KR" dirty="0"/>
+              <a:t> (</a:t>
+            </a:r>
+            <a:r>
+              <a:rPr lang="ko-KR" altLang="en-US" dirty="0"/>
+              <a:t>프로그래머</a:t>
+            </a:r>
+            <a:r>
+              <a:rPr lang="en-US" altLang="ko-KR" dirty="0"/>
+              <a:t>)</a:t>
+            </a:r>
+          </a:p>
+          <a:p>
+            <a:pPr lvl="1"/>
+            <a:r>
+              <a:rPr lang="en-US" altLang="ko-KR" dirty="0"/>
+              <a:t>View</a:t>
+            </a:r>
+            <a:r>
+              <a:rPr lang="ko-KR" altLang="en-US" dirty="0"/>
+              <a:t>와 </a:t>
+            </a:r>
+            <a:r>
+              <a:rPr lang="en-US" altLang="ko-KR" dirty="0"/>
+              <a:t>Model </a:t>
+            </a:r>
+            <a:r>
+              <a:rPr lang="ko-KR" altLang="en-US" dirty="0"/>
+              <a:t>사이에서 중재자 역할을 수행</a:t>
+            </a:r>
+            <a:endParaRPr lang="en-US" altLang="ko-KR" dirty="0"/>
+          </a:p>
+          <a:p>
+            <a:pPr lvl="1"/>
+            <a:r>
+              <a:rPr lang="en-US" altLang="ko-KR" dirty="0"/>
+              <a:t>View</a:t>
+            </a:r>
+            <a:r>
+              <a:rPr lang="ko-KR" altLang="en-US" dirty="0"/>
+              <a:t>에서 발생하는 이벤트 감지</a:t>
+            </a:r>
+            <a:r>
+              <a:rPr lang="en-US" altLang="ko-KR" dirty="0"/>
+              <a:t>, </a:t>
+            </a:r>
+            <a:r>
+              <a:rPr lang="ko-KR" altLang="en-US" dirty="0"/>
+              <a:t>이벤트에 맞는 </a:t>
+            </a:r>
+            <a:r>
+              <a:rPr lang="en-US" altLang="ko-KR" dirty="0"/>
+              <a:t>Model</a:t>
+            </a:r>
+            <a:r>
+              <a:rPr lang="ko-KR" altLang="en-US" dirty="0"/>
+              <a:t>의 로직 수행</a:t>
+            </a:r>
+            <a:endParaRPr lang="en-US" altLang="ko-KR" dirty="0"/>
+          </a:p>
+          <a:p>
+            <a:pPr lvl="1"/>
+            <a:r>
+              <a:rPr lang="en-US" altLang="ko-KR" dirty="0"/>
+              <a:t>View</a:t>
+            </a:r>
+            <a:r>
+              <a:rPr lang="ko-KR" altLang="en-US" dirty="0"/>
+              <a:t>에 표시할 데이터를 가공</a:t>
+            </a:r>
+            <a:endParaRPr lang="en-US" altLang="ko-KR" dirty="0"/>
+          </a:p>
+          <a:p>
+            <a:pPr lvl="1"/>
+            <a:endParaRPr lang="ko-KR" altLang="en-US" dirty="0"/>
+          </a:p>
+        </p:txBody>
+      </p:sp>
+      <p:sp>
+        <p:nvSpPr>
+          <p:cNvPr id="4" name="날짜 개체 틀 3">
+            <a:extLst>
+              <a:ext uri="{FF2B5EF4-FFF2-40B4-BE49-F238E27FC236}">
+                <a16:creationId xmlns:a16="http://schemas.microsoft.com/office/drawing/2014/main" id="{B67A3CFF-F52D-7EF1-1163-B84FAE88BF1E}"/>
+              </a:ext>
+            </a:extLst>
+          </p:cNvPr>
+          <p:cNvSpPr>
+            <a:spLocks noGrp="1"/>
+          </p:cNvSpPr>
+          <p:nvPr>
+            <p:ph type="dt" sz="half" idx="10"/>
+          </p:nvPr>
+        </p:nvSpPr>
+        <p:spPr/>
+        <p:txBody>
+          <a:bodyPr/>
+          <a:lstStyle/>
+          <a:p>
+            <a:fld id="{0F78D9C4-20C1-4B15-A116-16DC77AD9A1E}" type="datetime1">
+              <a:rPr lang="ko-KR" altLang="en-US" smtClean="0"/>
+              <a:t>2025-05-22</a:t>
+            </a:fld>
+            <a:endParaRPr lang="ko-KR" altLang="en-US"/>
+          </a:p>
+        </p:txBody>
+      </p:sp>
+      <p:sp>
+        <p:nvSpPr>
+          <p:cNvPr id="5" name="슬라이드 번호 개체 틀 4">
+            <a:extLst>
+              <a:ext uri="{FF2B5EF4-FFF2-40B4-BE49-F238E27FC236}">
+                <a16:creationId xmlns:a16="http://schemas.microsoft.com/office/drawing/2014/main" id="{9A1022B6-B73C-AEA0-BB28-1DD81833DDF8}"/>
+              </a:ext>
+            </a:extLst>
+          </p:cNvPr>
+          <p:cNvSpPr>
+            <a:spLocks noGrp="1"/>
+          </p:cNvSpPr>
+          <p:nvPr>
+            <p:ph type="sldNum" sz="quarter" idx="12"/>
+          </p:nvPr>
+        </p:nvSpPr>
+        <p:spPr/>
+        <p:txBody>
+          <a:bodyPr/>
+          <a:lstStyle/>
+          <a:p>
+            <a:fld id="{083A2CE0-18CD-4102-B738-4ACFF9E68BA4}" type="slidenum">
+              <a:rPr lang="ko-KR" altLang="en-US" smtClean="0"/>
+              <a:t>17</a:t>
+            </a:fld>
+            <a:endParaRPr lang="ko-KR" altLang="en-US"/>
+          </a:p>
+        </p:txBody>
+      </p:sp>
+    </p:spTree>
+    <p:extLst>
+      <p:ext uri="{BB962C8B-B14F-4D97-AF65-F5344CB8AC3E}">
+        <p14:creationId xmlns:p14="http://schemas.microsoft.com/office/powerpoint/2010/main" val="1672803531"/>
+      </p:ext>
+    </p:extLst>
+  </p:cSld>
+  <p:clrMapOvr>
+    <a:masterClrMapping/>
+  </p:clrMapOvr>
+</p:sld>
+</file>
+
+<file path=ppt/slides/slide18.xml><?xml version="1.0" encoding="utf-8"?>
+<p:sld xmlns:a="http://schemas.openxmlformats.org/drawingml/2006/main" xmlns:r="http://schemas.openxmlformats.org/officeDocument/2006/relationships" xmlns:p="http://schemas.openxmlformats.org/presentationml/2006/main">
+  <p:cSld>
+    <p:spTree>
+      <p:nvGrpSpPr>
+        <p:cNvPr id="1" name="">
+          <a:extLst>
+            <a:ext uri="{FF2B5EF4-FFF2-40B4-BE49-F238E27FC236}">
+              <a16:creationId xmlns:a16="http://schemas.microsoft.com/office/drawing/2014/main" id="{78A2CC14-CCC8-ED12-FA25-451425A6F3D4}"/>
+            </a:ext>
+          </a:extLst>
+        </p:cNvPr>
+        <p:cNvGrpSpPr/>
+        <p:nvPr/>
+      </p:nvGrpSpPr>
+      <p:grpSpPr>
+        <a:xfrm>
+          <a:off x="0" y="0"/>
+          <a:ext cx="0" cy="0"/>
+          <a:chOff x="0" y="0"/>
+          <a:chExt cx="0" cy="0"/>
+        </a:xfrm>
+      </p:grpSpPr>
+      <p:sp>
+        <p:nvSpPr>
+          <p:cNvPr id="2" name="제목 1">
+            <a:extLst>
+              <a:ext uri="{FF2B5EF4-FFF2-40B4-BE49-F238E27FC236}">
+                <a16:creationId xmlns:a16="http://schemas.microsoft.com/office/drawing/2014/main" id="{0402047B-6AC2-B9AE-560F-C0156F6F6A0D}"/>
+              </a:ext>
+            </a:extLst>
+          </p:cNvPr>
+          <p:cNvSpPr>
+            <a:spLocks noGrp="1"/>
+          </p:cNvSpPr>
+          <p:nvPr>
+            <p:ph type="title"/>
+          </p:nvPr>
+        </p:nvSpPr>
+        <p:spPr/>
+        <p:txBody>
+          <a:bodyPr/>
+          <a:lstStyle/>
+          <a:p>
+            <a:r>
+              <a:rPr lang="ko-KR" altLang="en-US" dirty="0">
+                <a:solidFill>
+                  <a:srgbClr val="00B050"/>
+                </a:solidFill>
+              </a:rPr>
+              <a:t>연습</a:t>
+            </a:r>
+            <a:r>
+              <a:rPr lang="en-US" altLang="ko-KR" dirty="0">
+                <a:solidFill>
+                  <a:srgbClr val="00B050"/>
+                </a:solidFill>
+              </a:rPr>
+              <a:t>. WPF MVVM </a:t>
+            </a:r>
+            <a:r>
+              <a:rPr lang="ko-KR" altLang="en-US" dirty="0">
+                <a:solidFill>
+                  <a:srgbClr val="00B050"/>
+                </a:solidFill>
+              </a:rPr>
+              <a:t>패턴 따라해보기 </a:t>
+            </a:r>
+          </a:p>
+        </p:txBody>
+      </p:sp>
+      <p:sp>
+        <p:nvSpPr>
+          <p:cNvPr id="3" name="내용 개체 틀 2">
+            <a:extLst>
+              <a:ext uri="{FF2B5EF4-FFF2-40B4-BE49-F238E27FC236}">
+                <a16:creationId xmlns:a16="http://schemas.microsoft.com/office/drawing/2014/main" id="{71E05EF9-9B87-AEA5-E0E9-19760BC24591}"/>
+              </a:ext>
+            </a:extLst>
+          </p:cNvPr>
+          <p:cNvSpPr>
+            <a:spLocks noGrp="1"/>
+          </p:cNvSpPr>
+          <p:nvPr>
+            <p:ph idx="1"/>
+          </p:nvPr>
+        </p:nvSpPr>
+        <p:spPr/>
+        <p:txBody>
+          <a:bodyPr>
+            <a:normAutofit fontScale="92500" lnSpcReduction="10000"/>
+          </a:bodyPr>
+          <a:lstStyle/>
+          <a:p>
+            <a:r>
+              <a:rPr lang="en-US" altLang="ko-KR" dirty="0">
+                <a:hlinkClick r:id="rId3"/>
+              </a:rPr>
+              <a:t>https://devbong.tistory.com/34</a:t>
+            </a:r>
+            <a:endParaRPr lang="ko-KR" altLang="en-US" dirty="0"/>
+          </a:p>
+          <a:p>
+            <a:r>
+              <a:rPr lang="ko-KR" altLang="en-US" dirty="0"/>
+              <a:t>위 블로그의 </a:t>
+            </a:r>
+            <a:r>
+              <a:rPr lang="en-US" altLang="ko-KR" dirty="0"/>
+              <a:t>“[WPF] MVVM </a:t>
+            </a:r>
+            <a:r>
+              <a:rPr lang="ko-KR" altLang="en-US" dirty="0"/>
+              <a:t>패턴으로 </a:t>
+            </a:r>
+            <a:r>
+              <a:rPr lang="en-US" altLang="ko-KR" dirty="0"/>
+              <a:t>WPF </a:t>
+            </a:r>
+            <a:r>
+              <a:rPr lang="ko-KR" altLang="en-US" dirty="0"/>
+              <a:t>시작하기</a:t>
+            </a:r>
+            <a:r>
+              <a:rPr lang="en-US" altLang="ko-KR" dirty="0"/>
+              <a:t>” </a:t>
+            </a:r>
+            <a:r>
+              <a:rPr lang="ko-KR" altLang="en-US" dirty="0"/>
+              <a:t>강의를 </a:t>
+            </a:r>
+            <a:r>
+              <a:rPr lang="en-US" altLang="ko-KR" dirty="0"/>
+              <a:t/>
+            </a:r>
+            <a:br>
+              <a:rPr lang="en-US" altLang="ko-KR" dirty="0"/>
+            </a:br>
+            <a:r>
+              <a:rPr lang="en-US" altLang="ko-KR" dirty="0"/>
+              <a:t>01 </a:t>
+            </a:r>
+            <a:r>
+              <a:rPr lang="ko-KR" altLang="en-US" dirty="0"/>
+              <a:t>프로젝트 만들기 </a:t>
+            </a:r>
+            <a:r>
+              <a:rPr lang="en-US" altLang="ko-KR" dirty="0"/>
+              <a:t>~ 05 Converter </a:t>
+            </a:r>
+            <a:r>
+              <a:rPr lang="ko-KR" altLang="en-US" dirty="0"/>
+              <a:t>까지 따라해보기 </a:t>
+            </a:r>
+            <a:endParaRPr lang="en-US" altLang="ko-KR" dirty="0"/>
+          </a:p>
+          <a:p>
+            <a:r>
+              <a:rPr lang="en-US" altLang="ko-KR" dirty="0"/>
+              <a:t>View</a:t>
+            </a:r>
+          </a:p>
+          <a:p>
+            <a:pPr lvl="1"/>
+            <a:r>
+              <a:rPr lang="en-US" altLang="ko-KR" dirty="0" err="1"/>
+              <a:t>MainWindow.xaml</a:t>
+            </a:r>
+            <a:endParaRPr lang="en-US" altLang="ko-KR" dirty="0"/>
+          </a:p>
+          <a:p>
+            <a:pPr lvl="1"/>
+            <a:r>
+              <a:rPr lang="en-US" altLang="ko-KR" dirty="0" err="1"/>
+              <a:t>MainWindow.xaml.cs</a:t>
+            </a:r>
+            <a:endParaRPr lang="en-US" altLang="ko-KR" dirty="0"/>
+          </a:p>
+          <a:p>
+            <a:r>
+              <a:rPr lang="en-US" altLang="ko-KR" dirty="0" err="1"/>
+              <a:t>ViewModel</a:t>
+            </a:r>
+            <a:endParaRPr lang="en-US" altLang="ko-KR" dirty="0"/>
+          </a:p>
+          <a:p>
+            <a:pPr lvl="1"/>
+            <a:r>
+              <a:rPr lang="en-US" altLang="ko-KR" dirty="0" err="1"/>
+              <a:t>MainWindowViewModel.cs</a:t>
+            </a:r>
+            <a:endParaRPr lang="en-US" altLang="ko-KR" dirty="0"/>
+          </a:p>
+          <a:p>
+            <a:pPr lvl="1"/>
+            <a:r>
+              <a:rPr lang="en-US" altLang="ko-KR" dirty="0" err="1"/>
+              <a:t>ViewModelBase.cs</a:t>
+            </a:r>
+            <a:endParaRPr lang="en-US" altLang="ko-KR" dirty="0"/>
+          </a:p>
+          <a:p>
+            <a:r>
+              <a:rPr lang="en-US" altLang="ko-KR" dirty="0"/>
+              <a:t>Model</a:t>
+            </a:r>
+          </a:p>
+          <a:p>
+            <a:pPr lvl="1"/>
+            <a:r>
+              <a:rPr lang="en-US" altLang="ko-KR" dirty="0" err="1"/>
+              <a:t>Person.cs</a:t>
+            </a:r>
+            <a:endParaRPr lang="ko-KR" altLang="en-US" dirty="0"/>
+          </a:p>
+        </p:txBody>
+      </p:sp>
+      <p:sp>
+        <p:nvSpPr>
+          <p:cNvPr id="4" name="날짜 개체 틀 3">
+            <a:extLst>
+              <a:ext uri="{FF2B5EF4-FFF2-40B4-BE49-F238E27FC236}">
+                <a16:creationId xmlns:a16="http://schemas.microsoft.com/office/drawing/2014/main" id="{6CEBEDA3-64A0-BFF9-E112-89CFA7DBB85F}"/>
+              </a:ext>
+            </a:extLst>
+          </p:cNvPr>
+          <p:cNvSpPr>
+            <a:spLocks noGrp="1"/>
+          </p:cNvSpPr>
+          <p:nvPr>
+            <p:ph type="dt" sz="half" idx="10"/>
+          </p:nvPr>
+        </p:nvSpPr>
+        <p:spPr/>
+        <p:txBody>
+          <a:bodyPr/>
+          <a:lstStyle/>
+          <a:p>
+            <a:fld id="{0F78D9C4-20C1-4B15-A116-16DC77AD9A1E}" type="datetime1">
+              <a:rPr lang="ko-KR" altLang="en-US" smtClean="0"/>
+              <a:t>2025-05-22</a:t>
+            </a:fld>
+            <a:endParaRPr lang="ko-KR" altLang="en-US"/>
+          </a:p>
+        </p:txBody>
+      </p:sp>
+      <p:sp>
+        <p:nvSpPr>
+          <p:cNvPr id="5" name="슬라이드 번호 개체 틀 4">
+            <a:extLst>
+              <a:ext uri="{FF2B5EF4-FFF2-40B4-BE49-F238E27FC236}">
+                <a16:creationId xmlns:a16="http://schemas.microsoft.com/office/drawing/2014/main" id="{6B4279CC-8C7F-4AD7-3D6F-C13A644A14E8}"/>
+              </a:ext>
+            </a:extLst>
+          </p:cNvPr>
+          <p:cNvSpPr>
+            <a:spLocks noGrp="1"/>
+          </p:cNvSpPr>
+          <p:nvPr>
+            <p:ph type="sldNum" sz="quarter" idx="12"/>
+          </p:nvPr>
+        </p:nvSpPr>
+        <p:spPr/>
+        <p:txBody>
+          <a:bodyPr/>
+          <a:lstStyle/>
+          <a:p>
+            <a:fld id="{083A2CE0-18CD-4102-B738-4ACFF9E68BA4}" type="slidenum">
+              <a:rPr lang="ko-KR" altLang="en-US" smtClean="0"/>
+              <a:t>18</a:t>
+            </a:fld>
+            <a:endParaRPr lang="ko-KR" altLang="en-US"/>
+          </a:p>
+        </p:txBody>
+      </p:sp>
+    </p:spTree>
+    <p:extLst>
+      <p:ext uri="{BB962C8B-B14F-4D97-AF65-F5344CB8AC3E}">
+        <p14:creationId xmlns:p14="http://schemas.microsoft.com/office/powerpoint/2010/main" val="2605265970"/>
+      </p:ext>
+    </p:extLst>
+  </p:cSld>
+  <p:clrMapOvr>
+    <a:masterClrMapping/>
+  </p:clrMapOvr>
+</p:sld>
+</file>
+
+<file path=ppt/slides/slide19.xml><?xml version="1.0" encoding="utf-8"?>
+<p:sld xmlns:a="http://schemas.openxmlformats.org/drawingml/2006/main" xmlns:r="http://schemas.openxmlformats.org/officeDocument/2006/relationships" xmlns:p="http://schemas.openxmlformats.org/presentationml/2006/main">
+  <p:cSld>
+    <p:spTree>
+      <p:nvGrpSpPr>
+        <p:cNvPr id="1" name=""/>
+        <p:cNvGrpSpPr/>
+        <p:nvPr/>
+      </p:nvGrpSpPr>
+      <p:grpSpPr>
+        <a:xfrm>
+          <a:off x="0" y="0"/>
+          <a:ext cx="0" cy="0"/>
+          <a:chOff x="0" y="0"/>
+          <a:chExt cx="0" cy="0"/>
+        </a:xfrm>
+      </p:grpSpPr>
+      <p:sp>
+        <p:nvSpPr>
+          <p:cNvPr id="2" name="제목 1">
+            <a:extLst>
+              <a:ext uri="{FF2B5EF4-FFF2-40B4-BE49-F238E27FC236}">
+                <a16:creationId xmlns:a16="http://schemas.microsoft.com/office/drawing/2014/main" id="{15672117-1215-C3DF-77AC-07D54AB22051}"/>
+              </a:ext>
+            </a:extLst>
+          </p:cNvPr>
+          <p:cNvSpPr>
+            <a:spLocks noGrp="1"/>
+          </p:cNvSpPr>
+          <p:nvPr>
+            <p:ph type="title"/>
+          </p:nvPr>
+        </p:nvSpPr>
+        <p:spPr/>
+        <p:txBody>
+          <a:bodyPr/>
+          <a:lstStyle/>
+          <a:p>
+            <a:r>
+              <a:rPr lang="ko-KR" altLang="en-US" dirty="0"/>
+              <a:t>릴리즈 빌드</a:t>
+            </a:r>
+          </a:p>
+        </p:txBody>
+      </p:sp>
+      <p:sp>
+        <p:nvSpPr>
+          <p:cNvPr id="3" name="내용 개체 틀 2">
+            <a:extLst>
+              <a:ext uri="{FF2B5EF4-FFF2-40B4-BE49-F238E27FC236}">
+                <a16:creationId xmlns:a16="http://schemas.microsoft.com/office/drawing/2014/main" id="{7467AB6C-494C-2C1F-67AC-F5513D30568C}"/>
+              </a:ext>
+            </a:extLst>
+          </p:cNvPr>
+          <p:cNvSpPr>
+            <a:spLocks noGrp="1"/>
+          </p:cNvSpPr>
+          <p:nvPr>
+            <p:ph idx="1"/>
+          </p:nvPr>
+        </p:nvSpPr>
+        <p:spPr/>
+        <p:txBody>
+          <a:bodyPr/>
+          <a:lstStyle/>
+          <a:p>
+            <a:r>
+              <a:rPr lang="ko-KR" altLang="en-US" dirty="0"/>
+              <a:t>코드 실행 결과는 동일</a:t>
+            </a:r>
+          </a:p>
+        </p:txBody>
+      </p:sp>
+      <p:sp>
+        <p:nvSpPr>
+          <p:cNvPr id="4" name="날짜 개체 틀 3">
+            <a:extLst>
+              <a:ext uri="{FF2B5EF4-FFF2-40B4-BE49-F238E27FC236}">
+                <a16:creationId xmlns:a16="http://schemas.microsoft.com/office/drawing/2014/main" id="{AB7580D8-0674-1F59-341E-CF8E218CABA0}"/>
+              </a:ext>
+            </a:extLst>
+          </p:cNvPr>
+          <p:cNvSpPr>
+            <a:spLocks noGrp="1"/>
+          </p:cNvSpPr>
+          <p:nvPr>
+            <p:ph type="dt" sz="half" idx="10"/>
+          </p:nvPr>
+        </p:nvSpPr>
+        <p:spPr/>
+        <p:txBody>
+          <a:bodyPr/>
+          <a:lstStyle/>
+          <a:p>
+            <a:fld id="{0F78D9C4-20C1-4B15-A116-16DC77AD9A1E}" type="datetime1">
+              <a:rPr lang="ko-KR" altLang="en-US" smtClean="0"/>
+              <a:t>2025-05-22</a:t>
+            </a:fld>
+            <a:endParaRPr lang="ko-KR" altLang="en-US"/>
+          </a:p>
+        </p:txBody>
+      </p:sp>
+      <p:sp>
+        <p:nvSpPr>
+          <p:cNvPr id="5" name="슬라이드 번호 개체 틀 4">
+            <a:extLst>
+              <a:ext uri="{FF2B5EF4-FFF2-40B4-BE49-F238E27FC236}">
+                <a16:creationId xmlns:a16="http://schemas.microsoft.com/office/drawing/2014/main" id="{2644C262-F118-1637-D7E6-29B396333A0D}"/>
+              </a:ext>
+            </a:extLst>
+          </p:cNvPr>
+          <p:cNvSpPr>
+            <a:spLocks noGrp="1"/>
+          </p:cNvSpPr>
+          <p:nvPr>
+            <p:ph type="sldNum" sz="quarter" idx="12"/>
+          </p:nvPr>
+        </p:nvSpPr>
+        <p:spPr/>
+        <p:txBody>
+          <a:bodyPr/>
+          <a:lstStyle/>
+          <a:p>
+            <a:fld id="{083A2CE0-18CD-4102-B738-4ACFF9E68BA4}" type="slidenum">
+              <a:rPr lang="ko-KR" altLang="en-US" smtClean="0"/>
+              <a:t>19</a:t>
             </a:fld>
             <a:endParaRPr lang="ko-KR" altLang="en-US"/>
           </a:p>
@@ -5195,7 +8167,7 @@
 </p:sld>
 </file>
 
-<file path=ppt/slides/slide11.xml><?xml version="1.0" encoding="utf-8"?>
+<file path=ppt/slides/slide2.xml><?xml version="1.0" encoding="utf-8"?>
 <p:sld xmlns:a="http://schemas.openxmlformats.org/drawingml/2006/main" xmlns:r="http://schemas.openxmlformats.org/officeDocument/2006/relationships" xmlns:p="http://schemas.openxmlformats.org/presentationml/2006/main">
   <p:cSld>
     <p:spTree>
@@ -5217,6 +8189,277 @@
           <p:cNvPr id="2" name="제목 1">
             <a:extLst>
               <a:ext uri="{FF2B5EF4-FFF2-40B4-BE49-F238E27FC236}">
+                <a16:creationId xmlns:a16="http://schemas.microsoft.com/office/drawing/2014/main" id="{941B9F4C-DD5A-B655-A680-52DCCC42BD59}"/>
+              </a:ext>
+            </a:extLst>
+          </p:cNvPr>
+          <p:cNvSpPr>
+            <a:spLocks noGrp="1"/>
+          </p:cNvSpPr>
+          <p:nvPr>
+            <p:ph type="title"/>
+          </p:nvPr>
+        </p:nvSpPr>
+        <p:spPr/>
+        <p:txBody>
+          <a:bodyPr/>
+          <a:lstStyle/>
+          <a:p>
+            <a:r>
+              <a:rPr lang="en-US" altLang="ko-KR"/>
+              <a:t>NuGet </a:t>
+            </a:r>
+            <a:r>
+              <a:rPr lang="ko-KR" altLang="en-US"/>
+              <a:t>이란</a:t>
+            </a:r>
+            <a:r>
+              <a:rPr lang="en-US" altLang="ko-KR"/>
+              <a:t>?</a:t>
+            </a:r>
+            <a:endParaRPr lang="ko-KR" altLang="en-US"/>
+          </a:p>
+        </p:txBody>
+      </p:sp>
+      <p:sp>
+        <p:nvSpPr>
+          <p:cNvPr id="3" name="내용 개체 틀 2">
+            <a:extLst>
+              <a:ext uri="{FF2B5EF4-FFF2-40B4-BE49-F238E27FC236}">
+                <a16:creationId xmlns:a16="http://schemas.microsoft.com/office/drawing/2014/main" id="{75528C22-8A0B-F213-D25D-9CC6CACACD7A}"/>
+              </a:ext>
+            </a:extLst>
+          </p:cNvPr>
+          <p:cNvSpPr>
+            <a:spLocks noGrp="1"/>
+          </p:cNvSpPr>
+          <p:nvPr>
+            <p:ph idx="1"/>
+          </p:nvPr>
+        </p:nvSpPr>
+        <p:spPr/>
+        <p:txBody>
+          <a:bodyPr/>
+          <a:lstStyle/>
+          <a:p>
+            <a:r>
+              <a:rPr lang="en-US" altLang="ko-KR" dirty="0"/>
+              <a:t>.NET </a:t>
+            </a:r>
+            <a:r>
+              <a:rPr lang="ko-KR" altLang="en-US" dirty="0"/>
+              <a:t>용 패키지 매니저 </a:t>
+            </a:r>
+            <a:endParaRPr lang="en-US" altLang="ko-KR" dirty="0"/>
+          </a:p>
+          <a:p>
+            <a:r>
+              <a:rPr lang="ko-KR" altLang="en-US" dirty="0" err="1"/>
+              <a:t>파이썬의</a:t>
+            </a:r>
+            <a:r>
+              <a:rPr lang="ko-KR" altLang="en-US" dirty="0"/>
+              <a:t> </a:t>
+            </a:r>
+            <a:r>
+              <a:rPr lang="en-US" altLang="ko-KR" dirty="0"/>
+              <a:t>pip, </a:t>
+            </a:r>
+            <a:r>
+              <a:rPr lang="en-US" altLang="ko-KR" dirty="0" err="1"/>
+              <a:t>conda</a:t>
+            </a:r>
+            <a:r>
+              <a:rPr lang="ko-KR" altLang="en-US" dirty="0"/>
+              <a:t>와 같은 역할</a:t>
+            </a:r>
+            <a:endParaRPr lang="en-US" altLang="ko-KR" dirty="0"/>
+          </a:p>
+          <a:p>
+            <a:pPr lvl="1"/>
+            <a:r>
+              <a:rPr lang="en-US" altLang="ko-KR" dirty="0">
+                <a:hlinkClick r:id="rId2"/>
+              </a:rPr>
+              <a:t>https://www.nuget.org/packages</a:t>
+            </a:r>
+            <a:endParaRPr lang="en-US" altLang="ko-KR" dirty="0"/>
+          </a:p>
+          <a:p>
+            <a:endParaRPr lang="ko-KR" altLang="en-US" dirty="0"/>
+          </a:p>
+        </p:txBody>
+      </p:sp>
+      <p:sp>
+        <p:nvSpPr>
+          <p:cNvPr id="4" name="날짜 개체 틀 3">
+            <a:extLst>
+              <a:ext uri="{FF2B5EF4-FFF2-40B4-BE49-F238E27FC236}">
+                <a16:creationId xmlns:a16="http://schemas.microsoft.com/office/drawing/2014/main" id="{3EEB164C-5630-C3E1-FD6A-35BD99ADBD3A}"/>
+              </a:ext>
+            </a:extLst>
+          </p:cNvPr>
+          <p:cNvSpPr>
+            <a:spLocks noGrp="1"/>
+          </p:cNvSpPr>
+          <p:nvPr>
+            <p:ph type="dt" sz="half" idx="10"/>
+          </p:nvPr>
+        </p:nvSpPr>
+        <p:spPr/>
+        <p:txBody>
+          <a:bodyPr/>
+          <a:lstStyle/>
+          <a:p>
+            <a:fld id="{0F78D9C4-20C1-4B15-A116-16DC77AD9A1E}" type="datetime1">
+              <a:rPr lang="ko-KR" altLang="en-US" smtClean="0"/>
+              <a:t>2025-05-22</a:t>
+            </a:fld>
+            <a:endParaRPr lang="ko-KR" altLang="en-US"/>
+          </a:p>
+        </p:txBody>
+      </p:sp>
+      <p:sp>
+        <p:nvSpPr>
+          <p:cNvPr id="5" name="슬라이드 번호 개체 틀 4">
+            <a:extLst>
+              <a:ext uri="{FF2B5EF4-FFF2-40B4-BE49-F238E27FC236}">
+                <a16:creationId xmlns:a16="http://schemas.microsoft.com/office/drawing/2014/main" id="{3AA12A0B-E942-9CCE-CE62-BE48A4BE1ED7}"/>
+              </a:ext>
+            </a:extLst>
+          </p:cNvPr>
+          <p:cNvSpPr>
+            <a:spLocks noGrp="1"/>
+          </p:cNvSpPr>
+          <p:nvPr>
+            <p:ph type="sldNum" sz="quarter" idx="12"/>
+          </p:nvPr>
+        </p:nvSpPr>
+        <p:spPr/>
+        <p:txBody>
+          <a:bodyPr/>
+          <a:lstStyle/>
+          <a:p>
+            <a:fld id="{083A2CE0-18CD-4102-B738-4ACFF9E68BA4}" type="slidenum">
+              <a:rPr lang="ko-KR" altLang="en-US" smtClean="0"/>
+              <a:t>2</a:t>
+            </a:fld>
+            <a:endParaRPr lang="ko-KR" altLang="en-US"/>
+          </a:p>
+        </p:txBody>
+      </p:sp>
+      <p:pic>
+        <p:nvPicPr>
+          <p:cNvPr id="1026" name="Picture 2" descr="GitHub - NuGet/Home: Repo for NuGet Client issues">
+            <a:extLst>
+              <a:ext uri="{FF2B5EF4-FFF2-40B4-BE49-F238E27FC236}">
+                <a16:creationId xmlns:a16="http://schemas.microsoft.com/office/drawing/2014/main" id="{3BBFC5FF-89F2-D7EA-42E8-1B669B9A603E}"/>
+              </a:ext>
+            </a:extLst>
+          </p:cNvPr>
+          <p:cNvPicPr>
+            <a:picLocks noChangeAspect="1" noChangeArrowheads="1"/>
+          </p:cNvPicPr>
+          <p:nvPr/>
+        </p:nvPicPr>
+        <p:blipFill>
+          <a:blip r:embed="rId3">
+            <a:extLst>
+              <a:ext uri="{28A0092B-C50C-407E-A947-70E740481C1C}">
+                <a14:useLocalDpi xmlns:a14="http://schemas.microsoft.com/office/drawing/2010/main" val="0"/>
+              </a:ext>
+            </a:extLst>
+          </a:blip>
+          <a:srcRect/>
+          <a:stretch>
+            <a:fillRect/>
+          </a:stretch>
+        </p:blipFill>
+        <p:spPr bwMode="auto">
+          <a:xfrm>
+            <a:off x="6724650" y="928171"/>
+            <a:ext cx="4229100" cy="1285875"/>
+          </a:xfrm>
+          <a:prstGeom prst="rect">
+            <a:avLst/>
+          </a:prstGeom>
+          <a:noFill/>
+          <a:extLst>
+            <a:ext uri="{909E8E84-426E-40DD-AFC4-6F175D3DCCD1}">
+              <a14:hiddenFill xmlns:a14="http://schemas.microsoft.com/office/drawing/2010/main">
+                <a:solidFill>
+                  <a:srgbClr val="FFFFFF"/>
+                </a:solidFill>
+              </a14:hiddenFill>
+            </a:ext>
+          </a:extLst>
+        </p:spPr>
+      </p:pic>
+      <p:pic>
+        <p:nvPicPr>
+          <p:cNvPr id="7" name="그림 6">
+            <a:extLst>
+              <a:ext uri="{FF2B5EF4-FFF2-40B4-BE49-F238E27FC236}">
+                <a16:creationId xmlns:a16="http://schemas.microsoft.com/office/drawing/2014/main" id="{26EED7D5-F029-72C6-3E27-B1B9F00DDED3}"/>
+              </a:ext>
+            </a:extLst>
+          </p:cNvPr>
+          <p:cNvPicPr>
+            <a:picLocks noChangeAspect="1"/>
+          </p:cNvPicPr>
+          <p:nvPr/>
+        </p:nvPicPr>
+        <p:blipFill>
+          <a:blip r:embed="rId4"/>
+          <a:stretch>
+            <a:fillRect/>
+          </a:stretch>
+        </p:blipFill>
+        <p:spPr>
+          <a:xfrm>
+            <a:off x="589781" y="3271305"/>
+            <a:ext cx="11012437" cy="3057952"/>
+          </a:xfrm>
+          <a:prstGeom prst="rect">
+            <a:avLst/>
+          </a:prstGeom>
+        </p:spPr>
+      </p:pic>
+    </p:spTree>
+    <p:extLst>
+      <p:ext uri="{BB962C8B-B14F-4D97-AF65-F5344CB8AC3E}">
+        <p14:creationId xmlns:p14="http://schemas.microsoft.com/office/powerpoint/2010/main" val="3276547290"/>
+      </p:ext>
+    </p:extLst>
+  </p:cSld>
+  <p:clrMapOvr>
+    <a:masterClrMapping/>
+  </p:clrMapOvr>
+</p:sld>
+</file>
+
+<file path=ppt/slides/slide20.xml><?xml version="1.0" encoding="utf-8"?>
+<p:sld xmlns:a="http://schemas.openxmlformats.org/drawingml/2006/main" xmlns:r="http://schemas.openxmlformats.org/officeDocument/2006/relationships" xmlns:p="http://schemas.openxmlformats.org/presentationml/2006/main">
+  <p:cSld>
+    <p:spTree>
+      <p:nvGrpSpPr>
+        <p:cNvPr id="1" name=""/>
+        <p:cNvGrpSpPr/>
+        <p:nvPr/>
+      </p:nvGrpSpPr>
+      <p:grpSpPr>
+        <a:xfrm>
+          <a:off x="0" y="0"/>
+          <a:ext cx="0" cy="0"/>
+          <a:chOff x="0" y="0"/>
+          <a:chExt cx="0" cy="0"/>
+        </a:xfrm>
+      </p:grpSpPr>
+      <p:sp>
+        <p:nvSpPr>
+          <p:cNvPr id="2" name="제목 1">
+            <a:extLst>
+              <a:ext uri="{FF2B5EF4-FFF2-40B4-BE49-F238E27FC236}">
                 <a16:creationId xmlns:a16="http://schemas.microsoft.com/office/drawing/2014/main" id="{8A1DB8B8-99D7-15FA-E225-02DC04E740E9}"/>
               </a:ext>
             </a:extLst>
@@ -5263,7 +8506,7 @@
           <a:p>
             <a:fld id="{0F78D9C4-20C1-4B15-A116-16DC77AD9A1E}" type="datetime1">
               <a:rPr lang="ko-KR" altLang="en-US" smtClean="0"/>
-              <a:t>2025-05-19</a:t>
+              <a:t>2025-05-22</a:t>
             </a:fld>
             <a:endParaRPr lang="ko-KR" altLang="en-US"/>
           </a:p>
@@ -5292,7 +8535,7 @@
           <a:p>
             <a:fld id="{083A2CE0-18CD-4102-B738-4ACFF9E68BA4}" type="slidenum">
               <a:rPr lang="ko-KR" altLang="en-US" smtClean="0"/>
-              <a:t>11</a:t>
+              <a:t>20</a:t>
             </a:fld>
             <a:endParaRPr lang="ko-KR" altLang="en-US"/>
           </a:p>
@@ -5636,7 +8879,7 @@
 </p:sld>
 </file>
 
-<file path=ppt/slides/slide12.xml><?xml version="1.0" encoding="utf-8"?>
+<file path=ppt/slides/slide21.xml><?xml version="1.0" encoding="utf-8"?>
 <p:sld xmlns:a="http://schemas.openxmlformats.org/drawingml/2006/main" xmlns:r="http://schemas.openxmlformats.org/officeDocument/2006/relationships" xmlns:p="http://schemas.openxmlformats.org/presentationml/2006/main">
   <p:cSld>
     <p:spTree>
@@ -5704,7 +8947,7 @@
           <a:p>
             <a:fld id="{0F78D9C4-20C1-4B15-A116-16DC77AD9A1E}" type="datetime1">
               <a:rPr lang="ko-KR" altLang="en-US" smtClean="0"/>
-              <a:t>2025-05-19</a:t>
+              <a:t>2025-05-22</a:t>
             </a:fld>
             <a:endParaRPr lang="ko-KR" altLang="en-US"/>
           </a:p>
@@ -5733,7 +8976,7 @@
           <a:p>
             <a:fld id="{083A2CE0-18CD-4102-B738-4ACFF9E68BA4}" type="slidenum">
               <a:rPr lang="ko-KR" altLang="en-US" smtClean="0"/>
-              <a:t>12</a:t>
+              <a:t>21</a:t>
             </a:fld>
             <a:endParaRPr lang="ko-KR" altLang="en-US"/>
           </a:p>
@@ -5975,7 +9218,7 @@
 </p:sld>
 </file>
 
-<file path=ppt/slides/slide13.xml><?xml version="1.0" encoding="utf-8"?>
+<file path=ppt/slides/slide22.xml><?xml version="1.0" encoding="utf-8"?>
 <p:sld xmlns:a="http://schemas.openxmlformats.org/drawingml/2006/main" xmlns:r="http://schemas.openxmlformats.org/officeDocument/2006/relationships" xmlns:p="http://schemas.openxmlformats.org/presentationml/2006/main">
   <p:cSld>
     <p:spTree>
@@ -6180,7 +9423,7 @@
           <a:p>
             <a:fld id="{0F78D9C4-20C1-4B15-A116-16DC77AD9A1E}" type="datetime1">
               <a:rPr lang="ko-KR" altLang="en-US" smtClean="0"/>
-              <a:t>2025-05-19</a:t>
+              <a:t>2025-05-22</a:t>
             </a:fld>
             <a:endParaRPr lang="ko-KR" altLang="en-US"/>
           </a:p>
@@ -6209,7 +9452,7 @@
           <a:p>
             <a:fld id="{083A2CE0-18CD-4102-B738-4ACFF9E68BA4}" type="slidenum">
               <a:rPr lang="ko-KR" altLang="en-US" smtClean="0"/>
-              <a:t>13</a:t>
+              <a:t>22</a:t>
             </a:fld>
             <a:endParaRPr lang="ko-KR" altLang="en-US"/>
           </a:p>
@@ -6329,7 +9572,7 @@
 </p:sld>
 </file>
 
-<file path=ppt/slides/slide14.xml><?xml version="1.0" encoding="utf-8"?>
+<file path=ppt/slides/slide23.xml><?xml version="1.0" encoding="utf-8"?>
 <p:sld xmlns:a="http://schemas.openxmlformats.org/drawingml/2006/main" xmlns:r="http://schemas.openxmlformats.org/officeDocument/2006/relationships" xmlns:p="http://schemas.openxmlformats.org/presentationml/2006/main">
   <p:cSld>
     <p:spTree>
@@ -6531,7 +9774,7 @@
           <a:p>
             <a:fld id="{0F78D9C4-20C1-4B15-A116-16DC77AD9A1E}" type="datetime1">
               <a:rPr lang="ko-KR" altLang="en-US" smtClean="0"/>
-              <a:t>2025-05-19</a:t>
+              <a:t>2025-05-22</a:t>
             </a:fld>
             <a:endParaRPr lang="ko-KR" altLang="en-US"/>
           </a:p>
@@ -6560,7 +9803,7 @@
           <a:p>
             <a:fld id="{083A2CE0-18CD-4102-B738-4ACFF9E68BA4}" type="slidenum">
               <a:rPr lang="ko-KR" altLang="en-US" smtClean="0"/>
-              <a:t>14</a:t>
+              <a:t>23</a:t>
             </a:fld>
             <a:endParaRPr lang="ko-KR" altLang="en-US"/>
           </a:p>
@@ -6709,7 +9952,7 @@
 </p:sld>
 </file>
 
-<file path=ppt/slides/slide15.xml><?xml version="1.0" encoding="utf-8"?>
+<file path=ppt/slides/slide24.xml><?xml version="1.0" encoding="utf-8"?>
 <p:sld xmlns:a="http://schemas.openxmlformats.org/drawingml/2006/main" xmlns:r="http://schemas.openxmlformats.org/officeDocument/2006/relationships" xmlns:p="http://schemas.openxmlformats.org/presentationml/2006/main">
   <p:cSld>
     <p:spTree>
@@ -6903,7 +10146,7 @@
           <a:p>
             <a:fld id="{0F78D9C4-20C1-4B15-A116-16DC77AD9A1E}" type="datetime1">
               <a:rPr lang="ko-KR" altLang="en-US" smtClean="0"/>
-              <a:t>2025-05-19</a:t>
+              <a:t>2025-05-22</a:t>
             </a:fld>
             <a:endParaRPr lang="ko-KR" altLang="en-US"/>
           </a:p>
@@ -6932,7 +10175,7 @@
           <a:p>
             <a:fld id="{083A2CE0-18CD-4102-B738-4ACFF9E68BA4}" type="slidenum">
               <a:rPr lang="ko-KR" altLang="en-US" smtClean="0"/>
-              <a:t>15</a:t>
+              <a:t>24</a:t>
             </a:fld>
             <a:endParaRPr lang="ko-KR" altLang="en-US"/>
           </a:p>
@@ -6951,7 +10194,7 @@
 </p:sld>
 </file>
 
-<file path=ppt/slides/slide16.xml><?xml version="1.0" encoding="utf-8"?>
+<file path=ppt/slides/slide25.xml><?xml version="1.0" encoding="utf-8"?>
 <p:sld xmlns:a="http://schemas.openxmlformats.org/drawingml/2006/main" xmlns:r="http://schemas.openxmlformats.org/officeDocument/2006/relationships" xmlns:p="http://schemas.openxmlformats.org/presentationml/2006/main">
   <p:cSld>
     <p:spTree>
@@ -7075,7 +10318,7 @@
           <a:p>
             <a:fld id="{0F78D9C4-20C1-4B15-A116-16DC77AD9A1E}" type="datetime1">
               <a:rPr lang="ko-KR" altLang="en-US" smtClean="0"/>
-              <a:t>2025-05-19</a:t>
+              <a:t>2025-05-22</a:t>
             </a:fld>
             <a:endParaRPr lang="ko-KR" altLang="en-US"/>
           </a:p>
@@ -7104,7 +10347,7 @@
           <a:p>
             <a:fld id="{083A2CE0-18CD-4102-B738-4ACFF9E68BA4}" type="slidenum">
               <a:rPr lang="ko-KR" altLang="en-US" smtClean="0"/>
-              <a:t>16</a:t>
+              <a:t>25</a:t>
             </a:fld>
             <a:endParaRPr lang="ko-KR" altLang="en-US"/>
           </a:p>
@@ -7153,312 +10396,6 @@
 </p:sld>
 </file>
 
-<file path=ppt/slides/slide2.xml><?xml version="1.0" encoding="utf-8"?>
-<p:sld xmlns:a="http://schemas.openxmlformats.org/drawingml/2006/main" xmlns:r="http://schemas.openxmlformats.org/officeDocument/2006/relationships" xmlns:p="http://schemas.openxmlformats.org/presentationml/2006/main">
-  <p:cSld>
-    <p:spTree>
-      <p:nvGrpSpPr>
-        <p:cNvPr id="1" name=""/>
-        <p:cNvGrpSpPr/>
-        <p:nvPr/>
-      </p:nvGrpSpPr>
-      <p:grpSpPr>
-        <a:xfrm>
-          <a:off x="0" y="0"/>
-          <a:ext cx="0" cy="0"/>
-          <a:chOff x="0" y="0"/>
-          <a:chExt cx="0" cy="0"/>
-        </a:xfrm>
-      </p:grpSpPr>
-      <p:sp>
-        <p:nvSpPr>
-          <p:cNvPr id="2" name="제목 1">
-            <a:extLst>
-              <a:ext uri="{FF2B5EF4-FFF2-40B4-BE49-F238E27FC236}">
-                <a16:creationId xmlns:a16="http://schemas.microsoft.com/office/drawing/2014/main" id="{61D38B02-F364-386E-B2BA-0C5AE68CAE53}"/>
-              </a:ext>
-            </a:extLst>
-          </p:cNvPr>
-          <p:cNvSpPr>
-            <a:spLocks noGrp="1"/>
-          </p:cNvSpPr>
-          <p:nvPr>
-            <p:ph type="title"/>
-          </p:nvPr>
-        </p:nvSpPr>
-        <p:spPr/>
-        <p:txBody>
-          <a:bodyPr/>
-          <a:lstStyle/>
-          <a:p>
-            <a:r>
-              <a:rPr lang="en-US" altLang="ko-KR" dirty="0"/>
-              <a:t>SW </a:t>
-            </a:r>
-            <a:r>
-              <a:rPr lang="ko-KR" altLang="en-US" dirty="0"/>
-              <a:t>디자인 패턴</a:t>
-            </a:r>
-          </a:p>
-        </p:txBody>
-      </p:sp>
-      <p:sp>
-        <p:nvSpPr>
-          <p:cNvPr id="3" name="내용 개체 틀 2">
-            <a:extLst>
-              <a:ext uri="{FF2B5EF4-FFF2-40B4-BE49-F238E27FC236}">
-                <a16:creationId xmlns:a16="http://schemas.microsoft.com/office/drawing/2014/main" id="{7CD3EA6F-1C78-E45D-A694-B7D7AB22594D}"/>
-              </a:ext>
-            </a:extLst>
-          </p:cNvPr>
-          <p:cNvSpPr>
-            <a:spLocks noGrp="1"/>
-          </p:cNvSpPr>
-          <p:nvPr>
-            <p:ph idx="1"/>
-          </p:nvPr>
-        </p:nvSpPr>
-        <p:spPr/>
-        <p:txBody>
-          <a:bodyPr>
-            <a:normAutofit lnSpcReduction="10000"/>
-          </a:bodyPr>
-          <a:lstStyle/>
-          <a:p>
-            <a:r>
-              <a:rPr lang="ko-KR" altLang="en-US" dirty="0"/>
-              <a:t>다양한 상황에 대한 해결 방법</a:t>
-            </a:r>
-            <a:r>
-              <a:rPr lang="en-US" altLang="ko-KR" dirty="0"/>
-              <a:t>(</a:t>
-            </a:r>
-            <a:r>
-              <a:rPr lang="ko-KR" altLang="en-US" dirty="0"/>
-              <a:t>디자인 패턴</a:t>
-            </a:r>
-            <a:r>
-              <a:rPr lang="en-US" altLang="ko-KR" dirty="0"/>
-              <a:t>)</a:t>
-            </a:r>
-            <a:r>
-              <a:rPr lang="ko-KR" altLang="en-US" dirty="0"/>
-              <a:t>이 있음</a:t>
-            </a:r>
-            <a:endParaRPr lang="en-US" altLang="ko-KR" dirty="0"/>
-          </a:p>
-          <a:p>
-            <a:pPr lvl="1"/>
-            <a:r>
-              <a:rPr lang="en-US" altLang="ko-KR" dirty="0">
-                <a:solidFill>
-                  <a:srgbClr val="00B050"/>
-                </a:solidFill>
-              </a:rPr>
-              <a:t>Singleton</a:t>
-            </a:r>
-            <a:r>
-              <a:rPr lang="en-US" altLang="ko-KR" dirty="0"/>
-              <a:t>: </a:t>
-            </a:r>
-            <a:r>
-              <a:rPr lang="ko-KR" altLang="en-US" dirty="0"/>
-              <a:t>한 클래스의 인스턴스가 오직 하나만 존재하도록 보장</a:t>
-            </a:r>
-            <a:endParaRPr lang="en-US" altLang="ko-KR" dirty="0"/>
-          </a:p>
-          <a:p>
-            <a:pPr lvl="1"/>
-            <a:r>
-              <a:rPr lang="en-US" altLang="ko-KR" dirty="0"/>
-              <a:t>Prototype:</a:t>
-            </a:r>
-            <a:r>
-              <a:rPr lang="ko-KR" altLang="en-US" dirty="0"/>
-              <a:t> 기존 객체를 복제하여 새로운 객체를 생성</a:t>
-            </a:r>
-            <a:endParaRPr lang="en-US" altLang="ko-KR" dirty="0"/>
-          </a:p>
-          <a:p>
-            <a:pPr lvl="1"/>
-            <a:r>
-              <a:rPr lang="en-US" altLang="ko-KR" dirty="0"/>
-              <a:t>Adapter: </a:t>
-            </a:r>
-            <a:r>
-              <a:rPr lang="ko-KR" altLang="en-US" dirty="0"/>
-              <a:t>호환되지 않는 인터페이스를 가진 클래스들이 함께 작동할 수 있도록 함</a:t>
-            </a:r>
-            <a:endParaRPr lang="en-US" altLang="ko-KR" dirty="0"/>
-          </a:p>
-          <a:p>
-            <a:pPr lvl="1"/>
-            <a:r>
-              <a:rPr lang="en-US" altLang="ko-KR" dirty="0"/>
-              <a:t>Bridge: </a:t>
-            </a:r>
-            <a:r>
-              <a:rPr lang="ko-KR" altLang="en-US" dirty="0"/>
-              <a:t>추상화</a:t>
-            </a:r>
-            <a:r>
-              <a:rPr lang="en-US" altLang="ko-KR" dirty="0"/>
-              <a:t>(Abstract)</a:t>
-            </a:r>
-            <a:r>
-              <a:rPr lang="ko-KR" altLang="en-US" dirty="0"/>
-              <a:t>와 구현을 분리하여</a:t>
-            </a:r>
-            <a:r>
-              <a:rPr lang="en-US" altLang="ko-KR" dirty="0"/>
-              <a:t>, </a:t>
-            </a:r>
-            <a:r>
-              <a:rPr lang="ko-KR" altLang="en-US" dirty="0"/>
-              <a:t>독립적으로 변형될 수 있게 함</a:t>
-            </a:r>
-            <a:endParaRPr lang="en-US" altLang="ko-KR" dirty="0"/>
-          </a:p>
-          <a:p>
-            <a:pPr lvl="1"/>
-            <a:r>
-              <a:rPr lang="en-US" altLang="ko-KR" dirty="0"/>
-              <a:t>Interpreter: </a:t>
-            </a:r>
-            <a:r>
-              <a:rPr lang="ko-KR" altLang="en-US" dirty="0"/>
-              <a:t>주어진 언어의 문법에 대한 표현을 정의하고 문장을 해석</a:t>
-            </a:r>
-            <a:endParaRPr lang="en-US" altLang="ko-KR" dirty="0"/>
-          </a:p>
-          <a:p>
-            <a:pPr lvl="1"/>
-            <a:r>
-              <a:rPr lang="en-US" altLang="ko-KR" dirty="0"/>
-              <a:t>State: </a:t>
-            </a:r>
-            <a:r>
-              <a:rPr lang="ko-KR" altLang="en-US" dirty="0"/>
-              <a:t>객체의 내부 상태에 따라 객체의 행동을 변경</a:t>
-            </a:r>
-            <a:endParaRPr lang="en-US" altLang="ko-KR" dirty="0"/>
-          </a:p>
-          <a:p>
-            <a:pPr lvl="1"/>
-            <a:r>
-              <a:rPr lang="en-US" altLang="ko-KR" dirty="0"/>
-              <a:t>Strategy: </a:t>
-            </a:r>
-            <a:r>
-              <a:rPr lang="ko-KR" altLang="en-US" dirty="0"/>
-              <a:t>알고리즘을 객체의 행동으로 </a:t>
-            </a:r>
-            <a:r>
-              <a:rPr lang="ko-KR" altLang="en-US" dirty="0" err="1"/>
-              <a:t>캡슐화하여</a:t>
-            </a:r>
-            <a:r>
-              <a:rPr lang="ko-KR" altLang="en-US" dirty="0"/>
-              <a:t> 동일한 기능을 하는 다른 알고리즘으로 교체할 수 있게 함</a:t>
-            </a:r>
-            <a:endParaRPr lang="en-US" altLang="ko-KR" dirty="0"/>
-          </a:p>
-          <a:p>
-            <a:pPr lvl="1"/>
-            <a:r>
-              <a:rPr lang="en-US" altLang="ko-KR" dirty="0"/>
-              <a:t>Iterator: </a:t>
-            </a:r>
-            <a:r>
-              <a:rPr lang="ko-KR" altLang="en-US" dirty="0"/>
-              <a:t>컬렉션 내의 요소를 순차적으로 접근하는 방법을 제공</a:t>
-            </a:r>
-            <a:endParaRPr lang="en-US" altLang="ko-KR" dirty="0"/>
-          </a:p>
-          <a:p>
-            <a:pPr lvl="1"/>
-            <a:r>
-              <a:rPr lang="en-US" altLang="ko-KR" dirty="0"/>
-              <a:t>...</a:t>
-            </a:r>
-          </a:p>
-          <a:p>
-            <a:pPr lvl="1"/>
-            <a:endParaRPr lang="ko-KR" altLang="en-US" dirty="0"/>
-          </a:p>
-        </p:txBody>
-      </p:sp>
-      <p:sp>
-        <p:nvSpPr>
-          <p:cNvPr id="4" name="날짜 개체 틀 3">
-            <a:extLst>
-              <a:ext uri="{FF2B5EF4-FFF2-40B4-BE49-F238E27FC236}">
-                <a16:creationId xmlns:a16="http://schemas.microsoft.com/office/drawing/2014/main" id="{D92842D5-8D65-4182-449D-5EE6395D4223}"/>
-              </a:ext>
-            </a:extLst>
-          </p:cNvPr>
-          <p:cNvSpPr>
-            <a:spLocks noGrp="1"/>
-          </p:cNvSpPr>
-          <p:nvPr>
-            <p:ph type="dt" sz="half" idx="10"/>
-          </p:nvPr>
-        </p:nvSpPr>
-        <p:spPr/>
-        <p:txBody>
-          <a:bodyPr/>
-          <a:lstStyle/>
-          <a:p>
-            <a:fld id="{0F78D9C4-20C1-4B15-A116-16DC77AD9A1E}" type="datetime1">
-              <a:rPr lang="ko-KR" altLang="en-US" smtClean="0"/>
-              <a:t>2025-05-19</a:t>
-            </a:fld>
-            <a:endParaRPr lang="ko-KR" altLang="en-US"/>
-          </a:p>
-        </p:txBody>
-      </p:sp>
-      <p:sp>
-        <p:nvSpPr>
-          <p:cNvPr id="5" name="슬라이드 번호 개체 틀 4">
-            <a:extLst>
-              <a:ext uri="{FF2B5EF4-FFF2-40B4-BE49-F238E27FC236}">
-                <a16:creationId xmlns:a16="http://schemas.microsoft.com/office/drawing/2014/main" id="{CA50545B-E805-FC27-89DE-0CF6B963ADAA}"/>
-              </a:ext>
-            </a:extLst>
-          </p:cNvPr>
-          <p:cNvSpPr>
-            <a:spLocks noGrp="1"/>
-          </p:cNvSpPr>
-          <p:nvPr>
-            <p:ph type="sldNum" sz="quarter" idx="12"/>
-          </p:nvPr>
-        </p:nvSpPr>
-        <p:spPr/>
-        <p:txBody>
-          <a:bodyPr/>
-          <a:lstStyle/>
-          <a:p>
-            <a:fld id="{083A2CE0-18CD-4102-B738-4ACFF9E68BA4}" type="slidenum">
-              <a:rPr lang="ko-KR" altLang="en-US" smtClean="0"/>
-              <a:t>2</a:t>
-            </a:fld>
-            <a:endParaRPr lang="ko-KR" altLang="en-US"/>
-          </a:p>
-        </p:txBody>
-      </p:sp>
-    </p:spTree>
-    <p:extLst>
-      <p:ext uri="{BB962C8B-B14F-4D97-AF65-F5344CB8AC3E}">
-        <p14:creationId xmlns:p14="http://schemas.microsoft.com/office/powerpoint/2010/main" val="1658821868"/>
-      </p:ext>
-    </p:extLst>
-  </p:cSld>
-  <p:clrMapOvr>
-    <a:masterClrMapping/>
-  </p:clrMapOvr>
-</p:sld>
-</file>
-
 <file path=ppt/slides/slide3.xml><?xml version="1.0" encoding="utf-8"?>
 <p:sld xmlns:a="http://schemas.openxmlformats.org/drawingml/2006/main" xmlns:r="http://schemas.openxmlformats.org/officeDocument/2006/relationships" xmlns:p="http://schemas.openxmlformats.org/presentationml/2006/main">
   <p:cSld>
@@ -7481,7 +10418,7 @@
           <p:cNvPr id="2" name="제목 1">
             <a:extLst>
               <a:ext uri="{FF2B5EF4-FFF2-40B4-BE49-F238E27FC236}">
-                <a16:creationId xmlns:a16="http://schemas.microsoft.com/office/drawing/2014/main" id="{F158C4E9-5278-CBA7-8BF1-1AFAFCEAECD2}"/>
+                <a16:creationId xmlns:a16="http://schemas.microsoft.com/office/drawing/2014/main" id="{166CF066-EBB4-A200-78DB-6A3EA632B8E7}"/>
               </a:ext>
             </a:extLst>
           </p:cNvPr>
@@ -7498,64 +10435,12 @@
           <a:lstStyle/>
           <a:p>
             <a:r>
-              <a:rPr lang="en-US" altLang="ko-KR" dirty="0"/>
-              <a:t>Singleton </a:t>
-            </a:r>
-            <a:r>
-              <a:rPr lang="ko-KR" altLang="en-US" dirty="0"/>
-              <a:t>패턴</a:t>
-            </a:r>
-          </a:p>
-        </p:txBody>
-      </p:sp>
-      <p:sp>
-        <p:nvSpPr>
-          <p:cNvPr id="3" name="내용 개체 틀 2">
-            <a:extLst>
-              <a:ext uri="{FF2B5EF4-FFF2-40B4-BE49-F238E27FC236}">
-                <a16:creationId xmlns:a16="http://schemas.microsoft.com/office/drawing/2014/main" id="{6F3F0FBC-FE39-DD3B-5B60-63E7BF0D8511}"/>
-              </a:ext>
-            </a:extLst>
-          </p:cNvPr>
-          <p:cNvSpPr>
-            <a:spLocks noGrp="1"/>
-          </p:cNvSpPr>
-          <p:nvPr>
-            <p:ph idx="1"/>
-          </p:nvPr>
-        </p:nvSpPr>
-        <p:spPr/>
-        <p:txBody>
-          <a:bodyPr/>
-          <a:lstStyle/>
-          <a:p>
-            <a:r>
-              <a:rPr lang="ko-KR" altLang="en-US" dirty="0"/>
-              <a:t>클래스의 인스턴스가 프로그램 전체에서 오직 하나만 존재해야 할 때 사용</a:t>
-            </a:r>
-            <a:endParaRPr lang="en-US" altLang="ko-KR" dirty="0"/>
-          </a:p>
-          <a:p>
-            <a:pPr lvl="1"/>
-            <a:r>
-              <a:rPr lang="ko-KR" altLang="en-US" dirty="0"/>
-              <a:t>예</a:t>
-            </a:r>
-            <a:r>
-              <a:rPr lang="en-US" altLang="ko-KR" dirty="0"/>
-              <a:t>) </a:t>
-            </a:r>
-            <a:r>
-              <a:rPr lang="ko-KR" altLang="en-US" dirty="0"/>
-              <a:t>게임 점수 및 승패를 결정하는 </a:t>
-            </a:r>
-            <a:r>
-              <a:rPr lang="en-US" altLang="ko-KR" dirty="0" err="1"/>
-              <a:t>GameManager</a:t>
-            </a:r>
-            <a:r>
-              <a:rPr lang="ko-KR" altLang="en-US" dirty="0"/>
-              <a:t> 클래스</a:t>
+              <a:rPr lang="en-US" altLang="ko-KR"/>
+              <a:t>Visual Studio - NuGet </a:t>
+            </a:r>
+            <a:r>
+              <a:rPr lang="ko-KR" altLang="en-US"/>
+              <a:t>사용법</a:t>
             </a:r>
           </a:p>
         </p:txBody>
@@ -7565,7 +10450,7 @@
           <p:cNvPr id="4" name="날짜 개체 틀 3">
             <a:extLst>
               <a:ext uri="{FF2B5EF4-FFF2-40B4-BE49-F238E27FC236}">
-                <a16:creationId xmlns:a16="http://schemas.microsoft.com/office/drawing/2014/main" id="{F049ADBB-5F5C-B6AE-AAEB-F6B866C08351}"/>
+                <a16:creationId xmlns:a16="http://schemas.microsoft.com/office/drawing/2014/main" id="{D2B04F56-AA0D-0563-A926-C8D4B216D065}"/>
               </a:ext>
             </a:extLst>
           </p:cNvPr>
@@ -7583,7 +10468,7 @@
           <a:p>
             <a:fld id="{0F78D9C4-20C1-4B15-A116-16DC77AD9A1E}" type="datetime1">
               <a:rPr lang="ko-KR" altLang="en-US" smtClean="0"/>
-              <a:t>2025-05-19</a:t>
+              <a:t>2025-05-22</a:t>
             </a:fld>
             <a:endParaRPr lang="ko-KR" altLang="en-US"/>
           </a:p>
@@ -7594,7 +10479,7 @@
           <p:cNvPr id="5" name="슬라이드 번호 개체 틀 4">
             <a:extLst>
               <a:ext uri="{FF2B5EF4-FFF2-40B4-BE49-F238E27FC236}">
-                <a16:creationId xmlns:a16="http://schemas.microsoft.com/office/drawing/2014/main" id="{0B6F1BCC-30D8-DE80-86EB-394D584311CD}"/>
+                <a16:creationId xmlns:a16="http://schemas.microsoft.com/office/drawing/2014/main" id="{7C9362BE-4466-D5BA-2C8C-23927022CEC2}"/>
               </a:ext>
             </a:extLst>
           </p:cNvPr>
@@ -7620,10 +10505,10 @@
       </p:sp>
       <p:pic>
         <p:nvPicPr>
-          <p:cNvPr id="7" name="그림 6">
-            <a:extLst>
-              <a:ext uri="{FF2B5EF4-FFF2-40B4-BE49-F238E27FC236}">
-                <a16:creationId xmlns:a16="http://schemas.microsoft.com/office/drawing/2014/main" id="{E1974C51-1450-9630-9D3D-F761262ADC00}"/>
+          <p:cNvPr id="9" name="그림 8">
+            <a:extLst>
+              <a:ext uri="{FF2B5EF4-FFF2-40B4-BE49-F238E27FC236}">
+                <a16:creationId xmlns:a16="http://schemas.microsoft.com/office/drawing/2014/main" id="{83785924-27C3-E315-FF29-CC8BBC5748D6}"/>
               </a:ext>
             </a:extLst>
           </p:cNvPr>
@@ -7632,16 +10517,15 @@
           </p:cNvPicPr>
           <p:nvPr/>
         </p:nvPicPr>
-        <p:blipFill>
+        <p:blipFill rotWithShape="1">
           <a:blip r:embed="rId2"/>
-          <a:stretch>
-            <a:fillRect/>
-          </a:stretch>
+          <a:srcRect r="19810"/>
+          <a:stretch/>
         </p:blipFill>
         <p:spPr>
           <a:xfrm>
-            <a:off x="324111" y="2752494"/>
-            <a:ext cx="5654195" cy="3647487"/>
+            <a:off x="372974" y="2466840"/>
+            <a:ext cx="2612597" cy="1924319"/>
           </a:xfrm>
           <a:prstGeom prst="rect">
             <a:avLst/>
@@ -7650,10 +10534,10 @@
       </p:pic>
       <p:pic>
         <p:nvPicPr>
-          <p:cNvPr id="9" name="그림 8">
-            <a:extLst>
-              <a:ext uri="{FF2B5EF4-FFF2-40B4-BE49-F238E27FC236}">
-                <a16:creationId xmlns:a16="http://schemas.microsoft.com/office/drawing/2014/main" id="{B5D5594C-EC71-70D4-70F7-22404D71318B}"/>
+          <p:cNvPr id="11" name="그림 10">
+            <a:extLst>
+              <a:ext uri="{FF2B5EF4-FFF2-40B4-BE49-F238E27FC236}">
+                <a16:creationId xmlns:a16="http://schemas.microsoft.com/office/drawing/2014/main" id="{0C3C174E-A7C9-95A5-8D6C-5BB0E83403B1}"/>
               </a:ext>
             </a:extLst>
           </p:cNvPr>
@@ -7670,18 +10554,61 @@
         </p:blipFill>
         <p:spPr>
           <a:xfrm>
-            <a:off x="5995641" y="2763645"/>
-            <a:ext cx="6050478" cy="1919863"/>
+            <a:off x="3491828" y="1504940"/>
+            <a:ext cx="8480916" cy="4880854"/>
           </a:xfrm>
           <a:prstGeom prst="rect">
             <a:avLst/>
           </a:prstGeom>
         </p:spPr>
       </p:pic>
+      <p:sp>
+        <p:nvSpPr>
+          <p:cNvPr id="12" name="TextBox 11">
+            <a:extLst>
+              <a:ext uri="{FF2B5EF4-FFF2-40B4-BE49-F238E27FC236}">
+                <a16:creationId xmlns:a16="http://schemas.microsoft.com/office/drawing/2014/main" id="{9AF05415-E820-D6FD-477B-A91CAA13A81D}"/>
+              </a:ext>
+            </a:extLst>
+          </p:cNvPr>
+          <p:cNvSpPr txBox="1"/>
+          <p:nvPr/>
+        </p:nvSpPr>
+        <p:spPr>
+          <a:xfrm>
+            <a:off x="372974" y="1706628"/>
+            <a:ext cx="2914580" cy="646331"/>
+          </a:xfrm>
+          <a:prstGeom prst="rect">
+            <a:avLst/>
+          </a:prstGeom>
+          <a:noFill/>
+        </p:spPr>
+        <p:txBody>
+          <a:bodyPr wrap="none" rtlCol="0">
+            <a:spAutoFit/>
+          </a:bodyPr>
+          <a:lstStyle/>
+          <a:p>
+            <a:r>
+              <a:rPr lang="ko-KR" altLang="en-US"/>
+              <a:t>프로젝트 우클릭 </a:t>
+            </a:r>
+            <a:endParaRPr lang="en-US" altLang="ko-KR"/>
+          </a:p>
+          <a:p>
+            <a:r>
+              <a:rPr lang="en-US" altLang="ko-KR"/>
+              <a:t>&gt; Manage NuGet Pakages</a:t>
+            </a:r>
+            <a:endParaRPr lang="ko-KR" altLang="en-US"/>
+          </a:p>
+        </p:txBody>
+      </p:sp>
     </p:spTree>
     <p:extLst>
       <p:ext uri="{BB962C8B-B14F-4D97-AF65-F5344CB8AC3E}">
-        <p14:creationId xmlns:p14="http://schemas.microsoft.com/office/powerpoint/2010/main" val="3404123429"/>
+        <p14:creationId xmlns:p14="http://schemas.microsoft.com/office/powerpoint/2010/main" val="2806756997"/>
       </p:ext>
     </p:extLst>
   </p:cSld>
@@ -7708,74 +10635,73 @@
           <a:chExt cx="0" cy="0"/>
         </a:xfrm>
       </p:grpSpPr>
+      <p:sp>
+        <p:nvSpPr>
+          <p:cNvPr id="2" name="제목 1">
+            <a:extLst>
+              <a:ext uri="{FF2B5EF4-FFF2-40B4-BE49-F238E27FC236}">
+                <a16:creationId xmlns:a16="http://schemas.microsoft.com/office/drawing/2014/main" id="{061F91DF-B2CB-9B0A-089A-E7636D1C92E9}"/>
+              </a:ext>
+            </a:extLst>
+          </p:cNvPr>
+          <p:cNvSpPr>
+            <a:spLocks noGrp="1"/>
+          </p:cNvSpPr>
+          <p:nvPr>
+            <p:ph type="title"/>
+          </p:nvPr>
+        </p:nvSpPr>
+        <p:spPr/>
+        <p:txBody>
+          <a:bodyPr/>
+          <a:lstStyle/>
+          <a:p>
+            <a:r>
+              <a:rPr lang="en-US" altLang="ko-KR"/>
+              <a:t>Visual Studio - NuGet </a:t>
+            </a:r>
+            <a:r>
+              <a:rPr lang="ko-KR" altLang="en-US"/>
+              <a:t>사용법</a:t>
+            </a:r>
+          </a:p>
+        </p:txBody>
+      </p:sp>
       <p:pic>
         <p:nvPicPr>
-          <p:cNvPr id="6" name="그림 5">
-            <a:extLst>
-              <a:ext uri="{FF2B5EF4-FFF2-40B4-BE49-F238E27FC236}">
-                <a16:creationId xmlns:a16="http://schemas.microsoft.com/office/drawing/2014/main" id="{8A9F8BD3-07E3-DFE2-6156-828C48F8203C}"/>
+          <p:cNvPr id="7" name="내용 개체 틀 6">
+            <a:extLst>
+              <a:ext uri="{FF2B5EF4-FFF2-40B4-BE49-F238E27FC236}">
+                <a16:creationId xmlns:a16="http://schemas.microsoft.com/office/drawing/2014/main" id="{ED4462B6-A198-11A6-17EB-C5735FEE71A3}"/>
               </a:ext>
             </a:extLst>
           </p:cNvPr>
           <p:cNvPicPr>
-            <a:picLocks noChangeAspect="1"/>
+            <a:picLocks noGrp="1" noChangeAspect="1"/>
           </p:cNvPicPr>
-          <p:nvPr/>
+          <p:nvPr>
+            <p:ph idx="1"/>
+          </p:nvPr>
         </p:nvPicPr>
         <p:blipFill>
-          <a:blip r:embed="rId3"/>
+          <a:blip r:embed="rId2"/>
           <a:stretch>
             <a:fillRect/>
           </a:stretch>
         </p:blipFill>
         <p:spPr>
           <a:xfrm>
-            <a:off x="7443769" y="1859148"/>
-            <a:ext cx="4748231" cy="3388650"/>
+            <a:off x="605920" y="1423893"/>
+            <a:ext cx="8670366" cy="5035550"/>
           </a:xfrm>
-          <a:prstGeom prst="rect">
-            <a:avLst/>
-          </a:prstGeom>
         </p:spPr>
       </p:pic>
       <p:sp>
         <p:nvSpPr>
-          <p:cNvPr id="2" name="제목 1">
-            <a:extLst>
-              <a:ext uri="{FF2B5EF4-FFF2-40B4-BE49-F238E27FC236}">
-                <a16:creationId xmlns:a16="http://schemas.microsoft.com/office/drawing/2014/main" id="{FF6F4E9B-7388-97E9-9E63-C391980784FE}"/>
-              </a:ext>
-            </a:extLst>
-          </p:cNvPr>
-          <p:cNvSpPr>
-            <a:spLocks noGrp="1"/>
-          </p:cNvSpPr>
-          <p:nvPr>
-            <p:ph type="title"/>
-          </p:nvPr>
-        </p:nvSpPr>
-        <p:spPr/>
-        <p:txBody>
-          <a:bodyPr/>
-          <a:lstStyle/>
-          <a:p>
-            <a:r>
-              <a:rPr lang="en-US" altLang="ko-KR" dirty="0"/>
-              <a:t>MVC </a:t>
-            </a:r>
-            <a:r>
-              <a:rPr lang="ko-KR" altLang="en-US" dirty="0"/>
-              <a:t>패턴</a:t>
-            </a:r>
-          </a:p>
-        </p:txBody>
-      </p:sp>
-      <p:sp>
-        <p:nvSpPr>
           <p:cNvPr id="4" name="날짜 개체 틀 3">
             <a:extLst>
               <a:ext uri="{FF2B5EF4-FFF2-40B4-BE49-F238E27FC236}">
-                <a16:creationId xmlns:a16="http://schemas.microsoft.com/office/drawing/2014/main" id="{3D63D705-7C15-33E0-BE4F-6DB21E173FA3}"/>
+                <a16:creationId xmlns:a16="http://schemas.microsoft.com/office/drawing/2014/main" id="{4C9F154D-80D0-D2D6-C02A-E28620F9963F}"/>
               </a:ext>
             </a:extLst>
           </p:cNvPr>
@@ -7793,7 +10719,7 @@
           <a:p>
             <a:fld id="{0F78D9C4-20C1-4B15-A116-16DC77AD9A1E}" type="datetime1">
               <a:rPr lang="ko-KR" altLang="en-US" smtClean="0"/>
-              <a:t>2025-05-19</a:t>
+              <a:t>2025-05-22</a:t>
             </a:fld>
             <a:endParaRPr lang="ko-KR" altLang="en-US"/>
           </a:p>
@@ -7804,7 +10730,7 @@
           <p:cNvPr id="5" name="슬라이드 번호 개체 틀 4">
             <a:extLst>
               <a:ext uri="{FF2B5EF4-FFF2-40B4-BE49-F238E27FC236}">
-                <a16:creationId xmlns:a16="http://schemas.microsoft.com/office/drawing/2014/main" id="{236BE420-8F8C-85E9-FF1E-568D045CF6EF}"/>
+                <a16:creationId xmlns:a16="http://schemas.microsoft.com/office/drawing/2014/main" id="{7AAAC558-F07A-2E7F-8713-874FAB29BA07}"/>
               </a:ext>
             </a:extLst>
           </p:cNvPr>
@@ -7830,10 +10756,62 @@
       </p:sp>
       <p:sp>
         <p:nvSpPr>
-          <p:cNvPr id="3" name="TextBox 2">
-            <a:extLst>
-              <a:ext uri="{FF2B5EF4-FFF2-40B4-BE49-F238E27FC236}">
-                <a16:creationId xmlns:a16="http://schemas.microsoft.com/office/drawing/2014/main" id="{B5DF70C3-FBA0-A0EA-EA36-9F324D555ABB}"/>
+          <p:cNvPr id="8" name="직사각형 7">
+            <a:extLst>
+              <a:ext uri="{FF2B5EF4-FFF2-40B4-BE49-F238E27FC236}">
+                <a16:creationId xmlns:a16="http://schemas.microsoft.com/office/drawing/2014/main" id="{ADDE2F45-AB73-D886-E1D7-1B426D95E088}"/>
+              </a:ext>
+            </a:extLst>
+          </p:cNvPr>
+          <p:cNvSpPr/>
+          <p:nvPr/>
+        </p:nvSpPr>
+        <p:spPr>
+          <a:xfrm>
+            <a:off x="8086381" y="2489812"/>
+            <a:ext cx="980501" cy="374574"/>
+          </a:xfrm>
+          <a:prstGeom prst="rect">
+            <a:avLst/>
+          </a:prstGeom>
+          <a:noFill/>
+          <a:ln w="57150">
+            <a:solidFill>
+              <a:schemeClr val="accent2"/>
+            </a:solidFill>
+          </a:ln>
+        </p:spPr>
+        <p:style>
+          <a:lnRef idx="2">
+            <a:schemeClr val="accent1">
+              <a:shade val="15000"/>
+            </a:schemeClr>
+          </a:lnRef>
+          <a:fillRef idx="1">
+            <a:schemeClr val="accent1"/>
+          </a:fillRef>
+          <a:effectRef idx="0">
+            <a:schemeClr val="accent1"/>
+          </a:effectRef>
+          <a:fontRef idx="minor">
+            <a:schemeClr val="lt1"/>
+          </a:fontRef>
+        </p:style>
+        <p:txBody>
+          <a:bodyPr rtlCol="0" anchor="ctr"/>
+          <a:lstStyle/>
+          <a:p>
+            <a:pPr algn="ctr"/>
+            <a:endParaRPr lang="ko-KR" altLang="en-US"/>
+          </a:p>
+        </p:txBody>
+      </p:sp>
+      <p:sp>
+        <p:nvSpPr>
+          <p:cNvPr id="9" name="TextBox 8">
+            <a:extLst>
+              <a:ext uri="{FF2B5EF4-FFF2-40B4-BE49-F238E27FC236}">
+                <a16:creationId xmlns:a16="http://schemas.microsoft.com/office/drawing/2014/main" id="{53B03DFE-987F-1891-5644-82EA5D5505B8}"/>
               </a:ext>
             </a:extLst>
           </p:cNvPr>
@@ -7842,8 +10820,8 @@
         </p:nvSpPr>
         <p:spPr>
           <a:xfrm>
-            <a:off x="157044" y="1572172"/>
-            <a:ext cx="7241191" cy="3619452"/>
+            <a:off x="9276286" y="2342916"/>
+            <a:ext cx="2361544" cy="646331"/>
           </a:xfrm>
           <a:prstGeom prst="rect">
             <a:avLst/>
@@ -7851,181 +10829,25 @@
           <a:noFill/>
         </p:spPr>
         <p:txBody>
-          <a:bodyPr wrap="square" rtlCol="0">
+          <a:bodyPr wrap="none" rtlCol="0">
             <a:spAutoFit/>
           </a:bodyPr>
           <a:lstStyle/>
           <a:p>
-            <a:pPr marL="285750" indent="-285750">
-              <a:lnSpc>
-                <a:spcPct val="120000"/>
-              </a:lnSpc>
-              <a:buFont typeface="Arial" panose="020B0604020202020204" pitchFamily="34" charset="0"/>
-              <a:buChar char="•"/>
-            </a:pPr>
-            <a:r>
-              <a:rPr lang="en-US" altLang="ko-KR" sz="2400" b="1" dirty="0" err="1"/>
-              <a:t>WinForm</a:t>
-            </a:r>
-            <a:r>
-              <a:rPr lang="en-US" altLang="ko-KR" sz="2400" b="1" dirty="0"/>
-              <a:t> </a:t>
-            </a:r>
-            <a:r>
-              <a:rPr lang="ko-KR" altLang="en-US" sz="2400" b="1" dirty="0"/>
-              <a:t>개발에 있어 권장되는 디자인 패턴</a:t>
-            </a:r>
-            <a:endParaRPr lang="en-US" altLang="ko-KR" sz="2400" b="1" dirty="0"/>
-          </a:p>
-          <a:p>
-            <a:pPr marL="285750" indent="-285750">
-              <a:lnSpc>
-                <a:spcPct val="120000"/>
-              </a:lnSpc>
-              <a:buFont typeface="Arial" panose="020B0604020202020204" pitchFamily="34" charset="0"/>
-              <a:buChar char="•"/>
-            </a:pPr>
-            <a:endParaRPr lang="en-US" altLang="ko-KR" sz="2400" b="1" dirty="0"/>
-          </a:p>
-          <a:p>
-            <a:pPr marL="285750" indent="-285750">
-              <a:lnSpc>
-                <a:spcPct val="120000"/>
-              </a:lnSpc>
-              <a:buFont typeface="Arial" panose="020B0604020202020204" pitchFamily="34" charset="0"/>
-              <a:buChar char="•"/>
-            </a:pPr>
-            <a:r>
-              <a:rPr lang="en-US" altLang="ko-KR" sz="2400" b="1" dirty="0"/>
-              <a:t>MVC(Model + View + Controller) </a:t>
-            </a:r>
-            <a:r>
-              <a:rPr lang="ko-KR" altLang="en-US" sz="2400" b="1" dirty="0"/>
-              <a:t>패턴 시나리오</a:t>
-            </a:r>
-            <a:endParaRPr lang="en-US" altLang="ko-KR" sz="2400" b="1" dirty="0"/>
-          </a:p>
-          <a:p>
-            <a:pPr marL="742950" lvl="1" indent="-285750">
-              <a:lnSpc>
-                <a:spcPct val="120000"/>
-              </a:lnSpc>
-              <a:buFont typeface="Arial" panose="020B0604020202020204" pitchFamily="34" charset="0"/>
-              <a:buChar char="•"/>
-            </a:pPr>
-            <a:r>
-              <a:rPr lang="ko-KR" altLang="en-US" sz="2400" dirty="0"/>
-              <a:t>사용자의 </a:t>
-            </a:r>
-            <a:r>
-              <a:rPr lang="en-US" altLang="ko-KR" sz="2400" dirty="0"/>
-              <a:t>Action</a:t>
-            </a:r>
-            <a:r>
-              <a:rPr lang="ko-KR" altLang="en-US" sz="2400" dirty="0"/>
-              <a:t>들은 </a:t>
-            </a:r>
-            <a:r>
-              <a:rPr lang="en-US" altLang="ko-KR" sz="2400" dirty="0"/>
-              <a:t>Controller</a:t>
-            </a:r>
-            <a:r>
-              <a:rPr lang="ko-KR" altLang="en-US" sz="2400" dirty="0"/>
-              <a:t>에 들어옴</a:t>
-            </a:r>
-            <a:endParaRPr lang="en-US" altLang="ko-KR" sz="2400" dirty="0"/>
-          </a:p>
-          <a:p>
-            <a:pPr marL="742950" lvl="1" indent="-285750">
-              <a:lnSpc>
-                <a:spcPct val="120000"/>
-              </a:lnSpc>
-              <a:buFont typeface="Arial" panose="020B0604020202020204" pitchFamily="34" charset="0"/>
-              <a:buChar char="•"/>
-            </a:pPr>
-            <a:r>
-              <a:rPr lang="en-US" altLang="ko-KR" sz="2400" dirty="0"/>
-              <a:t>Controller</a:t>
-            </a:r>
-            <a:r>
-              <a:rPr lang="ko-KR" altLang="en-US" sz="2400" dirty="0"/>
-              <a:t>는 사용자의 </a:t>
-            </a:r>
-            <a:r>
-              <a:rPr lang="en-US" altLang="ko-KR" sz="2400" dirty="0"/>
-              <a:t>Action</a:t>
-            </a:r>
-            <a:r>
-              <a:rPr lang="ko-KR" altLang="en-US" sz="2400" dirty="0"/>
-              <a:t>을 확인하고</a:t>
-            </a:r>
-            <a:r>
-              <a:rPr lang="en-US" altLang="ko-KR" sz="2400" dirty="0"/>
-              <a:t>, Model</a:t>
-            </a:r>
-            <a:r>
-              <a:rPr lang="ko-KR" altLang="en-US" sz="2400" dirty="0"/>
-              <a:t>을 업데이트</a:t>
-            </a:r>
-            <a:endParaRPr lang="en-US" altLang="ko-KR" sz="2400" dirty="0"/>
-          </a:p>
-          <a:p>
-            <a:pPr marL="742950" lvl="1" indent="-285750">
-              <a:lnSpc>
-                <a:spcPct val="120000"/>
-              </a:lnSpc>
-              <a:buFont typeface="Arial" panose="020B0604020202020204" pitchFamily="34" charset="0"/>
-              <a:buChar char="•"/>
-            </a:pPr>
-            <a:r>
-              <a:rPr lang="en-US" altLang="ko-KR" sz="2400" dirty="0"/>
-              <a:t>Controller</a:t>
-            </a:r>
-            <a:r>
-              <a:rPr lang="ko-KR" altLang="en-US" sz="2400" dirty="0"/>
-              <a:t>는 </a:t>
-            </a:r>
-            <a:r>
-              <a:rPr lang="en-US" altLang="ko-KR" sz="2400" dirty="0"/>
-              <a:t>Model</a:t>
-            </a:r>
-            <a:r>
-              <a:rPr lang="ko-KR" altLang="en-US" sz="2400" dirty="0"/>
-              <a:t>을 나타내 줄 </a:t>
-            </a:r>
-            <a:r>
-              <a:rPr lang="en-US" altLang="ko-KR" sz="2400" dirty="0"/>
-              <a:t>View</a:t>
-            </a:r>
-            <a:r>
-              <a:rPr lang="ko-KR" altLang="en-US" sz="2400" dirty="0"/>
-              <a:t>를 선택</a:t>
-            </a:r>
-            <a:endParaRPr lang="en-US" altLang="ko-KR" sz="2400" dirty="0"/>
-          </a:p>
-          <a:p>
-            <a:pPr marL="742950" lvl="1" indent="-285750">
-              <a:lnSpc>
-                <a:spcPct val="120000"/>
-              </a:lnSpc>
-              <a:buFont typeface="Arial" panose="020B0604020202020204" pitchFamily="34" charset="0"/>
-              <a:buChar char="•"/>
-            </a:pPr>
-            <a:r>
-              <a:rPr lang="en-US" altLang="ko-KR" sz="2400" dirty="0"/>
-              <a:t>View</a:t>
-            </a:r>
-            <a:r>
-              <a:rPr lang="ko-KR" altLang="en-US" sz="2400" dirty="0"/>
-              <a:t>는 </a:t>
-            </a:r>
-            <a:r>
-              <a:rPr lang="en-US" altLang="ko-KR" sz="2400" dirty="0"/>
-              <a:t>Model</a:t>
-            </a:r>
-            <a:r>
-              <a:rPr lang="ko-KR" altLang="en-US" sz="2400" dirty="0"/>
-              <a:t>을 이용하여 화면을 나타냄</a:t>
+            <a:r>
+              <a:rPr lang="ko-KR" altLang="en-US"/>
+              <a:t>원하는 기능 선택 후 </a:t>
+            </a:r>
+            <a:endParaRPr lang="en-US" altLang="ko-KR"/>
+          </a:p>
+          <a:p>
+            <a:r>
+              <a:rPr lang="en-US" altLang="ko-KR"/>
+              <a:t>Install </a:t>
+            </a:r>
+            <a:r>
+              <a:rPr lang="ko-KR" altLang="en-US"/>
+              <a:t>버튼 클릭하면 끝</a:t>
             </a:r>
           </a:p>
         </p:txBody>
@@ -8033,7 +10855,7 @@
     </p:spTree>
     <p:extLst>
       <p:ext uri="{BB962C8B-B14F-4D97-AF65-F5344CB8AC3E}">
-        <p14:creationId xmlns:p14="http://schemas.microsoft.com/office/powerpoint/2010/main" val="3051755043"/>
+        <p14:creationId xmlns:p14="http://schemas.microsoft.com/office/powerpoint/2010/main" val="1336928899"/>
       </p:ext>
     </p:extLst>
   </p:cSld>
@@ -8048,13 +10870,7 @@
   <p:cSld>
     <p:spTree>
       <p:nvGrpSpPr>
-        <p:cNvPr id="1" name="">
-          <a:extLst>
-            <a:ext uri="{FF2B5EF4-FFF2-40B4-BE49-F238E27FC236}">
-              <a16:creationId xmlns:a16="http://schemas.microsoft.com/office/drawing/2014/main" id="{70DB591A-B2C5-1155-5FCD-DF1DCB634094}"/>
-            </a:ext>
-          </a:extLst>
-        </p:cNvPr>
+        <p:cNvPr id="1" name=""/>
         <p:cNvGrpSpPr/>
         <p:nvPr/>
       </p:nvGrpSpPr>
@@ -8066,12 +10882,141 @@
           <a:chExt cx="0" cy="0"/>
         </a:xfrm>
       </p:grpSpPr>
+      <p:sp>
+        <p:nvSpPr>
+          <p:cNvPr id="2" name="제목 1">
+            <a:extLst>
+              <a:ext uri="{FF2B5EF4-FFF2-40B4-BE49-F238E27FC236}">
+                <a16:creationId xmlns:a16="http://schemas.microsoft.com/office/drawing/2014/main" id="{061F91DF-B2CB-9B0A-089A-E7636D1C92E9}"/>
+              </a:ext>
+            </a:extLst>
+          </p:cNvPr>
+          <p:cNvSpPr>
+            <a:spLocks noGrp="1"/>
+          </p:cNvSpPr>
+          <p:nvPr>
+            <p:ph type="title"/>
+          </p:nvPr>
+        </p:nvSpPr>
+        <p:spPr/>
+        <p:txBody>
+          <a:bodyPr/>
+          <a:lstStyle/>
+          <a:p>
+            <a:r>
+              <a:rPr lang="en-US" altLang="ko-KR"/>
+              <a:t>ScottPlot</a:t>
+            </a:r>
+            <a:endParaRPr lang="ko-KR" altLang="en-US"/>
+          </a:p>
+        </p:txBody>
+      </p:sp>
+      <p:sp>
+        <p:nvSpPr>
+          <p:cNvPr id="6" name="내용 개체 틀 5">
+            <a:extLst>
+              <a:ext uri="{FF2B5EF4-FFF2-40B4-BE49-F238E27FC236}">
+                <a16:creationId xmlns:a16="http://schemas.microsoft.com/office/drawing/2014/main" id="{5EB2918C-1851-B2B5-60C1-B1A81C584C14}"/>
+              </a:ext>
+            </a:extLst>
+          </p:cNvPr>
+          <p:cNvSpPr>
+            <a:spLocks noGrp="1"/>
+          </p:cNvSpPr>
+          <p:nvPr>
+            <p:ph idx="1"/>
+          </p:nvPr>
+        </p:nvSpPr>
+        <p:spPr/>
+        <p:txBody>
+          <a:bodyPr/>
+          <a:lstStyle/>
+          <a:p>
+            <a:r>
+              <a:rPr lang="en-US" altLang="ko-KR"/>
+              <a:t>NuGet</a:t>
+            </a:r>
+            <a:r>
+              <a:rPr lang="ko-KR" altLang="en-US"/>
+              <a:t>으로 설치 가능한 무료 차트 생성 라이브러리</a:t>
+            </a:r>
+            <a:endParaRPr lang="en-US" altLang="ko-KR"/>
+          </a:p>
+          <a:p>
+            <a:r>
+              <a:rPr lang="en-US" altLang="ko-KR">
+                <a:hlinkClick r:id="rId2"/>
+              </a:rPr>
+              <a:t>https://scottplot.net/</a:t>
+            </a:r>
+            <a:endParaRPr lang="ko-KR" altLang="en-US"/>
+          </a:p>
+        </p:txBody>
+      </p:sp>
+      <p:sp>
+        <p:nvSpPr>
+          <p:cNvPr id="4" name="날짜 개체 틀 3">
+            <a:extLst>
+              <a:ext uri="{FF2B5EF4-FFF2-40B4-BE49-F238E27FC236}">
+                <a16:creationId xmlns:a16="http://schemas.microsoft.com/office/drawing/2014/main" id="{4C9F154D-80D0-D2D6-C02A-E28620F9963F}"/>
+              </a:ext>
+            </a:extLst>
+          </p:cNvPr>
+          <p:cNvSpPr>
+            <a:spLocks noGrp="1"/>
+          </p:cNvSpPr>
+          <p:nvPr>
+            <p:ph type="dt" sz="half" idx="10"/>
+          </p:nvPr>
+        </p:nvSpPr>
+        <p:spPr/>
+        <p:txBody>
+          <a:bodyPr/>
+          <a:lstStyle/>
+          <a:p>
+            <a:fld id="{0F78D9C4-20C1-4B15-A116-16DC77AD9A1E}" type="datetime1">
+              <a:rPr lang="ko-KR" altLang="en-US" smtClean="0"/>
+              <a:t>2025-05-22</a:t>
+            </a:fld>
+            <a:endParaRPr lang="ko-KR" altLang="en-US"/>
+          </a:p>
+        </p:txBody>
+      </p:sp>
+      <p:sp>
+        <p:nvSpPr>
+          <p:cNvPr id="5" name="슬라이드 번호 개체 틀 4">
+            <a:extLst>
+              <a:ext uri="{FF2B5EF4-FFF2-40B4-BE49-F238E27FC236}">
+                <a16:creationId xmlns:a16="http://schemas.microsoft.com/office/drawing/2014/main" id="{7AAAC558-F07A-2E7F-8713-874FAB29BA07}"/>
+              </a:ext>
+            </a:extLst>
+          </p:cNvPr>
+          <p:cNvSpPr>
+            <a:spLocks noGrp="1"/>
+          </p:cNvSpPr>
+          <p:nvPr>
+            <p:ph type="sldNum" sz="quarter" idx="12"/>
+          </p:nvPr>
+        </p:nvSpPr>
+        <p:spPr/>
+        <p:txBody>
+          <a:bodyPr/>
+          <a:lstStyle/>
+          <a:p>
+            <a:fld id="{083A2CE0-18CD-4102-B738-4ACFF9E68BA4}" type="slidenum">
+              <a:rPr lang="ko-KR" altLang="en-US" smtClean="0"/>
+              <a:t>5</a:t>
+            </a:fld>
+            <a:endParaRPr lang="ko-KR" altLang="en-US"/>
+          </a:p>
+        </p:txBody>
+      </p:sp>
       <p:pic>
         <p:nvPicPr>
-          <p:cNvPr id="6" name="그림 5">
-            <a:extLst>
-              <a:ext uri="{FF2B5EF4-FFF2-40B4-BE49-F238E27FC236}">
-                <a16:creationId xmlns:a16="http://schemas.microsoft.com/office/drawing/2014/main" id="{F9BF7011-AF43-32A4-EF64-FC74AC8BEF6E}"/>
+          <p:cNvPr id="9" name="그림 8">
+            <a:extLst>
+              <a:ext uri="{FF2B5EF4-FFF2-40B4-BE49-F238E27FC236}">
+                <a16:creationId xmlns:a16="http://schemas.microsoft.com/office/drawing/2014/main" id="{6F5BDAA7-91AE-3C28-E333-ECBA95059DD4}"/>
               </a:ext>
             </a:extLst>
           </p:cNvPr>
@@ -8088,397 +11033,18 @@
         </p:blipFill>
         <p:spPr>
           <a:xfrm>
-            <a:off x="7443769" y="1859148"/>
-            <a:ext cx="4748231" cy="3388650"/>
+            <a:off x="5010637" y="2641403"/>
+            <a:ext cx="6944694" cy="3686689"/>
           </a:xfrm>
           <a:prstGeom prst="rect">
             <a:avLst/>
           </a:prstGeom>
         </p:spPr>
       </p:pic>
-      <p:sp>
-        <p:nvSpPr>
-          <p:cNvPr id="2" name="제목 1">
-            <a:extLst>
-              <a:ext uri="{FF2B5EF4-FFF2-40B4-BE49-F238E27FC236}">
-                <a16:creationId xmlns:a16="http://schemas.microsoft.com/office/drawing/2014/main" id="{7D4FE4BD-6C1B-98DF-C6E3-5E542B164BA2}"/>
-              </a:ext>
-            </a:extLst>
-          </p:cNvPr>
-          <p:cNvSpPr>
-            <a:spLocks noGrp="1"/>
-          </p:cNvSpPr>
-          <p:nvPr>
-            <p:ph type="title"/>
-          </p:nvPr>
-        </p:nvSpPr>
-        <p:spPr/>
-        <p:txBody>
-          <a:bodyPr/>
-          <a:lstStyle/>
-          <a:p>
-            <a:r>
-              <a:rPr lang="en-US" altLang="ko-KR" dirty="0"/>
-              <a:t>MVC </a:t>
-            </a:r>
-            <a:r>
-              <a:rPr lang="ko-KR" altLang="en-US" dirty="0"/>
-              <a:t>패턴</a:t>
-            </a:r>
-          </a:p>
-        </p:txBody>
-      </p:sp>
-      <p:sp>
-        <p:nvSpPr>
-          <p:cNvPr id="4" name="날짜 개체 틀 3">
-            <a:extLst>
-              <a:ext uri="{FF2B5EF4-FFF2-40B4-BE49-F238E27FC236}">
-                <a16:creationId xmlns:a16="http://schemas.microsoft.com/office/drawing/2014/main" id="{B8D6CEB1-A6E2-E938-468E-B59B20193E2B}"/>
-              </a:ext>
-            </a:extLst>
-          </p:cNvPr>
-          <p:cNvSpPr>
-            <a:spLocks noGrp="1"/>
-          </p:cNvSpPr>
-          <p:nvPr>
-            <p:ph type="dt" sz="half" idx="10"/>
-          </p:nvPr>
-        </p:nvSpPr>
-        <p:spPr/>
-        <p:txBody>
-          <a:bodyPr/>
-          <a:lstStyle/>
-          <a:p>
-            <a:fld id="{0F78D9C4-20C1-4B15-A116-16DC77AD9A1E}" type="datetime1">
-              <a:rPr lang="ko-KR" altLang="en-US" smtClean="0"/>
-              <a:t>2025-05-19</a:t>
-            </a:fld>
-            <a:endParaRPr lang="ko-KR" altLang="en-US"/>
-          </a:p>
-        </p:txBody>
-      </p:sp>
-      <p:sp>
-        <p:nvSpPr>
-          <p:cNvPr id="5" name="슬라이드 번호 개체 틀 4">
-            <a:extLst>
-              <a:ext uri="{FF2B5EF4-FFF2-40B4-BE49-F238E27FC236}">
-                <a16:creationId xmlns:a16="http://schemas.microsoft.com/office/drawing/2014/main" id="{91E0BD37-3226-B822-8BBA-4B25B7D6243B}"/>
-              </a:ext>
-            </a:extLst>
-          </p:cNvPr>
-          <p:cNvSpPr>
-            <a:spLocks noGrp="1"/>
-          </p:cNvSpPr>
-          <p:nvPr>
-            <p:ph type="sldNum" sz="quarter" idx="12"/>
-          </p:nvPr>
-        </p:nvSpPr>
-        <p:spPr/>
-        <p:txBody>
-          <a:bodyPr/>
-          <a:lstStyle/>
-          <a:p>
-            <a:fld id="{083A2CE0-18CD-4102-B738-4ACFF9E68BA4}" type="slidenum">
-              <a:rPr lang="ko-KR" altLang="en-US" smtClean="0"/>
-              <a:t>5</a:t>
-            </a:fld>
-            <a:endParaRPr lang="ko-KR" altLang="en-US"/>
-          </a:p>
-        </p:txBody>
-      </p:sp>
-      <p:sp>
-        <p:nvSpPr>
-          <p:cNvPr id="3" name="TextBox 2">
-            <a:extLst>
-              <a:ext uri="{FF2B5EF4-FFF2-40B4-BE49-F238E27FC236}">
-                <a16:creationId xmlns:a16="http://schemas.microsoft.com/office/drawing/2014/main" id="{0704DB15-8DFD-9715-47EB-F97F684B1D1C}"/>
-              </a:ext>
-            </a:extLst>
-          </p:cNvPr>
-          <p:cNvSpPr txBox="1"/>
-          <p:nvPr/>
-        </p:nvSpPr>
-        <p:spPr>
-          <a:xfrm>
-            <a:off x="223950" y="1572172"/>
-            <a:ext cx="7342480" cy="4801314"/>
-          </a:xfrm>
-          <a:prstGeom prst="rect">
-            <a:avLst/>
-          </a:prstGeom>
-          <a:noFill/>
-        </p:spPr>
-        <p:txBody>
-          <a:bodyPr wrap="square" rtlCol="0">
-            <a:spAutoFit/>
-          </a:bodyPr>
-          <a:lstStyle/>
-          <a:p>
-            <a:pPr marL="285750" indent="-285750">
-              <a:lnSpc>
-                <a:spcPct val="120000"/>
-              </a:lnSpc>
-              <a:buFont typeface="Arial" panose="020B0604020202020204" pitchFamily="34" charset="0"/>
-              <a:buChar char="•"/>
-            </a:pPr>
-            <a:r>
-              <a:rPr lang="en-US" altLang="ko-KR" sz="2400" b="1" dirty="0"/>
-              <a:t>Model</a:t>
-            </a:r>
-          </a:p>
-          <a:p>
-            <a:pPr marL="742950" lvl="1" indent="-285750">
-              <a:lnSpc>
-                <a:spcPct val="120000"/>
-              </a:lnSpc>
-              <a:buFont typeface="Arial" panose="020B0604020202020204" pitchFamily="34" charset="0"/>
-              <a:buChar char="•"/>
-            </a:pPr>
-            <a:r>
-              <a:rPr lang="ko-KR" altLang="en-US" sz="2000" dirty="0"/>
-              <a:t>사용자 정보만 갖고 있는 클래스</a:t>
-            </a:r>
-            <a:endParaRPr lang="en-US" altLang="ko-KR" sz="2000" dirty="0"/>
-          </a:p>
-          <a:p>
-            <a:pPr marL="742950" lvl="1" indent="-285750">
-              <a:lnSpc>
-                <a:spcPct val="120000"/>
-              </a:lnSpc>
-              <a:buFont typeface="Arial" panose="020B0604020202020204" pitchFamily="34" charset="0"/>
-              <a:buChar char="•"/>
-            </a:pPr>
-            <a:r>
-              <a:rPr lang="ko-KR" altLang="en-US" sz="2000" dirty="0"/>
-              <a:t>예</a:t>
-            </a:r>
-            <a:r>
-              <a:rPr lang="en-US" altLang="ko-KR" sz="2000" dirty="0"/>
-              <a:t>) User </a:t>
-            </a:r>
-            <a:r>
-              <a:rPr lang="ko-KR" altLang="en-US" sz="2000" dirty="0"/>
-              <a:t>클래스 </a:t>
-            </a:r>
-            <a:r>
-              <a:rPr lang="en-US" altLang="ko-KR" sz="2000" dirty="0"/>
-              <a:t>(</a:t>
-            </a:r>
-            <a:r>
-              <a:rPr lang="ko-KR" altLang="en-US" sz="2000" dirty="0"/>
-              <a:t>이름</a:t>
-            </a:r>
-            <a:r>
-              <a:rPr lang="en-US" altLang="ko-KR" sz="2000" dirty="0"/>
-              <a:t>, ID, PW, </a:t>
-            </a:r>
-            <a:r>
-              <a:rPr lang="ko-KR" altLang="en-US" sz="2000" dirty="0"/>
-              <a:t>전화번호</a:t>
-            </a:r>
-            <a:r>
-              <a:rPr lang="en-US" altLang="ko-KR" sz="2000" dirty="0"/>
-              <a:t>)</a:t>
-            </a:r>
-          </a:p>
-          <a:p>
-            <a:pPr marL="285750" indent="-285750">
-              <a:lnSpc>
-                <a:spcPct val="120000"/>
-              </a:lnSpc>
-              <a:buFont typeface="Arial" panose="020B0604020202020204" pitchFamily="34" charset="0"/>
-              <a:buChar char="•"/>
-            </a:pPr>
-            <a:r>
-              <a:rPr lang="en-US" altLang="ko-KR" sz="2400" b="1" dirty="0"/>
-              <a:t>View</a:t>
-            </a:r>
-            <a:r>
-              <a:rPr lang="en-US" altLang="ko-KR" sz="2400" dirty="0"/>
-              <a:t> </a:t>
-            </a:r>
-          </a:p>
-          <a:p>
-            <a:pPr marL="742950" lvl="1" indent="-285750">
-              <a:lnSpc>
-                <a:spcPct val="120000"/>
-              </a:lnSpc>
-              <a:buFont typeface="Arial" panose="020B0604020202020204" pitchFamily="34" charset="0"/>
-              <a:buChar char="•"/>
-            </a:pPr>
-            <a:r>
-              <a:rPr lang="en-US" altLang="ko-KR" sz="2000" dirty="0"/>
-              <a:t>Form1.cs</a:t>
-            </a:r>
-            <a:r>
-              <a:rPr lang="ko-KR" altLang="en-US" sz="2000" dirty="0"/>
-              <a:t> 라고 보면 됨</a:t>
-            </a:r>
-            <a:endParaRPr lang="en-US" altLang="ko-KR" sz="2000" dirty="0"/>
-          </a:p>
-          <a:p>
-            <a:pPr marL="742950" lvl="1" indent="-285750">
-              <a:lnSpc>
-                <a:spcPct val="120000"/>
-              </a:lnSpc>
-              <a:buFont typeface="Arial" panose="020B0604020202020204" pitchFamily="34" charset="0"/>
-              <a:buChar char="•"/>
-            </a:pPr>
-            <a:r>
-              <a:rPr lang="en-US" altLang="ko-KR" sz="2000" dirty="0"/>
-              <a:t>(View</a:t>
-            </a:r>
-            <a:r>
-              <a:rPr lang="ko-KR" altLang="en-US" sz="2000" dirty="0"/>
-              <a:t>가 하는 일이 매우 많음</a:t>
-            </a:r>
-            <a:r>
-              <a:rPr lang="en-US" altLang="ko-KR" sz="2000" dirty="0"/>
-              <a:t>)</a:t>
-            </a:r>
-          </a:p>
-          <a:p>
-            <a:pPr marL="285750" indent="-285750">
-              <a:lnSpc>
-                <a:spcPct val="120000"/>
-              </a:lnSpc>
-              <a:buFont typeface="Arial" panose="020B0604020202020204" pitchFamily="34" charset="0"/>
-              <a:buChar char="•"/>
-            </a:pPr>
-            <a:r>
-              <a:rPr lang="en-US" altLang="ko-KR" sz="2400" b="1" dirty="0"/>
-              <a:t>Controller</a:t>
-            </a:r>
-          </a:p>
-          <a:p>
-            <a:pPr marL="742950" lvl="1" indent="-285750">
-              <a:lnSpc>
-                <a:spcPct val="120000"/>
-              </a:lnSpc>
-              <a:buFont typeface="Arial" panose="020B0604020202020204" pitchFamily="34" charset="0"/>
-              <a:buChar char="•"/>
-            </a:pPr>
-            <a:r>
-              <a:rPr lang="en-US" altLang="ko-KR" sz="2000" dirty="0"/>
-              <a:t>View</a:t>
-            </a:r>
-            <a:r>
-              <a:rPr lang="ko-KR" altLang="en-US" sz="2000" dirty="0"/>
-              <a:t>로 부터 받은 입력을 처리하여 </a:t>
-            </a:r>
-            <a:r>
-              <a:rPr lang="en-US" altLang="ko-KR" sz="2000" dirty="0"/>
-              <a:t>Model</a:t>
-            </a:r>
-            <a:r>
-              <a:rPr lang="ko-KR" altLang="en-US" sz="2000" dirty="0"/>
-              <a:t>을 정보를 업데이트</a:t>
-            </a:r>
-            <a:endParaRPr lang="en-US" altLang="ko-KR" sz="2000" dirty="0"/>
-          </a:p>
-          <a:p>
-            <a:pPr marL="742950" lvl="1" indent="-285750">
-              <a:lnSpc>
-                <a:spcPct val="120000"/>
-              </a:lnSpc>
-              <a:buFont typeface="Arial" panose="020B0604020202020204" pitchFamily="34" charset="0"/>
-              <a:buChar char="•"/>
-            </a:pPr>
-            <a:r>
-              <a:rPr lang="en-US" altLang="ko-KR" sz="2000" dirty="0"/>
-              <a:t>Model </a:t>
-            </a:r>
-            <a:r>
-              <a:rPr lang="ko-KR" altLang="en-US" sz="2000" dirty="0"/>
-              <a:t>정보가 업데이트 되면 </a:t>
-            </a:r>
-            <a:r>
-              <a:rPr lang="en-US" altLang="ko-KR" sz="2000" dirty="0"/>
-              <a:t>View</a:t>
-            </a:r>
-            <a:r>
-              <a:rPr lang="ko-KR" altLang="en-US" sz="2000" dirty="0"/>
-              <a:t>에 표시</a:t>
-            </a:r>
-            <a:endParaRPr lang="en-US" altLang="ko-KR" sz="2000" dirty="0"/>
-          </a:p>
-          <a:p>
-            <a:pPr marL="742950" lvl="1" indent="-285750">
-              <a:lnSpc>
-                <a:spcPct val="120000"/>
-              </a:lnSpc>
-              <a:buFont typeface="Arial" panose="020B0604020202020204" pitchFamily="34" charset="0"/>
-              <a:buChar char="•"/>
-            </a:pPr>
-            <a:r>
-              <a:rPr lang="ko-KR" altLang="en-US" sz="2000" dirty="0"/>
-              <a:t>예</a:t>
-            </a:r>
-            <a:r>
-              <a:rPr lang="en-US" altLang="ko-KR" sz="2000" dirty="0"/>
-              <a:t>) </a:t>
-            </a:r>
-            <a:r>
-              <a:rPr lang="en-US" altLang="ko-KR" sz="2000" dirty="0" err="1"/>
-              <a:t>UserControl</a:t>
-            </a:r>
-            <a:r>
-              <a:rPr lang="en-US" altLang="ko-KR" sz="2000" dirty="0"/>
-              <a:t> </a:t>
-            </a:r>
-            <a:r>
-              <a:rPr lang="ko-KR" altLang="en-US" sz="2000" dirty="0"/>
-              <a:t>클래스 </a:t>
-            </a:r>
-            <a:r>
-              <a:rPr lang="en-US" altLang="ko-KR" sz="2000" dirty="0"/>
-              <a:t>(</a:t>
-            </a:r>
-            <a:r>
-              <a:rPr lang="en-US" altLang="ko-KR" sz="2000" dirty="0" err="1"/>
-              <a:t>TextBox</a:t>
-            </a:r>
-            <a:r>
-              <a:rPr lang="ko-KR" altLang="en-US" sz="2000" dirty="0"/>
-              <a:t>로 입력 받은 값을 </a:t>
-            </a:r>
-            <a:r>
-              <a:rPr lang="en-US" altLang="ko-KR" sz="2000" dirty="0"/>
-              <a:t>User </a:t>
-            </a:r>
-            <a:r>
-              <a:rPr lang="ko-KR" altLang="en-US" sz="2000" dirty="0"/>
-              <a:t>클래스에 복사</a:t>
-            </a:r>
-            <a:r>
-              <a:rPr lang="en-US" altLang="ko-KR" sz="2000" dirty="0"/>
-              <a:t>, User </a:t>
-            </a:r>
-            <a:r>
-              <a:rPr lang="ko-KR" altLang="en-US" sz="2000" dirty="0"/>
-              <a:t>클래스의 정보와 비교하여 로그인 여부 체크 등</a:t>
-            </a:r>
-            <a:r>
-              <a:rPr lang="en-US" altLang="ko-KR" sz="2000" dirty="0"/>
-              <a:t>)</a:t>
-            </a:r>
-          </a:p>
-          <a:p>
-            <a:pPr marL="285750" indent="-285750">
-              <a:lnSpc>
-                <a:spcPct val="120000"/>
-              </a:lnSpc>
-              <a:buFont typeface="Arial" panose="020B0604020202020204" pitchFamily="34" charset="0"/>
-              <a:buChar char="•"/>
-            </a:pPr>
-            <a:endParaRPr lang="ko-KR" altLang="en-US" sz="2400" dirty="0"/>
-          </a:p>
-        </p:txBody>
-      </p:sp>
     </p:spTree>
     <p:extLst>
       <p:ext uri="{BB962C8B-B14F-4D97-AF65-F5344CB8AC3E}">
-        <p14:creationId xmlns:p14="http://schemas.microsoft.com/office/powerpoint/2010/main" val="2606538847"/>
+        <p14:creationId xmlns:p14="http://schemas.microsoft.com/office/powerpoint/2010/main" val="243135218"/>
       </p:ext>
     </p:extLst>
   </p:cSld>
@@ -8510,7 +11076,7 @@
           <p:cNvPr id="2" name="제목 1">
             <a:extLst>
               <a:ext uri="{FF2B5EF4-FFF2-40B4-BE49-F238E27FC236}">
-                <a16:creationId xmlns:a16="http://schemas.microsoft.com/office/drawing/2014/main" id="{FF6F4E9B-7388-97E9-9E63-C391980784FE}"/>
+                <a16:creationId xmlns:a16="http://schemas.microsoft.com/office/drawing/2014/main" id="{061F91DF-B2CB-9B0A-089A-E7636D1C92E9}"/>
               </a:ext>
             </a:extLst>
           </p:cNvPr>
@@ -8527,12 +11093,49 @@
           <a:lstStyle/>
           <a:p>
             <a:r>
-              <a:rPr lang="en-US" altLang="ko-KR" dirty="0"/>
-              <a:t>MVVM </a:t>
-            </a:r>
-            <a:r>
-              <a:rPr lang="ko-KR" altLang="en-US" dirty="0"/>
-              <a:t>패턴</a:t>
+              <a:rPr lang="en-US" altLang="ko-KR"/>
+              <a:t>ScottPlot</a:t>
+            </a:r>
+            <a:endParaRPr lang="ko-KR" altLang="en-US"/>
+          </a:p>
+        </p:txBody>
+      </p:sp>
+      <p:sp>
+        <p:nvSpPr>
+          <p:cNvPr id="6" name="내용 개체 틀 5">
+            <a:extLst>
+              <a:ext uri="{FF2B5EF4-FFF2-40B4-BE49-F238E27FC236}">
+                <a16:creationId xmlns:a16="http://schemas.microsoft.com/office/drawing/2014/main" id="{5EB2918C-1851-B2B5-60C1-B1A81C584C14}"/>
+              </a:ext>
+            </a:extLst>
+          </p:cNvPr>
+          <p:cNvSpPr>
+            <a:spLocks noGrp="1"/>
+          </p:cNvSpPr>
+          <p:nvPr>
+            <p:ph idx="1"/>
+          </p:nvPr>
+        </p:nvSpPr>
+        <p:spPr/>
+        <p:txBody>
+          <a:bodyPr/>
+          <a:lstStyle/>
+          <a:p>
+            <a:r>
+              <a:rPr lang="en-US" altLang="ko-KR"/>
+              <a:t>NuGet</a:t>
+            </a:r>
+            <a:r>
+              <a:rPr lang="ko-KR" altLang="en-US"/>
+              <a:t>에서 </a:t>
+            </a:r>
+            <a:r>
+              <a:rPr lang="en-US" altLang="ko-KR"/>
+              <a:t>scottplot</a:t>
+            </a:r>
+            <a:r>
+              <a:rPr lang="ko-KR" altLang="en-US"/>
+              <a:t> 검색하여 설치</a:t>
             </a:r>
           </a:p>
         </p:txBody>
@@ -8542,7 +11145,7 @@
           <p:cNvPr id="4" name="날짜 개체 틀 3">
             <a:extLst>
               <a:ext uri="{FF2B5EF4-FFF2-40B4-BE49-F238E27FC236}">
-                <a16:creationId xmlns:a16="http://schemas.microsoft.com/office/drawing/2014/main" id="{3D63D705-7C15-33E0-BE4F-6DB21E173FA3}"/>
+                <a16:creationId xmlns:a16="http://schemas.microsoft.com/office/drawing/2014/main" id="{4C9F154D-80D0-D2D6-C02A-E28620F9963F}"/>
               </a:ext>
             </a:extLst>
           </p:cNvPr>
@@ -8560,7 +11163,7 @@
           <a:p>
             <a:fld id="{0F78D9C4-20C1-4B15-A116-16DC77AD9A1E}" type="datetime1">
               <a:rPr lang="ko-KR" altLang="en-US" smtClean="0"/>
-              <a:t>2025-05-19</a:t>
+              <a:t>2025-05-22</a:t>
             </a:fld>
             <a:endParaRPr lang="ko-KR" altLang="en-US"/>
           </a:p>
@@ -8571,7 +11174,7 @@
           <p:cNvPr id="5" name="슬라이드 번호 개체 틀 4">
             <a:extLst>
               <a:ext uri="{FF2B5EF4-FFF2-40B4-BE49-F238E27FC236}">
-                <a16:creationId xmlns:a16="http://schemas.microsoft.com/office/drawing/2014/main" id="{236BE420-8F8C-85E9-FF1E-568D045CF6EF}"/>
+                <a16:creationId xmlns:a16="http://schemas.microsoft.com/office/drawing/2014/main" id="{7AAAC558-F07A-2E7F-8713-874FAB29BA07}"/>
               </a:ext>
             </a:extLst>
           </p:cNvPr>
@@ -8595,213 +11198,152 @@
           </a:p>
         </p:txBody>
       </p:sp>
-      <p:sp>
-        <p:nvSpPr>
-          <p:cNvPr id="3" name="TextBox 2">
-            <a:extLst>
-              <a:ext uri="{FF2B5EF4-FFF2-40B4-BE49-F238E27FC236}">
-                <a16:creationId xmlns:a16="http://schemas.microsoft.com/office/drawing/2014/main" id="{B5DF70C3-FBA0-A0EA-EA36-9F324D555ABB}"/>
-              </a:ext>
-            </a:extLst>
-          </p:cNvPr>
-          <p:cNvSpPr txBox="1"/>
+      <p:pic>
+        <p:nvPicPr>
+          <p:cNvPr id="7" name="그림 6">
+            <a:extLst>
+              <a:ext uri="{FF2B5EF4-FFF2-40B4-BE49-F238E27FC236}">
+                <a16:creationId xmlns:a16="http://schemas.microsoft.com/office/drawing/2014/main" id="{18F95258-2612-A324-D6FF-281397C3A300}"/>
+              </a:ext>
+            </a:extLst>
+          </p:cNvPr>
+          <p:cNvPicPr>
+            <a:picLocks noChangeAspect="1"/>
+          </p:cNvPicPr>
           <p:nvPr/>
-        </p:nvSpPr>
+        </p:nvPicPr>
+        <p:blipFill>
+          <a:blip r:embed="rId2"/>
+          <a:stretch>
+            <a:fillRect/>
+          </a:stretch>
+        </p:blipFill>
         <p:spPr>
           <a:xfrm>
-            <a:off x="251789" y="1690688"/>
-            <a:ext cx="7617594" cy="3416320"/>
+            <a:off x="646324" y="1704913"/>
+            <a:ext cx="7539209" cy="4398432"/>
+          </a:xfrm>
+          <a:prstGeom prst="rect">
+            <a:avLst/>
+          </a:prstGeom>
+        </p:spPr>
+      </p:pic>
+      <p:sp>
+        <p:nvSpPr>
+          <p:cNvPr id="8" name="직사각형 7">
+            <a:extLst>
+              <a:ext uri="{FF2B5EF4-FFF2-40B4-BE49-F238E27FC236}">
+                <a16:creationId xmlns:a16="http://schemas.microsoft.com/office/drawing/2014/main" id="{1975EC5A-70E4-E080-7E7F-722307EFF2F7}"/>
+              </a:ext>
+            </a:extLst>
+          </p:cNvPr>
+          <p:cNvSpPr/>
+          <p:nvPr/>
+        </p:nvSpPr>
+        <p:spPr>
+          <a:xfrm>
+            <a:off x="7282149" y="2787267"/>
+            <a:ext cx="793215" cy="286439"/>
           </a:xfrm>
           <a:prstGeom prst="rect">
             <a:avLst/>
           </a:prstGeom>
           <a:noFill/>
+          <a:ln w="38100">
+            <a:solidFill>
+              <a:schemeClr val="accent2"/>
+            </a:solidFill>
+          </a:ln>
         </p:spPr>
-        <p:txBody>
-          <a:bodyPr wrap="square" rtlCol="0">
-            <a:spAutoFit/>
-          </a:bodyPr>
-          <a:lstStyle/>
-          <a:p>
-            <a:pPr marL="285750" indent="-285750">
-              <a:buFont typeface="Arial" panose="020B0604020202020204" pitchFamily="34" charset="0"/>
-              <a:buChar char="•"/>
-            </a:pPr>
-            <a:r>
-              <a:rPr lang="en-US" altLang="ko-KR" sz="2400" dirty="0"/>
-              <a:t>WPF </a:t>
-            </a:r>
-            <a:r>
-              <a:rPr lang="ko-KR" altLang="en-US" sz="2400" dirty="0"/>
-              <a:t>출시와 함께 </a:t>
-            </a:r>
-            <a:r>
-              <a:rPr lang="en-US" altLang="ko-KR" sz="2400" dirty="0"/>
-              <a:t>Microsoft</a:t>
-            </a:r>
-            <a:r>
-              <a:rPr lang="ko-KR" altLang="en-US" sz="2400" dirty="0"/>
-              <a:t>에서 개발한 디자인 패턴</a:t>
-            </a:r>
-            <a:endParaRPr lang="en-US" altLang="ko-KR" sz="2400" dirty="0"/>
-          </a:p>
-          <a:p>
-            <a:pPr marL="285750" indent="-285750">
-              <a:buFont typeface="Arial" panose="020B0604020202020204" pitchFamily="34" charset="0"/>
-              <a:buChar char="•"/>
-            </a:pPr>
-            <a:endParaRPr lang="en-US" altLang="ko-KR" sz="2400" dirty="0"/>
-          </a:p>
-          <a:p>
-            <a:pPr marL="285750" indent="-285750">
-              <a:buFont typeface="Arial" panose="020B0604020202020204" pitchFamily="34" charset="0"/>
-              <a:buChar char="•"/>
-            </a:pPr>
-            <a:r>
-              <a:rPr lang="en-US" altLang="ko-KR" sz="2400" dirty="0"/>
-              <a:t>Model</a:t>
-            </a:r>
-            <a:r>
-              <a:rPr lang="ko-KR" altLang="en-US" sz="2400" dirty="0"/>
-              <a:t> </a:t>
-            </a:r>
-            <a:r>
-              <a:rPr lang="en-US" altLang="ko-KR" sz="2400" dirty="0"/>
-              <a:t>+</a:t>
-            </a:r>
-            <a:r>
-              <a:rPr lang="ko-KR" altLang="en-US" sz="2400" dirty="0"/>
-              <a:t> </a:t>
-            </a:r>
-            <a:r>
-              <a:rPr lang="en-US" altLang="ko-KR" sz="2400" dirty="0"/>
-              <a:t>View</a:t>
-            </a:r>
-            <a:r>
-              <a:rPr lang="ko-KR" altLang="en-US" sz="2400" dirty="0"/>
-              <a:t> </a:t>
-            </a:r>
-            <a:r>
-              <a:rPr lang="en-US" altLang="ko-KR" sz="2400" dirty="0"/>
-              <a:t>+ </a:t>
-            </a:r>
-            <a:r>
-              <a:rPr lang="en-US" altLang="ko-KR" sz="2400" dirty="0">
-                <a:solidFill>
-                  <a:srgbClr val="00B050"/>
-                </a:solidFill>
-              </a:rPr>
-              <a:t>View Model </a:t>
-            </a:r>
-            <a:r>
-              <a:rPr lang="ko-KR" altLang="en-US" sz="2400" dirty="0">
-                <a:solidFill>
-                  <a:srgbClr val="00B050"/>
-                </a:solidFill>
-              </a:rPr>
-              <a:t>로 구성됨</a:t>
-            </a:r>
-            <a:endParaRPr lang="en-US" altLang="ko-KR" sz="2400" dirty="0"/>
-          </a:p>
-          <a:p>
-            <a:pPr marL="285750" indent="-285750">
-              <a:buFont typeface="Arial" panose="020B0604020202020204" pitchFamily="34" charset="0"/>
-              <a:buChar char="•"/>
-            </a:pPr>
-            <a:endParaRPr lang="en-US" altLang="ko-KR" sz="2400" dirty="0"/>
-          </a:p>
-          <a:p>
-            <a:pPr marL="285750" indent="-285750">
-              <a:buFont typeface="Arial" panose="020B0604020202020204" pitchFamily="34" charset="0"/>
-              <a:buChar char="•"/>
-            </a:pPr>
-            <a:r>
-              <a:rPr lang="ko-KR" altLang="en-US" sz="2400" dirty="0"/>
-              <a:t>사용자 인터페이스에서 발생하는 이벤트 중심의 프로그래밍에서 탈피하기 위한 목적에서 고안 됨 </a:t>
-            </a:r>
-            <a:r>
-              <a:rPr lang="en-US" altLang="ko-KR" sz="2400" dirty="0"/>
-              <a:t>(View</a:t>
-            </a:r>
-            <a:r>
-              <a:rPr lang="ko-KR" altLang="en-US" sz="2400" dirty="0"/>
-              <a:t>가 너무 많은 기능을 담당하는 것을 방지</a:t>
-            </a:r>
-            <a:r>
-              <a:rPr lang="en-US" altLang="ko-KR" sz="2400" dirty="0"/>
-              <a:t>)</a:t>
-            </a:r>
-          </a:p>
-          <a:p>
-            <a:pPr marL="285750" indent="-285750">
-              <a:buFont typeface="Arial" panose="020B0604020202020204" pitchFamily="34" charset="0"/>
-              <a:buChar char="•"/>
-            </a:pPr>
-            <a:endParaRPr lang="en-US" altLang="ko-KR" sz="2400" dirty="0"/>
-          </a:p>
-          <a:p>
-            <a:pPr marL="285750" indent="-285750">
-              <a:buFont typeface="Arial" panose="020B0604020202020204" pitchFamily="34" charset="0"/>
-              <a:buChar char="•"/>
-            </a:pPr>
-            <a:r>
-              <a:rPr lang="ko-KR" altLang="en-US" sz="2400" dirty="0"/>
-              <a:t>개발 속도 향상 보다 유지보수를 쉽게 하기 위함</a:t>
-            </a:r>
+        <p:style>
+          <a:lnRef idx="2">
+            <a:schemeClr val="accent1">
+              <a:shade val="15000"/>
+            </a:schemeClr>
+          </a:lnRef>
+          <a:fillRef idx="1">
+            <a:schemeClr val="accent1"/>
+          </a:fillRef>
+          <a:effectRef idx="0">
+            <a:schemeClr val="accent1"/>
+          </a:effectRef>
+          <a:fontRef idx="minor">
+            <a:schemeClr val="lt1"/>
+          </a:fontRef>
+        </p:style>
+        <p:txBody>
+          <a:bodyPr rtlCol="0" anchor="ctr"/>
+          <a:lstStyle/>
+          <a:p>
+            <a:pPr algn="ctr"/>
+            <a:endParaRPr lang="ko-KR" altLang="en-US"/>
           </a:p>
         </p:txBody>
       </p:sp>
       <p:pic>
         <p:nvPicPr>
-          <p:cNvPr id="1028" name="Picture 4" descr="MVVM">
-            <a:extLst>
-              <a:ext uri="{FF2B5EF4-FFF2-40B4-BE49-F238E27FC236}">
-                <a16:creationId xmlns:a16="http://schemas.microsoft.com/office/drawing/2014/main" id="{71506DD0-2A35-43B2-4DC1-152EFA82AFD5}"/>
+          <p:cNvPr id="10" name="그림 9">
+            <a:extLst>
+              <a:ext uri="{FF2B5EF4-FFF2-40B4-BE49-F238E27FC236}">
+                <a16:creationId xmlns:a16="http://schemas.microsoft.com/office/drawing/2014/main" id="{92693D9F-9F7E-8579-E336-C189FA78AD80}"/>
               </a:ext>
             </a:extLst>
           </p:cNvPr>
           <p:cNvPicPr>
-            <a:picLocks noChangeAspect="1" noChangeArrowheads="1"/>
+            <a:picLocks noChangeAspect="1"/>
           </p:cNvPicPr>
           <p:nvPr/>
         </p:nvPicPr>
         <p:blipFill>
-          <a:blip r:embed="rId3">
-            <a:extLst>
-              <a:ext uri="{28A0092B-C50C-407E-A947-70E740481C1C}">
-                <a14:useLocalDpi xmlns:a14="http://schemas.microsoft.com/office/drawing/2010/main" val="0"/>
-              </a:ext>
-            </a:extLst>
-          </a:blip>
-          <a:srcRect/>
+          <a:blip r:embed="rId3"/>
           <a:stretch>
             <a:fillRect/>
           </a:stretch>
         </p:blipFill>
-        <p:spPr bwMode="auto">
+        <p:spPr>
           <a:xfrm>
-            <a:off x="8050727" y="2200535"/>
-            <a:ext cx="3889484" cy="2883149"/>
+            <a:off x="8471970" y="1704913"/>
+            <a:ext cx="3073706" cy="1961003"/>
           </a:xfrm>
           <a:prstGeom prst="rect">
             <a:avLst/>
           </a:prstGeom>
-          <a:noFill/>
-          <a:extLst>
-            <a:ext uri="{909E8E84-426E-40DD-AFC4-6F175D3DCCD1}">
-              <a14:hiddenFill xmlns:a14="http://schemas.microsoft.com/office/drawing/2010/main">
-                <a:solidFill>
-                  <a:srgbClr val="FFFFFF"/>
-                </a:solidFill>
-              </a14:hiddenFill>
-            </a:ext>
-          </a:extLst>
+        </p:spPr>
+      </p:pic>
+      <p:pic>
+        <p:nvPicPr>
+          <p:cNvPr id="12" name="그림 11">
+            <a:extLst>
+              <a:ext uri="{FF2B5EF4-FFF2-40B4-BE49-F238E27FC236}">
+                <a16:creationId xmlns:a16="http://schemas.microsoft.com/office/drawing/2014/main" id="{815C7FBE-F390-2368-B413-E0AA8386F748}"/>
+              </a:ext>
+            </a:extLst>
+          </p:cNvPr>
+          <p:cNvPicPr>
+            <a:picLocks noChangeAspect="1"/>
+          </p:cNvPicPr>
+          <p:nvPr/>
+        </p:nvPicPr>
+        <p:blipFill>
+          <a:blip r:embed="rId4"/>
+          <a:stretch>
+            <a:fillRect/>
+          </a:stretch>
+        </p:blipFill>
+        <p:spPr>
+          <a:xfrm>
+            <a:off x="8471970" y="3904129"/>
+            <a:ext cx="3073706" cy="2001004"/>
+          </a:xfrm>
+          <a:prstGeom prst="rect">
+            <a:avLst/>
+          </a:prstGeom>
         </p:spPr>
       </p:pic>
     </p:spTree>
     <p:extLst>
       <p:ext uri="{BB962C8B-B14F-4D97-AF65-F5344CB8AC3E}">
-        <p14:creationId xmlns:p14="http://schemas.microsoft.com/office/powerpoint/2010/main" val="3320831510"/>
+        <p14:creationId xmlns:p14="http://schemas.microsoft.com/office/powerpoint/2010/main" val="2638538833"/>
       </p:ext>
     </p:extLst>
   </p:cSld>
@@ -8833,7 +11375,7 @@
           <p:cNvPr id="2" name="제목 1">
             <a:extLst>
               <a:ext uri="{FF2B5EF4-FFF2-40B4-BE49-F238E27FC236}">
-                <a16:creationId xmlns:a16="http://schemas.microsoft.com/office/drawing/2014/main" id="{FF6F4E9B-7388-97E9-9E63-C391980784FE}"/>
+                <a16:creationId xmlns:a16="http://schemas.microsoft.com/office/drawing/2014/main" id="{061F91DF-B2CB-9B0A-089A-E7636D1C92E9}"/>
               </a:ext>
             </a:extLst>
           </p:cNvPr>
@@ -8850,13 +11392,141 @@
           <a:lstStyle/>
           <a:p>
             <a:r>
+              <a:rPr lang="en-US" altLang="ko-KR"/>
+              <a:t>ScottPlot</a:t>
+            </a:r>
+            <a:endParaRPr lang="ko-KR" altLang="en-US"/>
+          </a:p>
+        </p:txBody>
+      </p:sp>
+      <p:sp>
+        <p:nvSpPr>
+          <p:cNvPr id="6" name="내용 개체 틀 5">
+            <a:extLst>
+              <a:ext uri="{FF2B5EF4-FFF2-40B4-BE49-F238E27FC236}">
+                <a16:creationId xmlns:a16="http://schemas.microsoft.com/office/drawing/2014/main" id="{5EB2918C-1851-B2B5-60C1-B1A81C584C14}"/>
+              </a:ext>
+            </a:extLst>
+          </p:cNvPr>
+          <p:cNvSpPr>
+            <a:spLocks noGrp="1"/>
+          </p:cNvSpPr>
+          <p:nvPr>
+            <p:ph idx="1"/>
+          </p:nvPr>
+        </p:nvSpPr>
+        <p:spPr/>
+        <p:txBody>
+          <a:bodyPr>
+            <a:normAutofit fontScale="92500" lnSpcReduction="10000"/>
+          </a:bodyPr>
+          <a:lstStyle/>
+          <a:p>
+            <a:r>
+              <a:rPr lang="ko-KR" altLang="en-US" dirty="0"/>
+              <a:t>공식 설치 매뉴얼 </a:t>
+            </a:r>
+            <a:r>
               <a:rPr lang="en-US" altLang="ko-KR" dirty="0"/>
-              <a:t>MVVM </a:t>
-            </a:r>
+              <a:t>(Quick Start)</a:t>
+            </a:r>
+          </a:p>
+          <a:p>
+            <a:pPr lvl="1"/>
+            <a:r>
+              <a:rPr lang="en-US" altLang="ko-KR" dirty="0">
+                <a:hlinkClick r:id="rId2"/>
+              </a:rPr>
+              <a:t>https://scottplot.net/quickstart/wpf/</a:t>
+            </a:r>
+            <a:endParaRPr lang="en-US" altLang="ko-KR" dirty="0"/>
+          </a:p>
+          <a:p>
+            <a:pPr lvl="1"/>
+            <a:r>
+              <a:rPr lang="en-US" altLang="ko-KR" dirty="0">
+                <a:hlinkClick r:id="rId3"/>
+              </a:rPr>
+              <a:t>https://scottplot.net/quickstart/winforms/</a:t>
+            </a:r>
+            <a:r>
+              <a:rPr lang="en-US" altLang="ko-KR" dirty="0"/>
+              <a:t/>
+            </a:r>
+            <a:br>
+              <a:rPr lang="en-US" altLang="ko-KR" dirty="0"/>
+            </a:br>
+            <a:endParaRPr lang="en-US" altLang="ko-KR" dirty="0"/>
+          </a:p>
+          <a:p>
             <a:r>
               <a:rPr lang="ko-KR" altLang="en-US" dirty="0"/>
-              <a:t>패턴</a:t>
-            </a:r>
+              <a:t>공식 </a:t>
+            </a:r>
+            <a:r>
+              <a:rPr lang="ko-KR" altLang="en-US" dirty="0" err="1"/>
+              <a:t>쿡북</a:t>
+            </a:r>
+            <a:r>
+              <a:rPr lang="en-US" altLang="ko-KR" dirty="0"/>
+              <a:t>(</a:t>
+            </a:r>
+            <a:r>
+              <a:rPr lang="ko-KR" altLang="en-US" dirty="0"/>
+              <a:t>예제 소스 코드</a:t>
+            </a:r>
+            <a:r>
+              <a:rPr lang="en-US" altLang="ko-KR" dirty="0"/>
+              <a:t>)</a:t>
+            </a:r>
+          </a:p>
+          <a:p>
+            <a:pPr lvl="1"/>
+            <a:r>
+              <a:rPr lang="en-US" altLang="ko-KR" dirty="0">
+                <a:hlinkClick r:id="rId4"/>
+              </a:rPr>
+              <a:t>https://scottplot.net/cookbook/5.0/</a:t>
+            </a:r>
+            <a:endParaRPr lang="en-US" altLang="ko-KR" dirty="0"/>
+          </a:p>
+          <a:p>
+            <a:pPr lvl="1"/>
+            <a:endParaRPr lang="en-US" altLang="ko-KR" dirty="0"/>
+          </a:p>
+          <a:p>
+            <a:r>
+              <a:rPr lang="ko-KR" altLang="en-US" dirty="0"/>
+              <a:t>공식 데모 프로그램 및 소스코드</a:t>
+            </a:r>
+            <a:endParaRPr lang="en-US" altLang="ko-KR" dirty="0"/>
+          </a:p>
+          <a:p>
+            <a:pPr lvl="1"/>
+            <a:r>
+              <a:rPr lang="en-US" altLang="ko-KR" dirty="0">
+                <a:hlinkClick r:id="rId5"/>
+              </a:rPr>
+              <a:t>https://scottplot.net/demo/</a:t>
+            </a:r>
+            <a:endParaRPr lang="en-US" altLang="ko-KR" dirty="0"/>
+          </a:p>
+          <a:p>
+            <a:pPr lvl="1"/>
+            <a:r>
+              <a:rPr lang="en-US" altLang="ko-KR" dirty="0">
+                <a:hlinkClick r:id="rId6"/>
+              </a:rPr>
+              <a:t>https://github.com/ScottPlot/ScottPlot/tree/main/src/ScottPlot5/ScottPlot5%20Demos</a:t>
+            </a:r>
+            <a:r>
+              <a:rPr lang="en-US" altLang="ko-KR" dirty="0"/>
+              <a:t/>
+            </a:r>
+            <a:br>
+              <a:rPr lang="en-US" altLang="ko-KR" dirty="0"/>
+            </a:br>
+            <a:endParaRPr lang="ko-KR" altLang="en-US" dirty="0"/>
           </a:p>
         </p:txBody>
       </p:sp>
@@ -8865,7 +11535,7 @@
           <p:cNvPr id="4" name="날짜 개체 틀 3">
             <a:extLst>
               <a:ext uri="{FF2B5EF4-FFF2-40B4-BE49-F238E27FC236}">
-                <a16:creationId xmlns:a16="http://schemas.microsoft.com/office/drawing/2014/main" id="{3D63D705-7C15-33E0-BE4F-6DB21E173FA3}"/>
+                <a16:creationId xmlns:a16="http://schemas.microsoft.com/office/drawing/2014/main" id="{4C9F154D-80D0-D2D6-C02A-E28620F9963F}"/>
               </a:ext>
             </a:extLst>
           </p:cNvPr>
@@ -8883,7 +11553,7 @@
           <a:p>
             <a:fld id="{0F78D9C4-20C1-4B15-A116-16DC77AD9A1E}" type="datetime1">
               <a:rPr lang="ko-KR" altLang="en-US" smtClean="0"/>
-              <a:t>2025-05-19</a:t>
+              <a:t>2025-05-22</a:t>
             </a:fld>
             <a:endParaRPr lang="ko-KR" altLang="en-US"/>
           </a:p>
@@ -8894,7 +11564,7 @@
           <p:cNvPr id="5" name="슬라이드 번호 개체 틀 4">
             <a:extLst>
               <a:ext uri="{FF2B5EF4-FFF2-40B4-BE49-F238E27FC236}">
-                <a16:creationId xmlns:a16="http://schemas.microsoft.com/office/drawing/2014/main" id="{236BE420-8F8C-85E9-FF1E-568D045CF6EF}"/>
+                <a16:creationId xmlns:a16="http://schemas.microsoft.com/office/drawing/2014/main" id="{7AAAC558-F07A-2E7F-8713-874FAB29BA07}"/>
               </a:ext>
             </a:extLst>
           </p:cNvPr>
@@ -8918,328 +11588,10 @@
           </a:p>
         </p:txBody>
       </p:sp>
-      <p:sp>
-        <p:nvSpPr>
-          <p:cNvPr id="3" name="TextBox 2">
-            <a:extLst>
-              <a:ext uri="{FF2B5EF4-FFF2-40B4-BE49-F238E27FC236}">
-                <a16:creationId xmlns:a16="http://schemas.microsoft.com/office/drawing/2014/main" id="{B5DF70C3-FBA0-A0EA-EA36-9F324D555ABB}"/>
-              </a:ext>
-            </a:extLst>
-          </p:cNvPr>
-          <p:cNvSpPr txBox="1"/>
-          <p:nvPr/>
-        </p:nvSpPr>
-        <p:spPr>
-          <a:xfrm>
-            <a:off x="461818" y="1690688"/>
-            <a:ext cx="7518401" cy="4862870"/>
-          </a:xfrm>
-          <a:prstGeom prst="rect">
-            <a:avLst/>
-          </a:prstGeom>
-          <a:noFill/>
-        </p:spPr>
-        <p:txBody>
-          <a:bodyPr wrap="square" rtlCol="0">
-            <a:spAutoFit/>
-          </a:bodyPr>
-          <a:lstStyle/>
-          <a:p>
-            <a:pPr marL="285750" indent="-285750">
-              <a:lnSpc>
-                <a:spcPct val="150000"/>
-              </a:lnSpc>
-              <a:buFont typeface="Arial" panose="020B0604020202020204" pitchFamily="34" charset="0"/>
-              <a:buChar char="•"/>
-            </a:pPr>
-            <a:r>
-              <a:rPr lang="en-US" altLang="ko-KR" sz="2000" dirty="0"/>
-              <a:t>MVVM </a:t>
-            </a:r>
-            <a:r>
-              <a:rPr lang="ko-KR" altLang="en-US" sz="2000" dirty="0"/>
-              <a:t>패턴 동작 시나리오</a:t>
-            </a:r>
-            <a:endParaRPr lang="en-US" altLang="ko-KR" sz="2000" dirty="0"/>
-          </a:p>
-          <a:p>
-            <a:pPr marL="971550" lvl="1" indent="-514350">
-              <a:lnSpc>
-                <a:spcPct val="120000"/>
-              </a:lnSpc>
-              <a:buFont typeface="+mj-lt"/>
-              <a:buAutoNum type="arabicPeriod"/>
-            </a:pPr>
-            <a:r>
-              <a:rPr lang="ko-KR" altLang="en-US" sz="2000" dirty="0"/>
-              <a:t>사용자의 </a:t>
-            </a:r>
-            <a:r>
-              <a:rPr lang="en-US" altLang="ko-KR" sz="2000" dirty="0"/>
-              <a:t>Action</a:t>
-            </a:r>
-            <a:r>
-              <a:rPr lang="ko-KR" altLang="en-US" sz="2000" dirty="0"/>
-              <a:t>은 </a:t>
-            </a:r>
-            <a:r>
-              <a:rPr lang="en-US" altLang="ko-KR" sz="2000" dirty="0"/>
-              <a:t>View</a:t>
-            </a:r>
-            <a:r>
-              <a:rPr lang="ko-KR" altLang="en-US" sz="2000" dirty="0"/>
-              <a:t>를 통해 들어옴</a:t>
-            </a:r>
-            <a:endParaRPr lang="en-US" altLang="ko-KR" sz="2000" dirty="0"/>
-          </a:p>
-          <a:p>
-            <a:pPr marL="971550" lvl="1" indent="-514350">
-              <a:lnSpc>
-                <a:spcPct val="120000"/>
-              </a:lnSpc>
-              <a:buFont typeface="+mj-lt"/>
-              <a:buAutoNum type="arabicPeriod"/>
-            </a:pPr>
-            <a:r>
-              <a:rPr lang="en-US" altLang="ko-KR" sz="2000" dirty="0"/>
-              <a:t>View</a:t>
-            </a:r>
-            <a:r>
-              <a:rPr lang="ko-KR" altLang="en-US" sz="2000" dirty="0"/>
-              <a:t>에 </a:t>
-            </a:r>
-            <a:r>
-              <a:rPr lang="en-US" altLang="ko-KR" sz="2000" dirty="0"/>
-              <a:t>Action</a:t>
-            </a:r>
-            <a:r>
-              <a:rPr lang="ko-KR" altLang="en-US" sz="2000" dirty="0"/>
-              <a:t>이 들어오면</a:t>
-            </a:r>
-            <a:r>
-              <a:rPr lang="en-US" altLang="ko-KR" sz="2000" dirty="0"/>
-              <a:t>, Command </a:t>
-            </a:r>
-            <a:r>
-              <a:rPr lang="ko-KR" altLang="en-US" sz="2000" dirty="0"/>
-              <a:t>패턴으로 </a:t>
-            </a:r>
-            <a:r>
-              <a:rPr lang="en-US" altLang="ko-KR" sz="2000" dirty="0"/>
-              <a:t>View Model</a:t>
-            </a:r>
-            <a:r>
-              <a:rPr lang="ko-KR" altLang="en-US" sz="2000" dirty="0"/>
-              <a:t>에 </a:t>
-            </a:r>
-            <a:r>
-              <a:rPr lang="en-US" altLang="ko-KR" sz="2000" dirty="0"/>
-              <a:t>Action</a:t>
-            </a:r>
-            <a:r>
-              <a:rPr lang="ko-KR" altLang="en-US" sz="2000" dirty="0"/>
-              <a:t>을 전달</a:t>
-            </a:r>
-            <a:endParaRPr lang="en-US" altLang="ko-KR" sz="2000" dirty="0"/>
-          </a:p>
-          <a:p>
-            <a:pPr marL="1428750" lvl="2" indent="-514350">
-              <a:lnSpc>
-                <a:spcPct val="120000"/>
-              </a:lnSpc>
-              <a:buFont typeface="Arial" panose="020B0604020202020204" pitchFamily="34" charset="0"/>
-              <a:buChar char="•"/>
-            </a:pPr>
-            <a:r>
-              <a:rPr lang="en-US" altLang="ko-KR" sz="2000" dirty="0"/>
-              <a:t>Command </a:t>
-            </a:r>
-            <a:r>
-              <a:rPr lang="ko-KR" altLang="en-US" sz="2000" dirty="0"/>
-              <a:t>패턴은 사용자 요청을 매개변수로 직접 전달하는 것이 아니라 각종 관련 정보들을 포함한 객체로 한 번 감싸서 전달하는 것</a:t>
-            </a:r>
-            <a:endParaRPr lang="en-US" altLang="ko-KR" sz="2000" dirty="0"/>
-          </a:p>
-          <a:p>
-            <a:pPr marL="971550" lvl="1" indent="-514350">
-              <a:lnSpc>
-                <a:spcPct val="120000"/>
-              </a:lnSpc>
-              <a:buFont typeface="+mj-lt"/>
-              <a:buAutoNum type="arabicPeriod"/>
-            </a:pPr>
-            <a:r>
-              <a:rPr lang="en-US" altLang="ko-KR" sz="2000" dirty="0"/>
-              <a:t>View Model</a:t>
-            </a:r>
-            <a:r>
-              <a:rPr lang="ko-KR" altLang="en-US" sz="2000" dirty="0"/>
-              <a:t>은 </a:t>
-            </a:r>
-            <a:r>
-              <a:rPr lang="en-US" altLang="ko-KR" sz="2000" dirty="0"/>
-              <a:t>Model</a:t>
-            </a:r>
-            <a:r>
-              <a:rPr lang="ko-KR" altLang="en-US" sz="2000" dirty="0"/>
-              <a:t>에게 데이터를 요청</a:t>
-            </a:r>
-            <a:endParaRPr lang="en-US" altLang="ko-KR" sz="2000" dirty="0"/>
-          </a:p>
-          <a:p>
-            <a:pPr marL="971550" lvl="1" indent="-514350">
-              <a:lnSpc>
-                <a:spcPct val="120000"/>
-              </a:lnSpc>
-              <a:buFont typeface="+mj-lt"/>
-              <a:buAutoNum type="arabicPeriod"/>
-            </a:pPr>
-            <a:r>
-              <a:rPr lang="en-US" altLang="ko-KR" sz="2000" dirty="0"/>
-              <a:t>Model</a:t>
-            </a:r>
-            <a:r>
-              <a:rPr lang="ko-KR" altLang="en-US" sz="2000" dirty="0"/>
-              <a:t>은 </a:t>
-            </a:r>
-            <a:r>
-              <a:rPr lang="en-US" altLang="ko-KR" sz="2000" dirty="0"/>
-              <a:t>View Model</a:t>
-            </a:r>
-            <a:r>
-              <a:rPr lang="ko-KR" altLang="en-US" sz="2000" dirty="0"/>
-              <a:t>에게 </a:t>
-            </a:r>
-            <a:r>
-              <a:rPr lang="ko-KR" altLang="en-US" sz="2000" dirty="0" err="1"/>
-              <a:t>요청받은</a:t>
-            </a:r>
-            <a:r>
-              <a:rPr lang="ko-KR" altLang="en-US" sz="2000" dirty="0"/>
-              <a:t> 데이터를 응답</a:t>
-            </a:r>
-            <a:endParaRPr lang="en-US" altLang="ko-KR" sz="2000" dirty="0"/>
-          </a:p>
-          <a:p>
-            <a:pPr marL="971550" lvl="1" indent="-514350">
-              <a:lnSpc>
-                <a:spcPct val="120000"/>
-              </a:lnSpc>
-              <a:buFont typeface="+mj-lt"/>
-              <a:buAutoNum type="arabicPeriod"/>
-            </a:pPr>
-            <a:r>
-              <a:rPr lang="en-US" altLang="ko-KR" sz="2000" dirty="0"/>
-              <a:t>View Model</a:t>
-            </a:r>
-            <a:r>
-              <a:rPr lang="ko-KR" altLang="en-US" sz="2000" dirty="0"/>
-              <a:t>은 응답 받은 데이터를 가공하여 저장</a:t>
-            </a:r>
-            <a:endParaRPr lang="en-US" altLang="ko-KR" sz="2000" dirty="0"/>
-          </a:p>
-          <a:p>
-            <a:pPr marL="971550" lvl="1" indent="-514350">
-              <a:lnSpc>
-                <a:spcPct val="120000"/>
-              </a:lnSpc>
-              <a:buFont typeface="+mj-lt"/>
-              <a:buAutoNum type="arabicPeriod"/>
-            </a:pPr>
-            <a:r>
-              <a:rPr lang="en-US" altLang="ko-KR" sz="2000" dirty="0"/>
-              <a:t>View</a:t>
-            </a:r>
-            <a:r>
-              <a:rPr lang="ko-KR" altLang="en-US" sz="2000" dirty="0"/>
-              <a:t>는 </a:t>
-            </a:r>
-            <a:r>
-              <a:rPr lang="en-US" altLang="ko-KR" sz="2000" dirty="0"/>
-              <a:t>View Model</a:t>
-            </a:r>
-            <a:r>
-              <a:rPr lang="ko-KR" altLang="en-US" sz="2000" dirty="0"/>
-              <a:t>과 </a:t>
-            </a:r>
-            <a:r>
-              <a:rPr lang="en-US" altLang="ko-KR" sz="2000" dirty="0"/>
-              <a:t>Data Binding</a:t>
-            </a:r>
-            <a:r>
-              <a:rPr lang="ko-KR" altLang="en-US" sz="2000" dirty="0"/>
-              <a:t>하여 화면을 그림</a:t>
-            </a:r>
-            <a:endParaRPr lang="en-US" altLang="ko-KR" sz="2000" dirty="0"/>
-          </a:p>
-          <a:p>
-            <a:pPr marL="285750" indent="-285750">
-              <a:buFont typeface="Arial" panose="020B0604020202020204" pitchFamily="34" charset="0"/>
-              <a:buChar char="•"/>
-            </a:pPr>
-            <a:endParaRPr lang="en-US" altLang="ko-KR" sz="2000" dirty="0"/>
-          </a:p>
-          <a:p>
-            <a:pPr marL="285750" indent="-285750">
-              <a:buFont typeface="Arial" panose="020B0604020202020204" pitchFamily="34" charset="0"/>
-              <a:buChar char="•"/>
-            </a:pPr>
-            <a:endParaRPr lang="ko-KR" altLang="en-US" sz="2000" dirty="0"/>
-          </a:p>
-        </p:txBody>
-      </p:sp>
-      <p:pic>
-        <p:nvPicPr>
-          <p:cNvPr id="1028" name="Picture 4" descr="MVVM">
-            <a:extLst>
-              <a:ext uri="{FF2B5EF4-FFF2-40B4-BE49-F238E27FC236}">
-                <a16:creationId xmlns:a16="http://schemas.microsoft.com/office/drawing/2014/main" id="{71506DD0-2A35-43B2-4DC1-152EFA82AFD5}"/>
-              </a:ext>
-            </a:extLst>
-          </p:cNvPr>
-          <p:cNvPicPr>
-            <a:picLocks noChangeAspect="1" noChangeArrowheads="1"/>
-          </p:cNvPicPr>
-          <p:nvPr/>
-        </p:nvPicPr>
-        <p:blipFill>
-          <a:blip r:embed="rId3">
-            <a:extLst>
-              <a:ext uri="{28A0092B-C50C-407E-A947-70E740481C1C}">
-                <a14:useLocalDpi xmlns:a14="http://schemas.microsoft.com/office/drawing/2010/main" val="0"/>
-              </a:ext>
-            </a:extLst>
-          </a:blip>
-          <a:srcRect/>
-          <a:stretch>
-            <a:fillRect/>
-          </a:stretch>
-        </p:blipFill>
-        <p:spPr bwMode="auto">
-          <a:xfrm>
-            <a:off x="8305980" y="2179520"/>
-            <a:ext cx="3777453" cy="2800103"/>
-          </a:xfrm>
-          <a:prstGeom prst="rect">
-            <a:avLst/>
-          </a:prstGeom>
-          <a:noFill/>
-          <a:extLst>
-            <a:ext uri="{909E8E84-426E-40DD-AFC4-6F175D3DCCD1}">
-              <a14:hiddenFill xmlns:a14="http://schemas.microsoft.com/office/drawing/2010/main">
-                <a:solidFill>
-                  <a:srgbClr val="FFFFFF"/>
-                </a:solidFill>
-              </a14:hiddenFill>
-            </a:ext>
-          </a:extLst>
-        </p:spPr>
-      </p:pic>
     </p:spTree>
     <p:extLst>
       <p:ext uri="{BB962C8B-B14F-4D97-AF65-F5344CB8AC3E}">
-        <p14:creationId xmlns:p14="http://schemas.microsoft.com/office/powerpoint/2010/main" val="1931549941"/>
+        <p14:creationId xmlns:p14="http://schemas.microsoft.com/office/powerpoint/2010/main" val="2228991982"/>
       </p:ext>
     </p:extLst>
   </p:cSld>
@@ -9271,7 +11623,7 @@
           <p:cNvPr id="2" name="제목 1">
             <a:extLst>
               <a:ext uri="{FF2B5EF4-FFF2-40B4-BE49-F238E27FC236}">
-                <a16:creationId xmlns:a16="http://schemas.microsoft.com/office/drawing/2014/main" id="{DDDAF179-311F-B8E4-5C49-7606353EBC8C}"/>
+                <a16:creationId xmlns:a16="http://schemas.microsoft.com/office/drawing/2014/main" id="{061F91DF-B2CB-9B0A-089A-E7636D1C92E9}"/>
               </a:ext>
             </a:extLst>
           </p:cNvPr>
@@ -9288,204 +11640,210 @@
           <a:lstStyle/>
           <a:p>
             <a:r>
-              <a:rPr lang="en-US" altLang="ko-KR" dirty="0"/>
-              <a:t>WPF MVVM </a:t>
-            </a:r>
-            <a:r>
-              <a:rPr lang="ko-KR" altLang="en-US" dirty="0"/>
-              <a:t>패턴</a:t>
-            </a:r>
-          </a:p>
-        </p:txBody>
-      </p:sp>
-      <p:sp>
-        <p:nvSpPr>
-          <p:cNvPr id="3" name="내용 개체 틀 2">
-            <a:extLst>
-              <a:ext uri="{FF2B5EF4-FFF2-40B4-BE49-F238E27FC236}">
-                <a16:creationId xmlns:a16="http://schemas.microsoft.com/office/drawing/2014/main" id="{B3179425-BE59-AC9D-1BB2-5FFAA04FF7AE}"/>
-              </a:ext>
-            </a:extLst>
-          </p:cNvPr>
-          <p:cNvSpPr>
-            <a:spLocks noGrp="1"/>
-          </p:cNvSpPr>
-          <p:nvPr>
-            <p:ph idx="1"/>
-          </p:nvPr>
-        </p:nvSpPr>
-        <p:spPr/>
-        <p:txBody>
-          <a:bodyPr/>
-          <a:lstStyle/>
-          <a:p>
+              <a:rPr lang="ko-KR" altLang="en-US" dirty="0">
+                <a:solidFill>
+                  <a:srgbClr val="00B050"/>
+                </a:solidFill>
+              </a:rPr>
+              <a:t>실습</a:t>
+            </a:r>
             <a:r>
               <a:rPr lang="en-US" altLang="ko-KR" dirty="0">
                 <a:solidFill>
-                  <a:srgbClr val="7030A0"/>
+                  <a:srgbClr val="00B050"/>
                 </a:solidFill>
               </a:rPr>
-              <a:t>Model</a:t>
-            </a:r>
-            <a:r>
-              <a:rPr lang="en-US" altLang="ko-KR" dirty="0"/>
-              <a:t> (</a:t>
-            </a:r>
-            <a:r>
-              <a:rPr lang="ko-KR" altLang="en-US" dirty="0"/>
-              <a:t>프로그래머</a:t>
-            </a:r>
-            <a:r>
-              <a:rPr lang="en-US" altLang="ko-KR" dirty="0"/>
-              <a:t>) </a:t>
-            </a:r>
-          </a:p>
-          <a:p>
-            <a:pPr lvl="1"/>
-            <a:r>
-              <a:rPr lang="ko-KR" altLang="en-US" dirty="0"/>
-              <a:t>데이터를 가져오고 저장하는 역할</a:t>
-            </a:r>
-            <a:endParaRPr lang="en-US" altLang="ko-KR" dirty="0"/>
-          </a:p>
-          <a:p>
-            <a:pPr lvl="1"/>
-            <a:r>
-              <a:rPr lang="en-US" altLang="ko-KR" dirty="0"/>
-              <a:t>DB, </a:t>
-            </a:r>
-            <a:r>
-              <a:rPr lang="ko-KR" altLang="en-US" dirty="0"/>
-              <a:t>네트워크 요청 또는 파일 시스템과 같은 데이터 소스와 상호작용</a:t>
-            </a:r>
-            <a:endParaRPr lang="en-US" altLang="ko-KR" dirty="0"/>
-          </a:p>
-          <a:p>
-            <a:r>
-              <a:rPr lang="en-US" altLang="ko-KR" dirty="0">
+              <a:t>. </a:t>
+            </a:r>
+            <a:r>
+              <a:rPr lang="en-US" altLang="ko-KR" dirty="0" err="1">
                 <a:solidFill>
-                  <a:srgbClr val="7030A0"/>
+                  <a:srgbClr val="00B050"/>
                 </a:solidFill>
               </a:rPr>
-              <a:t>View</a:t>
+              <a:t>ScottPlot</a:t>
+            </a:r>
+            <a:endParaRPr lang="ko-KR" altLang="en-US" dirty="0">
+              <a:solidFill>
+                <a:srgbClr val="00B050"/>
+              </a:solidFill>
+            </a:endParaRPr>
+          </a:p>
+        </p:txBody>
+      </p:sp>
+      <p:sp>
+        <p:nvSpPr>
+          <p:cNvPr id="6" name="내용 개체 틀 5">
+            <a:extLst>
+              <a:ext uri="{FF2B5EF4-FFF2-40B4-BE49-F238E27FC236}">
+                <a16:creationId xmlns:a16="http://schemas.microsoft.com/office/drawing/2014/main" id="{5EB2918C-1851-B2B5-60C1-B1A81C584C14}"/>
+              </a:ext>
+            </a:extLst>
+          </p:cNvPr>
+          <p:cNvSpPr>
+            <a:spLocks noGrp="1"/>
+          </p:cNvSpPr>
+          <p:nvPr>
+            <p:ph idx="1"/>
+          </p:nvPr>
+        </p:nvSpPr>
+        <p:spPr/>
+        <p:txBody>
+          <a:bodyPr>
+            <a:normAutofit fontScale="70000" lnSpcReduction="20000"/>
+          </a:bodyPr>
+          <a:lstStyle/>
+          <a:p>
+            <a:pPr>
+              <a:lnSpc>
+                <a:spcPct val="120000"/>
+              </a:lnSpc>
+            </a:pPr>
+            <a:r>
+              <a:rPr lang="ko-KR" altLang="en-US" dirty="0"/>
+              <a:t>공식 </a:t>
+            </a:r>
+            <a:r>
+              <a:rPr lang="ko-KR" altLang="en-US" dirty="0" err="1"/>
+              <a:t>쿡북</a:t>
             </a:r>
             <a:r>
               <a:rPr lang="en-US" altLang="ko-KR" dirty="0"/>
-              <a:t> (</a:t>
+              <a:t>(</a:t>
             </a:r>
             <a:r>
               <a:rPr lang="ko-KR" altLang="en-US" dirty="0"/>
-              <a:t>디자이너</a:t>
+              <a:t>예제 소스 코드</a:t>
             </a:r>
             <a:r>
               <a:rPr lang="en-US" altLang="ko-KR" dirty="0"/>
               <a:t>)</a:t>
             </a:r>
-          </a:p>
-          <a:p>
-            <a:pPr lvl="1"/>
             <a:r>
               <a:rPr lang="ko-KR" altLang="en-US" dirty="0"/>
-              <a:t>사용자 인터페이스를 담당하여 사용자 입력처리 및 화면 갱신을 처리</a:t>
+              <a:t>에서 아래 내용 실습 </a:t>
             </a:r>
             <a:endParaRPr lang="en-US" altLang="ko-KR" dirty="0"/>
           </a:p>
           <a:p>
-            <a:pPr lvl="1"/>
+            <a:pPr>
+              <a:lnSpc>
+                <a:spcPct val="120000"/>
+              </a:lnSpc>
+            </a:pPr>
+            <a:r>
+              <a:rPr lang="en-US" altLang="ko-KR" dirty="0" err="1"/>
+              <a:t>Quickstart</a:t>
+            </a:r>
+            <a:endParaRPr lang="en-US" altLang="ko-KR" dirty="0"/>
+          </a:p>
+          <a:p>
+            <a:pPr lvl="1">
+              <a:lnSpc>
+                <a:spcPct val="120000"/>
+              </a:lnSpc>
+            </a:pPr>
             <a:r>
               <a:rPr lang="en-US" altLang="ko-KR" dirty="0"/>
-              <a:t>XAML </a:t>
-            </a:r>
-            <a:r>
-              <a:rPr lang="ko-KR" altLang="en-US" dirty="0"/>
-              <a:t>같은 마크업 언어를 사용하여 디자인</a:t>
+              <a:t>Scatter Plot</a:t>
+            </a:r>
+          </a:p>
+          <a:p>
+            <a:pPr lvl="1">
+              <a:lnSpc>
+                <a:spcPct val="120000"/>
+              </a:lnSpc>
+            </a:pPr>
+            <a:r>
+              <a:rPr lang="en-US" altLang="ko-KR" dirty="0"/>
+              <a:t>Signal Plot</a:t>
+            </a:r>
+          </a:p>
+          <a:p>
+            <a:pPr lvl="1">
+              <a:lnSpc>
+                <a:spcPct val="120000"/>
+              </a:lnSpc>
+            </a:pPr>
+            <a:r>
+              <a:rPr lang="en-US" altLang="ko-KR" dirty="0"/>
+              <a:t>Legend</a:t>
+            </a:r>
+          </a:p>
+          <a:p>
+            <a:pPr lvl="1">
+              <a:lnSpc>
+                <a:spcPct val="120000"/>
+              </a:lnSpc>
+            </a:pPr>
+            <a:r>
+              <a:rPr lang="en-US" altLang="ko-KR" dirty="0">
+                <a:hlinkClick r:id="rId2"/>
+              </a:rPr>
+              <a:t>https://scottplot.net/cookbook/5.0/ScottPlotQuickstart/</a:t>
             </a:r>
             <a:endParaRPr lang="en-US" altLang="ko-KR" dirty="0"/>
           </a:p>
           <a:p>
-            <a:r>
-              <a:rPr lang="en-US" altLang="ko-KR" dirty="0" err="1">
-                <a:solidFill>
-                  <a:srgbClr val="7030A0"/>
-                </a:solidFill>
+            <a:pPr lvl="1">
+              <a:lnSpc>
+                <a:spcPct val="120000"/>
+              </a:lnSpc>
+            </a:pPr>
+            <a:endParaRPr lang="en-US" altLang="ko-KR" dirty="0"/>
+          </a:p>
+          <a:p>
+            <a:pPr>
+              <a:lnSpc>
+                <a:spcPct val="120000"/>
+              </a:lnSpc>
+            </a:pPr>
+            <a:r>
+              <a:rPr lang="en-US" altLang="ko-KR" dirty="0"/>
+              <a:t>Multi-Axis</a:t>
+            </a:r>
+          </a:p>
+          <a:p>
+            <a:pPr lvl="1">
+              <a:lnSpc>
+                <a:spcPct val="120000"/>
+              </a:lnSpc>
+            </a:pPr>
+            <a:r>
+              <a:rPr lang="en-US" altLang="ko-KR" dirty="0"/>
+              <a:t>Primary Axes</a:t>
+            </a:r>
+          </a:p>
+          <a:p>
+            <a:pPr lvl="1">
+              <a:lnSpc>
+                <a:spcPct val="120000"/>
+              </a:lnSpc>
+            </a:pPr>
+            <a:r>
+              <a:rPr lang="en-US" altLang="ko-KR" dirty="0"/>
+              <a:t>Additional Y Axis</a:t>
+            </a:r>
+          </a:p>
+          <a:p>
+            <a:pPr lvl="1">
+              <a:lnSpc>
+                <a:spcPct val="120000"/>
+              </a:lnSpc>
+            </a:pPr>
+            <a:r>
+              <a:rPr lang="en-US" altLang="ko-KR" dirty="0">
+                <a:hlinkClick r:id="rId3"/>
               </a:rPr>
-              <a:t>ViewModel</a:t>
+              <a:t>https://scottplot.net/cookbook/5.0/MultiAxis/</a:t>
             </a:r>
             <a:r>
               <a:rPr lang="en-US" altLang="ko-KR" dirty="0"/>
-              <a:t> (</a:t>
-            </a:r>
-            <a:r>
-              <a:rPr lang="ko-KR" altLang="en-US" dirty="0"/>
-              <a:t>프로그래머</a:t>
-            </a:r>
-            <a:r>
+              <a:t/>
+            </a:r>
+            <a:br>
               <a:rPr lang="en-US" altLang="ko-KR" dirty="0"/>
-              <a:t>)</a:t>
-            </a:r>
-          </a:p>
-          <a:p>
-            <a:pPr lvl="1"/>
-            <a:r>
-              <a:rPr lang="en-US" altLang="ko-KR" dirty="0"/>
-              <a:t>View</a:t>
-            </a:r>
-            <a:r>
-              <a:rPr lang="ko-KR" altLang="en-US" dirty="0"/>
-              <a:t>와 </a:t>
-            </a:r>
-            <a:r>
-              <a:rPr lang="en-US" altLang="ko-KR" dirty="0"/>
-              <a:t>Model </a:t>
-            </a:r>
-            <a:r>
-              <a:rPr lang="ko-KR" altLang="en-US" dirty="0"/>
-              <a:t>사이에서 중재자 역할을 수행</a:t>
-            </a:r>
-            <a:endParaRPr lang="en-US" altLang="ko-KR" dirty="0"/>
-          </a:p>
-          <a:p>
-            <a:pPr lvl="1"/>
-            <a:r>
-              <a:rPr lang="en-US" altLang="ko-KR" dirty="0"/>
-              <a:t>View</a:t>
-            </a:r>
-            <a:r>
-              <a:rPr lang="ko-KR" altLang="en-US" dirty="0"/>
-              <a:t>에서 발생하는 이벤트 감지</a:t>
-            </a:r>
-            <a:r>
-              <a:rPr lang="en-US" altLang="ko-KR" dirty="0"/>
-              <a:t>, </a:t>
-            </a:r>
-            <a:r>
-              <a:rPr lang="ko-KR" altLang="en-US" dirty="0"/>
-              <a:t>이벤트에 맞는 </a:t>
-            </a:r>
-            <a:r>
-              <a:rPr lang="en-US" altLang="ko-KR" dirty="0"/>
-              <a:t>Model</a:t>
-            </a:r>
-            <a:r>
-              <a:rPr lang="ko-KR" altLang="en-US" dirty="0"/>
-              <a:t>의 로직 수행</a:t>
-            </a:r>
-            <a:endParaRPr lang="en-US" altLang="ko-KR" dirty="0"/>
-          </a:p>
-          <a:p>
-            <a:pPr lvl="1"/>
-            <a:r>
-              <a:rPr lang="en-US" altLang="ko-KR" dirty="0"/>
-              <a:t>View</a:t>
-            </a:r>
-            <a:r>
-              <a:rPr lang="ko-KR" altLang="en-US" dirty="0"/>
-              <a:t>에 표시할 데이터를 가공</a:t>
-            </a:r>
-            <a:endParaRPr lang="en-US" altLang="ko-KR" dirty="0"/>
-          </a:p>
-          <a:p>
-            <a:pPr lvl="1"/>
+            </a:br>
             <a:endParaRPr lang="ko-KR" altLang="en-US" dirty="0"/>
           </a:p>
         </p:txBody>
@@ -9495,7 +11853,7 @@
           <p:cNvPr id="4" name="날짜 개체 틀 3">
             <a:extLst>
               <a:ext uri="{FF2B5EF4-FFF2-40B4-BE49-F238E27FC236}">
-                <a16:creationId xmlns:a16="http://schemas.microsoft.com/office/drawing/2014/main" id="{B67A3CFF-F52D-7EF1-1163-B84FAE88BF1E}"/>
+                <a16:creationId xmlns:a16="http://schemas.microsoft.com/office/drawing/2014/main" id="{4C9F154D-80D0-D2D6-C02A-E28620F9963F}"/>
               </a:ext>
             </a:extLst>
           </p:cNvPr>
@@ -9513,7 +11871,7 @@
           <a:p>
             <a:fld id="{0F78D9C4-20C1-4B15-A116-16DC77AD9A1E}" type="datetime1">
               <a:rPr lang="ko-KR" altLang="en-US" smtClean="0"/>
-              <a:t>2025-05-19</a:t>
+              <a:t>2025-05-22</a:t>
             </a:fld>
             <a:endParaRPr lang="ko-KR" altLang="en-US"/>
           </a:p>
@@ -9524,7 +11882,7 @@
           <p:cNvPr id="5" name="슬라이드 번호 개체 틀 4">
             <a:extLst>
               <a:ext uri="{FF2B5EF4-FFF2-40B4-BE49-F238E27FC236}">
-                <a16:creationId xmlns:a16="http://schemas.microsoft.com/office/drawing/2014/main" id="{9A1022B6-B73C-AEA0-BB28-1DD81833DDF8}"/>
+                <a16:creationId xmlns:a16="http://schemas.microsoft.com/office/drawing/2014/main" id="{7AAAC558-F07A-2E7F-8713-874FAB29BA07}"/>
               </a:ext>
             </a:extLst>
           </p:cNvPr>
@@ -9551,7 +11909,7 @@
     </p:spTree>
     <p:extLst>
       <p:ext uri="{BB962C8B-B14F-4D97-AF65-F5344CB8AC3E}">
-        <p14:creationId xmlns:p14="http://schemas.microsoft.com/office/powerpoint/2010/main" val="1672803531"/>
+        <p14:creationId xmlns:p14="http://schemas.microsoft.com/office/powerpoint/2010/main" val="972493690"/>
       </p:ext>
     </p:extLst>
   </p:cSld>
@@ -9566,13 +11924,7 @@
   <p:cSld>
     <p:spTree>
       <p:nvGrpSpPr>
-        <p:cNvPr id="1" name="">
-          <a:extLst>
-            <a:ext uri="{FF2B5EF4-FFF2-40B4-BE49-F238E27FC236}">
-              <a16:creationId xmlns:a16="http://schemas.microsoft.com/office/drawing/2014/main" id="{78A2CC14-CCC8-ED12-FA25-451425A6F3D4}"/>
-            </a:ext>
-          </a:extLst>
-        </p:cNvPr>
+        <p:cNvPr id="1" name=""/>
         <p:cNvGrpSpPr/>
         <p:nvPr/>
       </p:nvGrpSpPr>
@@ -9589,7 +11941,7 @@
           <p:cNvPr id="2" name="제목 1">
             <a:extLst>
               <a:ext uri="{FF2B5EF4-FFF2-40B4-BE49-F238E27FC236}">
-                <a16:creationId xmlns:a16="http://schemas.microsoft.com/office/drawing/2014/main" id="{0402047B-6AC2-B9AE-560F-C0156F6F6A0D}"/>
+                <a16:creationId xmlns:a16="http://schemas.microsoft.com/office/drawing/2014/main" id="{061F91DF-B2CB-9B0A-089A-E7636D1C92E9}"/>
               </a:ext>
             </a:extLst>
           </p:cNvPr>
@@ -9606,38 +11958,43 @@
           <a:lstStyle/>
           <a:p>
             <a:r>
-              <a:rPr lang="ko-KR" altLang="en-US" dirty="0">
-                <a:solidFill>
-                  <a:srgbClr val="00B050"/>
-                </a:solidFill>
-              </a:rPr>
-              <a:t>연습</a:t>
-            </a:r>
-            <a:r>
-              <a:rPr lang="en-US" altLang="ko-KR" dirty="0">
-                <a:solidFill>
-                  <a:srgbClr val="00B050"/>
-                </a:solidFill>
-              </a:rPr>
-              <a:t>. WPF MVVM </a:t>
-            </a:r>
-            <a:r>
-              <a:rPr lang="ko-KR" altLang="en-US" dirty="0">
-                <a:solidFill>
-                  <a:srgbClr val="00B050"/>
-                </a:solidFill>
-              </a:rPr>
-              <a:t>패턴 따라해보기 </a:t>
-            </a:r>
-          </a:p>
-        </p:txBody>
-      </p:sp>
-      <p:sp>
-        <p:nvSpPr>
-          <p:cNvPr id="3" name="내용 개체 틀 2">
-            <a:extLst>
-              <a:ext uri="{FF2B5EF4-FFF2-40B4-BE49-F238E27FC236}">
-                <a16:creationId xmlns:a16="http://schemas.microsoft.com/office/drawing/2014/main" id="{71E05EF9-9B87-AEA5-E0E9-19760BC24591}"/>
+              <a:rPr lang="ko-KR" altLang="en-US" dirty="0"/>
+              <a:t>실습</a:t>
+            </a:r>
+            <a:r>
+              <a:rPr lang="en-US" altLang="ko-KR" dirty="0"/>
+              <a:t>. </a:t>
+            </a:r>
+            <a:r>
+              <a:rPr lang="en-US" altLang="ko-KR" dirty="0" err="1"/>
+              <a:t>ScottPlot</a:t>
+            </a:r>
+            <a:r>
+              <a:rPr lang="en-US" altLang="ko-KR" dirty="0"/>
+              <a:t> (</a:t>
+            </a:r>
+            <a:r>
+              <a:rPr lang="en-US" altLang="ko-KR" dirty="0" err="1"/>
+              <a:t>Winform</a:t>
+            </a:r>
+            <a:r>
+              <a:rPr lang="ko-KR" altLang="en-US" dirty="0"/>
+              <a:t> 이용</a:t>
+            </a:r>
+            <a:r>
+              <a:rPr lang="en-US" altLang="ko-KR" dirty="0"/>
+              <a:t>)</a:t>
+            </a:r>
+            <a:endParaRPr lang="ko-KR" altLang="en-US" dirty="0"/>
+          </a:p>
+        </p:txBody>
+      </p:sp>
+      <p:sp>
+        <p:nvSpPr>
+          <p:cNvPr id="6" name="내용 개체 틀 5">
+            <a:extLst>
+              <a:ext uri="{FF2B5EF4-FFF2-40B4-BE49-F238E27FC236}">
+                <a16:creationId xmlns:a16="http://schemas.microsoft.com/office/drawing/2014/main" id="{5EB2918C-1851-B2B5-60C1-B1A81C584C14}"/>
               </a:ext>
             </a:extLst>
           </p:cNvPr>
@@ -9650,127 +12007,107 @@
         </p:nvSpPr>
         <p:spPr/>
         <p:txBody>
-          <a:bodyPr>
-            <a:normAutofit fontScale="92500" lnSpcReduction="10000"/>
-          </a:bodyPr>
-          <a:lstStyle/>
-          <a:p>
-            <a:r>
-              <a:rPr lang="en-US" altLang="ko-KR" dirty="0">
-                <a:hlinkClick r:id="rId3"/>
-              </a:rPr>
-              <a:t>https://devbong.tistory.com/34</a:t>
-            </a:r>
-            <a:endParaRPr lang="ko-KR" altLang="en-US" dirty="0"/>
-          </a:p>
-          <a:p>
+          <a:bodyPr/>
+          <a:lstStyle/>
+          <a:p>
+            <a:pPr marL="514350" indent="-514350">
+              <a:buFont typeface="+mj-lt"/>
+              <a:buAutoNum type="arabicPeriod"/>
+            </a:pPr>
+            <a:r>
+              <a:rPr lang="en-US" altLang="ko-KR" dirty="0" err="1"/>
+              <a:t>ScottPlot</a:t>
+            </a:r>
+            <a:r>
+              <a:rPr lang="en-US" altLang="ko-KR" dirty="0"/>
+              <a:t> </a:t>
+            </a:r>
             <a:r>
               <a:rPr lang="ko-KR" altLang="en-US" dirty="0"/>
-              <a:t>위 블로그의 </a:t>
+              <a:t>공식 데모 소스 코드에서 적절한 예제 찾기</a:t>
+            </a:r>
+            <a:endParaRPr lang="en-US" altLang="ko-KR" dirty="0"/>
+          </a:p>
+          <a:p>
+            <a:pPr lvl="1"/>
+            <a:r>
+              <a:rPr lang="ko-KR" altLang="en-US" dirty="0"/>
+              <a:t>한 차트에 여러 개의 </a:t>
             </a:r>
             <a:r>
               <a:rPr lang="en-US" altLang="ko-KR" dirty="0"/>
-              <a:t>“[WPF] MVVM </a:t>
+              <a:t>Axis</a:t>
             </a:r>
             <a:r>
               <a:rPr lang="ko-KR" altLang="en-US" dirty="0"/>
-              <a:t>패턴으로 </a:t>
+              <a:t>를 표시하는 기능</a:t>
+            </a:r>
+            <a:endParaRPr lang="en-US" altLang="ko-KR" dirty="0"/>
+          </a:p>
+          <a:p>
+            <a:pPr lvl="1"/>
+            <a:r>
+              <a:rPr lang="ko-KR" altLang="en-US" dirty="0"/>
+              <a:t>격자가 없는 배경을 사용하는 기능</a:t>
+            </a:r>
+            <a:endParaRPr lang="en-US" altLang="ko-KR" dirty="0"/>
+          </a:p>
+          <a:p>
+            <a:pPr lvl="1"/>
+            <a:r>
+              <a:rPr lang="ko-KR" altLang="en-US" dirty="0"/>
+              <a:t>마우스 움직임에 따라 차트의 </a:t>
             </a:r>
             <a:r>
               <a:rPr lang="en-US" altLang="ko-KR" dirty="0"/>
-              <a:t>WPF </a:t>
+              <a:t>X, Y </a:t>
             </a:r>
             <a:r>
               <a:rPr lang="ko-KR" altLang="en-US" dirty="0"/>
-              <a:t>시작하기</a:t>
+              <a:t>값을 표시하는 기능</a:t>
+            </a:r>
+            <a:endParaRPr lang="en-US" altLang="ko-KR" dirty="0"/>
+          </a:p>
+          <a:p>
+            <a:pPr lvl="1"/>
+            <a:r>
+              <a:rPr lang="ko-KR" altLang="en-US" dirty="0"/>
+              <a:t>차트 위에 말풍선</a:t>
             </a:r>
             <a:r>
               <a:rPr lang="en-US" altLang="ko-KR" dirty="0"/>
-              <a:t>” </a:t>
+              <a:t>(callout)</a:t>
             </a:r>
             <a:r>
               <a:rPr lang="ko-KR" altLang="en-US" dirty="0"/>
-              <a:t>강의를 </a:t>
+              <a:t>을 띄우는 기능</a:t>
+            </a:r>
+            <a:r>
+              <a:rPr lang="en-US" altLang="ko-KR" dirty="0"/>
+              <a:t/>
             </a:r>
             <a:br>
               <a:rPr lang="en-US" altLang="ko-KR" dirty="0"/>
             </a:br>
-            <a:r>
-              <a:rPr lang="en-US" altLang="ko-KR" dirty="0"/>
-              <a:t>01 </a:t>
-            </a:r>
+            <a:endParaRPr lang="en-US" altLang="ko-KR" dirty="0"/>
+          </a:p>
+          <a:p>
+            <a:pPr marL="514350" indent="-514350">
+              <a:buFont typeface="+mj-lt"/>
+              <a:buAutoNum type="arabicPeriod"/>
+            </a:pPr>
             <a:r>
               <a:rPr lang="ko-KR" altLang="en-US" dirty="0"/>
-              <a:t>프로젝트 만들기 </a:t>
-            </a:r>
-            <a:r>
-              <a:rPr lang="en-US" altLang="ko-KR" dirty="0"/>
-              <a:t>~ 05 Converter </a:t>
-            </a:r>
+              <a:t>위 기능이 모두 합쳐진 하나의 차트를 만들기</a:t>
+            </a:r>
+            <a:endParaRPr lang="en-US" altLang="ko-KR" dirty="0"/>
+          </a:p>
+          <a:p>
+            <a:pPr lvl="1"/>
             <a:r>
               <a:rPr lang="ko-KR" altLang="en-US" dirty="0"/>
-              <a:t>까지 따라해보기 </a:t>
-            </a:r>
-            <a:endParaRPr lang="en-US" altLang="ko-KR" dirty="0"/>
-          </a:p>
-          <a:p>
-            <a:r>
-              <a:rPr lang="en-US" altLang="ko-KR" dirty="0"/>
-              <a:t>View</a:t>
-            </a:r>
-          </a:p>
-          <a:p>
-            <a:pPr lvl="1"/>
-            <a:r>
-              <a:rPr lang="en-US" altLang="ko-KR" dirty="0" err="1"/>
-              <a:t>MainWindow.xaml</a:t>
-            </a:r>
-            <a:endParaRPr lang="en-US" altLang="ko-KR" dirty="0"/>
-          </a:p>
-          <a:p>
-            <a:pPr lvl="1"/>
-            <a:r>
-              <a:rPr lang="en-US" altLang="ko-KR" dirty="0" err="1"/>
-              <a:t>MainWindow.xaml.cs</a:t>
-            </a:r>
-            <a:endParaRPr lang="en-US" altLang="ko-KR" dirty="0"/>
-          </a:p>
-          <a:p>
-            <a:r>
-              <a:rPr lang="en-US" altLang="ko-KR" dirty="0" err="1"/>
-              <a:t>ViewModel</a:t>
-            </a:r>
-            <a:endParaRPr lang="en-US" altLang="ko-KR" dirty="0"/>
-          </a:p>
-          <a:p>
-            <a:pPr lvl="1"/>
-            <a:r>
-              <a:rPr lang="en-US" altLang="ko-KR" dirty="0" err="1"/>
-              <a:t>MainWindowViewModel.cs</a:t>
-            </a:r>
-            <a:endParaRPr lang="en-US" altLang="ko-KR" dirty="0"/>
-          </a:p>
-          <a:p>
-            <a:pPr lvl="1"/>
-            <a:r>
-              <a:rPr lang="en-US" altLang="ko-KR" dirty="0" err="1"/>
-              <a:t>ViewModelBase.cs</a:t>
-            </a:r>
-            <a:endParaRPr lang="en-US" altLang="ko-KR" dirty="0"/>
-          </a:p>
-          <a:p>
-            <a:r>
-              <a:rPr lang="en-US" altLang="ko-KR" dirty="0"/>
-              <a:t>Model</a:t>
-            </a:r>
-          </a:p>
-          <a:p>
-            <a:pPr lvl="1"/>
-            <a:r>
-              <a:rPr lang="en-US" altLang="ko-KR" dirty="0" err="1"/>
-              <a:t>Person.cs</a:t>
-            </a:r>
-            <a:endParaRPr lang="ko-KR" altLang="en-US" dirty="0"/>
+              <a:t>차트 데이터의 내용은 무관함</a:t>
+            </a:r>
           </a:p>
         </p:txBody>
       </p:sp>
@@ -9779,7 +12116,7 @@
           <p:cNvPr id="4" name="날짜 개체 틀 3">
             <a:extLst>
               <a:ext uri="{FF2B5EF4-FFF2-40B4-BE49-F238E27FC236}">
-                <a16:creationId xmlns:a16="http://schemas.microsoft.com/office/drawing/2014/main" id="{6CEBEDA3-64A0-BFF9-E112-89CFA7DBB85F}"/>
+                <a16:creationId xmlns:a16="http://schemas.microsoft.com/office/drawing/2014/main" id="{4C9F154D-80D0-D2D6-C02A-E28620F9963F}"/>
               </a:ext>
             </a:extLst>
           </p:cNvPr>
@@ -9797,7 +12134,7 @@
           <a:p>
             <a:fld id="{0F78D9C4-20C1-4B15-A116-16DC77AD9A1E}" type="datetime1">
               <a:rPr lang="ko-KR" altLang="en-US" smtClean="0"/>
-              <a:t>2025-05-19</a:t>
+              <a:t>2025-05-22</a:t>
             </a:fld>
             <a:endParaRPr lang="ko-KR" altLang="en-US"/>
           </a:p>
@@ -9808,7 +12145,7 @@
           <p:cNvPr id="5" name="슬라이드 번호 개체 틀 4">
             <a:extLst>
               <a:ext uri="{FF2B5EF4-FFF2-40B4-BE49-F238E27FC236}">
-                <a16:creationId xmlns:a16="http://schemas.microsoft.com/office/drawing/2014/main" id="{6B4279CC-8C7F-4AD7-3D6F-C13A644A14E8}"/>
+                <a16:creationId xmlns:a16="http://schemas.microsoft.com/office/drawing/2014/main" id="{7AAAC558-F07A-2E7F-8713-874FAB29BA07}"/>
               </a:ext>
             </a:extLst>
           </p:cNvPr>
@@ -9835,7 +12172,7 @@
     </p:spTree>
     <p:extLst>
       <p:ext uri="{BB962C8B-B14F-4D97-AF65-F5344CB8AC3E}">
-        <p14:creationId xmlns:p14="http://schemas.microsoft.com/office/powerpoint/2010/main" val="2605265970"/>
+        <p14:creationId xmlns:p14="http://schemas.microsoft.com/office/powerpoint/2010/main" val="2379541585"/>
       </p:ext>
     </p:extLst>
   </p:cSld>

--- a/material/19_CSharp_WPF (디자인 패턴).pptx
+++ b/material/19_CSharp_WPF (디자인 패턴).pptx
@@ -5,7 +5,7 @@
     <p:sldMasterId id="2147483672" r:id="rId1"/>
   </p:sldMasterIdLst>
   <p:notesMasterIdLst>
-    <p:notesMasterId r:id="rId27"/>
+    <p:notesMasterId r:id="rId28"/>
   </p:notesMasterIdLst>
   <p:sldIdLst>
     <p:sldId id="747" r:id="rId2"/>
@@ -17,39 +17,40 @@
     <p:sldId id="753" r:id="rId8"/>
     <p:sldId id="754" r:id="rId9"/>
     <p:sldId id="755" r:id="rId10"/>
-    <p:sldId id="743" r:id="rId11"/>
-    <p:sldId id="744" r:id="rId12"/>
-    <p:sldId id="745" r:id="rId13"/>
-    <p:sldId id="681" r:id="rId14"/>
-    <p:sldId id="746" r:id="rId15"/>
-    <p:sldId id="677" r:id="rId16"/>
-    <p:sldId id="680" r:id="rId17"/>
-    <p:sldId id="741" r:id="rId18"/>
-    <p:sldId id="742" r:id="rId19"/>
-    <p:sldId id="690" r:id="rId20"/>
-    <p:sldId id="687" r:id="rId21"/>
-    <p:sldId id="688" r:id="rId22"/>
-    <p:sldId id="738" r:id="rId23"/>
-    <p:sldId id="739" r:id="rId24"/>
-    <p:sldId id="685" r:id="rId25"/>
-    <p:sldId id="740" r:id="rId26"/>
+    <p:sldId id="756" r:id="rId11"/>
+    <p:sldId id="743" r:id="rId12"/>
+    <p:sldId id="744" r:id="rId13"/>
+    <p:sldId id="745" r:id="rId14"/>
+    <p:sldId id="681" r:id="rId15"/>
+    <p:sldId id="746" r:id="rId16"/>
+    <p:sldId id="677" r:id="rId17"/>
+    <p:sldId id="680" r:id="rId18"/>
+    <p:sldId id="741" r:id="rId19"/>
+    <p:sldId id="742" r:id="rId20"/>
+    <p:sldId id="690" r:id="rId21"/>
+    <p:sldId id="687" r:id="rId22"/>
+    <p:sldId id="688" r:id="rId23"/>
+    <p:sldId id="738" r:id="rId24"/>
+    <p:sldId id="739" r:id="rId25"/>
+    <p:sldId id="685" r:id="rId26"/>
+    <p:sldId id="740" r:id="rId27"/>
   </p:sldIdLst>
   <p:sldSz cx="12192000" cy="6858000"/>
   <p:notesSz cx="6858000" cy="9144000"/>
   <p:embeddedFontLst>
-    <p:embeddedFont>
-      <p:font typeface="Pretendard Black" panose="02000A03000000020004" pitchFamily="2" charset="-127"/>
-      <p:bold r:id="rId28"/>
-    </p:embeddedFont>
     <p:embeddedFont>
       <p:font typeface="Pretendard GOV" panose="020B0600000101010101" charset="-127"/>
       <p:regular r:id="rId29"/>
       <p:bold r:id="rId30"/>
     </p:embeddedFont>
     <p:embeddedFont>
+      <p:font typeface="Pretendard Black" panose="02000A03000000020004" pitchFamily="2" charset="-127"/>
+      <p:bold r:id="rId31"/>
+    </p:embeddedFont>
+    <p:embeddedFont>
       <p:font typeface="맑은 고딕" panose="020B0503020000020004" pitchFamily="50" charset="-127"/>
-      <p:regular r:id="rId31"/>
-      <p:bold r:id="rId32"/>
+      <p:regular r:id="rId32"/>
+      <p:bold r:id="rId33"/>
     </p:embeddedFont>
   </p:embeddedFontLst>
   <p:defaultTextStyle>
@@ -240,7 +241,7 @@
           <a:p>
             <a:fld id="{2EF3F159-7250-4DD4-91C2-13B35D56E1AF}" type="datetimeFigureOut">
               <a:rPr lang="ko-KR" altLang="en-US" smtClean="0"/>
-              <a:t>2025-05-22</a:t>
+              <a:t>2025-05-23</a:t>
             </a:fld>
             <a:endParaRPr lang="ko-KR" altLang="en-US"/>
           </a:p>
@@ -551,46 +552,7 @@
           <a:bodyPr/>
           <a:lstStyle/>
           <a:p>
-            <a:r>
-              <a:rPr lang="ko-KR" altLang="en-US"/>
-              <a:t>새로운 언어를 배울 때는 내가 알고 있는 기존 언어와 차이점만 기억을 하면 됨</a:t>
-            </a:r>
-            <a:r>
-              <a:rPr lang="en-US" altLang="ko-KR"/>
-              <a:t>.</a:t>
-            </a:r>
-          </a:p>
-          <a:p>
-            <a:endParaRPr lang="en-US" altLang="ko-KR"/>
-          </a:p>
-          <a:p>
-            <a:r>
-              <a:rPr lang="ko-KR" altLang="en-US"/>
-              <a:t>자세한 문법 또는 함수의 사용법은 그때그때 검색을 통해 찾아보고 적용하면 됨</a:t>
-            </a:r>
-            <a:r>
-              <a:rPr lang="en-US" altLang="ko-KR"/>
-              <a:t>. </a:t>
-            </a:r>
-          </a:p>
-          <a:p>
-            <a:endParaRPr lang="en-US" altLang="ko-KR"/>
-          </a:p>
-          <a:p>
-            <a:r>
-              <a:rPr lang="ko-KR" altLang="en-US"/>
-              <a:t>이론을 충분히 공부하고 무언가 시작하기 보다는 일단 시작하고 부딪히는 곳을 적극적으로 검색하여 찾아보며 해결해나가는 것이 훨씬 좋음</a:t>
-            </a:r>
-            <a:r>
-              <a:rPr lang="en-US" altLang="ko-KR"/>
-              <a:t>.</a:t>
-            </a:r>
-          </a:p>
-          <a:p>
-            <a:endParaRPr lang="en-US" altLang="ko-KR"/>
-          </a:p>
-          <a:p>
-            <a:endParaRPr lang="ko-KR" altLang="en-US"/>
+            <a:endParaRPr lang="ko-KR" altLang="en-US" dirty="0"/>
           </a:p>
         </p:txBody>
       </p:sp>
@@ -621,6 +583,94 @@
     <p:extLst>
       <p:ext uri="{BB962C8B-B14F-4D97-AF65-F5344CB8AC3E}">
         <p14:creationId xmlns:p14="http://schemas.microsoft.com/office/powerpoint/2010/main" val="2470732176"/>
+      </p:ext>
+    </p:extLst>
+  </p:cSld>
+  <p:clrMapOvr>
+    <a:masterClrMapping/>
+  </p:clrMapOvr>
+</p:notes>
+</file>
+
+<file path=ppt/notesSlides/notesSlide10.xml><?xml version="1.0" encoding="utf-8"?>
+<p:notes xmlns:a="http://schemas.openxmlformats.org/drawingml/2006/main" xmlns:r="http://schemas.openxmlformats.org/officeDocument/2006/relationships" xmlns:p="http://schemas.openxmlformats.org/presentationml/2006/main">
+  <p:cSld>
+    <p:spTree>
+      <p:nvGrpSpPr>
+        <p:cNvPr id="1" name=""/>
+        <p:cNvGrpSpPr/>
+        <p:nvPr/>
+      </p:nvGrpSpPr>
+      <p:grpSpPr>
+        <a:xfrm>
+          <a:off x="0" y="0"/>
+          <a:ext cx="0" cy="0"/>
+          <a:chOff x="0" y="0"/>
+          <a:chExt cx="0" cy="0"/>
+        </a:xfrm>
+      </p:grpSpPr>
+      <p:sp>
+        <p:nvSpPr>
+          <p:cNvPr id="2" name="슬라이드 이미지 개체 틀 1"/>
+          <p:cNvSpPr>
+            <a:spLocks noGrp="1" noRot="1" noChangeAspect="1"/>
+          </p:cNvSpPr>
+          <p:nvPr>
+            <p:ph type="sldImg"/>
+          </p:nvPr>
+        </p:nvSpPr>
+        <p:spPr/>
+      </p:sp>
+      <p:sp>
+        <p:nvSpPr>
+          <p:cNvPr id="3" name="슬라이드 노트 개체 틀 2"/>
+          <p:cNvSpPr>
+            <a:spLocks noGrp="1"/>
+          </p:cNvSpPr>
+          <p:nvPr>
+            <p:ph type="body" idx="1"/>
+          </p:nvPr>
+        </p:nvSpPr>
+        <p:spPr/>
+        <p:txBody>
+          <a:bodyPr/>
+          <a:lstStyle/>
+          <a:p>
+            <a:r>
+              <a:rPr lang="en-US" altLang="ko-KR" dirty="0"/>
+              <a:t>https://itisguide.tistory.com/4</a:t>
+            </a:r>
+            <a:endParaRPr lang="ko-KR" altLang="en-US" dirty="0"/>
+          </a:p>
+        </p:txBody>
+      </p:sp>
+      <p:sp>
+        <p:nvSpPr>
+          <p:cNvPr id="4" name="슬라이드 번호 개체 틀 3"/>
+          <p:cNvSpPr>
+            <a:spLocks noGrp="1"/>
+          </p:cNvSpPr>
+          <p:nvPr>
+            <p:ph type="sldNum" sz="quarter" idx="5"/>
+          </p:nvPr>
+        </p:nvSpPr>
+        <p:spPr/>
+        <p:txBody>
+          <a:bodyPr/>
+          <a:lstStyle/>
+          <a:p>
+            <a:fld id="{C09E5BFC-1559-42F1-8940-AB342D56BF02}" type="slidenum">
+              <a:rPr lang="ko-KR" altLang="en-US" smtClean="0"/>
+              <a:t>20</a:t>
+            </a:fld>
+            <a:endParaRPr lang="ko-KR" altLang="en-US"/>
+          </a:p>
+        </p:txBody>
+      </p:sp>
+    </p:spTree>
+    <p:extLst>
+      <p:ext uri="{BB962C8B-B14F-4D97-AF65-F5344CB8AC3E}">
+        <p14:creationId xmlns:p14="http://schemas.microsoft.com/office/powerpoint/2010/main" val="983904519"/>
       </p:ext>
     </p:extLst>
   </p:cSld>
@@ -675,10 +725,45 @@
           <a:lstStyle/>
           <a:p>
             <a:r>
-              <a:rPr lang="en-US" altLang="ko-KR" dirty="0"/>
-              <a:t>https://oobwrite.com/entry/%EB%94%94%EC%9E%90%EC%9D%B8-%ED%8C%A8%ED%84%B4Design-Pattern-%EC%B4%9D%EC%A0%95%EB%A6%AC-23%EA%B0%80%EC%A7%80-%EB%94%94%EC%9E%90%EC%9D%B8-%ED%8C%A8%ED%84%B4-%EC%A0%95%EC%9D%98-%EC%A2%85%EB%A5%98-%EC%9E%A5%EB%8B%A8%EC%A0%90</a:t>
-            </a:r>
-            <a:endParaRPr lang="ko-KR" altLang="en-US" dirty="0"/>
+              <a:rPr lang="ko-KR" altLang="en-US"/>
+              <a:t>새로운 언어를 배울 때는 내가 알고 있는 기존 언어와 차이점만 기억을 하면 됨</a:t>
+            </a:r>
+            <a:r>
+              <a:rPr lang="en-US" altLang="ko-KR"/>
+              <a:t>.</a:t>
+            </a:r>
+          </a:p>
+          <a:p>
+            <a:endParaRPr lang="en-US" altLang="ko-KR"/>
+          </a:p>
+          <a:p>
+            <a:r>
+              <a:rPr lang="ko-KR" altLang="en-US"/>
+              <a:t>자세한 문법 또는 함수의 사용법은 그때그때 검색을 통해 찾아보고 적용하면 됨</a:t>
+            </a:r>
+            <a:r>
+              <a:rPr lang="en-US" altLang="ko-KR"/>
+              <a:t>. </a:t>
+            </a:r>
+          </a:p>
+          <a:p>
+            <a:endParaRPr lang="en-US" altLang="ko-KR"/>
+          </a:p>
+          <a:p>
+            <a:r>
+              <a:rPr lang="ko-KR" altLang="en-US"/>
+              <a:t>이론을 충분히 공부하고 무언가 시작하기 보다는 일단 시작하고 부딪히는 곳을 적극적으로 검색하여 찾아보며 해결해나가는 것이 훨씬 좋음</a:t>
+            </a:r>
+            <a:r>
+              <a:rPr lang="en-US" altLang="ko-KR"/>
+              <a:t>.</a:t>
+            </a:r>
+          </a:p>
+          <a:p>
+            <a:endParaRPr lang="en-US" altLang="ko-KR"/>
+          </a:p>
+          <a:p>
+            <a:endParaRPr lang="ko-KR" altLang="en-US"/>
           </a:p>
         </p:txBody>
       </p:sp>
@@ -699,7 +784,7 @@
           <a:p>
             <a:fld id="{C09E5BFC-1559-42F1-8940-AB342D56BF02}" type="slidenum">
               <a:rPr lang="ko-KR" altLang="en-US" smtClean="0"/>
-              <a:t>11</a:t>
+              <a:t>10</a:t>
             </a:fld>
             <a:endParaRPr lang="ko-KR" altLang="en-US"/>
           </a:p>
@@ -708,7 +793,7 @@
     </p:spTree>
     <p:extLst>
       <p:ext uri="{BB962C8B-B14F-4D97-AF65-F5344CB8AC3E}">
-        <p14:creationId xmlns:p14="http://schemas.microsoft.com/office/powerpoint/2010/main" val="3745941800"/>
+        <p14:creationId xmlns:p14="http://schemas.microsoft.com/office/powerpoint/2010/main" val="50755295"/>
       </p:ext>
     </p:extLst>
   </p:cSld>
@@ -762,7 +847,11 @@
           <a:bodyPr/>
           <a:lstStyle/>
           <a:p>
-            <a:endParaRPr lang="ko-KR" altLang="en-US"/>
+            <a:r>
+              <a:rPr lang="en-US" altLang="ko-KR" dirty="0"/>
+              <a:t>https://oobwrite.com/entry/%EB%94%94%EC%9E%90%EC%9D%B8-%ED%8C%A8%ED%84%B4Design-Pattern-%EC%B4%9D%EC%A0%95%EB%A6%AC-23%EA%B0%80%EC%A7%80-%EB%94%94%EC%9E%90%EC%9D%B8-%ED%8C%A8%ED%84%B4-%EC%A0%95%EC%9D%98-%EC%A2%85%EB%A5%98-%EC%9E%A5%EB%8B%A8%EC%A0%90</a:t>
+            </a:r>
+            <a:endParaRPr lang="ko-KR" altLang="en-US" dirty="0"/>
           </a:p>
         </p:txBody>
       </p:sp>
@@ -783,7 +872,91 @@
           <a:p>
             <a:fld id="{C09E5BFC-1559-42F1-8940-AB342D56BF02}" type="slidenum">
               <a:rPr lang="ko-KR" altLang="en-US" smtClean="0"/>
-              <a:t>13</a:t>
+              <a:t>12</a:t>
+            </a:fld>
+            <a:endParaRPr lang="ko-KR" altLang="en-US"/>
+          </a:p>
+        </p:txBody>
+      </p:sp>
+    </p:spTree>
+    <p:extLst>
+      <p:ext uri="{BB962C8B-B14F-4D97-AF65-F5344CB8AC3E}">
+        <p14:creationId xmlns:p14="http://schemas.microsoft.com/office/powerpoint/2010/main" val="3745941800"/>
+      </p:ext>
+    </p:extLst>
+  </p:cSld>
+  <p:clrMapOvr>
+    <a:masterClrMapping/>
+  </p:clrMapOvr>
+</p:notes>
+</file>
+
+<file path=ppt/notesSlides/notesSlide4.xml><?xml version="1.0" encoding="utf-8"?>
+<p:notes xmlns:a="http://schemas.openxmlformats.org/drawingml/2006/main" xmlns:r="http://schemas.openxmlformats.org/officeDocument/2006/relationships" xmlns:p="http://schemas.openxmlformats.org/presentationml/2006/main">
+  <p:cSld>
+    <p:spTree>
+      <p:nvGrpSpPr>
+        <p:cNvPr id="1" name=""/>
+        <p:cNvGrpSpPr/>
+        <p:nvPr/>
+      </p:nvGrpSpPr>
+      <p:grpSpPr>
+        <a:xfrm>
+          <a:off x="0" y="0"/>
+          <a:ext cx="0" cy="0"/>
+          <a:chOff x="0" y="0"/>
+          <a:chExt cx="0" cy="0"/>
+        </a:xfrm>
+      </p:grpSpPr>
+      <p:sp>
+        <p:nvSpPr>
+          <p:cNvPr id="2" name="슬라이드 이미지 개체 틀 1"/>
+          <p:cNvSpPr>
+            <a:spLocks noGrp="1" noRot="1" noChangeAspect="1"/>
+          </p:cNvSpPr>
+          <p:nvPr>
+            <p:ph type="sldImg"/>
+          </p:nvPr>
+        </p:nvSpPr>
+        <p:spPr/>
+      </p:sp>
+      <p:sp>
+        <p:nvSpPr>
+          <p:cNvPr id="3" name="슬라이드 노트 개체 틀 2"/>
+          <p:cNvSpPr>
+            <a:spLocks noGrp="1"/>
+          </p:cNvSpPr>
+          <p:nvPr>
+            <p:ph type="body" idx="1"/>
+          </p:nvPr>
+        </p:nvSpPr>
+        <p:spPr/>
+        <p:txBody>
+          <a:bodyPr/>
+          <a:lstStyle/>
+          <a:p>
+            <a:endParaRPr lang="ko-KR" altLang="en-US"/>
+          </a:p>
+        </p:txBody>
+      </p:sp>
+      <p:sp>
+        <p:nvSpPr>
+          <p:cNvPr id="4" name="슬라이드 번호 개체 틀 3"/>
+          <p:cNvSpPr>
+            <a:spLocks noGrp="1"/>
+          </p:cNvSpPr>
+          <p:nvPr>
+            <p:ph type="sldNum" sz="quarter" idx="5"/>
+          </p:nvPr>
+        </p:nvSpPr>
+        <p:spPr/>
+        <p:txBody>
+          <a:bodyPr/>
+          <a:lstStyle/>
+          <a:p>
+            <a:fld id="{C09E5BFC-1559-42F1-8940-AB342D56BF02}" type="slidenum">
+              <a:rPr lang="ko-KR" altLang="en-US" smtClean="0"/>
+              <a:t>14</a:t>
             </a:fld>
             <a:endParaRPr lang="ko-KR" altLang="en-US"/>
           </a:p>
@@ -802,7 +975,7 @@
 </p:notes>
 </file>
 
-<file path=ppt/notesSlides/notesSlide4.xml><?xml version="1.0" encoding="utf-8"?>
+<file path=ppt/notesSlides/notesSlide5.xml><?xml version="1.0" encoding="utf-8"?>
 <p:notes xmlns:a="http://schemas.openxmlformats.org/drawingml/2006/main" xmlns:r="http://schemas.openxmlformats.org/officeDocument/2006/relationships" xmlns:p="http://schemas.openxmlformats.org/presentationml/2006/main">
   <p:cSld>
     <p:spTree>
@@ -914,7 +1087,7 @@
           <a:p>
             <a:fld id="{C09E5BFC-1559-42F1-8940-AB342D56BF02}" type="slidenum">
               <a:rPr lang="ko-KR" altLang="en-US" smtClean="0"/>
-              <a:t>14</a:t>
+              <a:t>15</a:t>
             </a:fld>
             <a:endParaRPr lang="ko-KR" altLang="en-US"/>
           </a:p>
@@ -924,90 +1097,6 @@
     <p:extLst>
       <p:ext uri="{BB962C8B-B14F-4D97-AF65-F5344CB8AC3E}">
         <p14:creationId xmlns:p14="http://schemas.microsoft.com/office/powerpoint/2010/main" val="579496297"/>
-      </p:ext>
-    </p:extLst>
-  </p:cSld>
-  <p:clrMapOvr>
-    <a:masterClrMapping/>
-  </p:clrMapOvr>
-</p:notes>
-</file>
-
-<file path=ppt/notesSlides/notesSlide5.xml><?xml version="1.0" encoding="utf-8"?>
-<p:notes xmlns:a="http://schemas.openxmlformats.org/drawingml/2006/main" xmlns:r="http://schemas.openxmlformats.org/officeDocument/2006/relationships" xmlns:p="http://schemas.openxmlformats.org/presentationml/2006/main">
-  <p:cSld>
-    <p:spTree>
-      <p:nvGrpSpPr>
-        <p:cNvPr id="1" name=""/>
-        <p:cNvGrpSpPr/>
-        <p:nvPr/>
-      </p:nvGrpSpPr>
-      <p:grpSpPr>
-        <a:xfrm>
-          <a:off x="0" y="0"/>
-          <a:ext cx="0" cy="0"/>
-          <a:chOff x="0" y="0"/>
-          <a:chExt cx="0" cy="0"/>
-        </a:xfrm>
-      </p:grpSpPr>
-      <p:sp>
-        <p:nvSpPr>
-          <p:cNvPr id="2" name="슬라이드 이미지 개체 틀 1"/>
-          <p:cNvSpPr>
-            <a:spLocks noGrp="1" noRot="1" noChangeAspect="1"/>
-          </p:cNvSpPr>
-          <p:nvPr>
-            <p:ph type="sldImg"/>
-          </p:nvPr>
-        </p:nvSpPr>
-        <p:spPr/>
-      </p:sp>
-      <p:sp>
-        <p:nvSpPr>
-          <p:cNvPr id="3" name="슬라이드 노트 개체 틀 2"/>
-          <p:cNvSpPr>
-            <a:spLocks noGrp="1"/>
-          </p:cNvSpPr>
-          <p:nvPr>
-            <p:ph type="body" idx="1"/>
-          </p:nvPr>
-        </p:nvSpPr>
-        <p:spPr/>
-        <p:txBody>
-          <a:bodyPr/>
-          <a:lstStyle/>
-          <a:p>
-            <a:endParaRPr lang="ko-KR" altLang="en-US" dirty="0"/>
-          </a:p>
-        </p:txBody>
-      </p:sp>
-      <p:sp>
-        <p:nvSpPr>
-          <p:cNvPr id="4" name="슬라이드 번호 개체 틀 3"/>
-          <p:cNvSpPr>
-            <a:spLocks noGrp="1"/>
-          </p:cNvSpPr>
-          <p:nvPr>
-            <p:ph type="sldNum" sz="quarter" idx="5"/>
-          </p:nvPr>
-        </p:nvSpPr>
-        <p:spPr/>
-        <p:txBody>
-          <a:bodyPr/>
-          <a:lstStyle/>
-          <a:p>
-            <a:fld id="{C09E5BFC-1559-42F1-8940-AB342D56BF02}" type="slidenum">
-              <a:rPr lang="ko-KR" altLang="en-US" smtClean="0"/>
-              <a:t>15</a:t>
-            </a:fld>
-            <a:endParaRPr lang="ko-KR" altLang="en-US"/>
-          </a:p>
-        </p:txBody>
-      </p:sp>
-    </p:spTree>
-    <p:extLst>
-      <p:ext uri="{BB962C8B-B14F-4D97-AF65-F5344CB8AC3E}">
-        <p14:creationId xmlns:p14="http://schemas.microsoft.com/office/powerpoint/2010/main" val="1487852166"/>
       </p:ext>
     </p:extLst>
   </p:cSld>
@@ -1061,33 +1150,6 @@
           <a:bodyPr/>
           <a:lstStyle/>
           <a:p>
-            <a:pPr marL="0" marR="0" lvl="0" indent="0" algn="l" defTabSz="914400" rtl="0" eaLnBrk="1" fontAlgn="auto" latinLnBrk="1" hangingPunct="1">
-              <a:lnSpc>
-                <a:spcPct val="100000"/>
-              </a:lnSpc>
-              <a:spcBef>
-                <a:spcPts val="0"/>
-              </a:spcBef>
-              <a:spcAft>
-                <a:spcPts val="0"/>
-              </a:spcAft>
-              <a:buClrTx/>
-              <a:buSzTx/>
-              <a:buFontTx/>
-              <a:buNone/>
-              <a:tabLst/>
-              <a:defRPr/>
-            </a:pPr>
-            <a:r>
-              <a:rPr lang="en-US" altLang="ko-KR" dirty="0"/>
-              <a:t>https://devbong.tistory.com/34</a:t>
-            </a:r>
-            <a:endParaRPr lang="ko-KR" altLang="en-US" dirty="0"/>
-          </a:p>
-          <a:p>
-            <a:endParaRPr lang="ko-KR" altLang="en-US" dirty="0"/>
-          </a:p>
-          <a:p>
             <a:endParaRPr lang="ko-KR" altLang="en-US" dirty="0"/>
           </a:p>
         </p:txBody>
@@ -1118,7 +1180,7 @@
     </p:spTree>
     <p:extLst>
       <p:ext uri="{BB962C8B-B14F-4D97-AF65-F5344CB8AC3E}">
-        <p14:creationId xmlns:p14="http://schemas.microsoft.com/office/powerpoint/2010/main" val="4234280221"/>
+        <p14:creationId xmlns:p14="http://schemas.microsoft.com/office/powerpoint/2010/main" val="1487852166"/>
       </p:ext>
     </p:extLst>
   </p:cSld>
@@ -1198,6 +1260,9 @@
           <a:p>
             <a:endParaRPr lang="ko-KR" altLang="en-US" dirty="0"/>
           </a:p>
+          <a:p>
+            <a:endParaRPr lang="ko-KR" altLang="en-US" dirty="0"/>
+          </a:p>
         </p:txBody>
       </p:sp>
       <p:sp>
@@ -1226,7 +1291,7 @@
     </p:spTree>
     <p:extLst>
       <p:ext uri="{BB962C8B-B14F-4D97-AF65-F5344CB8AC3E}">
-        <p14:creationId xmlns:p14="http://schemas.microsoft.com/office/powerpoint/2010/main" val="3277542341"/>
+        <p14:creationId xmlns:p14="http://schemas.microsoft.com/office/powerpoint/2010/main" val="4234280221"/>
       </p:ext>
     </p:extLst>
   </p:cSld>
@@ -1334,7 +1399,7 @@
     </p:spTree>
     <p:extLst>
       <p:ext uri="{BB962C8B-B14F-4D97-AF65-F5344CB8AC3E}">
-        <p14:creationId xmlns:p14="http://schemas.microsoft.com/office/powerpoint/2010/main" val="711147641"/>
+        <p14:creationId xmlns:p14="http://schemas.microsoft.com/office/powerpoint/2010/main" val="3277542341"/>
       </p:ext>
     </p:extLst>
   </p:cSld>
@@ -1388,10 +1453,30 @@
           <a:bodyPr/>
           <a:lstStyle/>
           <a:p>
+            <a:pPr marL="0" marR="0" lvl="0" indent="0" algn="l" defTabSz="914400" rtl="0" eaLnBrk="1" fontAlgn="auto" latinLnBrk="1" hangingPunct="1">
+              <a:lnSpc>
+                <a:spcPct val="100000"/>
+              </a:lnSpc>
+              <a:spcBef>
+                <a:spcPts val="0"/>
+              </a:spcBef>
+              <a:spcAft>
+                <a:spcPts val="0"/>
+              </a:spcAft>
+              <a:buClrTx/>
+              <a:buSzTx/>
+              <a:buFontTx/>
+              <a:buNone/>
+              <a:tabLst/>
+              <a:defRPr/>
+            </a:pPr>
             <a:r>
               <a:rPr lang="en-US" altLang="ko-KR" dirty="0"/>
-              <a:t>https://itisguide.tistory.com/4</a:t>
-            </a:r>
+              <a:t>https://devbong.tistory.com/34</a:t>
+            </a:r>
+            <a:endParaRPr lang="ko-KR" altLang="en-US" dirty="0"/>
+          </a:p>
+          <a:p>
             <a:endParaRPr lang="ko-KR" altLang="en-US" dirty="0"/>
           </a:p>
         </p:txBody>
@@ -1422,7 +1507,7 @@
     </p:spTree>
     <p:extLst>
       <p:ext uri="{BB962C8B-B14F-4D97-AF65-F5344CB8AC3E}">
-        <p14:creationId xmlns:p14="http://schemas.microsoft.com/office/powerpoint/2010/main" val="983904519"/>
+        <p14:creationId xmlns:p14="http://schemas.microsoft.com/office/powerpoint/2010/main" val="711147641"/>
       </p:ext>
     </p:extLst>
   </p:cSld>
@@ -1573,7 +1658,7 @@
           <a:p>
             <a:fld id="{442BEE3F-2E9A-4FD8-8B8A-8619F3E161C0}" type="datetime1">
               <a:rPr lang="ko-KR" altLang="en-US" smtClean="0"/>
-              <a:t>2025-05-22</a:t>
+              <a:t>2025-05-23</a:t>
             </a:fld>
             <a:endParaRPr lang="ko-KR" altLang="en-US"/>
           </a:p>
@@ -1759,7 +1844,7 @@
           <a:p>
             <a:fld id="{2EAE422B-0E68-47B5-84BB-CA2BDA8EE46C}" type="datetime1">
               <a:rPr lang="ko-KR" altLang="en-US" smtClean="0"/>
-              <a:t>2025-05-22</a:t>
+              <a:t>2025-05-23</a:t>
             </a:fld>
             <a:endParaRPr lang="ko-KR" altLang="en-US"/>
           </a:p>
@@ -1967,7 +2052,7 @@
           <a:p>
             <a:fld id="{AF7C623F-179B-417F-99B6-50F6DF228D4B}" type="datetime1">
               <a:rPr lang="ko-KR" altLang="en-US" smtClean="0"/>
-              <a:t>2025-05-22</a:t>
+              <a:t>2025-05-23</a:t>
             </a:fld>
             <a:endParaRPr lang="ko-KR" altLang="en-US"/>
           </a:p>
@@ -2209,7 +2294,7 @@
           <a:p>
             <a:fld id="{0F78D9C4-20C1-4B15-A116-16DC77AD9A1E}" type="datetime1">
               <a:rPr lang="ko-KR" altLang="en-US" smtClean="0"/>
-              <a:t>2025-05-22</a:t>
+              <a:t>2025-05-23</a:t>
             </a:fld>
             <a:endParaRPr lang="ko-KR" altLang="en-US"/>
           </a:p>
@@ -2484,7 +2569,7 @@
           <a:p>
             <a:fld id="{C7F43723-C509-4DEA-8428-B50818F79709}" type="datetime1">
               <a:rPr lang="ko-KR" altLang="en-US" smtClean="0"/>
-              <a:t>2025-05-22</a:t>
+              <a:t>2025-05-23</a:t>
             </a:fld>
             <a:endParaRPr lang="ko-KR" altLang="en-US"/>
           </a:p>
@@ -2749,7 +2834,7 @@
           <a:p>
             <a:fld id="{5D2B7482-EE74-4DBD-97F4-D0DAC0C0E4E5}" type="datetime1">
               <a:rPr lang="ko-KR" altLang="en-US" smtClean="0"/>
-              <a:t>2025-05-22</a:t>
+              <a:t>2025-05-23</a:t>
             </a:fld>
             <a:endParaRPr lang="ko-KR" altLang="en-US"/>
           </a:p>
@@ -3162,7 +3247,7 @@
           <a:p>
             <a:fld id="{051A8C49-CED7-4A86-9B4A-621D7F62EE92}" type="datetime1">
               <a:rPr lang="ko-KR" altLang="en-US" smtClean="0"/>
-              <a:t>2025-05-22</a:t>
+              <a:t>2025-05-23</a:t>
             </a:fld>
             <a:endParaRPr lang="ko-KR" altLang="en-US"/>
           </a:p>
@@ -3309,7 +3394,7 @@
           <a:p>
             <a:fld id="{84082D76-7079-412D-848B-E1B9E7A6A286}" type="datetime1">
               <a:rPr lang="ko-KR" altLang="en-US" smtClean="0"/>
-              <a:t>2025-05-22</a:t>
+              <a:t>2025-05-23</a:t>
             </a:fld>
             <a:endParaRPr lang="ko-KR" altLang="en-US"/>
           </a:p>
@@ -3422,7 +3507,7 @@
           <a:p>
             <a:fld id="{10C5FEB5-5F88-4F49-9108-1795E314F09F}" type="datetime1">
               <a:rPr lang="ko-KR" altLang="en-US" smtClean="0"/>
-              <a:t>2025-05-22</a:t>
+              <a:t>2025-05-23</a:t>
             </a:fld>
             <a:endParaRPr lang="ko-KR" altLang="en-US"/>
           </a:p>
@@ -3733,7 +3818,7 @@
           <a:p>
             <a:fld id="{E37ABBEE-D8D4-48AD-9887-4DC578B8A684}" type="datetime1">
               <a:rPr lang="ko-KR" altLang="en-US" smtClean="0"/>
-              <a:t>2025-05-22</a:t>
+              <a:t>2025-05-23</a:t>
             </a:fld>
             <a:endParaRPr lang="ko-KR" altLang="en-US"/>
           </a:p>
@@ -4024,7 +4109,7 @@
           <a:p>
             <a:fld id="{A2D6A55C-F3DD-45DD-9D50-F8680410167D}" type="datetime1">
               <a:rPr lang="ko-KR" altLang="en-US" smtClean="0"/>
-              <a:t>2025-05-22</a:t>
+              <a:t>2025-05-23</a:t>
             </a:fld>
             <a:endParaRPr lang="ko-KR" altLang="en-US"/>
           </a:p>
@@ -4268,7 +4353,7 @@
             <a:fld id="{7F5E23C3-0E3D-4E4E-8486-D7FB4C073DC1}" type="datetime1">
               <a:rPr lang="ko-KR" altLang="en-US" smtClean="0"/>
               <a:pPr/>
-              <a:t>2025-05-22</a:t>
+              <a:t>2025-05-23</a:t>
             </a:fld>
             <a:endParaRPr lang="ko-KR" altLang="en-US" dirty="0"/>
           </a:p>
@@ -4806,7 +4891,7 @@
           <a:p>
             <a:fld id="{2E2BEDFA-D8AA-4914-9440-7DF713C99FA9}" type="datetime1">
               <a:rPr lang="ko-KR" altLang="en-US" smtClean="0"/>
-              <a:t>2025-05-22</a:t>
+              <a:t>2025-05-23</a:t>
             </a:fld>
             <a:endParaRPr lang="ko-KR" altLang="en-US"/>
           </a:p>
@@ -4876,137 +4961,39 @@
           <p:cNvPr id="2" name="제목 1">
             <a:extLst>
               <a:ext uri="{FF2B5EF4-FFF2-40B4-BE49-F238E27FC236}">
-                <a16:creationId xmlns:a16="http://schemas.microsoft.com/office/drawing/2014/main" id="{E25D0C86-D95A-2B20-471F-DC46DDDBE765}"/>
-              </a:ext>
-            </a:extLst>
-          </p:cNvPr>
-          <p:cNvSpPr>
-            <a:spLocks noGrp="1"/>
-          </p:cNvSpPr>
-          <p:nvPr>
-            <p:ph type="title"/>
-          </p:nvPr>
-        </p:nvSpPr>
-        <p:spPr/>
-        <p:txBody>
-          <a:bodyPr/>
-          <a:lstStyle/>
-          <a:p>
-            <a:r>
-              <a:rPr lang="en-US" altLang="ko-KR" dirty="0"/>
-              <a:t>SW </a:t>
-            </a:r>
-            <a:r>
-              <a:rPr lang="ko-KR" altLang="en-US" dirty="0"/>
+                <a16:creationId xmlns:a16="http://schemas.microsoft.com/office/drawing/2014/main" id="{5CB49C79-8DE4-4842-D1E6-927CDD6D4464}"/>
+              </a:ext>
+            </a:extLst>
+          </p:cNvPr>
+          <p:cNvSpPr>
+            <a:spLocks noGrp="1"/>
+          </p:cNvSpPr>
+          <p:nvPr>
+            <p:ph type="ctrTitle"/>
+          </p:nvPr>
+        </p:nvSpPr>
+        <p:spPr>
+          <a:xfrm>
+            <a:off x="2958595" y="2816157"/>
+            <a:ext cx="6060801" cy="974422"/>
+          </a:xfrm>
+        </p:spPr>
+        <p:txBody>
+          <a:bodyPr>
+            <a:noAutofit/>
+          </a:bodyPr>
+          <a:lstStyle/>
+          <a:p>
+            <a:pPr>
+              <a:lnSpc>
+                <a:spcPct val="150000"/>
+              </a:lnSpc>
+            </a:pPr>
+            <a:r>
+              <a:rPr lang="ko-KR" altLang="en-US" dirty="0" smtClean="0"/>
               <a:t>디자인 패턴</a:t>
             </a:r>
-          </a:p>
-        </p:txBody>
-      </p:sp>
-      <p:sp>
-        <p:nvSpPr>
-          <p:cNvPr id="3" name="내용 개체 틀 2">
-            <a:extLst>
-              <a:ext uri="{FF2B5EF4-FFF2-40B4-BE49-F238E27FC236}">
-                <a16:creationId xmlns:a16="http://schemas.microsoft.com/office/drawing/2014/main" id="{C637BFCD-7ABF-A996-5D56-7ADB2E33BC19}"/>
-              </a:ext>
-            </a:extLst>
-          </p:cNvPr>
-          <p:cNvSpPr>
-            <a:spLocks noGrp="1"/>
-          </p:cNvSpPr>
-          <p:nvPr>
-            <p:ph idx="1"/>
-          </p:nvPr>
-        </p:nvSpPr>
-        <p:spPr/>
-        <p:txBody>
-          <a:bodyPr/>
-          <a:lstStyle/>
-          <a:p>
-            <a:r>
-              <a:rPr lang="ko-KR" altLang="en-US" dirty="0"/>
-              <a:t>소프트웨어 개발에 있어 발생하는 문제들에 대한 일반적인 해결책</a:t>
-            </a:r>
-            <a:endParaRPr lang="en-US" altLang="ko-KR" dirty="0"/>
-          </a:p>
-          <a:p>
-            <a:r>
-              <a:rPr lang="ko-KR" altLang="en-US" dirty="0"/>
-              <a:t>특정 문맥</a:t>
-            </a:r>
-            <a:r>
-              <a:rPr lang="en-US" altLang="ko-KR" dirty="0"/>
-              <a:t>(</a:t>
-            </a:r>
-            <a:r>
-              <a:rPr lang="ko-KR" altLang="en-US" dirty="0"/>
-              <a:t>소스코드 구조</a:t>
-            </a:r>
-            <a:r>
-              <a:rPr lang="en-US" altLang="ko-KR" dirty="0"/>
-              <a:t>)</a:t>
-            </a:r>
-            <a:r>
-              <a:rPr lang="ko-KR" altLang="en-US" dirty="0"/>
-              <a:t>에서 발생하는 설계 문제를 해결</a:t>
-            </a:r>
-            <a:endParaRPr lang="en-US" altLang="ko-KR" dirty="0"/>
-          </a:p>
-          <a:p>
-            <a:r>
-              <a:rPr lang="ko-KR" altLang="en-US" dirty="0"/>
-              <a:t>설계 과정에 대한 가이드 또는 지침</a:t>
-            </a:r>
-            <a:endParaRPr lang="en-US" altLang="ko-KR" dirty="0"/>
-          </a:p>
-          <a:p>
-            <a:endParaRPr lang="en-US" altLang="ko-KR" dirty="0"/>
-          </a:p>
-          <a:p>
-            <a:r>
-              <a:rPr lang="ko-KR" altLang="en-US" dirty="0"/>
-              <a:t>즉</a:t>
-            </a:r>
-            <a:r>
-              <a:rPr lang="en-US" altLang="ko-KR" dirty="0"/>
-              <a:t>, </a:t>
-            </a:r>
-            <a:r>
-              <a:rPr lang="ko-KR" altLang="en-US" dirty="0"/>
-              <a:t>자주 발생하는 문제들에 대해 미리 특정한 패턴을 만들어둔 것 </a:t>
-            </a:r>
-            <a:endParaRPr lang="en-US" altLang="ko-KR" dirty="0"/>
-          </a:p>
-          <a:p>
-            <a:r>
-              <a:rPr lang="ko-KR" altLang="en-US" dirty="0"/>
-              <a:t>주로 클래스 정의</a:t>
-            </a:r>
-            <a:r>
-              <a:rPr lang="en-US" altLang="ko-KR" dirty="0"/>
-              <a:t>, </a:t>
-            </a:r>
-            <a:r>
-              <a:rPr lang="ko-KR" altLang="en-US" dirty="0"/>
-              <a:t>클래스 설계</a:t>
-            </a:r>
-            <a:r>
-              <a:rPr lang="en-US" altLang="ko-KR" dirty="0"/>
-              <a:t>, </a:t>
-            </a:r>
-            <a:r>
-              <a:rPr lang="ko-KR" altLang="en-US" dirty="0"/>
-              <a:t>상속 관계</a:t>
-            </a:r>
-            <a:r>
-              <a:rPr lang="en-US" altLang="ko-KR" dirty="0"/>
-              <a:t> </a:t>
-            </a:r>
-            <a:r>
-              <a:rPr lang="ko-KR" altLang="en-US" dirty="0"/>
-              <a:t>등에 있어서 특정한 소스 코드 작성 방식을 말함</a:t>
-            </a:r>
+            <a:endParaRPr lang="ko-KR" altLang="en-US" dirty="0"/>
           </a:p>
         </p:txBody>
       </p:sp>
@@ -5015,7 +5002,7 @@
           <p:cNvPr id="4" name="날짜 개체 틀 3">
             <a:extLst>
               <a:ext uri="{FF2B5EF4-FFF2-40B4-BE49-F238E27FC236}">
-                <a16:creationId xmlns:a16="http://schemas.microsoft.com/office/drawing/2014/main" id="{1A8E54F8-35BD-8A3B-CA0C-D795B3D9C230}"/>
+                <a16:creationId xmlns:a16="http://schemas.microsoft.com/office/drawing/2014/main" id="{20223B3B-2FCF-58AF-BC81-E9824EB6B19E}"/>
               </a:ext>
             </a:extLst>
           </p:cNvPr>
@@ -5031,9 +5018,9 @@
           <a:bodyPr/>
           <a:lstStyle/>
           <a:p>
-            <a:fld id="{0F78D9C4-20C1-4B15-A116-16DC77AD9A1E}" type="datetime1">
+            <a:fld id="{2E2BEDFA-D8AA-4914-9440-7DF713C99FA9}" type="datetime1">
               <a:rPr lang="ko-KR" altLang="en-US" smtClean="0"/>
-              <a:t>2025-05-22</a:t>
+              <a:t>2025-05-23</a:t>
             </a:fld>
             <a:endParaRPr lang="ko-KR" altLang="en-US"/>
           </a:p>
@@ -5041,10 +5028,10 @@
       </p:sp>
       <p:sp>
         <p:nvSpPr>
-          <p:cNvPr id="5" name="슬라이드 번호 개체 틀 4">
-            <a:extLst>
-              <a:ext uri="{FF2B5EF4-FFF2-40B4-BE49-F238E27FC236}">
-                <a16:creationId xmlns:a16="http://schemas.microsoft.com/office/drawing/2014/main" id="{D1355E91-E4A6-A012-02A9-E599C06DB8C7}"/>
+          <p:cNvPr id="6" name="슬라이드 번호 개체 틀 5">
+            <a:extLst>
+              <a:ext uri="{FF2B5EF4-FFF2-40B4-BE49-F238E27FC236}">
+                <a16:creationId xmlns:a16="http://schemas.microsoft.com/office/drawing/2014/main" id="{AC7112DC-52CD-A148-06F6-6813E1A67427}"/>
               </a:ext>
             </a:extLst>
           </p:cNvPr>
@@ -5071,7 +5058,7 @@
     </p:spTree>
     <p:extLst>
       <p:ext uri="{BB962C8B-B14F-4D97-AF65-F5344CB8AC3E}">
-        <p14:creationId xmlns:p14="http://schemas.microsoft.com/office/powerpoint/2010/main" val="3980907170"/>
+        <p14:creationId xmlns:p14="http://schemas.microsoft.com/office/powerpoint/2010/main" val="1743899618"/>
       </p:ext>
     </p:extLst>
   </p:cSld>
@@ -5103,7 +5090,7 @@
           <p:cNvPr id="2" name="제목 1">
             <a:extLst>
               <a:ext uri="{FF2B5EF4-FFF2-40B4-BE49-F238E27FC236}">
-                <a16:creationId xmlns:a16="http://schemas.microsoft.com/office/drawing/2014/main" id="{61D38B02-F364-386E-B2BA-0C5AE68CAE53}"/>
+                <a16:creationId xmlns:a16="http://schemas.microsoft.com/office/drawing/2014/main" id="{E25D0C86-D95A-2B20-471F-DC46DDDBE765}"/>
               </a:ext>
             </a:extLst>
           </p:cNvPr>
@@ -5135,7 +5122,7 @@
           <p:cNvPr id="3" name="내용 개체 틀 2">
             <a:extLst>
               <a:ext uri="{FF2B5EF4-FFF2-40B4-BE49-F238E27FC236}">
-                <a16:creationId xmlns:a16="http://schemas.microsoft.com/office/drawing/2014/main" id="{7CD3EA6F-1C78-E45D-A694-B7D7AB22594D}"/>
+                <a16:creationId xmlns:a16="http://schemas.microsoft.com/office/drawing/2014/main" id="{C637BFCD-7ABF-A996-5D56-7ADB2E33BC19}"/>
               </a:ext>
             </a:extLst>
           </p:cNvPr>
@@ -5148,14 +5135,19 @@
         </p:nvSpPr>
         <p:spPr/>
         <p:txBody>
-          <a:bodyPr>
-            <a:normAutofit lnSpcReduction="10000"/>
-          </a:bodyPr>
+          <a:bodyPr/>
           <a:lstStyle/>
           <a:p>
             <a:r>
               <a:rPr lang="ko-KR" altLang="en-US" dirty="0"/>
-              <a:t>다양한 상황에 대한 해결 방법</a:t>
+              <a:t>소프트웨어 개발에 있어 발생하는 문제들에 대한 일반적인 해결책</a:t>
+            </a:r>
+            <a:endParaRPr lang="en-US" altLang="ko-KR" dirty="0"/>
+          </a:p>
+          <a:p>
+            <a:r>
+              <a:rPr lang="ko-KR" altLang="en-US" dirty="0"/>
+              <a:t>특정 문맥</a:t>
             </a:r>
             <a:r>
               <a:rPr lang="en-US" altLang="ko-KR" dirty="0"/>
@@ -5163,7 +5155,7 @@
             </a:r>
             <a:r>
               <a:rPr lang="ko-KR" altLang="en-US" dirty="0"/>
-              <a:t>디자인 패턴</a:t>
+              <a:t>소스코드 구조</a:t>
             </a:r>
             <a:r>
               <a:rPr lang="en-US" altLang="ko-KR" dirty="0"/>
@@ -5171,71 +5163,24 @@
             </a:r>
             <a:r>
               <a:rPr lang="ko-KR" altLang="en-US" dirty="0"/>
-              <a:t>이 있음</a:t>
+              <a:t>에서 발생하는 설계 문제를 해결</a:t>
             </a:r>
             <a:endParaRPr lang="en-US" altLang="ko-KR" dirty="0"/>
           </a:p>
           <a:p>
-            <a:pPr lvl="1"/>
-            <a:r>
-              <a:rPr lang="en-US" altLang="ko-KR" dirty="0">
-                <a:solidFill>
-                  <a:srgbClr val="00B050"/>
-                </a:solidFill>
-              </a:rPr>
-              <a:t>Singleton</a:t>
-            </a:r>
-            <a:r>
-              <a:rPr lang="en-US" altLang="ko-KR" dirty="0"/>
-              <a:t>: </a:t>
-            </a:r>
             <a:r>
               <a:rPr lang="ko-KR" altLang="en-US" dirty="0"/>
-              <a:t>한 클래스의 인스턴스가 오직 하나만 존재하도록 보장</a:t>
+              <a:t>설계 과정에 대한 가이드 또는 지침</a:t>
             </a:r>
             <a:endParaRPr lang="en-US" altLang="ko-KR" dirty="0"/>
           </a:p>
           <a:p>
-            <a:pPr lvl="1"/>
-            <a:r>
-              <a:rPr lang="en-US" altLang="ko-KR" dirty="0"/>
-              <a:t>Prototype:</a:t>
-            </a:r>
+            <a:endParaRPr lang="en-US" altLang="ko-KR" dirty="0"/>
+          </a:p>
+          <a:p>
             <a:r>
               <a:rPr lang="ko-KR" altLang="en-US" dirty="0"/>
-              <a:t> 기존 객체를 복제하여 새로운 객체를 생성</a:t>
-            </a:r>
-            <a:endParaRPr lang="en-US" altLang="ko-KR" dirty="0"/>
-          </a:p>
-          <a:p>
-            <a:pPr lvl="1"/>
-            <a:r>
-              <a:rPr lang="en-US" altLang="ko-KR" dirty="0"/>
-              <a:t>Adapter: </a:t>
-            </a:r>
-            <a:r>
-              <a:rPr lang="ko-KR" altLang="en-US" dirty="0"/>
-              <a:t>호환되지 않는 인터페이스를 가진 클래스들이 함께 작동할 수 있도록 함</a:t>
-            </a:r>
-            <a:endParaRPr lang="en-US" altLang="ko-KR" dirty="0"/>
-          </a:p>
-          <a:p>
-            <a:pPr lvl="1"/>
-            <a:r>
-              <a:rPr lang="en-US" altLang="ko-KR" dirty="0"/>
-              <a:t>Bridge: </a:t>
-            </a:r>
-            <a:r>
-              <a:rPr lang="ko-KR" altLang="en-US" dirty="0"/>
-              <a:t>추상화</a:t>
-            </a:r>
-            <a:r>
-              <a:rPr lang="en-US" altLang="ko-KR" dirty="0"/>
-              <a:t>(Abstract)</a:t>
-            </a:r>
-            <a:r>
-              <a:rPr lang="ko-KR" altLang="en-US" dirty="0"/>
-              <a:t>와 구현을 분리하여</a:t>
+              <a:t>즉</a:t>
             </a:r>
             <a:r>
               <a:rPr lang="en-US" altLang="ko-KR" dirty="0"/>
@@ -5243,76 +5188,39 @@
             </a:r>
             <a:r>
               <a:rPr lang="ko-KR" altLang="en-US" dirty="0"/>
-              <a:t>독립적으로 변형될 수 있게 함</a:t>
+              <a:t>자주 발생하는 문제들에 대해 미리 특정한 패턴을 만들어둔 것 </a:t>
             </a:r>
             <a:endParaRPr lang="en-US" altLang="ko-KR" dirty="0"/>
           </a:p>
           <a:p>
-            <a:pPr lvl="1"/>
+            <a:r>
+              <a:rPr lang="ko-KR" altLang="en-US" dirty="0"/>
+              <a:t>주로 클래스 정의</a:t>
+            </a:r>
             <a:r>
               <a:rPr lang="en-US" altLang="ko-KR" dirty="0"/>
-              <a:t>Interpreter: </a:t>
+              <a:t>, </a:t>
             </a:r>
             <a:r>
               <a:rPr lang="ko-KR" altLang="en-US" dirty="0"/>
-              <a:t>주어진 언어의 문법에 대한 표현을 정의하고 문장을 해석</a:t>
-            </a:r>
-            <a:endParaRPr lang="en-US" altLang="ko-KR" dirty="0"/>
-          </a:p>
-          <a:p>
-            <a:pPr lvl="1"/>
+              <a:t>클래스 설계</a:t>
+            </a:r>
             <a:r>
               <a:rPr lang="en-US" altLang="ko-KR" dirty="0"/>
-              <a:t>State: </a:t>
+              <a:t>, </a:t>
             </a:r>
             <a:r>
               <a:rPr lang="ko-KR" altLang="en-US" dirty="0"/>
-              <a:t>객체의 내부 상태에 따라 객체의 행동을 변경</a:t>
-            </a:r>
-            <a:endParaRPr lang="en-US" altLang="ko-KR" dirty="0"/>
-          </a:p>
-          <a:p>
-            <a:pPr lvl="1"/>
+              <a:t>상속 관계</a:t>
+            </a:r>
             <a:r>
               <a:rPr lang="en-US" altLang="ko-KR" dirty="0"/>
-              <a:t>Strategy: </a:t>
+              <a:t> </a:t>
             </a:r>
             <a:r>
               <a:rPr lang="ko-KR" altLang="en-US" dirty="0"/>
-              <a:t>알고리즘을 객체의 행동으로 </a:t>
-            </a:r>
-            <a:r>
-              <a:rPr lang="ko-KR" altLang="en-US" dirty="0" err="1"/>
-              <a:t>캡슐화하여</a:t>
-            </a:r>
-            <a:r>
-              <a:rPr lang="ko-KR" altLang="en-US" dirty="0"/>
-              <a:t> 동일한 기능을 하는 다른 알고리즘으로 교체할 수 있게 함</a:t>
-            </a:r>
-            <a:endParaRPr lang="en-US" altLang="ko-KR" dirty="0"/>
-          </a:p>
-          <a:p>
-            <a:pPr lvl="1"/>
-            <a:r>
-              <a:rPr lang="en-US" altLang="ko-KR" dirty="0"/>
-              <a:t>Iterator: </a:t>
-            </a:r>
-            <a:r>
-              <a:rPr lang="ko-KR" altLang="en-US" dirty="0"/>
-              <a:t>컬렉션 내의 요소를 순차적으로 접근하는 방법을 제공</a:t>
-            </a:r>
-            <a:endParaRPr lang="en-US" altLang="ko-KR" dirty="0"/>
-          </a:p>
-          <a:p>
-            <a:pPr lvl="1"/>
-            <a:r>
-              <a:rPr lang="en-US" altLang="ko-KR" dirty="0"/>
-              <a:t>...</a:t>
-            </a:r>
-          </a:p>
-          <a:p>
-            <a:pPr lvl="1"/>
-            <a:endParaRPr lang="ko-KR" altLang="en-US" dirty="0"/>
+              <a:t>등에 있어서 특정한 소스 코드 작성 방식을 말함</a:t>
+            </a:r>
           </a:p>
         </p:txBody>
       </p:sp>
@@ -5321,7 +5229,7 @@
           <p:cNvPr id="4" name="날짜 개체 틀 3">
             <a:extLst>
               <a:ext uri="{FF2B5EF4-FFF2-40B4-BE49-F238E27FC236}">
-                <a16:creationId xmlns:a16="http://schemas.microsoft.com/office/drawing/2014/main" id="{D92842D5-8D65-4182-449D-5EE6395D4223}"/>
+                <a16:creationId xmlns:a16="http://schemas.microsoft.com/office/drawing/2014/main" id="{1A8E54F8-35BD-8A3B-CA0C-D795B3D9C230}"/>
               </a:ext>
             </a:extLst>
           </p:cNvPr>
@@ -5339,7 +5247,7 @@
           <a:p>
             <a:fld id="{0F78D9C4-20C1-4B15-A116-16DC77AD9A1E}" type="datetime1">
               <a:rPr lang="ko-KR" altLang="en-US" smtClean="0"/>
-              <a:t>2025-05-22</a:t>
+              <a:t>2025-05-23</a:t>
             </a:fld>
             <a:endParaRPr lang="ko-KR" altLang="en-US"/>
           </a:p>
@@ -5350,7 +5258,7 @@
           <p:cNvPr id="5" name="슬라이드 번호 개체 틀 4">
             <a:extLst>
               <a:ext uri="{FF2B5EF4-FFF2-40B4-BE49-F238E27FC236}">
-                <a16:creationId xmlns:a16="http://schemas.microsoft.com/office/drawing/2014/main" id="{CA50545B-E805-FC27-89DE-0CF6B963ADAA}"/>
+                <a16:creationId xmlns:a16="http://schemas.microsoft.com/office/drawing/2014/main" id="{D1355E91-E4A6-A012-02A9-E599C06DB8C7}"/>
               </a:ext>
             </a:extLst>
           </p:cNvPr>
@@ -5377,7 +5285,7 @@
     </p:spTree>
     <p:extLst>
       <p:ext uri="{BB962C8B-B14F-4D97-AF65-F5344CB8AC3E}">
-        <p14:creationId xmlns:p14="http://schemas.microsoft.com/office/powerpoint/2010/main" val="1658821868"/>
+        <p14:creationId xmlns:p14="http://schemas.microsoft.com/office/powerpoint/2010/main" val="3980907170"/>
       </p:ext>
     </p:extLst>
   </p:cSld>
@@ -5409,7 +5317,7 @@
           <p:cNvPr id="2" name="제목 1">
             <a:extLst>
               <a:ext uri="{FF2B5EF4-FFF2-40B4-BE49-F238E27FC236}">
-                <a16:creationId xmlns:a16="http://schemas.microsoft.com/office/drawing/2014/main" id="{F158C4E9-5278-CBA7-8BF1-1AFAFCEAECD2}"/>
+                <a16:creationId xmlns:a16="http://schemas.microsoft.com/office/drawing/2014/main" id="{61D38B02-F364-386E-B2BA-0C5AE68CAE53}"/>
               </a:ext>
             </a:extLst>
           </p:cNvPr>
@@ -5427,11 +5335,11 @@
           <a:p>
             <a:r>
               <a:rPr lang="en-US" altLang="ko-KR" dirty="0"/>
-              <a:t>Singleton </a:t>
+              <a:t>SW </a:t>
             </a:r>
             <a:r>
               <a:rPr lang="ko-KR" altLang="en-US" dirty="0"/>
-              <a:t>패턴</a:t>
+              <a:t>디자인 패턴</a:t>
             </a:r>
           </a:p>
         </p:txBody>
@@ -5441,7 +5349,7 @@
           <p:cNvPr id="3" name="내용 개체 틀 2">
             <a:extLst>
               <a:ext uri="{FF2B5EF4-FFF2-40B4-BE49-F238E27FC236}">
-                <a16:creationId xmlns:a16="http://schemas.microsoft.com/office/drawing/2014/main" id="{6F3F0FBC-FE39-DD3B-5B60-63E7BF0D8511}"/>
+                <a16:creationId xmlns:a16="http://schemas.microsoft.com/office/drawing/2014/main" id="{7CD3EA6F-1C78-E45D-A694-B7D7AB22594D}"/>
               </a:ext>
             </a:extLst>
           </p:cNvPr>
@@ -5454,37 +5362,171 @@
         </p:nvSpPr>
         <p:spPr/>
         <p:txBody>
-          <a:bodyPr/>
+          <a:bodyPr>
+            <a:normAutofit lnSpcReduction="10000"/>
+          </a:bodyPr>
           <a:lstStyle/>
           <a:p>
             <a:r>
               <a:rPr lang="ko-KR" altLang="en-US" dirty="0"/>
-              <a:t>클래스의 인스턴스가 프로그램 전체에서 오직 하나만 존재해야 할 때 사용</a:t>
+              <a:t>다양한 상황에 대한 해결 방법</a:t>
+            </a:r>
+            <a:r>
+              <a:rPr lang="en-US" altLang="ko-KR" dirty="0"/>
+              <a:t>(</a:t>
+            </a:r>
+            <a:r>
+              <a:rPr lang="ko-KR" altLang="en-US" dirty="0"/>
+              <a:t>디자인 패턴</a:t>
+            </a:r>
+            <a:r>
+              <a:rPr lang="en-US" altLang="ko-KR" dirty="0"/>
+              <a:t>)</a:t>
+            </a:r>
+            <a:r>
+              <a:rPr lang="ko-KR" altLang="en-US" dirty="0"/>
+              <a:t>이 있음</a:t>
             </a:r>
             <a:endParaRPr lang="en-US" altLang="ko-KR" dirty="0"/>
           </a:p>
           <a:p>
             <a:pPr lvl="1"/>
             <a:r>
+              <a:rPr lang="en-US" altLang="ko-KR" dirty="0">
+                <a:solidFill>
+                  <a:srgbClr val="00B050"/>
+                </a:solidFill>
+              </a:rPr>
+              <a:t>Singleton</a:t>
+            </a:r>
+            <a:r>
+              <a:rPr lang="en-US" altLang="ko-KR" dirty="0"/>
+              <a:t>: </a:t>
+            </a:r>
+            <a:r>
               <a:rPr lang="ko-KR" altLang="en-US" dirty="0"/>
-              <a:t>예</a:t>
-            </a:r>
+              <a:t>한 클래스의 인스턴스가 오직 하나만 존재하도록 보장</a:t>
+            </a:r>
+            <a:endParaRPr lang="en-US" altLang="ko-KR" dirty="0"/>
+          </a:p>
+          <a:p>
+            <a:pPr lvl="1"/>
             <a:r>
               <a:rPr lang="en-US" altLang="ko-KR" dirty="0"/>
-              <a:t>) </a:t>
+              <a:t>Prototype:</a:t>
             </a:r>
             <a:r>
               <a:rPr lang="ko-KR" altLang="en-US" dirty="0"/>
-              <a:t>게임 점수 및 승패를 결정하는 </a:t>
-            </a:r>
-            <a:r>
-              <a:rPr lang="en-US" altLang="ko-KR" dirty="0" err="1"/>
-              <a:t>GameManager</a:t>
+              <a:t> 기존 객체를 복제하여 새로운 객체를 생성</a:t>
+            </a:r>
+            <a:endParaRPr lang="en-US" altLang="ko-KR" dirty="0"/>
+          </a:p>
+          <a:p>
+            <a:pPr lvl="1"/>
+            <a:r>
+              <a:rPr lang="en-US" altLang="ko-KR" dirty="0"/>
+              <a:t>Adapter: </a:t>
             </a:r>
             <a:r>
               <a:rPr lang="ko-KR" altLang="en-US" dirty="0"/>
-              <a:t> 클래스</a:t>
-            </a:r>
+              <a:t>호환되지 않는 인터페이스를 가진 클래스들이 함께 작동할 수 있도록 함</a:t>
+            </a:r>
+            <a:endParaRPr lang="en-US" altLang="ko-KR" dirty="0"/>
+          </a:p>
+          <a:p>
+            <a:pPr lvl="1"/>
+            <a:r>
+              <a:rPr lang="en-US" altLang="ko-KR" dirty="0"/>
+              <a:t>Bridge: </a:t>
+            </a:r>
+            <a:r>
+              <a:rPr lang="ko-KR" altLang="en-US" dirty="0"/>
+              <a:t>추상화</a:t>
+            </a:r>
+            <a:r>
+              <a:rPr lang="en-US" altLang="ko-KR" dirty="0"/>
+              <a:t>(Abstract)</a:t>
+            </a:r>
+            <a:r>
+              <a:rPr lang="ko-KR" altLang="en-US" dirty="0"/>
+              <a:t>와 구현을 분리하여</a:t>
+            </a:r>
+            <a:r>
+              <a:rPr lang="en-US" altLang="ko-KR" dirty="0"/>
+              <a:t>, </a:t>
+            </a:r>
+            <a:r>
+              <a:rPr lang="ko-KR" altLang="en-US" dirty="0"/>
+              <a:t>독립적으로 변형될 수 있게 함</a:t>
+            </a:r>
+            <a:endParaRPr lang="en-US" altLang="ko-KR" dirty="0"/>
+          </a:p>
+          <a:p>
+            <a:pPr lvl="1"/>
+            <a:r>
+              <a:rPr lang="en-US" altLang="ko-KR" dirty="0"/>
+              <a:t>Interpreter: </a:t>
+            </a:r>
+            <a:r>
+              <a:rPr lang="ko-KR" altLang="en-US" dirty="0"/>
+              <a:t>주어진 언어의 문법에 대한 표현을 정의하고 문장을 해석</a:t>
+            </a:r>
+            <a:endParaRPr lang="en-US" altLang="ko-KR" dirty="0"/>
+          </a:p>
+          <a:p>
+            <a:pPr lvl="1"/>
+            <a:r>
+              <a:rPr lang="en-US" altLang="ko-KR" dirty="0"/>
+              <a:t>State: </a:t>
+            </a:r>
+            <a:r>
+              <a:rPr lang="ko-KR" altLang="en-US" dirty="0"/>
+              <a:t>객체의 내부 상태에 따라 객체의 행동을 변경</a:t>
+            </a:r>
+            <a:endParaRPr lang="en-US" altLang="ko-KR" dirty="0"/>
+          </a:p>
+          <a:p>
+            <a:pPr lvl="1"/>
+            <a:r>
+              <a:rPr lang="en-US" altLang="ko-KR" dirty="0"/>
+              <a:t>Strategy: </a:t>
+            </a:r>
+            <a:r>
+              <a:rPr lang="ko-KR" altLang="en-US" dirty="0"/>
+              <a:t>알고리즘을 객체의 행동으로 </a:t>
+            </a:r>
+            <a:r>
+              <a:rPr lang="ko-KR" altLang="en-US" dirty="0" err="1"/>
+              <a:t>캡슐화하여</a:t>
+            </a:r>
+            <a:r>
+              <a:rPr lang="ko-KR" altLang="en-US" dirty="0"/>
+              <a:t> 동일한 기능을 하는 다른 알고리즘으로 교체할 수 있게 함</a:t>
+            </a:r>
+            <a:endParaRPr lang="en-US" altLang="ko-KR" dirty="0"/>
+          </a:p>
+          <a:p>
+            <a:pPr lvl="1"/>
+            <a:r>
+              <a:rPr lang="en-US" altLang="ko-KR" dirty="0"/>
+              <a:t>Iterator: </a:t>
+            </a:r>
+            <a:r>
+              <a:rPr lang="ko-KR" altLang="en-US" dirty="0"/>
+              <a:t>컬렉션 내의 요소를 순차적으로 접근하는 방법을 제공</a:t>
+            </a:r>
+            <a:endParaRPr lang="en-US" altLang="ko-KR" dirty="0"/>
+          </a:p>
+          <a:p>
+            <a:pPr lvl="1"/>
+            <a:r>
+              <a:rPr lang="en-US" altLang="ko-KR" dirty="0"/>
+              <a:t>...</a:t>
+            </a:r>
+          </a:p>
+          <a:p>
+            <a:pPr lvl="1"/>
+            <a:endParaRPr lang="ko-KR" altLang="en-US" dirty="0"/>
           </a:p>
         </p:txBody>
       </p:sp>
@@ -5493,7 +5535,7 @@
           <p:cNvPr id="4" name="날짜 개체 틀 3">
             <a:extLst>
               <a:ext uri="{FF2B5EF4-FFF2-40B4-BE49-F238E27FC236}">
-                <a16:creationId xmlns:a16="http://schemas.microsoft.com/office/drawing/2014/main" id="{F049ADBB-5F5C-B6AE-AAEB-F6B866C08351}"/>
+                <a16:creationId xmlns:a16="http://schemas.microsoft.com/office/drawing/2014/main" id="{D92842D5-8D65-4182-449D-5EE6395D4223}"/>
               </a:ext>
             </a:extLst>
           </p:cNvPr>
@@ -5511,7 +5553,7 @@
           <a:p>
             <a:fld id="{0F78D9C4-20C1-4B15-A116-16DC77AD9A1E}" type="datetime1">
               <a:rPr lang="ko-KR" altLang="en-US" smtClean="0"/>
-              <a:t>2025-05-22</a:t>
+              <a:t>2025-05-23</a:t>
             </a:fld>
             <a:endParaRPr lang="ko-KR" altLang="en-US"/>
           </a:p>
@@ -5522,7 +5564,7 @@
           <p:cNvPr id="5" name="슬라이드 번호 개체 틀 4">
             <a:extLst>
               <a:ext uri="{FF2B5EF4-FFF2-40B4-BE49-F238E27FC236}">
-                <a16:creationId xmlns:a16="http://schemas.microsoft.com/office/drawing/2014/main" id="{0B6F1BCC-30D8-DE80-86EB-394D584311CD}"/>
+                <a16:creationId xmlns:a16="http://schemas.microsoft.com/office/drawing/2014/main" id="{CA50545B-E805-FC27-89DE-0CF6B963ADAA}"/>
               </a:ext>
             </a:extLst>
           </p:cNvPr>
@@ -5546,70 +5588,10 @@
           </a:p>
         </p:txBody>
       </p:sp>
-      <p:pic>
-        <p:nvPicPr>
-          <p:cNvPr id="7" name="그림 6">
-            <a:extLst>
-              <a:ext uri="{FF2B5EF4-FFF2-40B4-BE49-F238E27FC236}">
-                <a16:creationId xmlns:a16="http://schemas.microsoft.com/office/drawing/2014/main" id="{E1974C51-1450-9630-9D3D-F761262ADC00}"/>
-              </a:ext>
-            </a:extLst>
-          </p:cNvPr>
-          <p:cNvPicPr>
-            <a:picLocks noChangeAspect="1"/>
-          </p:cNvPicPr>
-          <p:nvPr/>
-        </p:nvPicPr>
-        <p:blipFill>
-          <a:blip r:embed="rId2"/>
-          <a:stretch>
-            <a:fillRect/>
-          </a:stretch>
-        </p:blipFill>
-        <p:spPr>
-          <a:xfrm>
-            <a:off x="324111" y="2752494"/>
-            <a:ext cx="5654195" cy="3647487"/>
-          </a:xfrm>
-          <a:prstGeom prst="rect">
-            <a:avLst/>
-          </a:prstGeom>
-        </p:spPr>
-      </p:pic>
-      <p:pic>
-        <p:nvPicPr>
-          <p:cNvPr id="9" name="그림 8">
-            <a:extLst>
-              <a:ext uri="{FF2B5EF4-FFF2-40B4-BE49-F238E27FC236}">
-                <a16:creationId xmlns:a16="http://schemas.microsoft.com/office/drawing/2014/main" id="{B5D5594C-EC71-70D4-70F7-22404D71318B}"/>
-              </a:ext>
-            </a:extLst>
-          </p:cNvPr>
-          <p:cNvPicPr>
-            <a:picLocks noChangeAspect="1"/>
-          </p:cNvPicPr>
-          <p:nvPr/>
-        </p:nvPicPr>
-        <p:blipFill>
-          <a:blip r:embed="rId3"/>
-          <a:stretch>
-            <a:fillRect/>
-          </a:stretch>
-        </p:blipFill>
-        <p:spPr>
-          <a:xfrm>
-            <a:off x="5995641" y="2763645"/>
-            <a:ext cx="6050478" cy="1919863"/>
-          </a:xfrm>
-          <a:prstGeom prst="rect">
-            <a:avLst/>
-          </a:prstGeom>
-        </p:spPr>
-      </p:pic>
     </p:spTree>
     <p:extLst>
       <p:ext uri="{BB962C8B-B14F-4D97-AF65-F5344CB8AC3E}">
-        <p14:creationId xmlns:p14="http://schemas.microsoft.com/office/powerpoint/2010/main" val="3404123429"/>
+        <p14:creationId xmlns:p14="http://schemas.microsoft.com/office/powerpoint/2010/main" val="1658821868"/>
       </p:ext>
     </p:extLst>
   </p:cSld>
@@ -5636,6 +5618,238 @@
           <a:chExt cx="0" cy="0"/>
         </a:xfrm>
       </p:grpSpPr>
+      <p:sp>
+        <p:nvSpPr>
+          <p:cNvPr id="2" name="제목 1">
+            <a:extLst>
+              <a:ext uri="{FF2B5EF4-FFF2-40B4-BE49-F238E27FC236}">
+                <a16:creationId xmlns:a16="http://schemas.microsoft.com/office/drawing/2014/main" id="{F158C4E9-5278-CBA7-8BF1-1AFAFCEAECD2}"/>
+              </a:ext>
+            </a:extLst>
+          </p:cNvPr>
+          <p:cNvSpPr>
+            <a:spLocks noGrp="1"/>
+          </p:cNvSpPr>
+          <p:nvPr>
+            <p:ph type="title"/>
+          </p:nvPr>
+        </p:nvSpPr>
+        <p:spPr/>
+        <p:txBody>
+          <a:bodyPr/>
+          <a:lstStyle/>
+          <a:p>
+            <a:r>
+              <a:rPr lang="en-US" altLang="ko-KR" dirty="0"/>
+              <a:t>Singleton </a:t>
+            </a:r>
+            <a:r>
+              <a:rPr lang="ko-KR" altLang="en-US" dirty="0"/>
+              <a:t>패턴</a:t>
+            </a:r>
+          </a:p>
+        </p:txBody>
+      </p:sp>
+      <p:sp>
+        <p:nvSpPr>
+          <p:cNvPr id="3" name="내용 개체 틀 2">
+            <a:extLst>
+              <a:ext uri="{FF2B5EF4-FFF2-40B4-BE49-F238E27FC236}">
+                <a16:creationId xmlns:a16="http://schemas.microsoft.com/office/drawing/2014/main" id="{6F3F0FBC-FE39-DD3B-5B60-63E7BF0D8511}"/>
+              </a:ext>
+            </a:extLst>
+          </p:cNvPr>
+          <p:cNvSpPr>
+            <a:spLocks noGrp="1"/>
+          </p:cNvSpPr>
+          <p:nvPr>
+            <p:ph idx="1"/>
+          </p:nvPr>
+        </p:nvSpPr>
+        <p:spPr/>
+        <p:txBody>
+          <a:bodyPr/>
+          <a:lstStyle/>
+          <a:p>
+            <a:r>
+              <a:rPr lang="ko-KR" altLang="en-US" dirty="0"/>
+              <a:t>클래스의 인스턴스가 프로그램 전체에서 오직 하나만 존재해야 할 때 사용</a:t>
+            </a:r>
+            <a:endParaRPr lang="en-US" altLang="ko-KR" dirty="0"/>
+          </a:p>
+          <a:p>
+            <a:pPr lvl="1"/>
+            <a:r>
+              <a:rPr lang="ko-KR" altLang="en-US" dirty="0"/>
+              <a:t>예</a:t>
+            </a:r>
+            <a:r>
+              <a:rPr lang="en-US" altLang="ko-KR" dirty="0"/>
+              <a:t>) </a:t>
+            </a:r>
+            <a:r>
+              <a:rPr lang="ko-KR" altLang="en-US" dirty="0"/>
+              <a:t>게임 점수 및 승패를 결정하는 </a:t>
+            </a:r>
+            <a:r>
+              <a:rPr lang="en-US" altLang="ko-KR" dirty="0" err="1"/>
+              <a:t>GameManager</a:t>
+            </a:r>
+            <a:r>
+              <a:rPr lang="ko-KR" altLang="en-US" dirty="0"/>
+              <a:t> 클래스</a:t>
+            </a:r>
+          </a:p>
+        </p:txBody>
+      </p:sp>
+      <p:sp>
+        <p:nvSpPr>
+          <p:cNvPr id="4" name="날짜 개체 틀 3">
+            <a:extLst>
+              <a:ext uri="{FF2B5EF4-FFF2-40B4-BE49-F238E27FC236}">
+                <a16:creationId xmlns:a16="http://schemas.microsoft.com/office/drawing/2014/main" id="{F049ADBB-5F5C-B6AE-AAEB-F6B866C08351}"/>
+              </a:ext>
+            </a:extLst>
+          </p:cNvPr>
+          <p:cNvSpPr>
+            <a:spLocks noGrp="1"/>
+          </p:cNvSpPr>
+          <p:nvPr>
+            <p:ph type="dt" sz="half" idx="10"/>
+          </p:nvPr>
+        </p:nvSpPr>
+        <p:spPr/>
+        <p:txBody>
+          <a:bodyPr/>
+          <a:lstStyle/>
+          <a:p>
+            <a:fld id="{0F78D9C4-20C1-4B15-A116-16DC77AD9A1E}" type="datetime1">
+              <a:rPr lang="ko-KR" altLang="en-US" smtClean="0"/>
+              <a:t>2025-05-23</a:t>
+            </a:fld>
+            <a:endParaRPr lang="ko-KR" altLang="en-US"/>
+          </a:p>
+        </p:txBody>
+      </p:sp>
+      <p:sp>
+        <p:nvSpPr>
+          <p:cNvPr id="5" name="슬라이드 번호 개체 틀 4">
+            <a:extLst>
+              <a:ext uri="{FF2B5EF4-FFF2-40B4-BE49-F238E27FC236}">
+                <a16:creationId xmlns:a16="http://schemas.microsoft.com/office/drawing/2014/main" id="{0B6F1BCC-30D8-DE80-86EB-394D584311CD}"/>
+              </a:ext>
+            </a:extLst>
+          </p:cNvPr>
+          <p:cNvSpPr>
+            <a:spLocks noGrp="1"/>
+          </p:cNvSpPr>
+          <p:nvPr>
+            <p:ph type="sldNum" sz="quarter" idx="12"/>
+          </p:nvPr>
+        </p:nvSpPr>
+        <p:spPr/>
+        <p:txBody>
+          <a:bodyPr/>
+          <a:lstStyle/>
+          <a:p>
+            <a:fld id="{083A2CE0-18CD-4102-B738-4ACFF9E68BA4}" type="slidenum">
+              <a:rPr lang="ko-KR" altLang="en-US" smtClean="0"/>
+              <a:t>13</a:t>
+            </a:fld>
+            <a:endParaRPr lang="ko-KR" altLang="en-US"/>
+          </a:p>
+        </p:txBody>
+      </p:sp>
+      <p:pic>
+        <p:nvPicPr>
+          <p:cNvPr id="7" name="그림 6">
+            <a:extLst>
+              <a:ext uri="{FF2B5EF4-FFF2-40B4-BE49-F238E27FC236}">
+                <a16:creationId xmlns:a16="http://schemas.microsoft.com/office/drawing/2014/main" id="{E1974C51-1450-9630-9D3D-F761262ADC00}"/>
+              </a:ext>
+            </a:extLst>
+          </p:cNvPr>
+          <p:cNvPicPr>
+            <a:picLocks noChangeAspect="1"/>
+          </p:cNvPicPr>
+          <p:nvPr/>
+        </p:nvPicPr>
+        <p:blipFill>
+          <a:blip r:embed="rId2"/>
+          <a:stretch>
+            <a:fillRect/>
+          </a:stretch>
+        </p:blipFill>
+        <p:spPr>
+          <a:xfrm>
+            <a:off x="441804" y="3014296"/>
+            <a:ext cx="5654195" cy="3647487"/>
+          </a:xfrm>
+          <a:prstGeom prst="rect">
+            <a:avLst/>
+          </a:prstGeom>
+        </p:spPr>
+      </p:pic>
+      <p:pic>
+        <p:nvPicPr>
+          <p:cNvPr id="9" name="그림 8">
+            <a:extLst>
+              <a:ext uri="{FF2B5EF4-FFF2-40B4-BE49-F238E27FC236}">
+                <a16:creationId xmlns:a16="http://schemas.microsoft.com/office/drawing/2014/main" id="{B5D5594C-EC71-70D4-70F7-22404D71318B}"/>
+              </a:ext>
+            </a:extLst>
+          </p:cNvPr>
+          <p:cNvPicPr>
+            <a:picLocks noChangeAspect="1"/>
+          </p:cNvPicPr>
+          <p:nvPr/>
+        </p:nvPicPr>
+        <p:blipFill>
+          <a:blip r:embed="rId3"/>
+          <a:stretch>
+            <a:fillRect/>
+          </a:stretch>
+        </p:blipFill>
+        <p:spPr>
+          <a:xfrm>
+            <a:off x="6095999" y="3041362"/>
+            <a:ext cx="6050478" cy="1919863"/>
+          </a:xfrm>
+          <a:prstGeom prst="rect">
+            <a:avLst/>
+          </a:prstGeom>
+        </p:spPr>
+      </p:pic>
+    </p:spTree>
+    <p:extLst>
+      <p:ext uri="{BB962C8B-B14F-4D97-AF65-F5344CB8AC3E}">
+        <p14:creationId xmlns:p14="http://schemas.microsoft.com/office/powerpoint/2010/main" val="3404123429"/>
+      </p:ext>
+    </p:extLst>
+  </p:cSld>
+  <p:clrMapOvr>
+    <a:masterClrMapping/>
+  </p:clrMapOvr>
+</p:sld>
+</file>
+
+<file path=ppt/slides/slide14.xml><?xml version="1.0" encoding="utf-8"?>
+<p:sld xmlns:a="http://schemas.openxmlformats.org/drawingml/2006/main" xmlns:r="http://schemas.openxmlformats.org/officeDocument/2006/relationships" xmlns:p="http://schemas.openxmlformats.org/presentationml/2006/main">
+  <p:cSld>
+    <p:spTree>
+      <p:nvGrpSpPr>
+        <p:cNvPr id="1" name=""/>
+        <p:cNvGrpSpPr/>
+        <p:nvPr/>
+      </p:nvGrpSpPr>
+      <p:grpSpPr>
+        <a:xfrm>
+          <a:off x="0" y="0"/>
+          <a:ext cx="0" cy="0"/>
+          <a:chOff x="0" y="0"/>
+          <a:chExt cx="0" cy="0"/>
+        </a:xfrm>
+      </p:grpSpPr>
       <p:pic>
         <p:nvPicPr>
           <p:cNvPr id="6" name="그림 5">
@@ -5721,7 +5935,7 @@
           <a:p>
             <a:fld id="{0F78D9C4-20C1-4B15-A116-16DC77AD9A1E}" type="datetime1">
               <a:rPr lang="ko-KR" altLang="en-US" smtClean="0"/>
-              <a:t>2025-05-22</a:t>
+              <a:t>2025-05-23</a:t>
             </a:fld>
             <a:endParaRPr lang="ko-KR" altLang="en-US"/>
           </a:p>
@@ -5750,7 +5964,7 @@
           <a:p>
             <a:fld id="{083A2CE0-18CD-4102-B738-4ACFF9E68BA4}" type="slidenum">
               <a:rPr lang="ko-KR" altLang="en-US" smtClean="0"/>
-              <a:t>13</a:t>
+              <a:t>14</a:t>
             </a:fld>
             <a:endParaRPr lang="ko-KR" altLang="en-US"/>
           </a:p>
@@ -5971,7 +6185,7 @@
 </p:sld>
 </file>
 
-<file path=ppt/slides/slide14.xml><?xml version="1.0" encoding="utf-8"?>
+<file path=ppt/slides/slide15.xml><?xml version="1.0" encoding="utf-8"?>
 <p:sld xmlns:a="http://schemas.openxmlformats.org/drawingml/2006/main" xmlns:r="http://schemas.openxmlformats.org/officeDocument/2006/relationships" xmlns:p="http://schemas.openxmlformats.org/presentationml/2006/main">
   <p:cSld>
     <p:spTree>
@@ -6079,7 +6293,7 @@
           <a:p>
             <a:fld id="{0F78D9C4-20C1-4B15-A116-16DC77AD9A1E}" type="datetime1">
               <a:rPr lang="ko-KR" altLang="en-US" smtClean="0"/>
-              <a:t>2025-05-22</a:t>
+              <a:t>2025-05-23</a:t>
             </a:fld>
             <a:endParaRPr lang="ko-KR" altLang="en-US"/>
           </a:p>
@@ -6108,7 +6322,7 @@
           <a:p>
             <a:fld id="{083A2CE0-18CD-4102-B738-4ACFF9E68BA4}" type="slidenum">
               <a:rPr lang="ko-KR" altLang="en-US" smtClean="0"/>
-              <a:t>14</a:t>
+              <a:t>15</a:t>
             </a:fld>
             <a:endParaRPr lang="ko-KR" altLang="en-US"/>
           </a:p>
@@ -6416,7 +6630,7 @@
 </p:sld>
 </file>
 
-<file path=ppt/slides/slide15.xml><?xml version="1.0" encoding="utf-8"?>
+<file path=ppt/slides/slide16.xml><?xml version="1.0" encoding="utf-8"?>
 <p:sld xmlns:a="http://schemas.openxmlformats.org/drawingml/2006/main" xmlns:r="http://schemas.openxmlformats.org/officeDocument/2006/relationships" xmlns:p="http://schemas.openxmlformats.org/presentationml/2006/main">
   <p:cSld>
     <p:spTree>
@@ -6488,7 +6702,7 @@
           <a:p>
             <a:fld id="{0F78D9C4-20C1-4B15-A116-16DC77AD9A1E}" type="datetime1">
               <a:rPr lang="ko-KR" altLang="en-US" smtClean="0"/>
-              <a:t>2025-05-22</a:t>
+              <a:t>2025-05-23</a:t>
             </a:fld>
             <a:endParaRPr lang="ko-KR" altLang="en-US"/>
           </a:p>
@@ -6517,7 +6731,7 @@
           <a:p>
             <a:fld id="{083A2CE0-18CD-4102-B738-4ACFF9E68BA4}" type="slidenum">
               <a:rPr lang="ko-KR" altLang="en-US" smtClean="0"/>
-              <a:t>15</a:t>
+              <a:t>16</a:t>
             </a:fld>
             <a:endParaRPr lang="ko-KR" altLang="en-US"/>
           </a:p>
@@ -6739,7 +6953,7 @@
 </p:sld>
 </file>
 
-<file path=ppt/slides/slide16.xml><?xml version="1.0" encoding="utf-8"?>
+<file path=ppt/slides/slide17.xml><?xml version="1.0" encoding="utf-8"?>
 <p:sld xmlns:a="http://schemas.openxmlformats.org/drawingml/2006/main" xmlns:r="http://schemas.openxmlformats.org/officeDocument/2006/relationships" xmlns:p="http://schemas.openxmlformats.org/presentationml/2006/main">
   <p:cSld>
     <p:spTree>
@@ -6811,7 +7025,7 @@
           <a:p>
             <a:fld id="{0F78D9C4-20C1-4B15-A116-16DC77AD9A1E}" type="datetime1">
               <a:rPr lang="ko-KR" altLang="en-US" smtClean="0"/>
-              <a:t>2025-05-22</a:t>
+              <a:t>2025-05-23</a:t>
             </a:fld>
             <a:endParaRPr lang="ko-KR" altLang="en-US"/>
           </a:p>
@@ -6840,7 +7054,7 @@
           <a:p>
             <a:fld id="{083A2CE0-18CD-4102-B738-4ACFF9E68BA4}" type="slidenum">
               <a:rPr lang="ko-KR" altLang="en-US" smtClean="0"/>
-              <a:t>16</a:t>
+              <a:t>17</a:t>
             </a:fld>
             <a:endParaRPr lang="ko-KR" altLang="en-US"/>
           </a:p>
@@ -7177,7 +7391,7 @@
 </p:sld>
 </file>
 
-<file path=ppt/slides/slide17.xml><?xml version="1.0" encoding="utf-8"?>
+<file path=ppt/slides/slide18.xml><?xml version="1.0" encoding="utf-8"?>
 <p:sld xmlns:a="http://schemas.openxmlformats.org/drawingml/2006/main" xmlns:r="http://schemas.openxmlformats.org/officeDocument/2006/relationships" xmlns:p="http://schemas.openxmlformats.org/presentationml/2006/main">
   <p:cSld>
     <p:spTree>
@@ -7441,7 +7655,7 @@
           <a:p>
             <a:fld id="{0F78D9C4-20C1-4B15-A116-16DC77AD9A1E}" type="datetime1">
               <a:rPr lang="ko-KR" altLang="en-US" smtClean="0"/>
-              <a:t>2025-05-22</a:t>
+              <a:t>2025-05-23</a:t>
             </a:fld>
             <a:endParaRPr lang="ko-KR" altLang="en-US"/>
           </a:p>
@@ -7470,7 +7684,7 @@
           <a:p>
             <a:fld id="{083A2CE0-18CD-4102-B738-4ACFF9E68BA4}" type="slidenum">
               <a:rPr lang="ko-KR" altLang="en-US" smtClean="0"/>
-              <a:t>17</a:t>
+              <a:t>18</a:t>
             </a:fld>
             <a:endParaRPr lang="ko-KR" altLang="en-US"/>
           </a:p>
@@ -7489,7 +7703,7 @@
 </p:sld>
 </file>
 
-<file path=ppt/slides/slide18.xml><?xml version="1.0" encoding="utf-8"?>
+<file path=ppt/slides/slide19.xml><?xml version="1.0" encoding="utf-8"?>
 <p:sld xmlns:a="http://schemas.openxmlformats.org/drawingml/2006/main" xmlns:r="http://schemas.openxmlformats.org/officeDocument/2006/relationships" xmlns:p="http://schemas.openxmlformats.org/presentationml/2006/main">
   <p:cSld>
     <p:spTree>
@@ -7729,7 +7943,7 @@
           <a:p>
             <a:fld id="{0F78D9C4-20C1-4B15-A116-16DC77AD9A1E}" type="datetime1">
               <a:rPr lang="ko-KR" altLang="en-US" smtClean="0"/>
-              <a:t>2025-05-22</a:t>
+              <a:t>2025-05-23</a:t>
             </a:fld>
             <a:endParaRPr lang="ko-KR" altLang="en-US"/>
           </a:p>
@@ -7758,7 +7972,7 @@
           <a:p>
             <a:fld id="{083A2CE0-18CD-4102-B738-4ACFF9E68BA4}" type="slidenum">
               <a:rPr lang="ko-KR" altLang="en-US" smtClean="0"/>
-              <a:t>18</a:t>
+              <a:t>19</a:t>
             </a:fld>
             <a:endParaRPr lang="ko-KR" altLang="en-US"/>
           </a:p>
@@ -7777,7 +7991,7 @@
 </p:sld>
 </file>
 
-<file path=ppt/slides/slide19.xml><?xml version="1.0" encoding="utf-8"?>
+<file path=ppt/slides/slide2.xml><?xml version="1.0" encoding="utf-8"?>
 <p:sld xmlns:a="http://schemas.openxmlformats.org/drawingml/2006/main" xmlns:r="http://schemas.openxmlformats.org/officeDocument/2006/relationships" xmlns:p="http://schemas.openxmlformats.org/presentationml/2006/main">
   <p:cSld>
     <p:spTree>
@@ -7799,6 +8013,277 @@
           <p:cNvPr id="2" name="제목 1">
             <a:extLst>
               <a:ext uri="{FF2B5EF4-FFF2-40B4-BE49-F238E27FC236}">
+                <a16:creationId xmlns:a16="http://schemas.microsoft.com/office/drawing/2014/main" id="{941B9F4C-DD5A-B655-A680-52DCCC42BD59}"/>
+              </a:ext>
+            </a:extLst>
+          </p:cNvPr>
+          <p:cNvSpPr>
+            <a:spLocks noGrp="1"/>
+          </p:cNvSpPr>
+          <p:nvPr>
+            <p:ph type="title"/>
+          </p:nvPr>
+        </p:nvSpPr>
+        <p:spPr/>
+        <p:txBody>
+          <a:bodyPr/>
+          <a:lstStyle/>
+          <a:p>
+            <a:r>
+              <a:rPr lang="en-US" altLang="ko-KR"/>
+              <a:t>NuGet </a:t>
+            </a:r>
+            <a:r>
+              <a:rPr lang="ko-KR" altLang="en-US"/>
+              <a:t>이란</a:t>
+            </a:r>
+            <a:r>
+              <a:rPr lang="en-US" altLang="ko-KR"/>
+              <a:t>?</a:t>
+            </a:r>
+            <a:endParaRPr lang="ko-KR" altLang="en-US"/>
+          </a:p>
+        </p:txBody>
+      </p:sp>
+      <p:sp>
+        <p:nvSpPr>
+          <p:cNvPr id="3" name="내용 개체 틀 2">
+            <a:extLst>
+              <a:ext uri="{FF2B5EF4-FFF2-40B4-BE49-F238E27FC236}">
+                <a16:creationId xmlns:a16="http://schemas.microsoft.com/office/drawing/2014/main" id="{75528C22-8A0B-F213-D25D-9CC6CACACD7A}"/>
+              </a:ext>
+            </a:extLst>
+          </p:cNvPr>
+          <p:cNvSpPr>
+            <a:spLocks noGrp="1"/>
+          </p:cNvSpPr>
+          <p:nvPr>
+            <p:ph idx="1"/>
+          </p:nvPr>
+        </p:nvSpPr>
+        <p:spPr/>
+        <p:txBody>
+          <a:bodyPr/>
+          <a:lstStyle/>
+          <a:p>
+            <a:r>
+              <a:rPr lang="en-US" altLang="ko-KR" dirty="0"/>
+              <a:t>.NET </a:t>
+            </a:r>
+            <a:r>
+              <a:rPr lang="ko-KR" altLang="en-US" dirty="0"/>
+              <a:t>용 패키지 매니저 </a:t>
+            </a:r>
+            <a:endParaRPr lang="en-US" altLang="ko-KR" dirty="0"/>
+          </a:p>
+          <a:p>
+            <a:r>
+              <a:rPr lang="ko-KR" altLang="en-US" dirty="0" err="1"/>
+              <a:t>파이썬의</a:t>
+            </a:r>
+            <a:r>
+              <a:rPr lang="ko-KR" altLang="en-US" dirty="0"/>
+              <a:t> </a:t>
+            </a:r>
+            <a:r>
+              <a:rPr lang="en-US" altLang="ko-KR" dirty="0"/>
+              <a:t>pip, </a:t>
+            </a:r>
+            <a:r>
+              <a:rPr lang="en-US" altLang="ko-KR" dirty="0" err="1"/>
+              <a:t>conda</a:t>
+            </a:r>
+            <a:r>
+              <a:rPr lang="ko-KR" altLang="en-US" dirty="0"/>
+              <a:t>와 같은 역할</a:t>
+            </a:r>
+            <a:endParaRPr lang="en-US" altLang="ko-KR" dirty="0"/>
+          </a:p>
+          <a:p>
+            <a:pPr lvl="1"/>
+            <a:r>
+              <a:rPr lang="en-US" altLang="ko-KR" dirty="0">
+                <a:hlinkClick r:id="rId2"/>
+              </a:rPr>
+              <a:t>https://www.nuget.org/packages</a:t>
+            </a:r>
+            <a:endParaRPr lang="en-US" altLang="ko-KR" dirty="0"/>
+          </a:p>
+          <a:p>
+            <a:endParaRPr lang="ko-KR" altLang="en-US" dirty="0"/>
+          </a:p>
+        </p:txBody>
+      </p:sp>
+      <p:sp>
+        <p:nvSpPr>
+          <p:cNvPr id="4" name="날짜 개체 틀 3">
+            <a:extLst>
+              <a:ext uri="{FF2B5EF4-FFF2-40B4-BE49-F238E27FC236}">
+                <a16:creationId xmlns:a16="http://schemas.microsoft.com/office/drawing/2014/main" id="{3EEB164C-5630-C3E1-FD6A-35BD99ADBD3A}"/>
+              </a:ext>
+            </a:extLst>
+          </p:cNvPr>
+          <p:cNvSpPr>
+            <a:spLocks noGrp="1"/>
+          </p:cNvSpPr>
+          <p:nvPr>
+            <p:ph type="dt" sz="half" idx="10"/>
+          </p:nvPr>
+        </p:nvSpPr>
+        <p:spPr/>
+        <p:txBody>
+          <a:bodyPr/>
+          <a:lstStyle/>
+          <a:p>
+            <a:fld id="{0F78D9C4-20C1-4B15-A116-16DC77AD9A1E}" type="datetime1">
+              <a:rPr lang="ko-KR" altLang="en-US" smtClean="0"/>
+              <a:t>2025-05-23</a:t>
+            </a:fld>
+            <a:endParaRPr lang="ko-KR" altLang="en-US"/>
+          </a:p>
+        </p:txBody>
+      </p:sp>
+      <p:sp>
+        <p:nvSpPr>
+          <p:cNvPr id="5" name="슬라이드 번호 개체 틀 4">
+            <a:extLst>
+              <a:ext uri="{FF2B5EF4-FFF2-40B4-BE49-F238E27FC236}">
+                <a16:creationId xmlns:a16="http://schemas.microsoft.com/office/drawing/2014/main" id="{3AA12A0B-E942-9CCE-CE62-BE48A4BE1ED7}"/>
+              </a:ext>
+            </a:extLst>
+          </p:cNvPr>
+          <p:cNvSpPr>
+            <a:spLocks noGrp="1"/>
+          </p:cNvSpPr>
+          <p:nvPr>
+            <p:ph type="sldNum" sz="quarter" idx="12"/>
+          </p:nvPr>
+        </p:nvSpPr>
+        <p:spPr/>
+        <p:txBody>
+          <a:bodyPr/>
+          <a:lstStyle/>
+          <a:p>
+            <a:fld id="{083A2CE0-18CD-4102-B738-4ACFF9E68BA4}" type="slidenum">
+              <a:rPr lang="ko-KR" altLang="en-US" smtClean="0"/>
+              <a:t>2</a:t>
+            </a:fld>
+            <a:endParaRPr lang="ko-KR" altLang="en-US"/>
+          </a:p>
+        </p:txBody>
+      </p:sp>
+      <p:pic>
+        <p:nvPicPr>
+          <p:cNvPr id="1026" name="Picture 2" descr="GitHub - NuGet/Home: Repo for NuGet Client issues">
+            <a:extLst>
+              <a:ext uri="{FF2B5EF4-FFF2-40B4-BE49-F238E27FC236}">
+                <a16:creationId xmlns:a16="http://schemas.microsoft.com/office/drawing/2014/main" id="{3BBFC5FF-89F2-D7EA-42E8-1B669B9A603E}"/>
+              </a:ext>
+            </a:extLst>
+          </p:cNvPr>
+          <p:cNvPicPr>
+            <a:picLocks noChangeAspect="1" noChangeArrowheads="1"/>
+          </p:cNvPicPr>
+          <p:nvPr/>
+        </p:nvPicPr>
+        <p:blipFill>
+          <a:blip r:embed="rId3">
+            <a:extLst>
+              <a:ext uri="{28A0092B-C50C-407E-A947-70E740481C1C}">
+                <a14:useLocalDpi xmlns:a14="http://schemas.microsoft.com/office/drawing/2010/main" val="0"/>
+              </a:ext>
+            </a:extLst>
+          </a:blip>
+          <a:srcRect/>
+          <a:stretch>
+            <a:fillRect/>
+          </a:stretch>
+        </p:blipFill>
+        <p:spPr bwMode="auto">
+          <a:xfrm>
+            <a:off x="6724650" y="928171"/>
+            <a:ext cx="4229100" cy="1285875"/>
+          </a:xfrm>
+          <a:prstGeom prst="rect">
+            <a:avLst/>
+          </a:prstGeom>
+          <a:noFill/>
+          <a:extLst>
+            <a:ext uri="{909E8E84-426E-40DD-AFC4-6F175D3DCCD1}">
+              <a14:hiddenFill xmlns:a14="http://schemas.microsoft.com/office/drawing/2010/main">
+                <a:solidFill>
+                  <a:srgbClr val="FFFFFF"/>
+                </a:solidFill>
+              </a14:hiddenFill>
+            </a:ext>
+          </a:extLst>
+        </p:spPr>
+      </p:pic>
+      <p:pic>
+        <p:nvPicPr>
+          <p:cNvPr id="7" name="그림 6">
+            <a:extLst>
+              <a:ext uri="{FF2B5EF4-FFF2-40B4-BE49-F238E27FC236}">
+                <a16:creationId xmlns:a16="http://schemas.microsoft.com/office/drawing/2014/main" id="{26EED7D5-F029-72C6-3E27-B1B9F00DDED3}"/>
+              </a:ext>
+            </a:extLst>
+          </p:cNvPr>
+          <p:cNvPicPr>
+            <a:picLocks noChangeAspect="1"/>
+          </p:cNvPicPr>
+          <p:nvPr/>
+        </p:nvPicPr>
+        <p:blipFill>
+          <a:blip r:embed="rId4"/>
+          <a:stretch>
+            <a:fillRect/>
+          </a:stretch>
+        </p:blipFill>
+        <p:spPr>
+          <a:xfrm>
+            <a:off x="589781" y="3271305"/>
+            <a:ext cx="11012437" cy="3057952"/>
+          </a:xfrm>
+          <a:prstGeom prst="rect">
+            <a:avLst/>
+          </a:prstGeom>
+        </p:spPr>
+      </p:pic>
+    </p:spTree>
+    <p:extLst>
+      <p:ext uri="{BB962C8B-B14F-4D97-AF65-F5344CB8AC3E}">
+        <p14:creationId xmlns:p14="http://schemas.microsoft.com/office/powerpoint/2010/main" val="3276547290"/>
+      </p:ext>
+    </p:extLst>
+  </p:cSld>
+  <p:clrMapOvr>
+    <a:masterClrMapping/>
+  </p:clrMapOvr>
+</p:sld>
+</file>
+
+<file path=ppt/slides/slide20.xml><?xml version="1.0" encoding="utf-8"?>
+<p:sld xmlns:a="http://schemas.openxmlformats.org/drawingml/2006/main" xmlns:r="http://schemas.openxmlformats.org/officeDocument/2006/relationships" xmlns:p="http://schemas.openxmlformats.org/presentationml/2006/main">
+  <p:cSld>
+    <p:spTree>
+      <p:nvGrpSpPr>
+        <p:cNvPr id="1" name=""/>
+        <p:cNvGrpSpPr/>
+        <p:nvPr/>
+      </p:nvGrpSpPr>
+      <p:grpSpPr>
+        <a:xfrm>
+          <a:off x="0" y="0"/>
+          <a:ext cx="0" cy="0"/>
+          <a:chOff x="0" y="0"/>
+          <a:chExt cx="0" cy="0"/>
+        </a:xfrm>
+      </p:grpSpPr>
+      <p:sp>
+        <p:nvSpPr>
+          <p:cNvPr id="2" name="제목 1">
+            <a:extLst>
+              <a:ext uri="{FF2B5EF4-FFF2-40B4-BE49-F238E27FC236}">
                 <a16:creationId xmlns:a16="http://schemas.microsoft.com/office/drawing/2014/main" id="{15672117-1215-C3DF-77AC-07D54AB22051}"/>
               </a:ext>
             </a:extLst>
@@ -7873,7 +8358,7 @@
           <a:p>
             <a:fld id="{0F78D9C4-20C1-4B15-A116-16DC77AD9A1E}" type="datetime1">
               <a:rPr lang="ko-KR" altLang="en-US" smtClean="0"/>
-              <a:t>2025-05-22</a:t>
+              <a:t>2025-05-23</a:t>
             </a:fld>
             <a:endParaRPr lang="ko-KR" altLang="en-US"/>
           </a:p>
@@ -7902,7 +8387,7 @@
           <a:p>
             <a:fld id="{083A2CE0-18CD-4102-B738-4ACFF9E68BA4}" type="slidenum">
               <a:rPr lang="ko-KR" altLang="en-US" smtClean="0"/>
-              <a:t>19</a:t>
+              <a:t>20</a:t>
             </a:fld>
             <a:endParaRPr lang="ko-KR" altLang="en-US"/>
           </a:p>
@@ -7930,7 +8415,7 @@
         </p:nvGraphicFramePr>
         <p:xfrm>
           <a:off x="1276120" y="2577419"/>
-          <a:ext cx="9639760" cy="3284722"/>
+          <a:ext cx="9639760" cy="3334442"/>
         </p:xfrm>
         <a:graphic>
           <a:graphicData uri="http://schemas.openxmlformats.org/drawingml/2006/table">
@@ -8167,7 +8652,7 @@
 </p:sld>
 </file>
 
-<file path=ppt/slides/slide2.xml><?xml version="1.0" encoding="utf-8"?>
+<file path=ppt/slides/slide21.xml><?xml version="1.0" encoding="utf-8"?>
 <p:sld xmlns:a="http://schemas.openxmlformats.org/drawingml/2006/main" xmlns:r="http://schemas.openxmlformats.org/officeDocument/2006/relationships" xmlns:p="http://schemas.openxmlformats.org/presentationml/2006/main">
   <p:cSld>
     <p:spTree>
@@ -8189,7 +8674,7 @@
           <p:cNvPr id="2" name="제목 1">
             <a:extLst>
               <a:ext uri="{FF2B5EF4-FFF2-40B4-BE49-F238E27FC236}">
-                <a16:creationId xmlns:a16="http://schemas.microsoft.com/office/drawing/2014/main" id="{941B9F4C-DD5A-B655-A680-52DCCC42BD59}"/>
+                <a16:creationId xmlns:a16="http://schemas.microsoft.com/office/drawing/2014/main" id="{8A1DB8B8-99D7-15FA-E225-02DC04E740E9}"/>
               </a:ext>
             </a:extLst>
           </p:cNvPr>
@@ -8206,87 +8691,9 @@
           <a:lstStyle/>
           <a:p>
             <a:r>
-              <a:rPr lang="en-US" altLang="ko-KR"/>
-              <a:t>NuGet </a:t>
-            </a:r>
-            <a:r>
-              <a:rPr lang="ko-KR" altLang="en-US"/>
-              <a:t>이란</a:t>
-            </a:r>
-            <a:r>
-              <a:rPr lang="en-US" altLang="ko-KR"/>
-              <a:t>?</a:t>
-            </a:r>
-            <a:endParaRPr lang="ko-KR" altLang="en-US"/>
-          </a:p>
-        </p:txBody>
-      </p:sp>
-      <p:sp>
-        <p:nvSpPr>
-          <p:cNvPr id="3" name="내용 개체 틀 2">
-            <a:extLst>
-              <a:ext uri="{FF2B5EF4-FFF2-40B4-BE49-F238E27FC236}">
-                <a16:creationId xmlns:a16="http://schemas.microsoft.com/office/drawing/2014/main" id="{75528C22-8A0B-F213-D25D-9CC6CACACD7A}"/>
-              </a:ext>
-            </a:extLst>
-          </p:cNvPr>
-          <p:cNvSpPr>
-            <a:spLocks noGrp="1"/>
-          </p:cNvSpPr>
-          <p:nvPr>
-            <p:ph idx="1"/>
-          </p:nvPr>
-        </p:nvSpPr>
-        <p:spPr/>
-        <p:txBody>
-          <a:bodyPr/>
-          <a:lstStyle/>
-          <a:p>
-            <a:r>
-              <a:rPr lang="en-US" altLang="ko-KR" dirty="0"/>
-              <a:t>.NET </a:t>
-            </a:r>
-            <a:r>
               <a:rPr lang="ko-KR" altLang="en-US" dirty="0"/>
-              <a:t>용 패키지 매니저 </a:t>
-            </a:r>
-            <a:endParaRPr lang="en-US" altLang="ko-KR" dirty="0"/>
-          </a:p>
-          <a:p>
-            <a:r>
-              <a:rPr lang="ko-KR" altLang="en-US" dirty="0" err="1"/>
-              <a:t>파이썬의</a:t>
-            </a:r>
-            <a:r>
-              <a:rPr lang="ko-KR" altLang="en-US" dirty="0"/>
-              <a:t> </a:t>
-            </a:r>
-            <a:r>
-              <a:rPr lang="en-US" altLang="ko-KR" dirty="0"/>
-              <a:t>pip, </a:t>
-            </a:r>
-            <a:r>
-              <a:rPr lang="en-US" altLang="ko-KR" dirty="0" err="1"/>
-              <a:t>conda</a:t>
-            </a:r>
-            <a:r>
-              <a:rPr lang="ko-KR" altLang="en-US" dirty="0"/>
-              <a:t>와 같은 역할</a:t>
-            </a:r>
-            <a:endParaRPr lang="en-US" altLang="ko-KR" dirty="0"/>
-          </a:p>
-          <a:p>
-            <a:pPr lvl="1"/>
-            <a:r>
-              <a:rPr lang="en-US" altLang="ko-KR" dirty="0">
-                <a:hlinkClick r:id="rId2"/>
-              </a:rPr>
-              <a:t>https://www.nuget.org/packages</a:t>
-            </a:r>
-            <a:endParaRPr lang="en-US" altLang="ko-KR" dirty="0"/>
-          </a:p>
-          <a:p>
-            <a:endParaRPr lang="ko-KR" altLang="en-US" dirty="0"/>
+              <a:t>릴리즈 빌드</a:t>
+            </a:r>
           </a:p>
         </p:txBody>
       </p:sp>
@@ -8295,7 +8702,7 @@
           <p:cNvPr id="4" name="날짜 개체 틀 3">
             <a:extLst>
               <a:ext uri="{FF2B5EF4-FFF2-40B4-BE49-F238E27FC236}">
-                <a16:creationId xmlns:a16="http://schemas.microsoft.com/office/drawing/2014/main" id="{3EEB164C-5630-C3E1-FD6A-35BD99ADBD3A}"/>
+                <a16:creationId xmlns:a16="http://schemas.microsoft.com/office/drawing/2014/main" id="{E98717C0-F3BE-023F-9494-A252B27411F6}"/>
               </a:ext>
             </a:extLst>
           </p:cNvPr>
@@ -8313,7 +8720,7 @@
           <a:p>
             <a:fld id="{0F78D9C4-20C1-4B15-A116-16DC77AD9A1E}" type="datetime1">
               <a:rPr lang="ko-KR" altLang="en-US" smtClean="0"/>
-              <a:t>2025-05-22</a:t>
+              <a:t>2025-05-23</a:t>
             </a:fld>
             <a:endParaRPr lang="ko-KR" altLang="en-US"/>
           </a:p>
@@ -8324,7 +8731,7 @@
           <p:cNvPr id="5" name="슬라이드 번호 개체 틀 4">
             <a:extLst>
               <a:ext uri="{FF2B5EF4-FFF2-40B4-BE49-F238E27FC236}">
-                <a16:creationId xmlns:a16="http://schemas.microsoft.com/office/drawing/2014/main" id="{3AA12A0B-E942-9CCE-CE62-BE48A4BE1ED7}"/>
+                <a16:creationId xmlns:a16="http://schemas.microsoft.com/office/drawing/2014/main" id="{EC738FD2-126E-A4A0-34E1-FB5E8B7459D2}"/>
               </a:ext>
             </a:extLst>
           </p:cNvPr>
@@ -8342,200 +8749,7 @@
           <a:p>
             <a:fld id="{083A2CE0-18CD-4102-B738-4ACFF9E68BA4}" type="slidenum">
               <a:rPr lang="ko-KR" altLang="en-US" smtClean="0"/>
-              <a:t>2</a:t>
-            </a:fld>
-            <a:endParaRPr lang="ko-KR" altLang="en-US"/>
-          </a:p>
-        </p:txBody>
-      </p:sp>
-      <p:pic>
-        <p:nvPicPr>
-          <p:cNvPr id="1026" name="Picture 2" descr="GitHub - NuGet/Home: Repo for NuGet Client issues">
-            <a:extLst>
-              <a:ext uri="{FF2B5EF4-FFF2-40B4-BE49-F238E27FC236}">
-                <a16:creationId xmlns:a16="http://schemas.microsoft.com/office/drawing/2014/main" id="{3BBFC5FF-89F2-D7EA-42E8-1B669B9A603E}"/>
-              </a:ext>
-            </a:extLst>
-          </p:cNvPr>
-          <p:cNvPicPr>
-            <a:picLocks noChangeAspect="1" noChangeArrowheads="1"/>
-          </p:cNvPicPr>
-          <p:nvPr/>
-        </p:nvPicPr>
-        <p:blipFill>
-          <a:blip r:embed="rId3">
-            <a:extLst>
-              <a:ext uri="{28A0092B-C50C-407E-A947-70E740481C1C}">
-                <a14:useLocalDpi xmlns:a14="http://schemas.microsoft.com/office/drawing/2010/main" val="0"/>
-              </a:ext>
-            </a:extLst>
-          </a:blip>
-          <a:srcRect/>
-          <a:stretch>
-            <a:fillRect/>
-          </a:stretch>
-        </p:blipFill>
-        <p:spPr bwMode="auto">
-          <a:xfrm>
-            <a:off x="6724650" y="928171"/>
-            <a:ext cx="4229100" cy="1285875"/>
-          </a:xfrm>
-          <a:prstGeom prst="rect">
-            <a:avLst/>
-          </a:prstGeom>
-          <a:noFill/>
-          <a:extLst>
-            <a:ext uri="{909E8E84-426E-40DD-AFC4-6F175D3DCCD1}">
-              <a14:hiddenFill xmlns:a14="http://schemas.microsoft.com/office/drawing/2010/main">
-                <a:solidFill>
-                  <a:srgbClr val="FFFFFF"/>
-                </a:solidFill>
-              </a14:hiddenFill>
-            </a:ext>
-          </a:extLst>
-        </p:spPr>
-      </p:pic>
-      <p:pic>
-        <p:nvPicPr>
-          <p:cNvPr id="7" name="그림 6">
-            <a:extLst>
-              <a:ext uri="{FF2B5EF4-FFF2-40B4-BE49-F238E27FC236}">
-                <a16:creationId xmlns:a16="http://schemas.microsoft.com/office/drawing/2014/main" id="{26EED7D5-F029-72C6-3E27-B1B9F00DDED3}"/>
-              </a:ext>
-            </a:extLst>
-          </p:cNvPr>
-          <p:cNvPicPr>
-            <a:picLocks noChangeAspect="1"/>
-          </p:cNvPicPr>
-          <p:nvPr/>
-        </p:nvPicPr>
-        <p:blipFill>
-          <a:blip r:embed="rId4"/>
-          <a:stretch>
-            <a:fillRect/>
-          </a:stretch>
-        </p:blipFill>
-        <p:spPr>
-          <a:xfrm>
-            <a:off x="589781" y="3271305"/>
-            <a:ext cx="11012437" cy="3057952"/>
-          </a:xfrm>
-          <a:prstGeom prst="rect">
-            <a:avLst/>
-          </a:prstGeom>
-        </p:spPr>
-      </p:pic>
-    </p:spTree>
-    <p:extLst>
-      <p:ext uri="{BB962C8B-B14F-4D97-AF65-F5344CB8AC3E}">
-        <p14:creationId xmlns:p14="http://schemas.microsoft.com/office/powerpoint/2010/main" val="3276547290"/>
-      </p:ext>
-    </p:extLst>
-  </p:cSld>
-  <p:clrMapOvr>
-    <a:masterClrMapping/>
-  </p:clrMapOvr>
-</p:sld>
-</file>
-
-<file path=ppt/slides/slide20.xml><?xml version="1.0" encoding="utf-8"?>
-<p:sld xmlns:a="http://schemas.openxmlformats.org/drawingml/2006/main" xmlns:r="http://schemas.openxmlformats.org/officeDocument/2006/relationships" xmlns:p="http://schemas.openxmlformats.org/presentationml/2006/main">
-  <p:cSld>
-    <p:spTree>
-      <p:nvGrpSpPr>
-        <p:cNvPr id="1" name=""/>
-        <p:cNvGrpSpPr/>
-        <p:nvPr/>
-      </p:nvGrpSpPr>
-      <p:grpSpPr>
-        <a:xfrm>
-          <a:off x="0" y="0"/>
-          <a:ext cx="0" cy="0"/>
-          <a:chOff x="0" y="0"/>
-          <a:chExt cx="0" cy="0"/>
-        </a:xfrm>
-      </p:grpSpPr>
-      <p:sp>
-        <p:nvSpPr>
-          <p:cNvPr id="2" name="제목 1">
-            <a:extLst>
-              <a:ext uri="{FF2B5EF4-FFF2-40B4-BE49-F238E27FC236}">
-                <a16:creationId xmlns:a16="http://schemas.microsoft.com/office/drawing/2014/main" id="{8A1DB8B8-99D7-15FA-E225-02DC04E740E9}"/>
-              </a:ext>
-            </a:extLst>
-          </p:cNvPr>
-          <p:cNvSpPr>
-            <a:spLocks noGrp="1"/>
-          </p:cNvSpPr>
-          <p:nvPr>
-            <p:ph type="title"/>
-          </p:nvPr>
-        </p:nvSpPr>
-        <p:spPr/>
-        <p:txBody>
-          <a:bodyPr/>
-          <a:lstStyle/>
-          <a:p>
-            <a:r>
-              <a:rPr lang="ko-KR" altLang="en-US" dirty="0"/>
-              <a:t>릴리즈 빌드</a:t>
-            </a:r>
-          </a:p>
-        </p:txBody>
-      </p:sp>
-      <p:sp>
-        <p:nvSpPr>
-          <p:cNvPr id="4" name="날짜 개체 틀 3">
-            <a:extLst>
-              <a:ext uri="{FF2B5EF4-FFF2-40B4-BE49-F238E27FC236}">
-                <a16:creationId xmlns:a16="http://schemas.microsoft.com/office/drawing/2014/main" id="{E98717C0-F3BE-023F-9494-A252B27411F6}"/>
-              </a:ext>
-            </a:extLst>
-          </p:cNvPr>
-          <p:cNvSpPr>
-            <a:spLocks noGrp="1"/>
-          </p:cNvSpPr>
-          <p:nvPr>
-            <p:ph type="dt" sz="half" idx="10"/>
-          </p:nvPr>
-        </p:nvSpPr>
-        <p:spPr/>
-        <p:txBody>
-          <a:bodyPr/>
-          <a:lstStyle/>
-          <a:p>
-            <a:fld id="{0F78D9C4-20C1-4B15-A116-16DC77AD9A1E}" type="datetime1">
-              <a:rPr lang="ko-KR" altLang="en-US" smtClean="0"/>
-              <a:t>2025-05-22</a:t>
-            </a:fld>
-            <a:endParaRPr lang="ko-KR" altLang="en-US"/>
-          </a:p>
-        </p:txBody>
-      </p:sp>
-      <p:sp>
-        <p:nvSpPr>
-          <p:cNvPr id="5" name="슬라이드 번호 개체 틀 4">
-            <a:extLst>
-              <a:ext uri="{FF2B5EF4-FFF2-40B4-BE49-F238E27FC236}">
-                <a16:creationId xmlns:a16="http://schemas.microsoft.com/office/drawing/2014/main" id="{EC738FD2-126E-A4A0-34E1-FB5E8B7459D2}"/>
-              </a:ext>
-            </a:extLst>
-          </p:cNvPr>
-          <p:cNvSpPr>
-            <a:spLocks noGrp="1"/>
-          </p:cNvSpPr>
-          <p:nvPr>
-            <p:ph type="sldNum" sz="quarter" idx="12"/>
-          </p:nvPr>
-        </p:nvSpPr>
-        <p:spPr/>
-        <p:txBody>
-          <a:bodyPr/>
-          <a:lstStyle/>
-          <a:p>
-            <a:fld id="{083A2CE0-18CD-4102-B738-4ACFF9E68BA4}" type="slidenum">
-              <a:rPr lang="ko-KR" altLang="en-US" smtClean="0"/>
-              <a:t>20</a:t>
+              <a:t>21</a:t>
             </a:fld>
             <a:endParaRPr lang="ko-KR" altLang="en-US"/>
           </a:p>
@@ -8879,7 +9093,7 @@
 </p:sld>
 </file>
 
-<file path=ppt/slides/slide21.xml><?xml version="1.0" encoding="utf-8"?>
+<file path=ppt/slides/slide22.xml><?xml version="1.0" encoding="utf-8"?>
 <p:sld xmlns:a="http://schemas.openxmlformats.org/drawingml/2006/main" xmlns:r="http://schemas.openxmlformats.org/officeDocument/2006/relationships" xmlns:p="http://schemas.openxmlformats.org/presentationml/2006/main">
   <p:cSld>
     <p:spTree>
@@ -8947,7 +9161,7 @@
           <a:p>
             <a:fld id="{0F78D9C4-20C1-4B15-A116-16DC77AD9A1E}" type="datetime1">
               <a:rPr lang="ko-KR" altLang="en-US" smtClean="0"/>
-              <a:t>2025-05-22</a:t>
+              <a:t>2025-05-23</a:t>
             </a:fld>
             <a:endParaRPr lang="ko-KR" altLang="en-US"/>
           </a:p>
@@ -8976,7 +9190,7 @@
           <a:p>
             <a:fld id="{083A2CE0-18CD-4102-B738-4ACFF9E68BA4}" type="slidenum">
               <a:rPr lang="ko-KR" altLang="en-US" smtClean="0"/>
-              <a:t>21</a:t>
+              <a:t>22</a:t>
             </a:fld>
             <a:endParaRPr lang="ko-KR" altLang="en-US"/>
           </a:p>
@@ -9073,7 +9287,7 @@
         </p:blipFill>
         <p:spPr>
           <a:xfrm>
-            <a:off x="4967880" y="2431206"/>
+            <a:off x="4913677" y="2866726"/>
             <a:ext cx="6423824" cy="3054522"/>
           </a:xfrm>
           <a:prstGeom prst="rect">
@@ -9095,7 +9309,7 @@
         </p:nvCxnSpPr>
         <p:spPr>
           <a:xfrm>
-            <a:off x="5122843" y="2919470"/>
+            <a:off x="5106544" y="3364717"/>
             <a:ext cx="3833870" cy="0"/>
           </a:xfrm>
           <a:prstGeom prst="line">
@@ -9133,7 +9347,7 @@
         </p:nvCxnSpPr>
         <p:spPr>
           <a:xfrm>
-            <a:off x="6916757" y="4768468"/>
+            <a:off x="6900458" y="5213715"/>
             <a:ext cx="453527" cy="0"/>
           </a:xfrm>
           <a:prstGeom prst="line">
@@ -9218,7 +9432,7 @@
 </p:sld>
 </file>
 
-<file path=ppt/slides/slide22.xml><?xml version="1.0" encoding="utf-8"?>
+<file path=ppt/slides/slide23.xml><?xml version="1.0" encoding="utf-8"?>
 <p:sld xmlns:a="http://schemas.openxmlformats.org/drawingml/2006/main" xmlns:r="http://schemas.openxmlformats.org/officeDocument/2006/relationships" xmlns:p="http://schemas.openxmlformats.org/presentationml/2006/main">
   <p:cSld>
     <p:spTree>
@@ -9423,7 +9637,7 @@
           <a:p>
             <a:fld id="{0F78D9C4-20C1-4B15-A116-16DC77AD9A1E}" type="datetime1">
               <a:rPr lang="ko-KR" altLang="en-US" smtClean="0"/>
-              <a:t>2025-05-22</a:t>
+              <a:t>2025-05-23</a:t>
             </a:fld>
             <a:endParaRPr lang="ko-KR" altLang="en-US"/>
           </a:p>
@@ -9452,7 +9666,7 @@
           <a:p>
             <a:fld id="{083A2CE0-18CD-4102-B738-4ACFF9E68BA4}" type="slidenum">
               <a:rPr lang="ko-KR" altLang="en-US" smtClean="0"/>
-              <a:t>22</a:t>
+              <a:t>23</a:t>
             </a:fld>
             <a:endParaRPr lang="ko-KR" altLang="en-US"/>
           </a:p>
@@ -9572,7 +9786,7 @@
 </p:sld>
 </file>
 
-<file path=ppt/slides/slide23.xml><?xml version="1.0" encoding="utf-8"?>
+<file path=ppt/slides/slide24.xml><?xml version="1.0" encoding="utf-8"?>
 <p:sld xmlns:a="http://schemas.openxmlformats.org/drawingml/2006/main" xmlns:r="http://schemas.openxmlformats.org/officeDocument/2006/relationships" xmlns:p="http://schemas.openxmlformats.org/presentationml/2006/main">
   <p:cSld>
     <p:spTree>
@@ -9774,7 +9988,7 @@
           <a:p>
             <a:fld id="{0F78D9C4-20C1-4B15-A116-16DC77AD9A1E}" type="datetime1">
               <a:rPr lang="ko-KR" altLang="en-US" smtClean="0"/>
-              <a:t>2025-05-22</a:t>
+              <a:t>2025-05-23</a:t>
             </a:fld>
             <a:endParaRPr lang="ko-KR" altLang="en-US"/>
           </a:p>
@@ -9803,7 +10017,7 @@
           <a:p>
             <a:fld id="{083A2CE0-18CD-4102-B738-4ACFF9E68BA4}" type="slidenum">
               <a:rPr lang="ko-KR" altLang="en-US" smtClean="0"/>
-              <a:t>23</a:t>
+              <a:t>24</a:t>
             </a:fld>
             <a:endParaRPr lang="ko-KR" altLang="en-US"/>
           </a:p>
@@ -9952,248 +10166,6 @@
 </p:sld>
 </file>
 
-<file path=ppt/slides/slide24.xml><?xml version="1.0" encoding="utf-8"?>
-<p:sld xmlns:a="http://schemas.openxmlformats.org/drawingml/2006/main" xmlns:r="http://schemas.openxmlformats.org/officeDocument/2006/relationships" xmlns:p="http://schemas.openxmlformats.org/presentationml/2006/main">
-  <p:cSld>
-    <p:spTree>
-      <p:nvGrpSpPr>
-        <p:cNvPr id="1" name=""/>
-        <p:cNvGrpSpPr/>
-        <p:nvPr/>
-      </p:nvGrpSpPr>
-      <p:grpSpPr>
-        <a:xfrm>
-          <a:off x="0" y="0"/>
-          <a:ext cx="0" cy="0"/>
-          <a:chOff x="0" y="0"/>
-          <a:chExt cx="0" cy="0"/>
-        </a:xfrm>
-      </p:grpSpPr>
-      <p:sp>
-        <p:nvSpPr>
-          <p:cNvPr id="2" name="제목 1">
-            <a:extLst>
-              <a:ext uri="{FF2B5EF4-FFF2-40B4-BE49-F238E27FC236}">
-                <a16:creationId xmlns:a16="http://schemas.microsoft.com/office/drawing/2014/main" id="{02E3818A-5629-8D68-1AB1-AC8F9A0DCBC4}"/>
-              </a:ext>
-            </a:extLst>
-          </p:cNvPr>
-          <p:cNvSpPr>
-            <a:spLocks noGrp="1"/>
-          </p:cNvSpPr>
-          <p:nvPr>
-            <p:ph type="title"/>
-          </p:nvPr>
-        </p:nvSpPr>
-        <p:spPr/>
-        <p:txBody>
-          <a:bodyPr/>
-          <a:lstStyle/>
-          <a:p>
-            <a:r>
-              <a:rPr lang="ko-KR" altLang="en-US" dirty="0">
-                <a:solidFill>
-                  <a:srgbClr val="00B050"/>
-                </a:solidFill>
-              </a:rPr>
-              <a:t>실습</a:t>
-            </a:r>
-            <a:r>
-              <a:rPr lang="en-US" altLang="ko-KR" dirty="0">
-                <a:solidFill>
-                  <a:srgbClr val="00B050"/>
-                </a:solidFill>
-              </a:rPr>
-              <a:t>. </a:t>
-            </a:r>
-            <a:r>
-              <a:rPr lang="ko-KR" altLang="en-US" dirty="0">
-                <a:solidFill>
-                  <a:srgbClr val="00B050"/>
-                </a:solidFill>
-              </a:rPr>
-              <a:t>계산기 릴리즈</a:t>
-            </a:r>
-          </a:p>
-        </p:txBody>
-      </p:sp>
-      <p:sp>
-        <p:nvSpPr>
-          <p:cNvPr id="3" name="내용 개체 틀 2">
-            <a:extLst>
-              <a:ext uri="{FF2B5EF4-FFF2-40B4-BE49-F238E27FC236}">
-                <a16:creationId xmlns:a16="http://schemas.microsoft.com/office/drawing/2014/main" id="{CEE0565B-A383-5C05-9F8B-8053206FC414}"/>
-              </a:ext>
-            </a:extLst>
-          </p:cNvPr>
-          <p:cNvSpPr>
-            <a:spLocks noGrp="1"/>
-          </p:cNvSpPr>
-          <p:nvPr>
-            <p:ph idx="1"/>
-          </p:nvPr>
-        </p:nvSpPr>
-        <p:spPr/>
-        <p:txBody>
-          <a:bodyPr/>
-          <a:lstStyle/>
-          <a:p>
-            <a:r>
-              <a:rPr lang="en-US" altLang="ko-KR" dirty="0" err="1"/>
-              <a:t>WinForm</a:t>
-            </a:r>
-            <a:r>
-              <a:rPr lang="en-US" altLang="ko-KR" dirty="0"/>
-              <a:t> </a:t>
-            </a:r>
-            <a:r>
-              <a:rPr lang="ko-KR" altLang="en-US" dirty="0"/>
-              <a:t>미니 프로젝트 </a:t>
-            </a:r>
-            <a:r>
-              <a:rPr lang="en-US" altLang="ko-KR" dirty="0"/>
-              <a:t>- </a:t>
-            </a:r>
-            <a:r>
-              <a:rPr lang="ko-KR" altLang="en-US" dirty="0"/>
-              <a:t>계산기 만들기를 통해 개발한 프로그램을 </a:t>
-            </a:r>
-            <a:r>
-              <a:rPr lang="en-US" altLang="ko-KR" dirty="0"/>
-              <a:t>WPF </a:t>
-            </a:r>
-            <a:r>
-              <a:rPr lang="ko-KR" altLang="en-US" dirty="0"/>
-              <a:t>프로젝트로 이주</a:t>
-            </a:r>
-            <a:r>
-              <a:rPr lang="en-US" altLang="ko-KR" dirty="0"/>
-              <a:t>(Migration)</a:t>
-            </a:r>
-          </a:p>
-          <a:p>
-            <a:r>
-              <a:rPr lang="ko-KR" altLang="en-US" dirty="0"/>
-              <a:t>릴리즈 버전으로 빌드</a:t>
-            </a:r>
-            <a:endParaRPr lang="en-US" altLang="ko-KR" dirty="0"/>
-          </a:p>
-          <a:p>
-            <a:r>
-              <a:rPr lang="en-US" altLang="ko-KR" dirty="0"/>
-              <a:t>Visual Studio</a:t>
-            </a:r>
-            <a:r>
-              <a:rPr lang="ko-KR" altLang="en-US" dirty="0"/>
-              <a:t>와 상관없이 독립적으로 실행 가능한 상태의 </a:t>
-            </a:r>
-            <a:r>
-              <a:rPr lang="en-US" altLang="ko-KR" dirty="0"/>
-              <a:t>exe, </a:t>
-            </a:r>
-            <a:r>
-              <a:rPr lang="en-US" altLang="ko-KR" dirty="0" err="1"/>
-              <a:t>dll</a:t>
-            </a:r>
-            <a:r>
-              <a:rPr lang="en-US" altLang="ko-KR" dirty="0"/>
-              <a:t>, </a:t>
-            </a:r>
-            <a:r>
-              <a:rPr lang="en-US" altLang="ko-KR" dirty="0" err="1"/>
-              <a:t>json</a:t>
-            </a:r>
-            <a:r>
-              <a:rPr lang="en-US" altLang="ko-KR" dirty="0"/>
-              <a:t> </a:t>
-            </a:r>
-            <a:r>
-              <a:rPr lang="ko-KR" altLang="en-US" dirty="0"/>
-              <a:t>파일을 압축하여 제출</a:t>
-            </a:r>
-            <a:r>
-              <a:rPr lang="en-US" altLang="ko-KR" dirty="0"/>
-              <a:t>!</a:t>
-            </a:r>
-            <a:endParaRPr lang="ko-KR" altLang="en-US" dirty="0">
-              <a:solidFill>
-                <a:schemeClr val="accent5"/>
-              </a:solidFill>
-            </a:endParaRPr>
-          </a:p>
-        </p:txBody>
-      </p:sp>
-      <p:sp>
-        <p:nvSpPr>
-          <p:cNvPr id="4" name="날짜 개체 틀 3">
-            <a:extLst>
-              <a:ext uri="{FF2B5EF4-FFF2-40B4-BE49-F238E27FC236}">
-                <a16:creationId xmlns:a16="http://schemas.microsoft.com/office/drawing/2014/main" id="{85B1AA7E-F2DB-3FA5-D889-B76B97F985AB}"/>
-              </a:ext>
-            </a:extLst>
-          </p:cNvPr>
-          <p:cNvSpPr>
-            <a:spLocks noGrp="1"/>
-          </p:cNvSpPr>
-          <p:nvPr>
-            <p:ph type="dt" sz="half" idx="10"/>
-          </p:nvPr>
-        </p:nvSpPr>
-        <p:spPr/>
-        <p:txBody>
-          <a:bodyPr/>
-          <a:lstStyle/>
-          <a:p>
-            <a:fld id="{0F78D9C4-20C1-4B15-A116-16DC77AD9A1E}" type="datetime1">
-              <a:rPr lang="ko-KR" altLang="en-US" smtClean="0"/>
-              <a:t>2025-05-22</a:t>
-            </a:fld>
-            <a:endParaRPr lang="ko-KR" altLang="en-US"/>
-          </a:p>
-        </p:txBody>
-      </p:sp>
-      <p:sp>
-        <p:nvSpPr>
-          <p:cNvPr id="5" name="슬라이드 번호 개체 틀 4">
-            <a:extLst>
-              <a:ext uri="{FF2B5EF4-FFF2-40B4-BE49-F238E27FC236}">
-                <a16:creationId xmlns:a16="http://schemas.microsoft.com/office/drawing/2014/main" id="{75B6E68E-5274-5F3A-F601-36F17D2AC2ED}"/>
-              </a:ext>
-            </a:extLst>
-          </p:cNvPr>
-          <p:cNvSpPr>
-            <a:spLocks noGrp="1"/>
-          </p:cNvSpPr>
-          <p:nvPr>
-            <p:ph type="sldNum" sz="quarter" idx="12"/>
-          </p:nvPr>
-        </p:nvSpPr>
-        <p:spPr/>
-        <p:txBody>
-          <a:bodyPr/>
-          <a:lstStyle/>
-          <a:p>
-            <a:fld id="{083A2CE0-18CD-4102-B738-4ACFF9E68BA4}" type="slidenum">
-              <a:rPr lang="ko-KR" altLang="en-US" smtClean="0"/>
-              <a:t>24</a:t>
-            </a:fld>
-            <a:endParaRPr lang="ko-KR" altLang="en-US"/>
-          </a:p>
-        </p:txBody>
-      </p:sp>
-    </p:spTree>
-    <p:extLst>
-      <p:ext uri="{BB962C8B-B14F-4D97-AF65-F5344CB8AC3E}">
-        <p14:creationId xmlns:p14="http://schemas.microsoft.com/office/powerpoint/2010/main" val="595807414"/>
-      </p:ext>
-    </p:extLst>
-  </p:cSld>
-  <p:clrMapOvr>
-    <a:masterClrMapping/>
-  </p:clrMapOvr>
-</p:sld>
-</file>
-
 <file path=ppt/slides/slide25.xml><?xml version="1.0" encoding="utf-8"?>
 <p:sld xmlns:a="http://schemas.openxmlformats.org/drawingml/2006/main" xmlns:r="http://schemas.openxmlformats.org/officeDocument/2006/relationships" xmlns:p="http://schemas.openxmlformats.org/presentationml/2006/main">
   <p:cSld>
@@ -10216,7 +10188,7 @@
           <p:cNvPr id="2" name="제목 1">
             <a:extLst>
               <a:ext uri="{FF2B5EF4-FFF2-40B4-BE49-F238E27FC236}">
-                <a16:creationId xmlns:a16="http://schemas.microsoft.com/office/drawing/2014/main" id="{092A5A5D-A6A2-0396-AE2D-D5AC9FBCC51B}"/>
+                <a16:creationId xmlns:a16="http://schemas.microsoft.com/office/drawing/2014/main" id="{02E3818A-5629-8D68-1AB1-AC8F9A0DCBC4}"/>
               </a:ext>
             </a:extLst>
           </p:cNvPr>
@@ -10232,66 +10204,136 @@
           <a:bodyPr/>
           <a:lstStyle/>
           <a:p>
+            <a:r>
+              <a:rPr lang="ko-KR" altLang="en-US" dirty="0">
+                <a:solidFill>
+                  <a:srgbClr val="00B050"/>
+                </a:solidFill>
+              </a:rPr>
+              <a:t>실습</a:t>
+            </a:r>
+            <a:r>
+              <a:rPr lang="en-US" altLang="ko-KR" dirty="0">
+                <a:solidFill>
+                  <a:srgbClr val="00B050"/>
+                </a:solidFill>
+              </a:rPr>
+              <a:t>. </a:t>
+            </a:r>
+            <a:r>
+              <a:rPr lang="ko-KR" altLang="en-US" dirty="0">
+                <a:solidFill>
+                  <a:srgbClr val="00B050"/>
+                </a:solidFill>
+              </a:rPr>
+              <a:t>계산기 릴리즈</a:t>
+            </a:r>
+          </a:p>
+        </p:txBody>
+      </p:sp>
+      <p:sp>
+        <p:nvSpPr>
+          <p:cNvPr id="3" name="내용 개체 틀 2">
+            <a:extLst>
+              <a:ext uri="{FF2B5EF4-FFF2-40B4-BE49-F238E27FC236}">
+                <a16:creationId xmlns:a16="http://schemas.microsoft.com/office/drawing/2014/main" id="{CEE0565B-A383-5C05-9F8B-8053206FC414}"/>
+              </a:ext>
+            </a:extLst>
+          </p:cNvPr>
+          <p:cNvSpPr>
+            <a:spLocks noGrp="1"/>
+          </p:cNvSpPr>
+          <p:nvPr>
+            <p:ph idx="1"/>
+          </p:nvPr>
+        </p:nvSpPr>
+        <p:spPr/>
+        <p:txBody>
+          <a:bodyPr/>
+          <a:lstStyle/>
+          <a:p>
+            <a:r>
+              <a:rPr lang="en-US" altLang="ko-KR" dirty="0" err="1"/>
+              <a:t>WinForm</a:t>
+            </a:r>
+            <a:r>
+              <a:rPr lang="en-US" altLang="ko-KR" dirty="0"/>
+              <a:t> </a:t>
+            </a:r>
+            <a:r>
+              <a:rPr lang="ko-KR" altLang="en-US" dirty="0"/>
+              <a:t>미니 프로젝트 </a:t>
+            </a:r>
+            <a:r>
+              <a:rPr lang="en-US" altLang="ko-KR" dirty="0"/>
+              <a:t>- </a:t>
+            </a:r>
+            <a:r>
+              <a:rPr lang="ko-KR" altLang="en-US" dirty="0"/>
+              <a:t>계산기 만들기를 통해 개발한 프로그램을 </a:t>
+            </a:r>
             <a:r>
               <a:rPr lang="en-US" altLang="ko-KR" dirty="0"/>
               <a:t>WPF </a:t>
             </a:r>
             <a:r>
               <a:rPr lang="ko-KR" altLang="en-US" dirty="0"/>
-              <a:t>크로스 스레드 해결</a:t>
-            </a:r>
-          </a:p>
-        </p:txBody>
-      </p:sp>
-      <p:sp>
-        <p:nvSpPr>
-          <p:cNvPr id="3" name="내용 개체 틀 2">
-            <a:extLst>
-              <a:ext uri="{FF2B5EF4-FFF2-40B4-BE49-F238E27FC236}">
-                <a16:creationId xmlns:a16="http://schemas.microsoft.com/office/drawing/2014/main" id="{2774465A-F72E-263F-030C-D356E0B12E04}"/>
-              </a:ext>
-            </a:extLst>
-          </p:cNvPr>
-          <p:cNvSpPr>
-            <a:spLocks noGrp="1"/>
-          </p:cNvSpPr>
-          <p:nvPr>
-            <p:ph idx="1"/>
-          </p:nvPr>
-        </p:nvSpPr>
-        <p:spPr/>
-        <p:txBody>
-          <a:bodyPr/>
-          <a:lstStyle/>
-          <a:p>
+              <a:t>프로젝트로 이주</a:t>
+            </a:r>
+            <a:r>
+              <a:rPr lang="en-US" altLang="ko-KR" dirty="0"/>
+              <a:t>(Migration)</a:t>
+            </a:r>
+          </a:p>
+          <a:p>
+            <a:r>
+              <a:rPr lang="ko-KR" altLang="en-US" dirty="0"/>
+              <a:t>릴리즈 버전으로 빌드</a:t>
+            </a:r>
+            <a:endParaRPr lang="en-US" altLang="ko-KR" dirty="0"/>
+          </a:p>
+          <a:p>
+            <a:r>
+              <a:rPr lang="en-US" altLang="ko-KR" dirty="0"/>
+              <a:t>Visual Studio</a:t>
+            </a:r>
+            <a:r>
+              <a:rPr lang="ko-KR" altLang="en-US" dirty="0"/>
+              <a:t>와 상관없이 독립적으로 실행 가능한 상태의 </a:t>
+            </a:r>
+            <a:r>
+              <a:rPr lang="en-US" altLang="ko-KR" dirty="0"/>
+              <a:t>exe, </a:t>
+            </a:r>
             <a:r>
               <a:rPr lang="en-US" altLang="ko-KR" dirty="0" err="1"/>
-              <a:t>WinForm</a:t>
+              <a:t>dll</a:t>
+            </a:r>
+            <a:r>
+              <a:rPr lang="en-US" altLang="ko-KR" dirty="0"/>
+              <a:t>, </a:t>
+            </a:r>
+            <a:r>
+              <a:rPr lang="en-US" altLang="ko-KR" dirty="0" err="1"/>
+              <a:t>json</a:t>
+            </a:r>
+            <a:r>
+              <a:rPr lang="en-US" altLang="ko-KR" dirty="0"/>
+              <a:t> </a:t>
             </a:r>
             <a:r>
               <a:rPr lang="ko-KR" altLang="en-US" dirty="0"/>
-              <a:t>의 </a:t>
+              <a:t>파일을 압축하여 제출</a:t>
             </a:r>
             <a:r>
               <a:rPr lang="en-US" altLang="ko-KR" dirty="0"/>
-              <a:t>Invoke() </a:t>
-            </a:r>
-            <a:r>
-              <a:rPr lang="ko-KR" altLang="en-US" dirty="0"/>
-              <a:t>대신 </a:t>
-            </a:r>
-            <a:r>
-              <a:rPr lang="en-US" altLang="ko-KR" dirty="0" err="1"/>
-              <a:t>Dispatcher.Invoke</a:t>
-            </a:r>
-            <a:r>
-              <a:rPr lang="en-US" altLang="ko-KR" dirty="0"/>
-              <a:t>()</a:t>
-            </a:r>
-            <a:r>
-              <a:rPr lang="ko-KR" altLang="en-US" dirty="0"/>
-              <a:t>를 사용</a:t>
-            </a:r>
+              <a:t>!</a:t>
+            </a:r>
+            <a:endParaRPr lang="ko-KR" altLang="en-US" dirty="0">
+              <a:solidFill>
+                <a:schemeClr val="accent5"/>
+              </a:solidFill>
+            </a:endParaRPr>
           </a:p>
         </p:txBody>
       </p:sp>
@@ -10300,7 +10342,7 @@
           <p:cNvPr id="4" name="날짜 개체 틀 3">
             <a:extLst>
               <a:ext uri="{FF2B5EF4-FFF2-40B4-BE49-F238E27FC236}">
-                <a16:creationId xmlns:a16="http://schemas.microsoft.com/office/drawing/2014/main" id="{C1D9E62B-41C3-EAE7-FC4D-A52217EAF2A6}"/>
+                <a16:creationId xmlns:a16="http://schemas.microsoft.com/office/drawing/2014/main" id="{85B1AA7E-F2DB-3FA5-D889-B76B97F985AB}"/>
               </a:ext>
             </a:extLst>
           </p:cNvPr>
@@ -10318,7 +10360,7 @@
           <a:p>
             <a:fld id="{0F78D9C4-20C1-4B15-A116-16DC77AD9A1E}" type="datetime1">
               <a:rPr lang="ko-KR" altLang="en-US" smtClean="0"/>
-              <a:t>2025-05-22</a:t>
+              <a:t>2025-05-23</a:t>
             </a:fld>
             <a:endParaRPr lang="ko-KR" altLang="en-US"/>
           </a:p>
@@ -10329,7 +10371,7 @@
           <p:cNvPr id="5" name="슬라이드 번호 개체 틀 4">
             <a:extLst>
               <a:ext uri="{FF2B5EF4-FFF2-40B4-BE49-F238E27FC236}">
-                <a16:creationId xmlns:a16="http://schemas.microsoft.com/office/drawing/2014/main" id="{8EC48E86-E88D-A09E-31AE-AB8B359E898D}"/>
+                <a16:creationId xmlns:a16="http://schemas.microsoft.com/office/drawing/2014/main" id="{75B6E68E-5274-5F3A-F601-36F17D2AC2ED}"/>
               </a:ext>
             </a:extLst>
           </p:cNvPr>
@@ -10348,6 +10390,178 @@
             <a:fld id="{083A2CE0-18CD-4102-B738-4ACFF9E68BA4}" type="slidenum">
               <a:rPr lang="ko-KR" altLang="en-US" smtClean="0"/>
               <a:t>25</a:t>
+            </a:fld>
+            <a:endParaRPr lang="ko-KR" altLang="en-US"/>
+          </a:p>
+        </p:txBody>
+      </p:sp>
+    </p:spTree>
+    <p:extLst>
+      <p:ext uri="{BB962C8B-B14F-4D97-AF65-F5344CB8AC3E}">
+        <p14:creationId xmlns:p14="http://schemas.microsoft.com/office/powerpoint/2010/main" val="595807414"/>
+      </p:ext>
+    </p:extLst>
+  </p:cSld>
+  <p:clrMapOvr>
+    <a:masterClrMapping/>
+  </p:clrMapOvr>
+</p:sld>
+</file>
+
+<file path=ppt/slides/slide26.xml><?xml version="1.0" encoding="utf-8"?>
+<p:sld xmlns:a="http://schemas.openxmlformats.org/drawingml/2006/main" xmlns:r="http://schemas.openxmlformats.org/officeDocument/2006/relationships" xmlns:p="http://schemas.openxmlformats.org/presentationml/2006/main">
+  <p:cSld>
+    <p:spTree>
+      <p:nvGrpSpPr>
+        <p:cNvPr id="1" name=""/>
+        <p:cNvGrpSpPr/>
+        <p:nvPr/>
+      </p:nvGrpSpPr>
+      <p:grpSpPr>
+        <a:xfrm>
+          <a:off x="0" y="0"/>
+          <a:ext cx="0" cy="0"/>
+          <a:chOff x="0" y="0"/>
+          <a:chExt cx="0" cy="0"/>
+        </a:xfrm>
+      </p:grpSpPr>
+      <p:sp>
+        <p:nvSpPr>
+          <p:cNvPr id="2" name="제목 1">
+            <a:extLst>
+              <a:ext uri="{FF2B5EF4-FFF2-40B4-BE49-F238E27FC236}">
+                <a16:creationId xmlns:a16="http://schemas.microsoft.com/office/drawing/2014/main" id="{092A5A5D-A6A2-0396-AE2D-D5AC9FBCC51B}"/>
+              </a:ext>
+            </a:extLst>
+          </p:cNvPr>
+          <p:cNvSpPr>
+            <a:spLocks noGrp="1"/>
+          </p:cNvSpPr>
+          <p:nvPr>
+            <p:ph type="title"/>
+          </p:nvPr>
+        </p:nvSpPr>
+        <p:spPr/>
+        <p:txBody>
+          <a:bodyPr/>
+          <a:lstStyle/>
+          <a:p>
+            <a:r>
+              <a:rPr lang="en-US" altLang="ko-KR" dirty="0"/>
+              <a:t>WPF </a:t>
+            </a:r>
+            <a:r>
+              <a:rPr lang="ko-KR" altLang="en-US" dirty="0"/>
+              <a:t>크로스 스레드 해결</a:t>
+            </a:r>
+          </a:p>
+        </p:txBody>
+      </p:sp>
+      <p:sp>
+        <p:nvSpPr>
+          <p:cNvPr id="3" name="내용 개체 틀 2">
+            <a:extLst>
+              <a:ext uri="{FF2B5EF4-FFF2-40B4-BE49-F238E27FC236}">
+                <a16:creationId xmlns:a16="http://schemas.microsoft.com/office/drawing/2014/main" id="{2774465A-F72E-263F-030C-D356E0B12E04}"/>
+              </a:ext>
+            </a:extLst>
+          </p:cNvPr>
+          <p:cNvSpPr>
+            <a:spLocks noGrp="1"/>
+          </p:cNvSpPr>
+          <p:nvPr>
+            <p:ph idx="1"/>
+          </p:nvPr>
+        </p:nvSpPr>
+        <p:spPr/>
+        <p:txBody>
+          <a:bodyPr/>
+          <a:lstStyle/>
+          <a:p>
+            <a:r>
+              <a:rPr lang="en-US" altLang="ko-KR" dirty="0" err="1"/>
+              <a:t>WinForm</a:t>
+            </a:r>
+            <a:r>
+              <a:rPr lang="ko-KR" altLang="en-US" dirty="0"/>
+              <a:t>의 </a:t>
+            </a:r>
+            <a:r>
+              <a:rPr lang="en-US" altLang="ko-KR" dirty="0"/>
+              <a:t>Invoke() </a:t>
+            </a:r>
+            <a:r>
+              <a:rPr lang="ko-KR" altLang="en-US" dirty="0"/>
+              <a:t>대신 </a:t>
+            </a:r>
+            <a:r>
+              <a:rPr lang="en-US" altLang="ko-KR" dirty="0" err="1"/>
+              <a:t>Dispatcher.Invoke</a:t>
+            </a:r>
+            <a:r>
+              <a:rPr lang="en-US" altLang="ko-KR" dirty="0"/>
+              <a:t>()</a:t>
+            </a:r>
+            <a:r>
+              <a:rPr lang="ko-KR" altLang="en-US" dirty="0"/>
+              <a:t>를 사용</a:t>
+            </a:r>
+          </a:p>
+        </p:txBody>
+      </p:sp>
+      <p:sp>
+        <p:nvSpPr>
+          <p:cNvPr id="4" name="날짜 개체 틀 3">
+            <a:extLst>
+              <a:ext uri="{FF2B5EF4-FFF2-40B4-BE49-F238E27FC236}">
+                <a16:creationId xmlns:a16="http://schemas.microsoft.com/office/drawing/2014/main" id="{C1D9E62B-41C3-EAE7-FC4D-A52217EAF2A6}"/>
+              </a:ext>
+            </a:extLst>
+          </p:cNvPr>
+          <p:cNvSpPr>
+            <a:spLocks noGrp="1"/>
+          </p:cNvSpPr>
+          <p:nvPr>
+            <p:ph type="dt" sz="half" idx="10"/>
+          </p:nvPr>
+        </p:nvSpPr>
+        <p:spPr/>
+        <p:txBody>
+          <a:bodyPr/>
+          <a:lstStyle/>
+          <a:p>
+            <a:fld id="{0F78D9C4-20C1-4B15-A116-16DC77AD9A1E}" type="datetime1">
+              <a:rPr lang="ko-KR" altLang="en-US" smtClean="0"/>
+              <a:t>2025-05-23</a:t>
+            </a:fld>
+            <a:endParaRPr lang="ko-KR" altLang="en-US"/>
+          </a:p>
+        </p:txBody>
+      </p:sp>
+      <p:sp>
+        <p:nvSpPr>
+          <p:cNvPr id="5" name="슬라이드 번호 개체 틀 4">
+            <a:extLst>
+              <a:ext uri="{FF2B5EF4-FFF2-40B4-BE49-F238E27FC236}">
+                <a16:creationId xmlns:a16="http://schemas.microsoft.com/office/drawing/2014/main" id="{8EC48E86-E88D-A09E-31AE-AB8B359E898D}"/>
+              </a:ext>
+            </a:extLst>
+          </p:cNvPr>
+          <p:cNvSpPr>
+            <a:spLocks noGrp="1"/>
+          </p:cNvSpPr>
+          <p:nvPr>
+            <p:ph type="sldNum" sz="quarter" idx="12"/>
+          </p:nvPr>
+        </p:nvSpPr>
+        <p:spPr/>
+        <p:txBody>
+          <a:bodyPr/>
+          <a:lstStyle/>
+          <a:p>
+            <a:fld id="{083A2CE0-18CD-4102-B738-4ACFF9E68BA4}" type="slidenum">
+              <a:rPr lang="ko-KR" altLang="en-US" smtClean="0"/>
+              <a:t>26</a:t>
             </a:fld>
             <a:endParaRPr lang="ko-KR" altLang="en-US"/>
           </a:p>
@@ -10468,7 +10682,7 @@
           <a:p>
             <a:fld id="{0F78D9C4-20C1-4B15-A116-16DC77AD9A1E}" type="datetime1">
               <a:rPr lang="ko-KR" altLang="en-US" smtClean="0"/>
-              <a:t>2025-05-22</a:t>
+              <a:t>2025-05-23</a:t>
             </a:fld>
             <a:endParaRPr lang="ko-KR" altLang="en-US"/>
           </a:p>
@@ -10719,7 +10933,7 @@
           <a:p>
             <a:fld id="{0F78D9C4-20C1-4B15-A116-16DC77AD9A1E}" type="datetime1">
               <a:rPr lang="ko-KR" altLang="en-US" smtClean="0"/>
-              <a:t>2025-05-22</a:t>
+              <a:t>2025-05-23</a:t>
             </a:fld>
             <a:endParaRPr lang="ko-KR" altLang="en-US"/>
           </a:p>
@@ -10976,7 +11190,7 @@
           <a:p>
             <a:fld id="{0F78D9C4-20C1-4B15-A116-16DC77AD9A1E}" type="datetime1">
               <a:rPr lang="ko-KR" altLang="en-US" smtClean="0"/>
-              <a:t>2025-05-22</a:t>
+              <a:t>2025-05-23</a:t>
             </a:fld>
             <a:endParaRPr lang="ko-KR" altLang="en-US"/>
           </a:p>
@@ -11163,7 +11377,7 @@
           <a:p>
             <a:fld id="{0F78D9C4-20C1-4B15-A116-16DC77AD9A1E}" type="datetime1">
               <a:rPr lang="ko-KR" altLang="en-US" smtClean="0"/>
-              <a:t>2025-05-22</a:t>
+              <a:t>2025-05-23</a:t>
             </a:fld>
             <a:endParaRPr lang="ko-KR" altLang="en-US"/>
           </a:p>
@@ -11553,7 +11767,7 @@
           <a:p>
             <a:fld id="{0F78D9C4-20C1-4B15-A116-16DC77AD9A1E}" type="datetime1">
               <a:rPr lang="ko-KR" altLang="en-US" smtClean="0"/>
-              <a:t>2025-05-22</a:t>
+              <a:t>2025-05-23</a:t>
             </a:fld>
             <a:endParaRPr lang="ko-KR" altLang="en-US"/>
           </a:p>
@@ -11871,7 +12085,7 @@
           <a:p>
             <a:fld id="{0F78D9C4-20C1-4B15-A116-16DC77AD9A1E}" type="datetime1">
               <a:rPr lang="ko-KR" altLang="en-US" smtClean="0"/>
-              <a:t>2025-05-22</a:t>
+              <a:t>2025-05-23</a:t>
             </a:fld>
             <a:endParaRPr lang="ko-KR" altLang="en-US"/>
           </a:p>
@@ -12134,7 +12348,7 @@
           <a:p>
             <a:fld id="{0F78D9C4-20C1-4B15-A116-16DC77AD9A1E}" type="datetime1">
               <a:rPr lang="ko-KR" altLang="en-US" smtClean="0"/>
-              <a:t>2025-05-22</a:t>
+              <a:t>2025-05-23</a:t>
             </a:fld>
             <a:endParaRPr lang="ko-KR" altLang="en-US"/>
           </a:p>

--- a/material/19_CSharp_WPF (디자인 패턴).pptx
+++ b/material/19_CSharp_WPF (디자인 패턴).pptx
@@ -5,7 +5,7 @@
     <p:sldMasterId id="2147483672" r:id="rId1"/>
   </p:sldMasterIdLst>
   <p:notesMasterIdLst>
-    <p:notesMasterId r:id="rId28"/>
+    <p:notesMasterId r:id="rId20"/>
   </p:notesMasterIdLst>
   <p:sldIdLst>
     <p:sldId id="747" r:id="rId2"/>
@@ -14,43 +14,48 @@
     <p:sldId id="750" r:id="rId5"/>
     <p:sldId id="751" r:id="rId6"/>
     <p:sldId id="752" r:id="rId7"/>
-    <p:sldId id="753" r:id="rId8"/>
-    <p:sldId id="754" r:id="rId9"/>
-    <p:sldId id="755" r:id="rId10"/>
-    <p:sldId id="756" r:id="rId11"/>
-    <p:sldId id="743" r:id="rId12"/>
-    <p:sldId id="744" r:id="rId13"/>
-    <p:sldId id="745" r:id="rId14"/>
-    <p:sldId id="681" r:id="rId15"/>
-    <p:sldId id="746" r:id="rId16"/>
-    <p:sldId id="677" r:id="rId17"/>
-    <p:sldId id="680" r:id="rId18"/>
-    <p:sldId id="741" r:id="rId19"/>
-    <p:sldId id="742" r:id="rId20"/>
-    <p:sldId id="690" r:id="rId21"/>
-    <p:sldId id="687" r:id="rId22"/>
-    <p:sldId id="688" r:id="rId23"/>
-    <p:sldId id="738" r:id="rId24"/>
-    <p:sldId id="739" r:id="rId25"/>
-    <p:sldId id="685" r:id="rId26"/>
-    <p:sldId id="740" r:id="rId27"/>
+    <p:sldId id="754" r:id="rId8"/>
+    <p:sldId id="755" r:id="rId9"/>
+    <p:sldId id="756" r:id="rId10"/>
+    <p:sldId id="743" r:id="rId11"/>
+    <p:sldId id="744" r:id="rId12"/>
+    <p:sldId id="745" r:id="rId13"/>
+    <p:sldId id="681" r:id="rId14"/>
+    <p:sldId id="746" r:id="rId15"/>
+    <p:sldId id="677" r:id="rId16"/>
+    <p:sldId id="680" r:id="rId17"/>
+    <p:sldId id="741" r:id="rId18"/>
+    <p:sldId id="742" r:id="rId19"/>
   </p:sldIdLst>
   <p:sldSz cx="12192000" cy="6858000"/>
   <p:notesSz cx="6858000" cy="9144000"/>
   <p:embeddedFontLst>
     <p:embeddedFont>
-      <p:font typeface="Pretendard GOV" panose="020B0600000101010101" charset="-127"/>
-      <p:regular r:id="rId29"/>
-      <p:bold r:id="rId30"/>
+      <p:font typeface="Pretendard Black" panose="02000A03000000020004" pitchFamily="2" charset="-127"/>
+      <p:bold r:id="rId21"/>
     </p:embeddedFont>
     <p:embeddedFont>
-      <p:font typeface="Pretendard Black" panose="02000A03000000020004" pitchFamily="2" charset="-127"/>
-      <p:bold r:id="rId31"/>
+      <p:font typeface="AppleSDGothicNeoH00" panose="020B0600000101010101" charset="-127"/>
+      <p:regular r:id="rId22"/>
+    </p:embeddedFont>
+    <p:embeddedFont>
+      <p:font typeface="AppleSDGothicNeoB00" panose="020B0600000101010101" pitchFamily="50" charset="-127"/>
+      <p:regular r:id="rId23"/>
+    </p:embeddedFont>
+    <p:embeddedFont>
+      <p:font typeface="Pretendard GOV" panose="020B0600000101010101" charset="-127"/>
+      <p:regular r:id="rId24"/>
+      <p:bold r:id="rId25"/>
+    </p:embeddedFont>
+    <p:embeddedFont>
+      <p:font typeface="Pretendard" panose="02000503000000020004" pitchFamily="2" charset="-127"/>
+      <p:regular r:id="rId26"/>
+      <p:bold r:id="rId27"/>
     </p:embeddedFont>
     <p:embeddedFont>
       <p:font typeface="맑은 고딕" panose="020B0503020000020004" pitchFamily="50" charset="-127"/>
-      <p:regular r:id="rId32"/>
-      <p:bold r:id="rId33"/>
+      <p:regular r:id="rId28"/>
+      <p:bold r:id="rId29"/>
     </p:embeddedFont>
   </p:embeddedFontLst>
   <p:defaultTextStyle>
@@ -241,7 +246,7 @@
           <a:p>
             <a:fld id="{2EF3F159-7250-4DD4-91C2-13B35D56E1AF}" type="datetimeFigureOut">
               <a:rPr lang="ko-KR" altLang="en-US" smtClean="0"/>
-              <a:t>2025-05-23</a:t>
+              <a:t>2025-05-25</a:t>
             </a:fld>
             <a:endParaRPr lang="ko-KR" altLang="en-US"/>
           </a:p>
@@ -636,10 +641,6 @@
           <a:bodyPr/>
           <a:lstStyle/>
           <a:p>
-            <a:r>
-              <a:rPr lang="en-US" altLang="ko-KR" dirty="0"/>
-              <a:t>https://itisguide.tistory.com/4</a:t>
-            </a:r>
             <a:endParaRPr lang="ko-KR" altLang="en-US" dirty="0"/>
           </a:p>
         </p:txBody>
@@ -661,7 +662,7 @@
           <a:p>
             <a:fld id="{C09E5BFC-1559-42F1-8940-AB342D56BF02}" type="slidenum">
               <a:rPr lang="ko-KR" altLang="en-US" smtClean="0"/>
-              <a:t>20</a:t>
+              <a:t>15</a:t>
             </a:fld>
             <a:endParaRPr lang="ko-KR" altLang="en-US"/>
           </a:p>
@@ -670,7 +671,334 @@
     </p:spTree>
     <p:extLst>
       <p:ext uri="{BB962C8B-B14F-4D97-AF65-F5344CB8AC3E}">
-        <p14:creationId xmlns:p14="http://schemas.microsoft.com/office/powerpoint/2010/main" val="983904519"/>
+        <p14:creationId xmlns:p14="http://schemas.microsoft.com/office/powerpoint/2010/main" val="1487852166"/>
+      </p:ext>
+    </p:extLst>
+  </p:cSld>
+  <p:clrMapOvr>
+    <a:masterClrMapping/>
+  </p:clrMapOvr>
+</p:notes>
+</file>
+
+<file path=ppt/notesSlides/notesSlide11.xml><?xml version="1.0" encoding="utf-8"?>
+<p:notes xmlns:a="http://schemas.openxmlformats.org/drawingml/2006/main" xmlns:r="http://schemas.openxmlformats.org/officeDocument/2006/relationships" xmlns:p="http://schemas.openxmlformats.org/presentationml/2006/main">
+  <p:cSld>
+    <p:spTree>
+      <p:nvGrpSpPr>
+        <p:cNvPr id="1" name=""/>
+        <p:cNvGrpSpPr/>
+        <p:nvPr/>
+      </p:nvGrpSpPr>
+      <p:grpSpPr>
+        <a:xfrm>
+          <a:off x="0" y="0"/>
+          <a:ext cx="0" cy="0"/>
+          <a:chOff x="0" y="0"/>
+          <a:chExt cx="0" cy="0"/>
+        </a:xfrm>
+      </p:grpSpPr>
+      <p:sp>
+        <p:nvSpPr>
+          <p:cNvPr id="2" name="슬라이드 이미지 개체 틀 1"/>
+          <p:cNvSpPr>
+            <a:spLocks noGrp="1" noRot="1" noChangeAspect="1"/>
+          </p:cNvSpPr>
+          <p:nvPr>
+            <p:ph type="sldImg"/>
+          </p:nvPr>
+        </p:nvSpPr>
+        <p:spPr/>
+      </p:sp>
+      <p:sp>
+        <p:nvSpPr>
+          <p:cNvPr id="3" name="슬라이드 노트 개체 틀 2"/>
+          <p:cNvSpPr>
+            <a:spLocks noGrp="1"/>
+          </p:cNvSpPr>
+          <p:nvPr>
+            <p:ph type="body" idx="1"/>
+          </p:nvPr>
+        </p:nvSpPr>
+        <p:spPr/>
+        <p:txBody>
+          <a:bodyPr/>
+          <a:lstStyle/>
+          <a:p>
+            <a:pPr marL="0" marR="0" lvl="0" indent="0" algn="l" defTabSz="914400" rtl="0" eaLnBrk="1" fontAlgn="auto" latinLnBrk="1" hangingPunct="1">
+              <a:lnSpc>
+                <a:spcPct val="100000"/>
+              </a:lnSpc>
+              <a:spcBef>
+                <a:spcPts val="0"/>
+              </a:spcBef>
+              <a:spcAft>
+                <a:spcPts val="0"/>
+              </a:spcAft>
+              <a:buClrTx/>
+              <a:buSzTx/>
+              <a:buFontTx/>
+              <a:buNone/>
+              <a:tabLst/>
+              <a:defRPr/>
+            </a:pPr>
+            <a:r>
+              <a:rPr lang="en-US" altLang="ko-KR" dirty="0"/>
+              <a:t>https://devbong.tistory.com/34</a:t>
+            </a:r>
+            <a:endParaRPr lang="ko-KR" altLang="en-US" dirty="0"/>
+          </a:p>
+          <a:p>
+            <a:endParaRPr lang="ko-KR" altLang="en-US" dirty="0"/>
+          </a:p>
+          <a:p>
+            <a:endParaRPr lang="ko-KR" altLang="en-US" dirty="0"/>
+          </a:p>
+        </p:txBody>
+      </p:sp>
+      <p:sp>
+        <p:nvSpPr>
+          <p:cNvPr id="4" name="슬라이드 번호 개체 틀 3"/>
+          <p:cNvSpPr>
+            <a:spLocks noGrp="1"/>
+          </p:cNvSpPr>
+          <p:nvPr>
+            <p:ph type="sldNum" sz="quarter" idx="5"/>
+          </p:nvPr>
+        </p:nvSpPr>
+        <p:spPr/>
+        <p:txBody>
+          <a:bodyPr/>
+          <a:lstStyle/>
+          <a:p>
+            <a:fld id="{C09E5BFC-1559-42F1-8940-AB342D56BF02}" type="slidenum">
+              <a:rPr lang="ko-KR" altLang="en-US" smtClean="0"/>
+              <a:t>16</a:t>
+            </a:fld>
+            <a:endParaRPr lang="ko-KR" altLang="en-US"/>
+          </a:p>
+        </p:txBody>
+      </p:sp>
+    </p:spTree>
+    <p:extLst>
+      <p:ext uri="{BB962C8B-B14F-4D97-AF65-F5344CB8AC3E}">
+        <p14:creationId xmlns:p14="http://schemas.microsoft.com/office/powerpoint/2010/main" val="4234280221"/>
+      </p:ext>
+    </p:extLst>
+  </p:cSld>
+  <p:clrMapOvr>
+    <a:masterClrMapping/>
+  </p:clrMapOvr>
+</p:notes>
+</file>
+
+<file path=ppt/notesSlides/notesSlide12.xml><?xml version="1.0" encoding="utf-8"?>
+<p:notes xmlns:a="http://schemas.openxmlformats.org/drawingml/2006/main" xmlns:r="http://schemas.openxmlformats.org/officeDocument/2006/relationships" xmlns:p="http://schemas.openxmlformats.org/presentationml/2006/main">
+  <p:cSld>
+    <p:spTree>
+      <p:nvGrpSpPr>
+        <p:cNvPr id="1" name=""/>
+        <p:cNvGrpSpPr/>
+        <p:nvPr/>
+      </p:nvGrpSpPr>
+      <p:grpSpPr>
+        <a:xfrm>
+          <a:off x="0" y="0"/>
+          <a:ext cx="0" cy="0"/>
+          <a:chOff x="0" y="0"/>
+          <a:chExt cx="0" cy="0"/>
+        </a:xfrm>
+      </p:grpSpPr>
+      <p:sp>
+        <p:nvSpPr>
+          <p:cNvPr id="2" name="슬라이드 이미지 개체 틀 1"/>
+          <p:cNvSpPr>
+            <a:spLocks noGrp="1" noRot="1" noChangeAspect="1"/>
+          </p:cNvSpPr>
+          <p:nvPr>
+            <p:ph type="sldImg"/>
+          </p:nvPr>
+        </p:nvSpPr>
+        <p:spPr/>
+      </p:sp>
+      <p:sp>
+        <p:nvSpPr>
+          <p:cNvPr id="3" name="슬라이드 노트 개체 틀 2"/>
+          <p:cNvSpPr>
+            <a:spLocks noGrp="1"/>
+          </p:cNvSpPr>
+          <p:nvPr>
+            <p:ph type="body" idx="1"/>
+          </p:nvPr>
+        </p:nvSpPr>
+        <p:spPr/>
+        <p:txBody>
+          <a:bodyPr/>
+          <a:lstStyle/>
+          <a:p>
+            <a:pPr marL="0" marR="0" lvl="0" indent="0" algn="l" defTabSz="914400" rtl="0" eaLnBrk="1" fontAlgn="auto" latinLnBrk="1" hangingPunct="1">
+              <a:lnSpc>
+                <a:spcPct val="100000"/>
+              </a:lnSpc>
+              <a:spcBef>
+                <a:spcPts val="0"/>
+              </a:spcBef>
+              <a:spcAft>
+                <a:spcPts val="0"/>
+              </a:spcAft>
+              <a:buClrTx/>
+              <a:buSzTx/>
+              <a:buFontTx/>
+              <a:buNone/>
+              <a:tabLst/>
+              <a:defRPr/>
+            </a:pPr>
+            <a:r>
+              <a:rPr lang="en-US" altLang="ko-KR" dirty="0"/>
+              <a:t>https://devbong.tistory.com/34</a:t>
+            </a:r>
+            <a:endParaRPr lang="ko-KR" altLang="en-US" dirty="0"/>
+          </a:p>
+          <a:p>
+            <a:endParaRPr lang="ko-KR" altLang="en-US" dirty="0"/>
+          </a:p>
+        </p:txBody>
+      </p:sp>
+      <p:sp>
+        <p:nvSpPr>
+          <p:cNvPr id="4" name="슬라이드 번호 개체 틀 3"/>
+          <p:cNvSpPr>
+            <a:spLocks noGrp="1"/>
+          </p:cNvSpPr>
+          <p:nvPr>
+            <p:ph type="sldNum" sz="quarter" idx="5"/>
+          </p:nvPr>
+        </p:nvSpPr>
+        <p:spPr/>
+        <p:txBody>
+          <a:bodyPr/>
+          <a:lstStyle/>
+          <a:p>
+            <a:fld id="{C09E5BFC-1559-42F1-8940-AB342D56BF02}" type="slidenum">
+              <a:rPr lang="ko-KR" altLang="en-US" smtClean="0"/>
+              <a:t>17</a:t>
+            </a:fld>
+            <a:endParaRPr lang="ko-KR" altLang="en-US"/>
+          </a:p>
+        </p:txBody>
+      </p:sp>
+    </p:spTree>
+    <p:extLst>
+      <p:ext uri="{BB962C8B-B14F-4D97-AF65-F5344CB8AC3E}">
+        <p14:creationId xmlns:p14="http://schemas.microsoft.com/office/powerpoint/2010/main" val="3277542341"/>
+      </p:ext>
+    </p:extLst>
+  </p:cSld>
+  <p:clrMapOvr>
+    <a:masterClrMapping/>
+  </p:clrMapOvr>
+</p:notes>
+</file>
+
+<file path=ppt/notesSlides/notesSlide13.xml><?xml version="1.0" encoding="utf-8"?>
+<p:notes xmlns:a="http://schemas.openxmlformats.org/drawingml/2006/main" xmlns:r="http://schemas.openxmlformats.org/officeDocument/2006/relationships" xmlns:p="http://schemas.openxmlformats.org/presentationml/2006/main">
+  <p:cSld>
+    <p:spTree>
+      <p:nvGrpSpPr>
+        <p:cNvPr id="1" name=""/>
+        <p:cNvGrpSpPr/>
+        <p:nvPr/>
+      </p:nvGrpSpPr>
+      <p:grpSpPr>
+        <a:xfrm>
+          <a:off x="0" y="0"/>
+          <a:ext cx="0" cy="0"/>
+          <a:chOff x="0" y="0"/>
+          <a:chExt cx="0" cy="0"/>
+        </a:xfrm>
+      </p:grpSpPr>
+      <p:sp>
+        <p:nvSpPr>
+          <p:cNvPr id="2" name="슬라이드 이미지 개체 틀 1"/>
+          <p:cNvSpPr>
+            <a:spLocks noGrp="1" noRot="1" noChangeAspect="1"/>
+          </p:cNvSpPr>
+          <p:nvPr>
+            <p:ph type="sldImg"/>
+          </p:nvPr>
+        </p:nvSpPr>
+        <p:spPr/>
+      </p:sp>
+      <p:sp>
+        <p:nvSpPr>
+          <p:cNvPr id="3" name="슬라이드 노트 개체 틀 2"/>
+          <p:cNvSpPr>
+            <a:spLocks noGrp="1"/>
+          </p:cNvSpPr>
+          <p:nvPr>
+            <p:ph type="body" idx="1"/>
+          </p:nvPr>
+        </p:nvSpPr>
+        <p:spPr/>
+        <p:txBody>
+          <a:bodyPr/>
+          <a:lstStyle/>
+          <a:p>
+            <a:pPr marL="0" marR="0" lvl="0" indent="0" algn="l" defTabSz="914400" rtl="0" eaLnBrk="1" fontAlgn="auto" latinLnBrk="1" hangingPunct="1">
+              <a:lnSpc>
+                <a:spcPct val="100000"/>
+              </a:lnSpc>
+              <a:spcBef>
+                <a:spcPts val="0"/>
+              </a:spcBef>
+              <a:spcAft>
+                <a:spcPts val="0"/>
+              </a:spcAft>
+              <a:buClrTx/>
+              <a:buSzTx/>
+              <a:buFontTx/>
+              <a:buNone/>
+              <a:tabLst/>
+              <a:defRPr/>
+            </a:pPr>
+            <a:r>
+              <a:rPr lang="en-US" altLang="ko-KR" dirty="0"/>
+              <a:t>https://devbong.tistory.com/34</a:t>
+            </a:r>
+            <a:endParaRPr lang="ko-KR" altLang="en-US" dirty="0"/>
+          </a:p>
+          <a:p>
+            <a:endParaRPr lang="ko-KR" altLang="en-US" dirty="0"/>
+          </a:p>
+        </p:txBody>
+      </p:sp>
+      <p:sp>
+        <p:nvSpPr>
+          <p:cNvPr id="4" name="슬라이드 번호 개체 틀 3"/>
+          <p:cNvSpPr>
+            <a:spLocks noGrp="1"/>
+          </p:cNvSpPr>
+          <p:nvPr>
+            <p:ph type="sldNum" sz="quarter" idx="5"/>
+          </p:nvPr>
+        </p:nvSpPr>
+        <p:spPr/>
+        <p:txBody>
+          <a:bodyPr/>
+          <a:lstStyle/>
+          <a:p>
+            <a:fld id="{C09E5BFC-1559-42F1-8940-AB342D56BF02}" type="slidenum">
+              <a:rPr lang="ko-KR" altLang="en-US" smtClean="0"/>
+              <a:t>18</a:t>
+            </a:fld>
+            <a:endParaRPr lang="ko-KR" altLang="en-US"/>
+          </a:p>
+        </p:txBody>
+      </p:sp>
+    </p:spTree>
+    <p:extLst>
+      <p:ext uri="{BB962C8B-B14F-4D97-AF65-F5344CB8AC3E}">
+        <p14:creationId xmlns:p14="http://schemas.microsoft.com/office/powerpoint/2010/main" val="711147641"/>
       </p:ext>
     </p:extLst>
   </p:cSld>
@@ -725,45 +1053,159 @@
           <a:lstStyle/>
           <a:p>
             <a:r>
-              <a:rPr lang="ko-KR" altLang="en-US"/>
-              <a:t>새로운 언어를 배울 때는 내가 알고 있는 기존 언어와 차이점만 기억을 하면 됨</a:t>
-            </a:r>
-            <a:r>
-              <a:rPr lang="en-US" altLang="ko-KR"/>
+              <a:rPr lang="en-US" altLang="ko-KR" dirty="0" smtClean="0"/>
+              <a:t>.NET</a:t>
+            </a:r>
+            <a:r>
+              <a:rPr lang="ko-KR" altLang="en-US" dirty="0" smtClean="0"/>
+              <a:t>에서 사용하는 패키지 관리 도구</a:t>
+            </a:r>
+            <a:endParaRPr lang="en-US" altLang="ko-KR" dirty="0" smtClean="0"/>
+          </a:p>
+          <a:p>
+            <a:r>
+              <a:rPr lang="ko-KR" altLang="en-US" dirty="0" smtClean="0"/>
+              <a:t>다른 사람들이 만들어 놓은 라이브러리를 편하게 다운 받고 사용할 수 있게 해주는 앱스토어 같은 역할</a:t>
+            </a:r>
+            <a:endParaRPr lang="en-US" altLang="ko-KR" dirty="0" smtClean="0"/>
+          </a:p>
+          <a:p>
+            <a:endParaRPr lang="en-US" altLang="ko-KR" dirty="0" smtClean="0"/>
+          </a:p>
+          <a:p>
+            <a:r>
+              <a:rPr lang="en-US" altLang="ko-KR" dirty="0" smtClean="0"/>
               <a:t>.</a:t>
             </a:r>
-          </a:p>
-          <a:p>
-            <a:endParaRPr lang="en-US" altLang="ko-KR"/>
-          </a:p>
-          <a:p>
-            <a:r>
-              <a:rPr lang="ko-KR" altLang="en-US"/>
-              <a:t>자세한 문법 또는 함수의 사용법은 그때그때 검색을 통해 찾아보고 적용하면 됨</a:t>
-            </a:r>
-            <a:r>
-              <a:rPr lang="en-US" altLang="ko-KR"/>
+            <a:r>
+              <a:rPr lang="en-US" altLang="ko-KR" dirty="0" err="1" smtClean="0"/>
+              <a:t>nupkg</a:t>
+            </a:r>
+            <a:r>
+              <a:rPr lang="en-US" altLang="ko-KR" baseline="0" dirty="0" smtClean="0"/>
+              <a:t> </a:t>
+            </a:r>
+            <a:r>
+              <a:rPr lang="ko-KR" altLang="en-US" baseline="0" dirty="0" smtClean="0"/>
+              <a:t>라는 </a:t>
+            </a:r>
+            <a:r>
+              <a:rPr lang="ko-KR" altLang="en-US" baseline="0" dirty="0" err="1" smtClean="0"/>
+              <a:t>확장자를</a:t>
+            </a:r>
+            <a:r>
+              <a:rPr lang="ko-KR" altLang="en-US" baseline="0" dirty="0" smtClean="0"/>
+              <a:t> 가짐</a:t>
+            </a:r>
+            <a:r>
+              <a:rPr lang="en-US" altLang="ko-KR" baseline="0" dirty="0" smtClean="0"/>
               <a:t>. </a:t>
             </a:r>
-          </a:p>
-          <a:p>
-            <a:endParaRPr lang="en-US" altLang="ko-KR"/>
-          </a:p>
-          <a:p>
-            <a:r>
-              <a:rPr lang="ko-KR" altLang="en-US"/>
-              <a:t>이론을 충분히 공부하고 무언가 시작하기 보다는 일단 시작하고 부딪히는 곳을 적극적으로 검색하여 찾아보며 해결해나가는 것이 훨씬 좋음</a:t>
-            </a:r>
-            <a:r>
-              <a:rPr lang="en-US" altLang="ko-KR"/>
+            <a:r>
+              <a:rPr lang="ko-KR" altLang="en-US" baseline="0" dirty="0" smtClean="0"/>
+              <a:t>실제로 </a:t>
+            </a:r>
+            <a:r>
+              <a:rPr lang="en-US" altLang="ko-KR" baseline="0" dirty="0" smtClean="0"/>
+              <a:t>zip </a:t>
+            </a:r>
+            <a:r>
+              <a:rPr lang="ko-KR" altLang="en-US" baseline="0" dirty="0" smtClean="0"/>
+              <a:t>압축 파일</a:t>
+            </a:r>
+            <a:endParaRPr lang="en-US" altLang="ko-KR" baseline="0" dirty="0" smtClean="0"/>
+          </a:p>
+          <a:p>
+            <a:r>
+              <a:rPr lang="ko-KR" altLang="en-US" baseline="0" dirty="0" smtClean="0"/>
+              <a:t>내부에는</a:t>
+            </a:r>
+            <a:endParaRPr lang="en-US" altLang="ko-KR" baseline="0" dirty="0" smtClean="0"/>
+          </a:p>
+          <a:p>
+            <a:r>
+              <a:rPr lang="en-US" altLang="ko-KR" baseline="0" dirty="0" smtClean="0"/>
               <a:t>.</a:t>
             </a:r>
-          </a:p>
-          <a:p>
-            <a:endParaRPr lang="en-US" altLang="ko-KR"/>
-          </a:p>
-          <a:p>
-            <a:endParaRPr lang="ko-KR" altLang="en-US"/>
+            <a:r>
+              <a:rPr lang="en-US" altLang="ko-KR" baseline="0" dirty="0" err="1" smtClean="0"/>
+              <a:t>dll</a:t>
+            </a:r>
+            <a:r>
+              <a:rPr lang="en-US" altLang="ko-KR" baseline="0" dirty="0" smtClean="0"/>
+              <a:t> </a:t>
+            </a:r>
+            <a:r>
+              <a:rPr lang="ko-KR" altLang="en-US" baseline="0" dirty="0" smtClean="0"/>
+              <a:t>파일 </a:t>
+            </a:r>
+            <a:r>
+              <a:rPr lang="en-US" altLang="ko-KR" baseline="0" dirty="0" smtClean="0"/>
+              <a:t>– </a:t>
+            </a:r>
+            <a:r>
+              <a:rPr lang="ko-KR" altLang="en-US" baseline="0" dirty="0" smtClean="0"/>
+              <a:t>실제로 우리가 사용하는 라이브러리 </a:t>
+            </a:r>
+            <a:r>
+              <a:rPr lang="en-US" altLang="ko-KR" baseline="0" dirty="0" smtClean="0"/>
+              <a:t>(</a:t>
+            </a:r>
+            <a:r>
+              <a:rPr lang="ko-KR" altLang="en-US" baseline="0" dirty="0" err="1" smtClean="0"/>
+              <a:t>컴파일된</a:t>
+            </a:r>
+            <a:r>
+              <a:rPr lang="ko-KR" altLang="en-US" baseline="0" dirty="0" smtClean="0"/>
+              <a:t> 코드</a:t>
+            </a:r>
+            <a:r>
+              <a:rPr lang="en-US" altLang="ko-KR" baseline="0" dirty="0" smtClean="0"/>
+              <a:t>)</a:t>
+            </a:r>
+          </a:p>
+          <a:p>
+            <a:r>
+              <a:rPr lang="en-US" altLang="ko-KR" baseline="0" dirty="0" smtClean="0"/>
+              <a:t>.</a:t>
+            </a:r>
+            <a:r>
+              <a:rPr lang="en-US" altLang="ko-KR" baseline="0" dirty="0" err="1" smtClean="0"/>
+              <a:t>nuspec</a:t>
+            </a:r>
+            <a:r>
+              <a:rPr lang="en-US" altLang="ko-KR" baseline="0" dirty="0" smtClean="0"/>
+              <a:t> </a:t>
+            </a:r>
+            <a:r>
+              <a:rPr lang="ko-KR" altLang="en-US" baseline="0" dirty="0" smtClean="0"/>
+              <a:t>파일 </a:t>
+            </a:r>
+            <a:r>
+              <a:rPr lang="en-US" altLang="ko-KR" baseline="0" dirty="0" smtClean="0"/>
+              <a:t>– </a:t>
+            </a:r>
+            <a:r>
+              <a:rPr lang="ko-KR" altLang="en-US" baseline="0" dirty="0" smtClean="0"/>
+              <a:t>이 패키지의 이름</a:t>
+            </a:r>
+            <a:r>
+              <a:rPr lang="en-US" altLang="ko-KR" baseline="0" dirty="0" smtClean="0"/>
+              <a:t>, </a:t>
+            </a:r>
+            <a:r>
+              <a:rPr lang="ko-KR" altLang="en-US" baseline="0" dirty="0" smtClean="0"/>
+              <a:t>버전</a:t>
+            </a:r>
+            <a:r>
+              <a:rPr lang="en-US" altLang="ko-KR" baseline="0" dirty="0" smtClean="0"/>
+              <a:t>, </a:t>
+            </a:r>
+            <a:r>
+              <a:rPr lang="ko-KR" altLang="en-US" baseline="0" dirty="0" smtClean="0"/>
+              <a:t>설명 등을 정의한 메타데이터</a:t>
+            </a:r>
+            <a:endParaRPr lang="ko-KR" altLang="en-US" dirty="0"/>
           </a:p>
         </p:txBody>
       </p:sp>
@@ -774,7 +1216,7 @@
             <a:spLocks noGrp="1"/>
           </p:cNvSpPr>
           <p:nvPr>
-            <p:ph type="sldNum" sz="quarter" idx="5"/>
+            <p:ph type="sldNum" sz="quarter" idx="10"/>
           </p:nvPr>
         </p:nvSpPr>
         <p:spPr/>
@@ -784,7 +1226,7 @@
           <a:p>
             <a:fld id="{C09E5BFC-1559-42F1-8940-AB342D56BF02}" type="slidenum">
               <a:rPr lang="ko-KR" altLang="en-US" smtClean="0"/>
-              <a:t>10</a:t>
+              <a:t>2</a:t>
             </a:fld>
             <a:endParaRPr lang="ko-KR" altLang="en-US"/>
           </a:p>
@@ -793,7 +1235,7 @@
     </p:spTree>
     <p:extLst>
       <p:ext uri="{BB962C8B-B14F-4D97-AF65-F5344CB8AC3E}">
-        <p14:creationId xmlns:p14="http://schemas.microsoft.com/office/powerpoint/2010/main" val="50755295"/>
+        <p14:creationId xmlns:p14="http://schemas.microsoft.com/office/powerpoint/2010/main" val="3401696141"/>
       </p:ext>
     </p:extLst>
   </p:cSld>
@@ -848,10 +1290,162 @@
           <a:lstStyle/>
           <a:p>
             <a:r>
-              <a:rPr lang="en-US" altLang="ko-KR" dirty="0"/>
-              <a:t>https://oobwrite.com/entry/%EB%94%94%EC%9E%90%EC%9D%B8-%ED%8C%A8%ED%84%B4Design-Pattern-%EC%B4%9D%EC%A0%95%EB%A6%AC-23%EA%B0%80%EC%A7%80-%EB%94%94%EC%9E%90%EC%9D%B8-%ED%8C%A8%ED%84%B4-%EC%A0%95%EC%9D%98-%EC%A2%85%EB%A5%98-%EC%9E%A5%EB%8B%A8%EC%A0%90</a:t>
-            </a:r>
-            <a:endParaRPr lang="ko-KR" altLang="en-US" dirty="0"/>
+              <a:rPr lang="en-US" altLang="ko-KR" dirty="0" smtClean="0"/>
+              <a:t>C#</a:t>
+            </a:r>
+            <a:r>
+              <a:rPr lang="ko-KR" altLang="en-US" baseline="0" dirty="0" smtClean="0"/>
+              <a:t> 환경에서 사용할 수 있는 오픈 소스 차트 그리기 라이브러리</a:t>
+            </a:r>
+            <a:endParaRPr lang="en-US" altLang="ko-KR" baseline="0" dirty="0" smtClean="0"/>
+          </a:p>
+          <a:p>
+            <a:r>
+              <a:rPr lang="en-US" altLang="ko-KR" baseline="0" dirty="0" smtClean="0"/>
+              <a:t>When?</a:t>
+            </a:r>
+          </a:p>
+          <a:p>
+            <a:pPr marL="171450" indent="-171450">
+              <a:buFontTx/>
+              <a:buChar char="-"/>
+            </a:pPr>
+            <a:r>
+              <a:rPr lang="ko-KR" altLang="en-US" baseline="0" dirty="0" smtClean="0"/>
+              <a:t>센서 데이터 시각화 </a:t>
+            </a:r>
+            <a:r>
+              <a:rPr lang="en-US" altLang="ko-KR" baseline="0" dirty="0" smtClean="0"/>
+              <a:t>(</a:t>
+            </a:r>
+            <a:r>
+              <a:rPr lang="ko-KR" altLang="en-US" baseline="0" dirty="0" smtClean="0"/>
+              <a:t>온도</a:t>
+            </a:r>
+            <a:r>
+              <a:rPr lang="en-US" altLang="ko-KR" baseline="0" dirty="0" smtClean="0"/>
+              <a:t>, </a:t>
+            </a:r>
+            <a:r>
+              <a:rPr lang="ko-KR" altLang="en-US" baseline="0" dirty="0" smtClean="0"/>
+              <a:t>습도</a:t>
+            </a:r>
+            <a:r>
+              <a:rPr lang="en-US" altLang="ko-KR" baseline="0" dirty="0" smtClean="0"/>
+              <a:t> </a:t>
+            </a:r>
+            <a:r>
+              <a:rPr lang="ko-KR" altLang="en-US" baseline="0" dirty="0" smtClean="0"/>
+              <a:t>등</a:t>
+            </a:r>
+            <a:r>
+              <a:rPr lang="en-US" altLang="ko-KR" baseline="0" dirty="0" smtClean="0"/>
+              <a:t>)</a:t>
+            </a:r>
+          </a:p>
+          <a:p>
+            <a:pPr marL="171450" indent="-171450">
+              <a:buFontTx/>
+              <a:buChar char="-"/>
+            </a:pPr>
+            <a:r>
+              <a:rPr lang="ko-KR" altLang="en-US" baseline="0" dirty="0" smtClean="0"/>
+              <a:t>주식 차트 만들기</a:t>
+            </a:r>
+            <a:endParaRPr lang="en-US" altLang="ko-KR" baseline="0" dirty="0" smtClean="0"/>
+          </a:p>
+          <a:p>
+            <a:pPr marL="171450" indent="-171450">
+              <a:buFontTx/>
+              <a:buChar char="-"/>
+            </a:pPr>
+            <a:r>
+              <a:rPr lang="ko-KR" altLang="en-US" baseline="0" dirty="0" smtClean="0"/>
+              <a:t>통계 그래프</a:t>
+            </a:r>
+            <a:endParaRPr lang="en-US" altLang="ko-KR" baseline="0" dirty="0" smtClean="0"/>
+          </a:p>
+          <a:p>
+            <a:pPr marL="171450" indent="-171450">
+              <a:buFontTx/>
+              <a:buChar char="-"/>
+            </a:pPr>
+            <a:r>
+              <a:rPr lang="ko-KR" altLang="en-US" dirty="0" smtClean="0"/>
+              <a:t>스마트 </a:t>
+            </a:r>
+            <a:r>
+              <a:rPr lang="ko-KR" altLang="en-US" dirty="0" err="1" smtClean="0"/>
+              <a:t>팩토리</a:t>
+            </a:r>
+            <a:r>
+              <a:rPr lang="ko-KR" altLang="en-US" dirty="0" smtClean="0"/>
+              <a:t> 프로젝트에서 실시간 모니터링 </a:t>
+            </a:r>
+            <a:r>
+              <a:rPr lang="en-US" altLang="ko-KR" dirty="0" smtClean="0"/>
+              <a:t>UI </a:t>
+            </a:r>
+            <a:r>
+              <a:rPr lang="ko-KR" altLang="en-US" dirty="0" smtClean="0"/>
+              <a:t>만들 때 사용하기 아주 적합</a:t>
+            </a:r>
+            <a:endParaRPr lang="en-US" altLang="ko-KR" dirty="0" smtClean="0"/>
+          </a:p>
+          <a:p>
+            <a:pPr marL="171450" indent="-171450">
+              <a:buFontTx/>
+              <a:buChar char="-"/>
+            </a:pPr>
+            <a:endParaRPr lang="en-US" altLang="ko-KR" baseline="0" dirty="0" smtClean="0"/>
+          </a:p>
+          <a:p>
+            <a:r>
+              <a:rPr lang="en-US" altLang="ko-KR" dirty="0" err="1" smtClean="0"/>
+              <a:t>ScottPlot</a:t>
+            </a:r>
+            <a:r>
+              <a:rPr lang="en-US" altLang="ko-KR" dirty="0" smtClean="0"/>
+              <a:t> Cookbook</a:t>
+            </a:r>
+            <a:r>
+              <a:rPr lang="ko-KR" altLang="en-US" dirty="0" smtClean="0"/>
+              <a:t>이란</a:t>
+            </a:r>
+            <a:r>
+              <a:rPr lang="en-US" altLang="ko-KR" dirty="0" smtClean="0"/>
+              <a:t>?</a:t>
+            </a:r>
+          </a:p>
+          <a:p>
+            <a:r>
+              <a:rPr lang="en-US" altLang="ko-KR" dirty="0" err="1" smtClean="0"/>
+              <a:t>ScottPlot</a:t>
+            </a:r>
+            <a:r>
+              <a:rPr lang="en-US" altLang="ko-KR" dirty="0" smtClean="0"/>
+              <a:t> </a:t>
+            </a:r>
+            <a:r>
+              <a:rPr lang="ko-KR" altLang="en-US" dirty="0" smtClean="0"/>
+              <a:t>기능을 빠르게 익히고 싶은 개발자들을 위한 “기능별 실습 예제 </a:t>
+            </a:r>
+            <a:r>
+              <a:rPr lang="ko-KR" altLang="en-US" dirty="0" err="1" smtClean="0"/>
+              <a:t>백과사전”입니다</a:t>
+            </a:r>
+            <a:r>
+              <a:rPr lang="en-US" altLang="ko-KR" dirty="0" smtClean="0"/>
+              <a:t>.</a:t>
+            </a:r>
+            <a:endParaRPr lang="ko-KR" altLang="en-US" dirty="0" smtClean="0"/>
+          </a:p>
+          <a:p>
+            <a:pPr marL="171450" indent="-171450">
+              <a:buFontTx/>
+              <a:buChar char="-"/>
+            </a:pPr>
+            <a:endParaRPr lang="en-US" altLang="ko-KR" baseline="0" dirty="0" smtClean="0"/>
           </a:p>
         </p:txBody>
       </p:sp>
@@ -862,7 +1456,7 @@
             <a:spLocks noGrp="1"/>
           </p:cNvSpPr>
           <p:nvPr>
-            <p:ph type="sldNum" sz="quarter" idx="5"/>
+            <p:ph type="sldNum" sz="quarter" idx="10"/>
           </p:nvPr>
         </p:nvSpPr>
         <p:spPr/>
@@ -872,7 +1466,7 @@
           <a:p>
             <a:fld id="{C09E5BFC-1559-42F1-8940-AB342D56BF02}" type="slidenum">
               <a:rPr lang="ko-KR" altLang="en-US" smtClean="0"/>
-              <a:t>12</a:t>
+              <a:t>5</a:t>
             </a:fld>
             <a:endParaRPr lang="ko-KR" altLang="en-US"/>
           </a:p>
@@ -881,7 +1475,7 @@
     </p:spTree>
     <p:extLst>
       <p:ext uri="{BB962C8B-B14F-4D97-AF65-F5344CB8AC3E}">
-        <p14:creationId xmlns:p14="http://schemas.microsoft.com/office/powerpoint/2010/main" val="3745941800"/>
+        <p14:creationId xmlns:p14="http://schemas.microsoft.com/office/powerpoint/2010/main" val="2278554398"/>
       </p:ext>
     </p:extLst>
   </p:cSld>
@@ -935,7 +1529,45 @@
           <a:bodyPr/>
           <a:lstStyle/>
           <a:p>
-            <a:endParaRPr lang="ko-KR" altLang="en-US"/>
+            <a:r>
+              <a:rPr lang="en-US" altLang="ko-KR" dirty="0" err="1" smtClean="0"/>
+              <a:t>ScottPlot</a:t>
+            </a:r>
+            <a:r>
+              <a:rPr lang="en-US" altLang="ko-KR" dirty="0" smtClean="0"/>
+              <a:t> Cookbook</a:t>
+            </a:r>
+            <a:r>
+              <a:rPr lang="ko-KR" altLang="en-US" dirty="0" smtClean="0"/>
+              <a:t>이란</a:t>
+            </a:r>
+            <a:r>
+              <a:rPr lang="en-US" altLang="ko-KR" dirty="0" smtClean="0"/>
+              <a:t>?</a:t>
+            </a:r>
+          </a:p>
+          <a:p>
+            <a:r>
+              <a:rPr lang="en-US" altLang="ko-KR" dirty="0" err="1" smtClean="0"/>
+              <a:t>ScottPlot</a:t>
+            </a:r>
+            <a:r>
+              <a:rPr lang="en-US" altLang="ko-KR" dirty="0" smtClean="0"/>
+              <a:t> </a:t>
+            </a:r>
+            <a:r>
+              <a:rPr lang="ko-KR" altLang="en-US" dirty="0" smtClean="0"/>
+              <a:t>기능을 빠르게 익히고 싶은 개발자들을 위한 “기능별 실습 예제 </a:t>
+            </a:r>
+            <a:r>
+              <a:rPr lang="ko-KR" altLang="en-US" dirty="0" err="1" smtClean="0"/>
+              <a:t>백과사전”입니다</a:t>
+            </a:r>
+            <a:r>
+              <a:rPr lang="en-US" altLang="ko-KR" dirty="0" smtClean="0"/>
+              <a:t>.</a:t>
+            </a:r>
+            <a:endParaRPr lang="ko-KR" altLang="en-US" dirty="0"/>
           </a:p>
         </p:txBody>
       </p:sp>
@@ -946,7 +1578,7 @@
             <a:spLocks noGrp="1"/>
           </p:cNvSpPr>
           <p:nvPr>
-            <p:ph type="sldNum" sz="quarter" idx="5"/>
+            <p:ph type="sldNum" sz="quarter" idx="10"/>
           </p:nvPr>
         </p:nvSpPr>
         <p:spPr/>
@@ -956,7 +1588,7 @@
           <a:p>
             <a:fld id="{C09E5BFC-1559-42F1-8940-AB342D56BF02}" type="slidenum">
               <a:rPr lang="ko-KR" altLang="en-US" smtClean="0"/>
-              <a:t>14</a:t>
+              <a:t>6</a:t>
             </a:fld>
             <a:endParaRPr lang="ko-KR" altLang="en-US"/>
           </a:p>
@@ -965,7 +1597,7 @@
     </p:spTree>
     <p:extLst>
       <p:ext uri="{BB962C8B-B14F-4D97-AF65-F5344CB8AC3E}">
-        <p14:creationId xmlns:p14="http://schemas.microsoft.com/office/powerpoint/2010/main" val="1405797618"/>
+        <p14:creationId xmlns:p14="http://schemas.microsoft.com/office/powerpoint/2010/main" val="938046990"/>
       </p:ext>
     </p:extLst>
   </p:cSld>
@@ -980,13 +1612,7 @@
   <p:cSld>
     <p:spTree>
       <p:nvGrpSpPr>
-        <p:cNvPr id="1" name="">
-          <a:extLst>
-            <a:ext uri="{FF2B5EF4-FFF2-40B4-BE49-F238E27FC236}">
-              <a16:creationId xmlns:a16="http://schemas.microsoft.com/office/drawing/2014/main" id="{16318ECD-68BD-F5CA-D0AD-F7486CA729E8}"/>
-            </a:ext>
-          </a:extLst>
-        </p:cNvPr>
+        <p:cNvPr id="1" name=""/>
         <p:cNvGrpSpPr/>
         <p:nvPr/>
       </p:nvGrpSpPr>
@@ -1000,13 +1626,7 @@
       </p:grpSpPr>
       <p:sp>
         <p:nvSpPr>
-          <p:cNvPr id="2" name="슬라이드 이미지 개체 틀 1">
-            <a:extLst>
-              <a:ext uri="{FF2B5EF4-FFF2-40B4-BE49-F238E27FC236}">
-                <a16:creationId xmlns:a16="http://schemas.microsoft.com/office/drawing/2014/main" id="{F8328D17-4010-F2CD-21AB-7ABF0FB78CAB}"/>
-              </a:ext>
-            </a:extLst>
-          </p:cNvPr>
+          <p:cNvPr id="2" name="슬라이드 이미지 개체 틀 1"/>
           <p:cNvSpPr>
             <a:spLocks noGrp="1" noRot="1" noChangeAspect="1"/>
           </p:cNvSpPr>
@@ -1018,13 +1638,7 @@
       </p:sp>
       <p:sp>
         <p:nvSpPr>
-          <p:cNvPr id="3" name="슬라이드 노트 개체 틀 2">
-            <a:extLst>
-              <a:ext uri="{FF2B5EF4-FFF2-40B4-BE49-F238E27FC236}">
-                <a16:creationId xmlns:a16="http://schemas.microsoft.com/office/drawing/2014/main" id="{2A195CA7-C7AE-8BB0-3FAF-37C05E6C4358}"/>
-              </a:ext>
-            </a:extLst>
-          </p:cNvPr>
+          <p:cNvPr id="3" name="슬라이드 노트 개체 틀 2"/>
           <p:cNvSpPr>
             <a:spLocks noGrp="1"/>
           </p:cNvSpPr>
@@ -1037,42 +1651,13 @@
           <a:bodyPr/>
           <a:lstStyle/>
           <a:p>
-            <a:r>
-              <a:rPr lang="en-US" altLang="ko-KR" dirty="0"/>
-              <a:t>View</a:t>
-            </a:r>
-            <a:r>
-              <a:rPr lang="ko-KR" altLang="en-US" dirty="0"/>
-              <a:t>가 하는 일이 많아서 </a:t>
-            </a:r>
-            <a:r>
-              <a:rPr lang="en-US" altLang="ko-KR" dirty="0"/>
-              <a:t>MVC </a:t>
-            </a:r>
-            <a:r>
-              <a:rPr lang="ko-KR" altLang="en-US" dirty="0"/>
-              <a:t>패턴을 </a:t>
-            </a:r>
-            <a:r>
-              <a:rPr lang="en-US" altLang="ko-KR" dirty="0"/>
-              <a:t>Massive View Control </a:t>
-            </a:r>
-            <a:r>
-              <a:rPr lang="ko-KR" altLang="en-US" dirty="0"/>
-              <a:t>이라고 부르기도 함 </a:t>
-            </a:r>
-          </a:p>
-        </p:txBody>
-      </p:sp>
-      <p:sp>
-        <p:nvSpPr>
-          <p:cNvPr id="4" name="슬라이드 번호 개체 틀 3">
-            <a:extLst>
-              <a:ext uri="{FF2B5EF4-FFF2-40B4-BE49-F238E27FC236}">
-                <a16:creationId xmlns:a16="http://schemas.microsoft.com/office/drawing/2014/main" id="{CF840851-D9DD-8791-7C2A-38969FB5EB9F}"/>
-              </a:ext>
-            </a:extLst>
-          </p:cNvPr>
+            <a:endParaRPr lang="ko-KR" altLang="en-US" dirty="0"/>
+          </a:p>
+        </p:txBody>
+      </p:sp>
+      <p:sp>
+        <p:nvSpPr>
+          <p:cNvPr id="4" name="슬라이드 번호 개체 틀 3"/>
           <p:cNvSpPr>
             <a:spLocks noGrp="1"/>
           </p:cNvSpPr>
@@ -1087,7 +1672,7 @@
           <a:p>
             <a:fld id="{C09E5BFC-1559-42F1-8940-AB342D56BF02}" type="slidenum">
               <a:rPr lang="ko-KR" altLang="en-US" smtClean="0"/>
-              <a:t>15</a:t>
+              <a:t>9</a:t>
             </a:fld>
             <a:endParaRPr lang="ko-KR" altLang="en-US"/>
           </a:p>
@@ -1096,7 +1681,7 @@
     </p:spTree>
     <p:extLst>
       <p:ext uri="{BB962C8B-B14F-4D97-AF65-F5344CB8AC3E}">
-        <p14:creationId xmlns:p14="http://schemas.microsoft.com/office/powerpoint/2010/main" val="579496297"/>
+        <p14:creationId xmlns:p14="http://schemas.microsoft.com/office/powerpoint/2010/main" val="50755295"/>
       </p:ext>
     </p:extLst>
   </p:cSld>
@@ -1161,7 +1746,7 @@
             <a:spLocks noGrp="1"/>
           </p:cNvSpPr>
           <p:nvPr>
-            <p:ph type="sldNum" sz="quarter" idx="5"/>
+            <p:ph type="sldNum" sz="quarter" idx="10"/>
           </p:nvPr>
         </p:nvSpPr>
         <p:spPr/>
@@ -1171,7 +1756,7 @@
           <a:p>
             <a:fld id="{C09E5BFC-1559-42F1-8940-AB342D56BF02}" type="slidenum">
               <a:rPr lang="ko-KR" altLang="en-US" smtClean="0"/>
-              <a:t>16</a:t>
+              <a:t>10</a:t>
             </a:fld>
             <a:endParaRPr lang="ko-KR" altLang="en-US"/>
           </a:p>
@@ -1180,7 +1765,7 @@
     </p:spTree>
     <p:extLst>
       <p:ext uri="{BB962C8B-B14F-4D97-AF65-F5344CB8AC3E}">
-        <p14:creationId xmlns:p14="http://schemas.microsoft.com/office/powerpoint/2010/main" val="1487852166"/>
+        <p14:creationId xmlns:p14="http://schemas.microsoft.com/office/powerpoint/2010/main" val="2131044728"/>
       </p:ext>
     </p:extLst>
   </p:cSld>
@@ -1234,33 +1819,10 @@
           <a:bodyPr/>
           <a:lstStyle/>
           <a:p>
-            <a:pPr marL="0" marR="0" lvl="0" indent="0" algn="l" defTabSz="914400" rtl="0" eaLnBrk="1" fontAlgn="auto" latinLnBrk="1" hangingPunct="1">
-              <a:lnSpc>
-                <a:spcPct val="100000"/>
-              </a:lnSpc>
-              <a:spcBef>
-                <a:spcPts val="0"/>
-              </a:spcBef>
-              <a:spcAft>
-                <a:spcPts val="0"/>
-              </a:spcAft>
-              <a:buClrTx/>
-              <a:buSzTx/>
-              <a:buFontTx/>
-              <a:buNone/>
-              <a:tabLst/>
-              <a:defRPr/>
-            </a:pPr>
             <a:r>
               <a:rPr lang="en-US" altLang="ko-KR" dirty="0"/>
-              <a:t>https://devbong.tistory.com/34</a:t>
-            </a:r>
-            <a:endParaRPr lang="ko-KR" altLang="en-US" dirty="0"/>
-          </a:p>
-          <a:p>
-            <a:endParaRPr lang="ko-KR" altLang="en-US" dirty="0"/>
-          </a:p>
-          <a:p>
+              <a:t>https://oobwrite.com/entry/%EB%94%94%EC%9E%90%EC%9D%B8-%ED%8C%A8%ED%84%B4Design-Pattern-%EC%B4%9D%EC%A0%95%EB%A6%AC-23%EA%B0%80%EC%A7%80-%EB%94%94%EC%9E%90%EC%9D%B8-%ED%8C%A8%ED%84%B4-%EC%A0%95%EC%9D%98-%EC%A2%85%EB%A5%98-%EC%9E%A5%EB%8B%A8%EC%A0%90</a:t>
+            </a:r>
             <a:endParaRPr lang="ko-KR" altLang="en-US" dirty="0"/>
           </a:p>
         </p:txBody>
@@ -1282,7 +1844,7 @@
           <a:p>
             <a:fld id="{C09E5BFC-1559-42F1-8940-AB342D56BF02}" type="slidenum">
               <a:rPr lang="ko-KR" altLang="en-US" smtClean="0"/>
-              <a:t>17</a:t>
+              <a:t>11</a:t>
             </a:fld>
             <a:endParaRPr lang="ko-KR" altLang="en-US"/>
           </a:p>
@@ -1291,7 +1853,7 @@
     </p:spTree>
     <p:extLst>
       <p:ext uri="{BB962C8B-B14F-4D97-AF65-F5344CB8AC3E}">
-        <p14:creationId xmlns:p14="http://schemas.microsoft.com/office/powerpoint/2010/main" val="4234280221"/>
+        <p14:creationId xmlns:p14="http://schemas.microsoft.com/office/powerpoint/2010/main" val="3745941800"/>
       </p:ext>
     </p:extLst>
   </p:cSld>
@@ -1345,31 +1907,7 @@
           <a:bodyPr/>
           <a:lstStyle/>
           <a:p>
-            <a:pPr marL="0" marR="0" lvl="0" indent="0" algn="l" defTabSz="914400" rtl="0" eaLnBrk="1" fontAlgn="auto" latinLnBrk="1" hangingPunct="1">
-              <a:lnSpc>
-                <a:spcPct val="100000"/>
-              </a:lnSpc>
-              <a:spcBef>
-                <a:spcPts val="0"/>
-              </a:spcBef>
-              <a:spcAft>
-                <a:spcPts val="0"/>
-              </a:spcAft>
-              <a:buClrTx/>
-              <a:buSzTx/>
-              <a:buFontTx/>
-              <a:buNone/>
-              <a:tabLst/>
-              <a:defRPr/>
-            </a:pPr>
-            <a:r>
-              <a:rPr lang="en-US" altLang="ko-KR" dirty="0"/>
-              <a:t>https://devbong.tistory.com/34</a:t>
-            </a:r>
-            <a:endParaRPr lang="ko-KR" altLang="en-US" dirty="0"/>
-          </a:p>
-          <a:p>
-            <a:endParaRPr lang="ko-KR" altLang="en-US" dirty="0"/>
+            <a:endParaRPr lang="ko-KR" altLang="en-US"/>
           </a:p>
         </p:txBody>
       </p:sp>
@@ -1390,7 +1928,7 @@
           <a:p>
             <a:fld id="{C09E5BFC-1559-42F1-8940-AB342D56BF02}" type="slidenum">
               <a:rPr lang="ko-KR" altLang="en-US" smtClean="0"/>
-              <a:t>18</a:t>
+              <a:t>13</a:t>
             </a:fld>
             <a:endParaRPr lang="ko-KR" altLang="en-US"/>
           </a:p>
@@ -1399,7 +1937,7 @@
     </p:spTree>
     <p:extLst>
       <p:ext uri="{BB962C8B-B14F-4D97-AF65-F5344CB8AC3E}">
-        <p14:creationId xmlns:p14="http://schemas.microsoft.com/office/powerpoint/2010/main" val="3277542341"/>
+        <p14:creationId xmlns:p14="http://schemas.microsoft.com/office/powerpoint/2010/main" val="1405797618"/>
       </p:ext>
     </p:extLst>
   </p:cSld>
@@ -1414,7 +1952,13 @@
   <p:cSld>
     <p:spTree>
       <p:nvGrpSpPr>
-        <p:cNvPr id="1" name=""/>
+        <p:cNvPr id="1" name="">
+          <a:extLst>
+            <a:ext uri="{FF2B5EF4-FFF2-40B4-BE49-F238E27FC236}">
+              <a16:creationId xmlns:a16="http://schemas.microsoft.com/office/drawing/2014/main" id="{16318ECD-68BD-F5CA-D0AD-F7486CA729E8}"/>
+            </a:ext>
+          </a:extLst>
+        </p:cNvPr>
         <p:cNvGrpSpPr/>
         <p:nvPr/>
       </p:nvGrpSpPr>
@@ -1428,7 +1972,13 @@
       </p:grpSpPr>
       <p:sp>
         <p:nvSpPr>
-          <p:cNvPr id="2" name="슬라이드 이미지 개체 틀 1"/>
+          <p:cNvPr id="2" name="슬라이드 이미지 개체 틀 1">
+            <a:extLst>
+              <a:ext uri="{FF2B5EF4-FFF2-40B4-BE49-F238E27FC236}">
+                <a16:creationId xmlns:a16="http://schemas.microsoft.com/office/drawing/2014/main" id="{F8328D17-4010-F2CD-21AB-7ABF0FB78CAB}"/>
+              </a:ext>
+            </a:extLst>
+          </p:cNvPr>
           <p:cNvSpPr>
             <a:spLocks noGrp="1" noRot="1" noChangeAspect="1"/>
           </p:cNvSpPr>
@@ -1440,7 +1990,13 @@
       </p:sp>
       <p:sp>
         <p:nvSpPr>
-          <p:cNvPr id="3" name="슬라이드 노트 개체 틀 2"/>
+          <p:cNvPr id="3" name="슬라이드 노트 개체 틀 2">
+            <a:extLst>
+              <a:ext uri="{FF2B5EF4-FFF2-40B4-BE49-F238E27FC236}">
+                <a16:creationId xmlns:a16="http://schemas.microsoft.com/office/drawing/2014/main" id="{2A195CA7-C7AE-8BB0-3FAF-37C05E6C4358}"/>
+              </a:ext>
+            </a:extLst>
+          </p:cNvPr>
           <p:cNvSpPr>
             <a:spLocks noGrp="1"/>
           </p:cNvSpPr>
@@ -1453,37 +2009,42 @@
           <a:bodyPr/>
           <a:lstStyle/>
           <a:p>
-            <a:pPr marL="0" marR="0" lvl="0" indent="0" algn="l" defTabSz="914400" rtl="0" eaLnBrk="1" fontAlgn="auto" latinLnBrk="1" hangingPunct="1">
-              <a:lnSpc>
-                <a:spcPct val="100000"/>
-              </a:lnSpc>
-              <a:spcBef>
-                <a:spcPts val="0"/>
-              </a:spcBef>
-              <a:spcAft>
-                <a:spcPts val="0"/>
-              </a:spcAft>
-              <a:buClrTx/>
-              <a:buSzTx/>
-              <a:buFontTx/>
-              <a:buNone/>
-              <a:tabLst/>
-              <a:defRPr/>
-            </a:pPr>
             <a:r>
               <a:rPr lang="en-US" altLang="ko-KR" dirty="0"/>
-              <a:t>https://devbong.tistory.com/34</a:t>
-            </a:r>
-            <a:endParaRPr lang="ko-KR" altLang="en-US" dirty="0"/>
-          </a:p>
-          <a:p>
-            <a:endParaRPr lang="ko-KR" altLang="en-US" dirty="0"/>
-          </a:p>
-        </p:txBody>
-      </p:sp>
-      <p:sp>
-        <p:nvSpPr>
-          <p:cNvPr id="4" name="슬라이드 번호 개체 틀 3"/>
+              <a:t>View</a:t>
+            </a:r>
+            <a:r>
+              <a:rPr lang="ko-KR" altLang="en-US" dirty="0"/>
+              <a:t>가 하는 일이 많아서 </a:t>
+            </a:r>
+            <a:r>
+              <a:rPr lang="en-US" altLang="ko-KR" dirty="0"/>
+              <a:t>MVC </a:t>
+            </a:r>
+            <a:r>
+              <a:rPr lang="ko-KR" altLang="en-US" dirty="0"/>
+              <a:t>패턴을 </a:t>
+            </a:r>
+            <a:r>
+              <a:rPr lang="en-US" altLang="ko-KR" dirty="0"/>
+              <a:t>Massive View Control </a:t>
+            </a:r>
+            <a:r>
+              <a:rPr lang="ko-KR" altLang="en-US" dirty="0"/>
+              <a:t>이라고 부르기도 함 </a:t>
+            </a:r>
+          </a:p>
+        </p:txBody>
+      </p:sp>
+      <p:sp>
+        <p:nvSpPr>
+          <p:cNvPr id="4" name="슬라이드 번호 개체 틀 3">
+            <a:extLst>
+              <a:ext uri="{FF2B5EF4-FFF2-40B4-BE49-F238E27FC236}">
+                <a16:creationId xmlns:a16="http://schemas.microsoft.com/office/drawing/2014/main" id="{CF840851-D9DD-8791-7C2A-38969FB5EB9F}"/>
+              </a:ext>
+            </a:extLst>
+          </p:cNvPr>
           <p:cNvSpPr>
             <a:spLocks noGrp="1"/>
           </p:cNvSpPr>
@@ -1498,7 +2059,7 @@
           <a:p>
             <a:fld id="{C09E5BFC-1559-42F1-8940-AB342D56BF02}" type="slidenum">
               <a:rPr lang="ko-KR" altLang="en-US" smtClean="0"/>
-              <a:t>19</a:t>
+              <a:t>14</a:t>
             </a:fld>
             <a:endParaRPr lang="ko-KR" altLang="en-US"/>
           </a:p>
@@ -1507,7 +2068,7 @@
     </p:spTree>
     <p:extLst>
       <p:ext uri="{BB962C8B-B14F-4D97-AF65-F5344CB8AC3E}">
-        <p14:creationId xmlns:p14="http://schemas.microsoft.com/office/powerpoint/2010/main" val="711147641"/>
+        <p14:creationId xmlns:p14="http://schemas.microsoft.com/office/powerpoint/2010/main" val="579496297"/>
       </p:ext>
     </p:extLst>
   </p:cSld>
@@ -1658,7 +2219,7 @@
           <a:p>
             <a:fld id="{442BEE3F-2E9A-4FD8-8B8A-8619F3E161C0}" type="datetime1">
               <a:rPr lang="ko-KR" altLang="en-US" smtClean="0"/>
-              <a:t>2025-05-23</a:t>
+              <a:t>2025-05-25</a:t>
             </a:fld>
             <a:endParaRPr lang="ko-KR" altLang="en-US"/>
           </a:p>
@@ -1844,7 +2405,7 @@
           <a:p>
             <a:fld id="{2EAE422B-0E68-47B5-84BB-CA2BDA8EE46C}" type="datetime1">
               <a:rPr lang="ko-KR" altLang="en-US" smtClean="0"/>
-              <a:t>2025-05-23</a:t>
+              <a:t>2025-05-25</a:t>
             </a:fld>
             <a:endParaRPr lang="ko-KR" altLang="en-US"/>
           </a:p>
@@ -2052,7 +2613,7 @@
           <a:p>
             <a:fld id="{AF7C623F-179B-417F-99B6-50F6DF228D4B}" type="datetime1">
               <a:rPr lang="ko-KR" altLang="en-US" smtClean="0"/>
-              <a:t>2025-05-23</a:t>
+              <a:t>2025-05-25</a:t>
             </a:fld>
             <a:endParaRPr lang="ko-KR" altLang="en-US"/>
           </a:p>
@@ -2294,7 +2855,7 @@
           <a:p>
             <a:fld id="{0F78D9C4-20C1-4B15-A116-16DC77AD9A1E}" type="datetime1">
               <a:rPr lang="ko-KR" altLang="en-US" smtClean="0"/>
-              <a:t>2025-05-23</a:t>
+              <a:t>2025-05-25</a:t>
             </a:fld>
             <a:endParaRPr lang="ko-KR" altLang="en-US"/>
           </a:p>
@@ -2569,7 +3130,7 @@
           <a:p>
             <a:fld id="{C7F43723-C509-4DEA-8428-B50818F79709}" type="datetime1">
               <a:rPr lang="ko-KR" altLang="en-US" smtClean="0"/>
-              <a:t>2025-05-23</a:t>
+              <a:t>2025-05-25</a:t>
             </a:fld>
             <a:endParaRPr lang="ko-KR" altLang="en-US"/>
           </a:p>
@@ -2834,7 +3395,7 @@
           <a:p>
             <a:fld id="{5D2B7482-EE74-4DBD-97F4-D0DAC0C0E4E5}" type="datetime1">
               <a:rPr lang="ko-KR" altLang="en-US" smtClean="0"/>
-              <a:t>2025-05-23</a:t>
+              <a:t>2025-05-25</a:t>
             </a:fld>
             <a:endParaRPr lang="ko-KR" altLang="en-US"/>
           </a:p>
@@ -3247,7 +3808,7 @@
           <a:p>
             <a:fld id="{051A8C49-CED7-4A86-9B4A-621D7F62EE92}" type="datetime1">
               <a:rPr lang="ko-KR" altLang="en-US" smtClean="0"/>
-              <a:t>2025-05-23</a:t>
+              <a:t>2025-05-25</a:t>
             </a:fld>
             <a:endParaRPr lang="ko-KR" altLang="en-US"/>
           </a:p>
@@ -3394,7 +3955,7 @@
           <a:p>
             <a:fld id="{84082D76-7079-412D-848B-E1B9E7A6A286}" type="datetime1">
               <a:rPr lang="ko-KR" altLang="en-US" smtClean="0"/>
-              <a:t>2025-05-23</a:t>
+              <a:t>2025-05-25</a:t>
             </a:fld>
             <a:endParaRPr lang="ko-KR" altLang="en-US"/>
           </a:p>
@@ -3507,7 +4068,7 @@
           <a:p>
             <a:fld id="{10C5FEB5-5F88-4F49-9108-1795E314F09F}" type="datetime1">
               <a:rPr lang="ko-KR" altLang="en-US" smtClean="0"/>
-              <a:t>2025-05-23</a:t>
+              <a:t>2025-05-25</a:t>
             </a:fld>
             <a:endParaRPr lang="ko-KR" altLang="en-US"/>
           </a:p>
@@ -3818,7 +4379,7 @@
           <a:p>
             <a:fld id="{E37ABBEE-D8D4-48AD-9887-4DC578B8A684}" type="datetime1">
               <a:rPr lang="ko-KR" altLang="en-US" smtClean="0"/>
-              <a:t>2025-05-23</a:t>
+              <a:t>2025-05-25</a:t>
             </a:fld>
             <a:endParaRPr lang="ko-KR" altLang="en-US"/>
           </a:p>
@@ -4109,7 +4670,7 @@
           <a:p>
             <a:fld id="{A2D6A55C-F3DD-45DD-9D50-F8680410167D}" type="datetime1">
               <a:rPr lang="ko-KR" altLang="en-US" smtClean="0"/>
-              <a:t>2025-05-23</a:t>
+              <a:t>2025-05-25</a:t>
             </a:fld>
             <a:endParaRPr lang="ko-KR" altLang="en-US"/>
           </a:p>
@@ -4353,7 +4914,7 @@
             <a:fld id="{7F5E23C3-0E3D-4E4E-8486-D7FB4C073DC1}" type="datetime1">
               <a:rPr lang="ko-KR" altLang="en-US" smtClean="0"/>
               <a:pPr/>
-              <a:t>2025-05-23</a:t>
+              <a:t>2025-05-25</a:t>
             </a:fld>
             <a:endParaRPr lang="ko-KR" altLang="en-US" dirty="0"/>
           </a:p>
@@ -4891,7 +5452,7 @@
           <a:p>
             <a:fld id="{2E2BEDFA-D8AA-4914-9440-7DF713C99FA9}" type="datetime1">
               <a:rPr lang="ko-KR" altLang="en-US" smtClean="0"/>
-              <a:t>2025-05-23</a:t>
+              <a:t>2025-05-25</a:t>
             </a:fld>
             <a:endParaRPr lang="ko-KR" altLang="en-US"/>
           </a:p>
@@ -4961,39 +5522,137 @@
           <p:cNvPr id="2" name="제목 1">
             <a:extLst>
               <a:ext uri="{FF2B5EF4-FFF2-40B4-BE49-F238E27FC236}">
-                <a16:creationId xmlns:a16="http://schemas.microsoft.com/office/drawing/2014/main" id="{5CB49C79-8DE4-4842-D1E6-927CDD6D4464}"/>
-              </a:ext>
-            </a:extLst>
-          </p:cNvPr>
-          <p:cNvSpPr>
-            <a:spLocks noGrp="1"/>
-          </p:cNvSpPr>
-          <p:nvPr>
-            <p:ph type="ctrTitle"/>
-          </p:nvPr>
-        </p:nvSpPr>
-        <p:spPr>
-          <a:xfrm>
-            <a:off x="2958595" y="2816157"/>
-            <a:ext cx="6060801" cy="974422"/>
-          </a:xfrm>
-        </p:spPr>
-        <p:txBody>
-          <a:bodyPr>
-            <a:noAutofit/>
-          </a:bodyPr>
-          <a:lstStyle/>
-          <a:p>
-            <a:pPr>
-              <a:lnSpc>
-                <a:spcPct val="150000"/>
-              </a:lnSpc>
-            </a:pPr>
-            <a:r>
-              <a:rPr lang="ko-KR" altLang="en-US" dirty="0" smtClean="0"/>
+                <a16:creationId xmlns:a16="http://schemas.microsoft.com/office/drawing/2014/main" id="{E25D0C86-D95A-2B20-471F-DC46DDDBE765}"/>
+              </a:ext>
+            </a:extLst>
+          </p:cNvPr>
+          <p:cNvSpPr>
+            <a:spLocks noGrp="1"/>
+          </p:cNvSpPr>
+          <p:nvPr>
+            <p:ph type="title"/>
+          </p:nvPr>
+        </p:nvSpPr>
+        <p:spPr/>
+        <p:txBody>
+          <a:bodyPr/>
+          <a:lstStyle/>
+          <a:p>
+            <a:r>
+              <a:rPr lang="en-US" altLang="ko-KR" dirty="0"/>
+              <a:t>SW </a:t>
+            </a:r>
+            <a:r>
+              <a:rPr lang="ko-KR" altLang="en-US" dirty="0"/>
               <a:t>디자인 패턴</a:t>
             </a:r>
-            <a:endParaRPr lang="ko-KR" altLang="en-US" dirty="0"/>
+          </a:p>
+        </p:txBody>
+      </p:sp>
+      <p:sp>
+        <p:nvSpPr>
+          <p:cNvPr id="3" name="내용 개체 틀 2">
+            <a:extLst>
+              <a:ext uri="{FF2B5EF4-FFF2-40B4-BE49-F238E27FC236}">
+                <a16:creationId xmlns:a16="http://schemas.microsoft.com/office/drawing/2014/main" id="{C637BFCD-7ABF-A996-5D56-7ADB2E33BC19}"/>
+              </a:ext>
+            </a:extLst>
+          </p:cNvPr>
+          <p:cNvSpPr>
+            <a:spLocks noGrp="1"/>
+          </p:cNvSpPr>
+          <p:nvPr>
+            <p:ph idx="1"/>
+          </p:nvPr>
+        </p:nvSpPr>
+        <p:spPr/>
+        <p:txBody>
+          <a:bodyPr/>
+          <a:lstStyle/>
+          <a:p>
+            <a:r>
+              <a:rPr lang="ko-KR" altLang="en-US" dirty="0"/>
+              <a:t>소프트웨어 개발에 있어 발생하는 문제들에 대한 일반적인 해결책</a:t>
+            </a:r>
+            <a:endParaRPr lang="en-US" altLang="ko-KR" dirty="0"/>
+          </a:p>
+          <a:p>
+            <a:r>
+              <a:rPr lang="ko-KR" altLang="en-US" dirty="0"/>
+              <a:t>특정 문맥</a:t>
+            </a:r>
+            <a:r>
+              <a:rPr lang="en-US" altLang="ko-KR" dirty="0"/>
+              <a:t>(</a:t>
+            </a:r>
+            <a:r>
+              <a:rPr lang="ko-KR" altLang="en-US" dirty="0"/>
+              <a:t>소스코드 구조</a:t>
+            </a:r>
+            <a:r>
+              <a:rPr lang="en-US" altLang="ko-KR" dirty="0"/>
+              <a:t>)</a:t>
+            </a:r>
+            <a:r>
+              <a:rPr lang="ko-KR" altLang="en-US" dirty="0"/>
+              <a:t>에서 발생하는 설계 문제를 해결</a:t>
+            </a:r>
+            <a:endParaRPr lang="en-US" altLang="ko-KR" dirty="0"/>
+          </a:p>
+          <a:p>
+            <a:r>
+              <a:rPr lang="ko-KR" altLang="en-US" dirty="0"/>
+              <a:t>설계 과정에 대한 가이드 또는 지침</a:t>
+            </a:r>
+            <a:endParaRPr lang="en-US" altLang="ko-KR" dirty="0"/>
+          </a:p>
+          <a:p>
+            <a:endParaRPr lang="en-US" altLang="ko-KR" dirty="0"/>
+          </a:p>
+          <a:p>
+            <a:r>
+              <a:rPr lang="ko-KR" altLang="en-US" dirty="0"/>
+              <a:t>즉</a:t>
+            </a:r>
+            <a:r>
+              <a:rPr lang="en-US" altLang="ko-KR" dirty="0"/>
+              <a:t>, </a:t>
+            </a:r>
+            <a:r>
+              <a:rPr lang="ko-KR" altLang="en-US" dirty="0"/>
+              <a:t>자주 발생하는 문제들에 대해 미리 특정한 패턴을 만들어둔 것 </a:t>
+            </a:r>
+            <a:endParaRPr lang="en-US" altLang="ko-KR" dirty="0"/>
+          </a:p>
+          <a:p>
+            <a:r>
+              <a:rPr lang="ko-KR" altLang="en-US" dirty="0"/>
+              <a:t>주로 클래스 정의</a:t>
+            </a:r>
+            <a:r>
+              <a:rPr lang="en-US" altLang="ko-KR" dirty="0"/>
+              <a:t>, </a:t>
+            </a:r>
+            <a:r>
+              <a:rPr lang="ko-KR" altLang="en-US" dirty="0"/>
+              <a:t>클래스 설계</a:t>
+            </a:r>
+            <a:r>
+              <a:rPr lang="en-US" altLang="ko-KR" dirty="0"/>
+              <a:t>, </a:t>
+            </a:r>
+            <a:r>
+              <a:rPr lang="ko-KR" altLang="en-US" dirty="0"/>
+              <a:t>상속 관계</a:t>
+            </a:r>
+            <a:r>
+              <a:rPr lang="en-US" altLang="ko-KR" dirty="0"/>
+              <a:t> </a:t>
+            </a:r>
+            <a:r>
+              <a:rPr lang="ko-KR" altLang="en-US" dirty="0"/>
+              <a:t>등에 있어서 특정한 소스 코드 작성 방식을 말함</a:t>
+            </a:r>
           </a:p>
         </p:txBody>
       </p:sp>
@@ -5002,7 +5661,7 @@
           <p:cNvPr id="4" name="날짜 개체 틀 3">
             <a:extLst>
               <a:ext uri="{FF2B5EF4-FFF2-40B4-BE49-F238E27FC236}">
-                <a16:creationId xmlns:a16="http://schemas.microsoft.com/office/drawing/2014/main" id="{20223B3B-2FCF-58AF-BC81-E9824EB6B19E}"/>
+                <a16:creationId xmlns:a16="http://schemas.microsoft.com/office/drawing/2014/main" id="{1A8E54F8-35BD-8A3B-CA0C-D795B3D9C230}"/>
               </a:ext>
             </a:extLst>
           </p:cNvPr>
@@ -5018,9 +5677,9 @@
           <a:bodyPr/>
           <a:lstStyle/>
           <a:p>
-            <a:fld id="{2E2BEDFA-D8AA-4914-9440-7DF713C99FA9}" type="datetime1">
+            <a:fld id="{0F78D9C4-20C1-4B15-A116-16DC77AD9A1E}" type="datetime1">
               <a:rPr lang="ko-KR" altLang="en-US" smtClean="0"/>
-              <a:t>2025-05-23</a:t>
+              <a:t>2025-05-25</a:t>
             </a:fld>
             <a:endParaRPr lang="ko-KR" altLang="en-US"/>
           </a:p>
@@ -5028,10 +5687,10 @@
       </p:sp>
       <p:sp>
         <p:nvSpPr>
-          <p:cNvPr id="6" name="슬라이드 번호 개체 틀 5">
-            <a:extLst>
-              <a:ext uri="{FF2B5EF4-FFF2-40B4-BE49-F238E27FC236}">
-                <a16:creationId xmlns:a16="http://schemas.microsoft.com/office/drawing/2014/main" id="{AC7112DC-52CD-A148-06F6-6813E1A67427}"/>
+          <p:cNvPr id="5" name="슬라이드 번호 개체 틀 4">
+            <a:extLst>
+              <a:ext uri="{FF2B5EF4-FFF2-40B4-BE49-F238E27FC236}">
+                <a16:creationId xmlns:a16="http://schemas.microsoft.com/office/drawing/2014/main" id="{D1355E91-E4A6-A012-02A9-E599C06DB8C7}"/>
               </a:ext>
             </a:extLst>
           </p:cNvPr>
@@ -5058,7 +5717,7 @@
     </p:spTree>
     <p:extLst>
       <p:ext uri="{BB962C8B-B14F-4D97-AF65-F5344CB8AC3E}">
-        <p14:creationId xmlns:p14="http://schemas.microsoft.com/office/powerpoint/2010/main" val="1743899618"/>
+        <p14:creationId xmlns:p14="http://schemas.microsoft.com/office/powerpoint/2010/main" val="3980907170"/>
       </p:ext>
     </p:extLst>
   </p:cSld>
@@ -5090,7 +5749,7 @@
           <p:cNvPr id="2" name="제목 1">
             <a:extLst>
               <a:ext uri="{FF2B5EF4-FFF2-40B4-BE49-F238E27FC236}">
-                <a16:creationId xmlns:a16="http://schemas.microsoft.com/office/drawing/2014/main" id="{E25D0C86-D95A-2B20-471F-DC46DDDBE765}"/>
+                <a16:creationId xmlns:a16="http://schemas.microsoft.com/office/drawing/2014/main" id="{61D38B02-F364-386E-B2BA-0C5AE68CAE53}"/>
               </a:ext>
             </a:extLst>
           </p:cNvPr>
@@ -5122,7 +5781,7 @@
           <p:cNvPr id="3" name="내용 개체 틀 2">
             <a:extLst>
               <a:ext uri="{FF2B5EF4-FFF2-40B4-BE49-F238E27FC236}">
-                <a16:creationId xmlns:a16="http://schemas.microsoft.com/office/drawing/2014/main" id="{C637BFCD-7ABF-A996-5D56-7ADB2E33BC19}"/>
+                <a16:creationId xmlns:a16="http://schemas.microsoft.com/office/drawing/2014/main" id="{7CD3EA6F-1C78-E45D-A694-B7D7AB22594D}"/>
               </a:ext>
             </a:extLst>
           </p:cNvPr>
@@ -5135,19 +5794,14 @@
         </p:nvSpPr>
         <p:spPr/>
         <p:txBody>
-          <a:bodyPr/>
+          <a:bodyPr>
+            <a:normAutofit lnSpcReduction="10000"/>
+          </a:bodyPr>
           <a:lstStyle/>
           <a:p>
             <a:r>
               <a:rPr lang="ko-KR" altLang="en-US" dirty="0"/>
-              <a:t>소프트웨어 개발에 있어 발생하는 문제들에 대한 일반적인 해결책</a:t>
-            </a:r>
-            <a:endParaRPr lang="en-US" altLang="ko-KR" dirty="0"/>
-          </a:p>
-          <a:p>
-            <a:r>
-              <a:rPr lang="ko-KR" altLang="en-US" dirty="0"/>
-              <a:t>특정 문맥</a:t>
+              <a:t>다양한 상황에 대한 해결 방법</a:t>
             </a:r>
             <a:r>
               <a:rPr lang="en-US" altLang="ko-KR" dirty="0"/>
@@ -5155,7 +5809,7 @@
             </a:r>
             <a:r>
               <a:rPr lang="ko-KR" altLang="en-US" dirty="0"/>
-              <a:t>소스코드 구조</a:t>
+              <a:t>디자인 패턴</a:t>
             </a:r>
             <a:r>
               <a:rPr lang="en-US" altLang="ko-KR" dirty="0"/>
@@ -5163,24 +5817,71 @@
             </a:r>
             <a:r>
               <a:rPr lang="ko-KR" altLang="en-US" dirty="0"/>
-              <a:t>에서 발생하는 설계 문제를 해결</a:t>
+              <a:t>이 있음</a:t>
             </a:r>
             <a:endParaRPr lang="en-US" altLang="ko-KR" dirty="0"/>
           </a:p>
           <a:p>
+            <a:pPr lvl="1"/>
+            <a:r>
+              <a:rPr lang="en-US" altLang="ko-KR" dirty="0">
+                <a:solidFill>
+                  <a:srgbClr val="00B050"/>
+                </a:solidFill>
+              </a:rPr>
+              <a:t>Singleton</a:t>
+            </a:r>
+            <a:r>
+              <a:rPr lang="en-US" altLang="ko-KR" dirty="0"/>
+              <a:t>: </a:t>
+            </a:r>
             <a:r>
               <a:rPr lang="ko-KR" altLang="en-US" dirty="0"/>
-              <a:t>설계 과정에 대한 가이드 또는 지침</a:t>
+              <a:t>한 클래스의 인스턴스가 오직 하나만 존재하도록 보장</a:t>
             </a:r>
             <a:endParaRPr lang="en-US" altLang="ko-KR" dirty="0"/>
           </a:p>
           <a:p>
+            <a:pPr lvl="1"/>
+            <a:r>
+              <a:rPr lang="en-US" altLang="ko-KR" dirty="0"/>
+              <a:t>Prototype:</a:t>
+            </a:r>
+            <a:r>
+              <a:rPr lang="ko-KR" altLang="en-US" dirty="0"/>
+              <a:t> 기존 객체를 복제하여 새로운 객체를 생성</a:t>
+            </a:r>
             <a:endParaRPr lang="en-US" altLang="ko-KR" dirty="0"/>
           </a:p>
           <a:p>
+            <a:pPr lvl="1"/>
+            <a:r>
+              <a:rPr lang="en-US" altLang="ko-KR" dirty="0"/>
+              <a:t>Adapter: </a:t>
+            </a:r>
             <a:r>
               <a:rPr lang="ko-KR" altLang="en-US" dirty="0"/>
-              <a:t>즉</a:t>
+              <a:t>호환되지 않는 인터페이스를 가진 클래스들이 함께 작동할 수 있도록 함</a:t>
+            </a:r>
+            <a:endParaRPr lang="en-US" altLang="ko-KR" dirty="0"/>
+          </a:p>
+          <a:p>
+            <a:pPr lvl="1"/>
+            <a:r>
+              <a:rPr lang="en-US" altLang="ko-KR" dirty="0"/>
+              <a:t>Bridge: </a:t>
+            </a:r>
+            <a:r>
+              <a:rPr lang="ko-KR" altLang="en-US" dirty="0"/>
+              <a:t>추상화</a:t>
+            </a:r>
+            <a:r>
+              <a:rPr lang="en-US" altLang="ko-KR" dirty="0"/>
+              <a:t>(Abstract)</a:t>
+            </a:r>
+            <a:r>
+              <a:rPr lang="ko-KR" altLang="en-US" dirty="0"/>
+              <a:t>와 구현을 분리하여</a:t>
             </a:r>
             <a:r>
               <a:rPr lang="en-US" altLang="ko-KR" dirty="0"/>
@@ -5188,39 +5889,76 @@
             </a:r>
             <a:r>
               <a:rPr lang="ko-KR" altLang="en-US" dirty="0"/>
-              <a:t>자주 발생하는 문제들에 대해 미리 특정한 패턴을 만들어둔 것 </a:t>
+              <a:t>독립적으로 변형될 수 있게 함</a:t>
             </a:r>
             <a:endParaRPr lang="en-US" altLang="ko-KR" dirty="0"/>
           </a:p>
           <a:p>
+            <a:pPr lvl="1"/>
+            <a:r>
+              <a:rPr lang="en-US" altLang="ko-KR" dirty="0"/>
+              <a:t>Interpreter: </a:t>
+            </a:r>
             <a:r>
               <a:rPr lang="ko-KR" altLang="en-US" dirty="0"/>
-              <a:t>주로 클래스 정의</a:t>
-            </a:r>
+              <a:t>주어진 언어의 문법에 대한 표현을 정의하고 문장을 해석</a:t>
+            </a:r>
+            <a:endParaRPr lang="en-US" altLang="ko-KR" dirty="0"/>
+          </a:p>
+          <a:p>
+            <a:pPr lvl="1"/>
             <a:r>
               <a:rPr lang="en-US" altLang="ko-KR" dirty="0"/>
-              <a:t>, </a:t>
+              <a:t>State: </a:t>
             </a:r>
             <a:r>
               <a:rPr lang="ko-KR" altLang="en-US" dirty="0"/>
-              <a:t>클래스 설계</a:t>
-            </a:r>
+              <a:t>객체의 내부 상태에 따라 객체의 행동을 변경</a:t>
+            </a:r>
+            <a:endParaRPr lang="en-US" altLang="ko-KR" dirty="0"/>
+          </a:p>
+          <a:p>
+            <a:pPr lvl="1"/>
             <a:r>
               <a:rPr lang="en-US" altLang="ko-KR" dirty="0"/>
-              <a:t>, </a:t>
+              <a:t>Strategy: </a:t>
             </a:r>
             <a:r>
               <a:rPr lang="ko-KR" altLang="en-US" dirty="0"/>
-              <a:t>상속 관계</a:t>
-            </a:r>
+              <a:t>알고리즘을 객체의 행동으로 </a:t>
+            </a:r>
+            <a:r>
+              <a:rPr lang="ko-KR" altLang="en-US" dirty="0" err="1"/>
+              <a:t>캡슐화하여</a:t>
+            </a:r>
+            <a:r>
+              <a:rPr lang="ko-KR" altLang="en-US" dirty="0"/>
+              <a:t> 동일한 기능을 하는 다른 알고리즘으로 교체할 수 있게 함</a:t>
+            </a:r>
+            <a:endParaRPr lang="en-US" altLang="ko-KR" dirty="0"/>
+          </a:p>
+          <a:p>
+            <a:pPr lvl="1"/>
             <a:r>
               <a:rPr lang="en-US" altLang="ko-KR" dirty="0"/>
-              <a:t> </a:t>
+              <a:t>Iterator: </a:t>
             </a:r>
             <a:r>
               <a:rPr lang="ko-KR" altLang="en-US" dirty="0"/>
-              <a:t>등에 있어서 특정한 소스 코드 작성 방식을 말함</a:t>
-            </a:r>
+              <a:t>컬렉션 내의 요소를 순차적으로 접근하는 방법을 제공</a:t>
+            </a:r>
+            <a:endParaRPr lang="en-US" altLang="ko-KR" dirty="0"/>
+          </a:p>
+          <a:p>
+            <a:pPr lvl="1"/>
+            <a:r>
+              <a:rPr lang="en-US" altLang="ko-KR" dirty="0"/>
+              <a:t>...</a:t>
+            </a:r>
+          </a:p>
+          <a:p>
+            <a:pPr lvl="1"/>
+            <a:endParaRPr lang="ko-KR" altLang="en-US" dirty="0"/>
           </a:p>
         </p:txBody>
       </p:sp>
@@ -5229,7 +5967,7 @@
           <p:cNvPr id="4" name="날짜 개체 틀 3">
             <a:extLst>
               <a:ext uri="{FF2B5EF4-FFF2-40B4-BE49-F238E27FC236}">
-                <a16:creationId xmlns:a16="http://schemas.microsoft.com/office/drawing/2014/main" id="{1A8E54F8-35BD-8A3B-CA0C-D795B3D9C230}"/>
+                <a16:creationId xmlns:a16="http://schemas.microsoft.com/office/drawing/2014/main" id="{D92842D5-8D65-4182-449D-5EE6395D4223}"/>
               </a:ext>
             </a:extLst>
           </p:cNvPr>
@@ -5247,7 +5985,7 @@
           <a:p>
             <a:fld id="{0F78D9C4-20C1-4B15-A116-16DC77AD9A1E}" type="datetime1">
               <a:rPr lang="ko-KR" altLang="en-US" smtClean="0"/>
-              <a:t>2025-05-23</a:t>
+              <a:t>2025-05-25</a:t>
             </a:fld>
             <a:endParaRPr lang="ko-KR" altLang="en-US"/>
           </a:p>
@@ -5258,7 +5996,7 @@
           <p:cNvPr id="5" name="슬라이드 번호 개체 틀 4">
             <a:extLst>
               <a:ext uri="{FF2B5EF4-FFF2-40B4-BE49-F238E27FC236}">
-                <a16:creationId xmlns:a16="http://schemas.microsoft.com/office/drawing/2014/main" id="{D1355E91-E4A6-A012-02A9-E599C06DB8C7}"/>
+                <a16:creationId xmlns:a16="http://schemas.microsoft.com/office/drawing/2014/main" id="{CA50545B-E805-FC27-89DE-0CF6B963ADAA}"/>
               </a:ext>
             </a:extLst>
           </p:cNvPr>
@@ -5285,7 +6023,7 @@
     </p:spTree>
     <p:extLst>
       <p:ext uri="{BB962C8B-B14F-4D97-AF65-F5344CB8AC3E}">
-        <p14:creationId xmlns:p14="http://schemas.microsoft.com/office/powerpoint/2010/main" val="3980907170"/>
+        <p14:creationId xmlns:p14="http://schemas.microsoft.com/office/powerpoint/2010/main" val="1658821868"/>
       </p:ext>
     </p:extLst>
   </p:cSld>
@@ -5317,7 +6055,7 @@
           <p:cNvPr id="2" name="제목 1">
             <a:extLst>
               <a:ext uri="{FF2B5EF4-FFF2-40B4-BE49-F238E27FC236}">
-                <a16:creationId xmlns:a16="http://schemas.microsoft.com/office/drawing/2014/main" id="{61D38B02-F364-386E-B2BA-0C5AE68CAE53}"/>
+                <a16:creationId xmlns:a16="http://schemas.microsoft.com/office/drawing/2014/main" id="{F158C4E9-5278-CBA7-8BF1-1AFAFCEAECD2}"/>
               </a:ext>
             </a:extLst>
           </p:cNvPr>
@@ -5335,11 +6073,11 @@
           <a:p>
             <a:r>
               <a:rPr lang="en-US" altLang="ko-KR" dirty="0"/>
-              <a:t>SW </a:t>
+              <a:t>Singleton </a:t>
             </a:r>
             <a:r>
               <a:rPr lang="ko-KR" altLang="en-US" dirty="0"/>
-              <a:t>디자인 패턴</a:t>
+              <a:t>패턴</a:t>
             </a:r>
           </a:p>
         </p:txBody>
@@ -5349,7 +6087,7 @@
           <p:cNvPr id="3" name="내용 개체 틀 2">
             <a:extLst>
               <a:ext uri="{FF2B5EF4-FFF2-40B4-BE49-F238E27FC236}">
-                <a16:creationId xmlns:a16="http://schemas.microsoft.com/office/drawing/2014/main" id="{7CD3EA6F-1C78-E45D-A694-B7D7AB22594D}"/>
+                <a16:creationId xmlns:a16="http://schemas.microsoft.com/office/drawing/2014/main" id="{6F3F0FBC-FE39-DD3B-5B60-63E7BF0D8511}"/>
               </a:ext>
             </a:extLst>
           </p:cNvPr>
@@ -5362,171 +6100,37 @@
         </p:nvSpPr>
         <p:spPr/>
         <p:txBody>
-          <a:bodyPr>
-            <a:normAutofit lnSpcReduction="10000"/>
-          </a:bodyPr>
+          <a:bodyPr/>
           <a:lstStyle/>
           <a:p>
             <a:r>
               <a:rPr lang="ko-KR" altLang="en-US" dirty="0"/>
-              <a:t>다양한 상황에 대한 해결 방법</a:t>
+              <a:t>클래스의 인스턴스가 프로그램 전체에서 오직 하나만 존재해야 할 때 사용</a:t>
+            </a:r>
+            <a:endParaRPr lang="en-US" altLang="ko-KR" dirty="0"/>
+          </a:p>
+          <a:p>
+            <a:pPr lvl="1"/>
+            <a:r>
+              <a:rPr lang="ko-KR" altLang="en-US" dirty="0"/>
+              <a:t>예</a:t>
             </a:r>
             <a:r>
               <a:rPr lang="en-US" altLang="ko-KR" dirty="0"/>
-              <a:t>(</a:t>
+              <a:t>) </a:t>
             </a:r>
             <a:r>
               <a:rPr lang="ko-KR" altLang="en-US" dirty="0"/>
-              <a:t>디자인 패턴</a:t>
-            </a:r>
-            <a:r>
-              <a:rPr lang="en-US" altLang="ko-KR" dirty="0"/>
-              <a:t>)</a:t>
+              <a:t>게임 점수 및 승패를 결정하는 </a:t>
+            </a:r>
+            <a:r>
+              <a:rPr lang="en-US" altLang="ko-KR" dirty="0" err="1"/>
+              <a:t>GameManager</a:t>
             </a:r>
             <a:r>
               <a:rPr lang="ko-KR" altLang="en-US" dirty="0"/>
-              <a:t>이 있음</a:t>
-            </a:r>
-            <a:endParaRPr lang="en-US" altLang="ko-KR" dirty="0"/>
-          </a:p>
-          <a:p>
-            <a:pPr lvl="1"/>
-            <a:r>
-              <a:rPr lang="en-US" altLang="ko-KR" dirty="0">
-                <a:solidFill>
-                  <a:srgbClr val="00B050"/>
-                </a:solidFill>
-              </a:rPr>
-              <a:t>Singleton</a:t>
-            </a:r>
-            <a:r>
-              <a:rPr lang="en-US" altLang="ko-KR" dirty="0"/>
-              <a:t>: </a:t>
-            </a:r>
-            <a:r>
-              <a:rPr lang="ko-KR" altLang="en-US" dirty="0"/>
-              <a:t>한 클래스의 인스턴스가 오직 하나만 존재하도록 보장</a:t>
-            </a:r>
-            <a:endParaRPr lang="en-US" altLang="ko-KR" dirty="0"/>
-          </a:p>
-          <a:p>
-            <a:pPr lvl="1"/>
-            <a:r>
-              <a:rPr lang="en-US" altLang="ko-KR" dirty="0"/>
-              <a:t>Prototype:</a:t>
-            </a:r>
-            <a:r>
-              <a:rPr lang="ko-KR" altLang="en-US" dirty="0"/>
-              <a:t> 기존 객체를 복제하여 새로운 객체를 생성</a:t>
-            </a:r>
-            <a:endParaRPr lang="en-US" altLang="ko-KR" dirty="0"/>
-          </a:p>
-          <a:p>
-            <a:pPr lvl="1"/>
-            <a:r>
-              <a:rPr lang="en-US" altLang="ko-KR" dirty="0"/>
-              <a:t>Adapter: </a:t>
-            </a:r>
-            <a:r>
-              <a:rPr lang="ko-KR" altLang="en-US" dirty="0"/>
-              <a:t>호환되지 않는 인터페이스를 가진 클래스들이 함께 작동할 수 있도록 함</a:t>
-            </a:r>
-            <a:endParaRPr lang="en-US" altLang="ko-KR" dirty="0"/>
-          </a:p>
-          <a:p>
-            <a:pPr lvl="1"/>
-            <a:r>
-              <a:rPr lang="en-US" altLang="ko-KR" dirty="0"/>
-              <a:t>Bridge: </a:t>
-            </a:r>
-            <a:r>
-              <a:rPr lang="ko-KR" altLang="en-US" dirty="0"/>
-              <a:t>추상화</a:t>
-            </a:r>
-            <a:r>
-              <a:rPr lang="en-US" altLang="ko-KR" dirty="0"/>
-              <a:t>(Abstract)</a:t>
-            </a:r>
-            <a:r>
-              <a:rPr lang="ko-KR" altLang="en-US" dirty="0"/>
-              <a:t>와 구현을 분리하여</a:t>
-            </a:r>
-            <a:r>
-              <a:rPr lang="en-US" altLang="ko-KR" dirty="0"/>
-              <a:t>, </a:t>
-            </a:r>
-            <a:r>
-              <a:rPr lang="ko-KR" altLang="en-US" dirty="0"/>
-              <a:t>독립적으로 변형될 수 있게 함</a:t>
-            </a:r>
-            <a:endParaRPr lang="en-US" altLang="ko-KR" dirty="0"/>
-          </a:p>
-          <a:p>
-            <a:pPr lvl="1"/>
-            <a:r>
-              <a:rPr lang="en-US" altLang="ko-KR" dirty="0"/>
-              <a:t>Interpreter: </a:t>
-            </a:r>
-            <a:r>
-              <a:rPr lang="ko-KR" altLang="en-US" dirty="0"/>
-              <a:t>주어진 언어의 문법에 대한 표현을 정의하고 문장을 해석</a:t>
-            </a:r>
-            <a:endParaRPr lang="en-US" altLang="ko-KR" dirty="0"/>
-          </a:p>
-          <a:p>
-            <a:pPr lvl="1"/>
-            <a:r>
-              <a:rPr lang="en-US" altLang="ko-KR" dirty="0"/>
-              <a:t>State: </a:t>
-            </a:r>
-            <a:r>
-              <a:rPr lang="ko-KR" altLang="en-US" dirty="0"/>
-              <a:t>객체의 내부 상태에 따라 객체의 행동을 변경</a:t>
-            </a:r>
-            <a:endParaRPr lang="en-US" altLang="ko-KR" dirty="0"/>
-          </a:p>
-          <a:p>
-            <a:pPr lvl="1"/>
-            <a:r>
-              <a:rPr lang="en-US" altLang="ko-KR" dirty="0"/>
-              <a:t>Strategy: </a:t>
-            </a:r>
-            <a:r>
-              <a:rPr lang="ko-KR" altLang="en-US" dirty="0"/>
-              <a:t>알고리즘을 객체의 행동으로 </a:t>
-            </a:r>
-            <a:r>
-              <a:rPr lang="ko-KR" altLang="en-US" dirty="0" err="1"/>
-              <a:t>캡슐화하여</a:t>
-            </a:r>
-            <a:r>
-              <a:rPr lang="ko-KR" altLang="en-US" dirty="0"/>
-              <a:t> 동일한 기능을 하는 다른 알고리즘으로 교체할 수 있게 함</a:t>
-            </a:r>
-            <a:endParaRPr lang="en-US" altLang="ko-KR" dirty="0"/>
-          </a:p>
-          <a:p>
-            <a:pPr lvl="1"/>
-            <a:r>
-              <a:rPr lang="en-US" altLang="ko-KR" dirty="0"/>
-              <a:t>Iterator: </a:t>
-            </a:r>
-            <a:r>
-              <a:rPr lang="ko-KR" altLang="en-US" dirty="0"/>
-              <a:t>컬렉션 내의 요소를 순차적으로 접근하는 방법을 제공</a:t>
-            </a:r>
-            <a:endParaRPr lang="en-US" altLang="ko-KR" dirty="0"/>
-          </a:p>
-          <a:p>
-            <a:pPr lvl="1"/>
-            <a:r>
-              <a:rPr lang="en-US" altLang="ko-KR" dirty="0"/>
-              <a:t>...</a:t>
-            </a:r>
-          </a:p>
-          <a:p>
-            <a:pPr lvl="1"/>
-            <a:endParaRPr lang="ko-KR" altLang="en-US" dirty="0"/>
+              <a:t> 클래스</a:t>
+            </a:r>
           </a:p>
         </p:txBody>
       </p:sp>
@@ -5535,7 +6139,7 @@
           <p:cNvPr id="4" name="날짜 개체 틀 3">
             <a:extLst>
               <a:ext uri="{FF2B5EF4-FFF2-40B4-BE49-F238E27FC236}">
-                <a16:creationId xmlns:a16="http://schemas.microsoft.com/office/drawing/2014/main" id="{D92842D5-8D65-4182-449D-5EE6395D4223}"/>
+                <a16:creationId xmlns:a16="http://schemas.microsoft.com/office/drawing/2014/main" id="{F049ADBB-5F5C-B6AE-AAEB-F6B866C08351}"/>
               </a:ext>
             </a:extLst>
           </p:cNvPr>
@@ -5553,7 +6157,7 @@
           <a:p>
             <a:fld id="{0F78D9C4-20C1-4B15-A116-16DC77AD9A1E}" type="datetime1">
               <a:rPr lang="ko-KR" altLang="en-US" smtClean="0"/>
-              <a:t>2025-05-23</a:t>
+              <a:t>2025-05-25</a:t>
             </a:fld>
             <a:endParaRPr lang="ko-KR" altLang="en-US"/>
           </a:p>
@@ -5564,7 +6168,7 @@
           <p:cNvPr id="5" name="슬라이드 번호 개체 틀 4">
             <a:extLst>
               <a:ext uri="{FF2B5EF4-FFF2-40B4-BE49-F238E27FC236}">
-                <a16:creationId xmlns:a16="http://schemas.microsoft.com/office/drawing/2014/main" id="{CA50545B-E805-FC27-89DE-0CF6B963ADAA}"/>
+                <a16:creationId xmlns:a16="http://schemas.microsoft.com/office/drawing/2014/main" id="{0B6F1BCC-30D8-DE80-86EB-394D584311CD}"/>
               </a:ext>
             </a:extLst>
           </p:cNvPr>
@@ -5583,178 +6187,6 @@
             <a:fld id="{083A2CE0-18CD-4102-B738-4ACFF9E68BA4}" type="slidenum">
               <a:rPr lang="ko-KR" altLang="en-US" smtClean="0"/>
               <a:t>12</a:t>
-            </a:fld>
-            <a:endParaRPr lang="ko-KR" altLang="en-US"/>
-          </a:p>
-        </p:txBody>
-      </p:sp>
-    </p:spTree>
-    <p:extLst>
-      <p:ext uri="{BB962C8B-B14F-4D97-AF65-F5344CB8AC3E}">
-        <p14:creationId xmlns:p14="http://schemas.microsoft.com/office/powerpoint/2010/main" val="1658821868"/>
-      </p:ext>
-    </p:extLst>
-  </p:cSld>
-  <p:clrMapOvr>
-    <a:masterClrMapping/>
-  </p:clrMapOvr>
-</p:sld>
-</file>
-
-<file path=ppt/slides/slide13.xml><?xml version="1.0" encoding="utf-8"?>
-<p:sld xmlns:a="http://schemas.openxmlformats.org/drawingml/2006/main" xmlns:r="http://schemas.openxmlformats.org/officeDocument/2006/relationships" xmlns:p="http://schemas.openxmlformats.org/presentationml/2006/main">
-  <p:cSld>
-    <p:spTree>
-      <p:nvGrpSpPr>
-        <p:cNvPr id="1" name=""/>
-        <p:cNvGrpSpPr/>
-        <p:nvPr/>
-      </p:nvGrpSpPr>
-      <p:grpSpPr>
-        <a:xfrm>
-          <a:off x="0" y="0"/>
-          <a:ext cx="0" cy="0"/>
-          <a:chOff x="0" y="0"/>
-          <a:chExt cx="0" cy="0"/>
-        </a:xfrm>
-      </p:grpSpPr>
-      <p:sp>
-        <p:nvSpPr>
-          <p:cNvPr id="2" name="제목 1">
-            <a:extLst>
-              <a:ext uri="{FF2B5EF4-FFF2-40B4-BE49-F238E27FC236}">
-                <a16:creationId xmlns:a16="http://schemas.microsoft.com/office/drawing/2014/main" id="{F158C4E9-5278-CBA7-8BF1-1AFAFCEAECD2}"/>
-              </a:ext>
-            </a:extLst>
-          </p:cNvPr>
-          <p:cNvSpPr>
-            <a:spLocks noGrp="1"/>
-          </p:cNvSpPr>
-          <p:nvPr>
-            <p:ph type="title"/>
-          </p:nvPr>
-        </p:nvSpPr>
-        <p:spPr/>
-        <p:txBody>
-          <a:bodyPr/>
-          <a:lstStyle/>
-          <a:p>
-            <a:r>
-              <a:rPr lang="en-US" altLang="ko-KR" dirty="0"/>
-              <a:t>Singleton </a:t>
-            </a:r>
-            <a:r>
-              <a:rPr lang="ko-KR" altLang="en-US" dirty="0"/>
-              <a:t>패턴</a:t>
-            </a:r>
-          </a:p>
-        </p:txBody>
-      </p:sp>
-      <p:sp>
-        <p:nvSpPr>
-          <p:cNvPr id="3" name="내용 개체 틀 2">
-            <a:extLst>
-              <a:ext uri="{FF2B5EF4-FFF2-40B4-BE49-F238E27FC236}">
-                <a16:creationId xmlns:a16="http://schemas.microsoft.com/office/drawing/2014/main" id="{6F3F0FBC-FE39-DD3B-5B60-63E7BF0D8511}"/>
-              </a:ext>
-            </a:extLst>
-          </p:cNvPr>
-          <p:cNvSpPr>
-            <a:spLocks noGrp="1"/>
-          </p:cNvSpPr>
-          <p:nvPr>
-            <p:ph idx="1"/>
-          </p:nvPr>
-        </p:nvSpPr>
-        <p:spPr/>
-        <p:txBody>
-          <a:bodyPr/>
-          <a:lstStyle/>
-          <a:p>
-            <a:r>
-              <a:rPr lang="ko-KR" altLang="en-US" dirty="0"/>
-              <a:t>클래스의 인스턴스가 프로그램 전체에서 오직 하나만 존재해야 할 때 사용</a:t>
-            </a:r>
-            <a:endParaRPr lang="en-US" altLang="ko-KR" dirty="0"/>
-          </a:p>
-          <a:p>
-            <a:pPr lvl="1"/>
-            <a:r>
-              <a:rPr lang="ko-KR" altLang="en-US" dirty="0"/>
-              <a:t>예</a:t>
-            </a:r>
-            <a:r>
-              <a:rPr lang="en-US" altLang="ko-KR" dirty="0"/>
-              <a:t>) </a:t>
-            </a:r>
-            <a:r>
-              <a:rPr lang="ko-KR" altLang="en-US" dirty="0"/>
-              <a:t>게임 점수 및 승패를 결정하는 </a:t>
-            </a:r>
-            <a:r>
-              <a:rPr lang="en-US" altLang="ko-KR" dirty="0" err="1"/>
-              <a:t>GameManager</a:t>
-            </a:r>
-            <a:r>
-              <a:rPr lang="ko-KR" altLang="en-US" dirty="0"/>
-              <a:t> 클래스</a:t>
-            </a:r>
-          </a:p>
-        </p:txBody>
-      </p:sp>
-      <p:sp>
-        <p:nvSpPr>
-          <p:cNvPr id="4" name="날짜 개체 틀 3">
-            <a:extLst>
-              <a:ext uri="{FF2B5EF4-FFF2-40B4-BE49-F238E27FC236}">
-                <a16:creationId xmlns:a16="http://schemas.microsoft.com/office/drawing/2014/main" id="{F049ADBB-5F5C-B6AE-AAEB-F6B866C08351}"/>
-              </a:ext>
-            </a:extLst>
-          </p:cNvPr>
-          <p:cNvSpPr>
-            <a:spLocks noGrp="1"/>
-          </p:cNvSpPr>
-          <p:nvPr>
-            <p:ph type="dt" sz="half" idx="10"/>
-          </p:nvPr>
-        </p:nvSpPr>
-        <p:spPr/>
-        <p:txBody>
-          <a:bodyPr/>
-          <a:lstStyle/>
-          <a:p>
-            <a:fld id="{0F78D9C4-20C1-4B15-A116-16DC77AD9A1E}" type="datetime1">
-              <a:rPr lang="ko-KR" altLang="en-US" smtClean="0"/>
-              <a:t>2025-05-23</a:t>
-            </a:fld>
-            <a:endParaRPr lang="ko-KR" altLang="en-US"/>
-          </a:p>
-        </p:txBody>
-      </p:sp>
-      <p:sp>
-        <p:nvSpPr>
-          <p:cNvPr id="5" name="슬라이드 번호 개체 틀 4">
-            <a:extLst>
-              <a:ext uri="{FF2B5EF4-FFF2-40B4-BE49-F238E27FC236}">
-                <a16:creationId xmlns:a16="http://schemas.microsoft.com/office/drawing/2014/main" id="{0B6F1BCC-30D8-DE80-86EB-394D584311CD}"/>
-              </a:ext>
-            </a:extLst>
-          </p:cNvPr>
-          <p:cNvSpPr>
-            <a:spLocks noGrp="1"/>
-          </p:cNvSpPr>
-          <p:nvPr>
-            <p:ph type="sldNum" sz="quarter" idx="12"/>
-          </p:nvPr>
-        </p:nvSpPr>
-        <p:spPr/>
-        <p:txBody>
-          <a:bodyPr/>
-          <a:lstStyle/>
-          <a:p>
-            <a:fld id="{083A2CE0-18CD-4102-B738-4ACFF9E68BA4}" type="slidenum">
-              <a:rPr lang="ko-KR" altLang="en-US" smtClean="0"/>
-              <a:t>13</a:t>
             </a:fld>
             <a:endParaRPr lang="ko-KR" altLang="en-US"/>
           </a:p>
@@ -5833,7 +6265,7 @@
 </p:sld>
 </file>
 
-<file path=ppt/slides/slide14.xml><?xml version="1.0" encoding="utf-8"?>
+<file path=ppt/slides/slide13.xml><?xml version="1.0" encoding="utf-8"?>
 <p:sld xmlns:a="http://schemas.openxmlformats.org/drawingml/2006/main" xmlns:r="http://schemas.openxmlformats.org/officeDocument/2006/relationships" xmlns:p="http://schemas.openxmlformats.org/presentationml/2006/main">
   <p:cSld>
     <p:spTree>
@@ -5935,7 +6367,7 @@
           <a:p>
             <a:fld id="{0F78D9C4-20C1-4B15-A116-16DC77AD9A1E}" type="datetime1">
               <a:rPr lang="ko-KR" altLang="en-US" smtClean="0"/>
-              <a:t>2025-05-23</a:t>
+              <a:t>2025-05-25</a:t>
             </a:fld>
             <a:endParaRPr lang="ko-KR" altLang="en-US"/>
           </a:p>
@@ -5964,7 +6396,7 @@
           <a:p>
             <a:fld id="{083A2CE0-18CD-4102-B738-4ACFF9E68BA4}" type="slidenum">
               <a:rPr lang="ko-KR" altLang="en-US" smtClean="0"/>
-              <a:t>14</a:t>
+              <a:t>13</a:t>
             </a:fld>
             <a:endParaRPr lang="ko-KR" altLang="en-US"/>
           </a:p>
@@ -6185,7 +6617,7 @@
 </p:sld>
 </file>
 
-<file path=ppt/slides/slide15.xml><?xml version="1.0" encoding="utf-8"?>
+<file path=ppt/slides/slide14.xml><?xml version="1.0" encoding="utf-8"?>
 <p:sld xmlns:a="http://schemas.openxmlformats.org/drawingml/2006/main" xmlns:r="http://schemas.openxmlformats.org/officeDocument/2006/relationships" xmlns:p="http://schemas.openxmlformats.org/presentationml/2006/main">
   <p:cSld>
     <p:spTree>
@@ -6293,7 +6725,7 @@
           <a:p>
             <a:fld id="{0F78D9C4-20C1-4B15-A116-16DC77AD9A1E}" type="datetime1">
               <a:rPr lang="ko-KR" altLang="en-US" smtClean="0"/>
-              <a:t>2025-05-23</a:t>
+              <a:t>2025-05-25</a:t>
             </a:fld>
             <a:endParaRPr lang="ko-KR" altLang="en-US"/>
           </a:p>
@@ -6322,7 +6754,7 @@
           <a:p>
             <a:fld id="{083A2CE0-18CD-4102-B738-4ACFF9E68BA4}" type="slidenum">
               <a:rPr lang="ko-KR" altLang="en-US" smtClean="0"/>
-              <a:t>15</a:t>
+              <a:t>14</a:t>
             </a:fld>
             <a:endParaRPr lang="ko-KR" altLang="en-US"/>
           </a:p>
@@ -6630,7 +7062,7 @@
 </p:sld>
 </file>
 
-<file path=ppt/slides/slide16.xml><?xml version="1.0" encoding="utf-8"?>
+<file path=ppt/slides/slide15.xml><?xml version="1.0" encoding="utf-8"?>
 <p:sld xmlns:a="http://schemas.openxmlformats.org/drawingml/2006/main" xmlns:r="http://schemas.openxmlformats.org/officeDocument/2006/relationships" xmlns:p="http://schemas.openxmlformats.org/presentationml/2006/main">
   <p:cSld>
     <p:spTree>
@@ -6702,7 +7134,7 @@
           <a:p>
             <a:fld id="{0F78D9C4-20C1-4B15-A116-16DC77AD9A1E}" type="datetime1">
               <a:rPr lang="ko-KR" altLang="en-US" smtClean="0"/>
-              <a:t>2025-05-23</a:t>
+              <a:t>2025-05-25</a:t>
             </a:fld>
             <a:endParaRPr lang="ko-KR" altLang="en-US"/>
           </a:p>
@@ -6731,7 +7163,7 @@
           <a:p>
             <a:fld id="{083A2CE0-18CD-4102-B738-4ACFF9E68BA4}" type="slidenum">
               <a:rPr lang="ko-KR" altLang="en-US" smtClean="0"/>
-              <a:t>16</a:t>
+              <a:t>15</a:t>
             </a:fld>
             <a:endParaRPr lang="ko-KR" altLang="en-US"/>
           </a:p>
@@ -6953,7 +7385,7 @@
 </p:sld>
 </file>
 
-<file path=ppt/slides/slide17.xml><?xml version="1.0" encoding="utf-8"?>
+<file path=ppt/slides/slide16.xml><?xml version="1.0" encoding="utf-8"?>
 <p:sld xmlns:a="http://schemas.openxmlformats.org/drawingml/2006/main" xmlns:r="http://schemas.openxmlformats.org/officeDocument/2006/relationships" xmlns:p="http://schemas.openxmlformats.org/presentationml/2006/main">
   <p:cSld>
     <p:spTree>
@@ -7025,7 +7457,7 @@
           <a:p>
             <a:fld id="{0F78D9C4-20C1-4B15-A116-16DC77AD9A1E}" type="datetime1">
               <a:rPr lang="ko-KR" altLang="en-US" smtClean="0"/>
-              <a:t>2025-05-23</a:t>
+              <a:t>2025-05-25</a:t>
             </a:fld>
             <a:endParaRPr lang="ko-KR" altLang="en-US"/>
           </a:p>
@@ -7054,7 +7486,7 @@
           <a:p>
             <a:fld id="{083A2CE0-18CD-4102-B738-4ACFF9E68BA4}" type="slidenum">
               <a:rPr lang="ko-KR" altLang="en-US" smtClean="0"/>
-              <a:t>17</a:t>
+              <a:t>16</a:t>
             </a:fld>
             <a:endParaRPr lang="ko-KR" altLang="en-US"/>
           </a:p>
@@ -7391,7 +7823,7 @@
 </p:sld>
 </file>
 
-<file path=ppt/slides/slide18.xml><?xml version="1.0" encoding="utf-8"?>
+<file path=ppt/slides/slide17.xml><?xml version="1.0" encoding="utf-8"?>
 <p:sld xmlns:a="http://schemas.openxmlformats.org/drawingml/2006/main" xmlns:r="http://schemas.openxmlformats.org/officeDocument/2006/relationships" xmlns:p="http://schemas.openxmlformats.org/presentationml/2006/main">
   <p:cSld>
     <p:spTree>
@@ -7655,7 +8087,7 @@
           <a:p>
             <a:fld id="{0F78D9C4-20C1-4B15-A116-16DC77AD9A1E}" type="datetime1">
               <a:rPr lang="ko-KR" altLang="en-US" smtClean="0"/>
-              <a:t>2025-05-23</a:t>
+              <a:t>2025-05-25</a:t>
             </a:fld>
             <a:endParaRPr lang="ko-KR" altLang="en-US"/>
           </a:p>
@@ -7684,7 +8116,7 @@
           <a:p>
             <a:fld id="{083A2CE0-18CD-4102-B738-4ACFF9E68BA4}" type="slidenum">
               <a:rPr lang="ko-KR" altLang="en-US" smtClean="0"/>
-              <a:t>18</a:t>
+              <a:t>17</a:t>
             </a:fld>
             <a:endParaRPr lang="ko-KR" altLang="en-US"/>
           </a:p>
@@ -7703,8 +8135,8 @@
 </p:sld>
 </file>
 
-<file path=ppt/slides/slide19.xml><?xml version="1.0" encoding="utf-8"?>
-<p:sld xmlns:a="http://schemas.openxmlformats.org/drawingml/2006/main" xmlns:r="http://schemas.openxmlformats.org/officeDocument/2006/relationships" xmlns:p="http://schemas.openxmlformats.org/presentationml/2006/main">
+<file path=ppt/slides/slide18.xml><?xml version="1.0" encoding="utf-8"?>
+<p:sld xmlns:a="http://schemas.openxmlformats.org/drawingml/2006/main" xmlns:r="http://schemas.openxmlformats.org/officeDocument/2006/relationships" xmlns:p="http://schemas.openxmlformats.org/presentationml/2006/main" show="0">
   <p:cSld>
     <p:spTree>
       <p:nvGrpSpPr>
@@ -7748,29 +8180,18 @@
           <a:lstStyle/>
           <a:p>
             <a:r>
-              <a:rPr lang="ko-KR" altLang="en-US" dirty="0">
-                <a:solidFill>
-                  <a:srgbClr val="00B050"/>
-                </a:solidFill>
-              </a:rPr>
+              <a:rPr lang="ko-KR" altLang="en-US" smtClean="0"/>
               <a:t>연습</a:t>
             </a:r>
             <a:r>
-              <a:rPr lang="en-US" altLang="ko-KR" dirty="0">
-                <a:solidFill>
-                  <a:srgbClr val="00B050"/>
-                </a:solidFill>
-              </a:rPr>
+              <a:rPr lang="en-US" altLang="ko-KR" smtClean="0"/>
               <a:t>. WPF MVVM </a:t>
             </a:r>
             <a:r>
-              <a:rPr lang="ko-KR" altLang="en-US" dirty="0">
-                <a:solidFill>
-                  <a:srgbClr val="00B050"/>
-                </a:solidFill>
-              </a:rPr>
+              <a:rPr lang="ko-KR" altLang="en-US" smtClean="0"/>
               <a:t>패턴 따라해보기 </a:t>
             </a:r>
+            <a:endParaRPr lang="ko-KR" altLang="en-US" dirty="0"/>
           </a:p>
         </p:txBody>
       </p:sp>
@@ -7798,122 +8219,117 @@
           <a:lstStyle/>
           <a:p>
             <a:r>
-              <a:rPr lang="en-US" altLang="ko-KR" dirty="0">
+              <a:rPr lang="en-US" altLang="ko-KR" smtClean="0">
                 <a:hlinkClick r:id="rId3"/>
               </a:rPr>
               <a:t>https://devbong.tistory.com/34</a:t>
             </a:r>
-            <a:endParaRPr lang="ko-KR" altLang="en-US" dirty="0"/>
-          </a:p>
-          <a:p>
-            <a:r>
-              <a:rPr lang="ko-KR" altLang="en-US" dirty="0"/>
+            <a:endParaRPr lang="ko-KR" altLang="en-US" smtClean="0"/>
+          </a:p>
+          <a:p>
+            <a:r>
+              <a:rPr lang="ko-KR" altLang="en-US" smtClean="0"/>
               <a:t>위 블로그의 </a:t>
             </a:r>
             <a:r>
-              <a:rPr lang="en-US" altLang="ko-KR" dirty="0"/>
+              <a:rPr lang="en-US" altLang="ko-KR" smtClean="0"/>
               <a:t>“[WPF] MVVM </a:t>
             </a:r>
             <a:r>
-              <a:rPr lang="ko-KR" altLang="en-US" dirty="0"/>
+              <a:rPr lang="ko-KR" altLang="en-US" smtClean="0"/>
               <a:t>패턴으로 </a:t>
             </a:r>
             <a:r>
-              <a:rPr lang="en-US" altLang="ko-KR" dirty="0"/>
+              <a:rPr lang="en-US" altLang="ko-KR" smtClean="0"/>
               <a:t>WPF </a:t>
             </a:r>
             <a:r>
-              <a:rPr lang="ko-KR" altLang="en-US" dirty="0"/>
+              <a:rPr lang="ko-KR" altLang="en-US" smtClean="0"/>
               <a:t>시작하기</a:t>
             </a:r>
             <a:r>
-              <a:rPr lang="en-US" altLang="ko-KR" dirty="0"/>
+              <a:rPr lang="en-US" altLang="ko-KR" smtClean="0"/>
               <a:t>” </a:t>
             </a:r>
             <a:r>
-              <a:rPr lang="ko-KR" altLang="en-US" dirty="0"/>
+              <a:rPr lang="ko-KR" altLang="en-US" smtClean="0"/>
               <a:t>강의를 </a:t>
             </a:r>
             <a:r>
-              <a:rPr lang="en-US" altLang="ko-KR" dirty="0"/>
+              <a:rPr lang="en-US" altLang="ko-KR" smtClean="0"/>
               <a:t/>
             </a:r>
             <a:br>
-              <a:rPr lang="en-US" altLang="ko-KR" dirty="0"/>
+              <a:rPr lang="en-US" altLang="ko-KR" smtClean="0"/>
             </a:br>
             <a:r>
-              <a:rPr lang="en-US" altLang="ko-KR" dirty="0"/>
+              <a:rPr lang="en-US" altLang="ko-KR" smtClean="0"/>
               <a:t>01 </a:t>
             </a:r>
             <a:r>
-              <a:rPr lang="ko-KR" altLang="en-US" dirty="0"/>
+              <a:rPr lang="ko-KR" altLang="en-US" smtClean="0"/>
               <a:t>프로젝트 만들기 </a:t>
             </a:r>
             <a:r>
-              <a:rPr lang="en-US" altLang="ko-KR" dirty="0"/>
+              <a:rPr lang="en-US" altLang="ko-KR" smtClean="0"/>
               <a:t>~ 05 Converter </a:t>
             </a:r>
             <a:r>
-              <a:rPr lang="ko-KR" altLang="en-US" dirty="0"/>
+              <a:rPr lang="ko-KR" altLang="en-US" smtClean="0"/>
               <a:t>까지 따라해보기 </a:t>
             </a:r>
-            <a:endParaRPr lang="en-US" altLang="ko-KR" dirty="0"/>
-          </a:p>
-          <a:p>
-            <a:r>
-              <a:rPr lang="en-US" altLang="ko-KR" dirty="0"/>
+            <a:endParaRPr lang="en-US" altLang="ko-KR" smtClean="0"/>
+          </a:p>
+          <a:p>
+            <a:r>
+              <a:rPr lang="en-US" altLang="ko-KR" smtClean="0"/>
               <a:t>View</a:t>
             </a:r>
           </a:p>
           <a:p>
             <a:pPr lvl="1"/>
             <a:r>
-              <a:rPr lang="en-US" altLang="ko-KR" dirty="0" err="1"/>
+              <a:rPr lang="en-US" altLang="ko-KR" smtClean="0"/>
               <a:t>MainWindow.xaml</a:t>
             </a:r>
-            <a:endParaRPr lang="en-US" altLang="ko-KR" dirty="0"/>
           </a:p>
           <a:p>
             <a:pPr lvl="1"/>
             <a:r>
-              <a:rPr lang="en-US" altLang="ko-KR" dirty="0" err="1"/>
+              <a:rPr lang="en-US" altLang="ko-KR" smtClean="0"/>
               <a:t>MainWindow.xaml.cs</a:t>
             </a:r>
-            <a:endParaRPr lang="en-US" altLang="ko-KR" dirty="0"/>
-          </a:p>
-          <a:p>
-            <a:r>
-              <a:rPr lang="en-US" altLang="ko-KR" dirty="0" err="1"/>
+          </a:p>
+          <a:p>
+            <a:r>
+              <a:rPr lang="en-US" altLang="ko-KR" smtClean="0"/>
               <a:t>ViewModel</a:t>
             </a:r>
-            <a:endParaRPr lang="en-US" altLang="ko-KR" dirty="0"/>
           </a:p>
           <a:p>
             <a:pPr lvl="1"/>
             <a:r>
-              <a:rPr lang="en-US" altLang="ko-KR" dirty="0" err="1"/>
+              <a:rPr lang="en-US" altLang="ko-KR" smtClean="0"/>
               <a:t>MainWindowViewModel.cs</a:t>
             </a:r>
-            <a:endParaRPr lang="en-US" altLang="ko-KR" dirty="0"/>
           </a:p>
           <a:p>
             <a:pPr lvl="1"/>
             <a:r>
-              <a:rPr lang="en-US" altLang="ko-KR" dirty="0" err="1"/>
+              <a:rPr lang="en-US" altLang="ko-KR" smtClean="0"/>
               <a:t>ViewModelBase.cs</a:t>
             </a:r>
-            <a:endParaRPr lang="en-US" altLang="ko-KR" dirty="0"/>
-          </a:p>
-          <a:p>
-            <a:r>
-              <a:rPr lang="en-US" altLang="ko-KR" dirty="0"/>
+          </a:p>
+          <a:p>
+            <a:r>
+              <a:rPr lang="en-US" altLang="ko-KR" smtClean="0"/>
               <a:t>Model</a:t>
             </a:r>
           </a:p>
           <a:p>
             <a:pPr lvl="1"/>
             <a:r>
-              <a:rPr lang="en-US" altLang="ko-KR" dirty="0" err="1"/>
+              <a:rPr lang="en-US" altLang="ko-KR" smtClean="0"/>
               <a:t>Person.cs</a:t>
             </a:r>
             <a:endParaRPr lang="ko-KR" altLang="en-US" dirty="0"/>
@@ -7943,7 +8359,8 @@
           <a:p>
             <a:fld id="{0F78D9C4-20C1-4B15-A116-16DC77AD9A1E}" type="datetime1">
               <a:rPr lang="ko-KR" altLang="en-US" smtClean="0"/>
-              <a:t>2025-05-23</a:t>
+              <a:pPr/>
+              <a:t>2025-05-25</a:t>
             </a:fld>
             <a:endParaRPr lang="ko-KR" altLang="en-US"/>
           </a:p>
@@ -7972,7 +8389,8 @@
           <a:p>
             <a:fld id="{083A2CE0-18CD-4102-B738-4ACFF9E68BA4}" type="slidenum">
               <a:rPr lang="ko-KR" altLang="en-US" smtClean="0"/>
-              <a:t>19</a:t>
+              <a:pPr/>
+              <a:t>18</a:t>
             </a:fld>
             <a:endParaRPr lang="ko-KR" altLang="en-US"/>
           </a:p>
@@ -7988,6 +8406,14 @@
   <p:clrMapOvr>
     <a:masterClrMapping/>
   </p:clrMapOvr>
+  <mc:AlternateContent xmlns:mc="http://schemas.openxmlformats.org/markup-compatibility/2006">
+    <mc:Choice xmlns:p14="http://schemas.microsoft.com/office/powerpoint/2010/main" Requires="p14">
+      <p:transition spd="slow" p14:dur="2000"/>
+    </mc:Choice>
+    <mc:Fallback>
+      <p:transition spd="slow"/>
+    </mc:Fallback>
+  </mc:AlternateContent>
 </p:sld>
 </file>
 
@@ -8067,50 +8493,82 @@
           <a:lstStyle/>
           <a:p>
             <a:r>
-              <a:rPr lang="en-US" altLang="ko-KR" dirty="0"/>
+              <a:rPr lang="en-US" altLang="ko-KR" dirty="0">
+                <a:latin typeface="Pretendard" panose="02000503000000020004" pitchFamily="2" charset="-127"/>
+                <a:ea typeface="Pretendard" panose="02000503000000020004" pitchFamily="2" charset="-127"/>
+                <a:cs typeface="Pretendard" panose="02000503000000020004" pitchFamily="2" charset="-127"/>
+              </a:rPr>
               <a:t>.NET </a:t>
             </a:r>
             <a:r>
-              <a:rPr lang="ko-KR" altLang="en-US" dirty="0"/>
+              <a:rPr lang="ko-KR" altLang="en-US" dirty="0">
+                <a:latin typeface="Pretendard" panose="02000503000000020004" pitchFamily="2" charset="-127"/>
+                <a:ea typeface="Pretendard" panose="02000503000000020004" pitchFamily="2" charset="-127"/>
+                <a:cs typeface="Pretendard" panose="02000503000000020004" pitchFamily="2" charset="-127"/>
+              </a:rPr>
               <a:t>용 패키지 매니저 </a:t>
             </a:r>
-            <a:endParaRPr lang="en-US" altLang="ko-KR" dirty="0"/>
-          </a:p>
-          <a:p>
-            <a:r>
-              <a:rPr lang="ko-KR" altLang="en-US" dirty="0" err="1"/>
-              <a:t>파이썬의</a:t>
-            </a:r>
-            <a:r>
-              <a:rPr lang="ko-KR" altLang="en-US" dirty="0"/>
-              <a:t> </a:t>
-            </a:r>
-            <a:r>
-              <a:rPr lang="en-US" altLang="ko-KR" dirty="0"/>
-              <a:t>pip, </a:t>
-            </a:r>
-            <a:r>
-              <a:rPr lang="en-US" altLang="ko-KR" dirty="0" err="1"/>
-              <a:t>conda</a:t>
-            </a:r>
-            <a:r>
-              <a:rPr lang="ko-KR" altLang="en-US" dirty="0"/>
-              <a:t>와 같은 역할</a:t>
-            </a:r>
-            <a:endParaRPr lang="en-US" altLang="ko-KR" dirty="0"/>
+            <a:endParaRPr lang="en-US" altLang="ko-KR" dirty="0">
+              <a:latin typeface="Pretendard" panose="02000503000000020004" pitchFamily="2" charset="-127"/>
+              <a:ea typeface="Pretendard" panose="02000503000000020004" pitchFamily="2" charset="-127"/>
+              <a:cs typeface="Pretendard" panose="02000503000000020004" pitchFamily="2" charset="-127"/>
+            </a:endParaRPr>
+          </a:p>
+          <a:p>
+            <a:r>
+              <a:rPr lang="ko-KR" altLang="en-US" dirty="0" smtClean="0">
+                <a:latin typeface="Pretendard" panose="02000503000000020004" pitchFamily="2" charset="-127"/>
+                <a:ea typeface="Pretendard" panose="02000503000000020004" pitchFamily="2" charset="-127"/>
+                <a:cs typeface="Pretendard" panose="02000503000000020004" pitchFamily="2" charset="-127"/>
+              </a:rPr>
+              <a:t>앱스토어 같은 역할</a:t>
+            </a:r>
+            <a:r>
+              <a:rPr lang="en-US" altLang="ko-KR" dirty="0" smtClean="0">
+                <a:latin typeface="Pretendard" panose="02000503000000020004" pitchFamily="2" charset="-127"/>
+                <a:ea typeface="Pretendard" panose="02000503000000020004" pitchFamily="2" charset="-127"/>
+                <a:cs typeface="Pretendard" panose="02000503000000020004" pitchFamily="2" charset="-127"/>
+              </a:rPr>
+              <a:t>.</a:t>
+            </a:r>
+            <a:endParaRPr lang="en-US" altLang="ko-KR" dirty="0" smtClean="0">
+              <a:latin typeface="Pretendard" panose="02000503000000020004" pitchFamily="2" charset="-127"/>
+              <a:ea typeface="Pretendard" panose="02000503000000020004" pitchFamily="2" charset="-127"/>
+              <a:cs typeface="Pretendard" panose="02000503000000020004" pitchFamily="2" charset="-127"/>
+            </a:endParaRPr>
           </a:p>
           <a:p>
             <a:pPr lvl="1"/>
             <a:r>
+              <a:rPr lang="en-US" altLang="ko-KR" dirty="0" smtClean="0">
+                <a:latin typeface="Pretendard" panose="02000503000000020004" pitchFamily="2" charset="-127"/>
+                <a:ea typeface="Pretendard" panose="02000503000000020004" pitchFamily="2" charset="-127"/>
+                <a:cs typeface="Pretendard" panose="02000503000000020004" pitchFamily="2" charset="-127"/>
+                <a:hlinkClick r:id="rId3"/>
+              </a:rPr>
+              <a:t>https</a:t>
+            </a:r>
+            <a:r>
               <a:rPr lang="en-US" altLang="ko-KR" dirty="0">
-                <a:hlinkClick r:id="rId2"/>
+                <a:latin typeface="Pretendard" panose="02000503000000020004" pitchFamily="2" charset="-127"/>
+                <a:ea typeface="Pretendard" panose="02000503000000020004" pitchFamily="2" charset="-127"/>
+                <a:cs typeface="Pretendard" panose="02000503000000020004" pitchFamily="2" charset="-127"/>
+                <a:hlinkClick r:id="rId3"/>
               </a:rPr>
-              <a:t>https://www.nuget.org/packages</a:t>
-            </a:r>
-            <a:endParaRPr lang="en-US" altLang="ko-KR" dirty="0"/>
-          </a:p>
-          <a:p>
-            <a:endParaRPr lang="ko-KR" altLang="en-US" dirty="0"/>
+              <a:t>://www.nuget.org/packages</a:t>
+            </a:r>
+            <a:endParaRPr lang="en-US" altLang="ko-KR" dirty="0">
+              <a:latin typeface="Pretendard" panose="02000503000000020004" pitchFamily="2" charset="-127"/>
+              <a:ea typeface="Pretendard" panose="02000503000000020004" pitchFamily="2" charset="-127"/>
+              <a:cs typeface="Pretendard" panose="02000503000000020004" pitchFamily="2" charset="-127"/>
+            </a:endParaRPr>
+          </a:p>
+          <a:p>
+            <a:endParaRPr lang="ko-KR" altLang="en-US" dirty="0">
+              <a:latin typeface="Pretendard" panose="02000503000000020004" pitchFamily="2" charset="-127"/>
+              <a:ea typeface="Pretendard" panose="02000503000000020004" pitchFamily="2" charset="-127"/>
+              <a:cs typeface="Pretendard" panose="02000503000000020004" pitchFamily="2" charset="-127"/>
+            </a:endParaRPr>
           </a:p>
         </p:txBody>
       </p:sp>
@@ -8137,7 +8595,7 @@
           <a:p>
             <a:fld id="{0F78D9C4-20C1-4B15-A116-16DC77AD9A1E}" type="datetime1">
               <a:rPr lang="ko-KR" altLang="en-US" smtClean="0"/>
-              <a:t>2025-05-23</a:t>
+              <a:t>2025-05-25</a:t>
             </a:fld>
             <a:endParaRPr lang="ko-KR" altLang="en-US"/>
           </a:p>
@@ -8187,7 +8645,7 @@
           <p:nvPr/>
         </p:nvPicPr>
         <p:blipFill>
-          <a:blip r:embed="rId3">
+          <a:blip r:embed="rId4">
             <a:extLst>
               <a:ext uri="{28A0092B-C50C-407E-A947-70E740481C1C}">
                 <a14:useLocalDpi xmlns:a14="http://schemas.microsoft.com/office/drawing/2010/main" val="0"/>
@@ -8201,7 +8659,7 @@
         </p:blipFill>
         <p:spPr bwMode="auto">
           <a:xfrm>
-            <a:off x="6724650" y="928171"/>
+            <a:off x="6437355" y="1354137"/>
             <a:ext cx="4229100" cy="1285875"/>
           </a:xfrm>
           <a:prstGeom prst="rect">
@@ -8221,28 +8679,22 @@
       </p:pic>
       <p:pic>
         <p:nvPicPr>
-          <p:cNvPr id="7" name="그림 6">
-            <a:extLst>
-              <a:ext uri="{FF2B5EF4-FFF2-40B4-BE49-F238E27FC236}">
-                <a16:creationId xmlns:a16="http://schemas.microsoft.com/office/drawing/2014/main" id="{26EED7D5-F029-72C6-3E27-B1B9F00DDED3}"/>
-              </a:ext>
-            </a:extLst>
-          </p:cNvPr>
+          <p:cNvPr id="6" name="그림 5"/>
           <p:cNvPicPr>
             <a:picLocks noChangeAspect="1"/>
           </p:cNvPicPr>
           <p:nvPr/>
         </p:nvPicPr>
         <p:blipFill>
-          <a:blip r:embed="rId4"/>
+          <a:blip r:embed="rId5"/>
           <a:stretch>
             <a:fillRect/>
           </a:stretch>
         </p:blipFill>
         <p:spPr>
           <a:xfrm>
-            <a:off x="589781" y="3271305"/>
-            <a:ext cx="11012437" cy="3057952"/>
+            <a:off x="1525546" y="3202702"/>
+            <a:ext cx="9140909" cy="3276519"/>
           </a:xfrm>
           <a:prstGeom prst="rect">
             <a:avLst/>
@@ -8253,2354 +8705,6 @@
     <p:extLst>
       <p:ext uri="{BB962C8B-B14F-4D97-AF65-F5344CB8AC3E}">
         <p14:creationId xmlns:p14="http://schemas.microsoft.com/office/powerpoint/2010/main" val="3276547290"/>
-      </p:ext>
-    </p:extLst>
-  </p:cSld>
-  <p:clrMapOvr>
-    <a:masterClrMapping/>
-  </p:clrMapOvr>
-</p:sld>
-</file>
-
-<file path=ppt/slides/slide20.xml><?xml version="1.0" encoding="utf-8"?>
-<p:sld xmlns:a="http://schemas.openxmlformats.org/drawingml/2006/main" xmlns:r="http://schemas.openxmlformats.org/officeDocument/2006/relationships" xmlns:p="http://schemas.openxmlformats.org/presentationml/2006/main">
-  <p:cSld>
-    <p:spTree>
-      <p:nvGrpSpPr>
-        <p:cNvPr id="1" name=""/>
-        <p:cNvGrpSpPr/>
-        <p:nvPr/>
-      </p:nvGrpSpPr>
-      <p:grpSpPr>
-        <a:xfrm>
-          <a:off x="0" y="0"/>
-          <a:ext cx="0" cy="0"/>
-          <a:chOff x="0" y="0"/>
-          <a:chExt cx="0" cy="0"/>
-        </a:xfrm>
-      </p:grpSpPr>
-      <p:sp>
-        <p:nvSpPr>
-          <p:cNvPr id="2" name="제목 1">
-            <a:extLst>
-              <a:ext uri="{FF2B5EF4-FFF2-40B4-BE49-F238E27FC236}">
-                <a16:creationId xmlns:a16="http://schemas.microsoft.com/office/drawing/2014/main" id="{15672117-1215-C3DF-77AC-07D54AB22051}"/>
-              </a:ext>
-            </a:extLst>
-          </p:cNvPr>
-          <p:cNvSpPr>
-            <a:spLocks noGrp="1"/>
-          </p:cNvSpPr>
-          <p:nvPr>
-            <p:ph type="title"/>
-          </p:nvPr>
-        </p:nvSpPr>
-        <p:spPr/>
-        <p:txBody>
-          <a:bodyPr/>
-          <a:lstStyle/>
-          <a:p>
-            <a:r>
-              <a:rPr lang="ko-KR" altLang="en-US" dirty="0"/>
-              <a:t>릴리즈 빌드</a:t>
-            </a:r>
-          </a:p>
-        </p:txBody>
-      </p:sp>
-      <p:sp>
-        <p:nvSpPr>
-          <p:cNvPr id="3" name="내용 개체 틀 2">
-            <a:extLst>
-              <a:ext uri="{FF2B5EF4-FFF2-40B4-BE49-F238E27FC236}">
-                <a16:creationId xmlns:a16="http://schemas.microsoft.com/office/drawing/2014/main" id="{7467AB6C-494C-2C1F-67AC-F5513D30568C}"/>
-              </a:ext>
-            </a:extLst>
-          </p:cNvPr>
-          <p:cNvSpPr>
-            <a:spLocks noGrp="1"/>
-          </p:cNvSpPr>
-          <p:nvPr>
-            <p:ph idx="1"/>
-          </p:nvPr>
-        </p:nvSpPr>
-        <p:spPr/>
-        <p:txBody>
-          <a:bodyPr/>
-          <a:lstStyle/>
-          <a:p>
-            <a:r>
-              <a:rPr lang="ko-KR" altLang="en-US" dirty="0"/>
-              <a:t>코드 실행 결과는 동일</a:t>
-            </a:r>
-          </a:p>
-        </p:txBody>
-      </p:sp>
-      <p:sp>
-        <p:nvSpPr>
-          <p:cNvPr id="4" name="날짜 개체 틀 3">
-            <a:extLst>
-              <a:ext uri="{FF2B5EF4-FFF2-40B4-BE49-F238E27FC236}">
-                <a16:creationId xmlns:a16="http://schemas.microsoft.com/office/drawing/2014/main" id="{AB7580D8-0674-1F59-341E-CF8E218CABA0}"/>
-              </a:ext>
-            </a:extLst>
-          </p:cNvPr>
-          <p:cNvSpPr>
-            <a:spLocks noGrp="1"/>
-          </p:cNvSpPr>
-          <p:nvPr>
-            <p:ph type="dt" sz="half" idx="10"/>
-          </p:nvPr>
-        </p:nvSpPr>
-        <p:spPr/>
-        <p:txBody>
-          <a:bodyPr/>
-          <a:lstStyle/>
-          <a:p>
-            <a:fld id="{0F78D9C4-20C1-4B15-A116-16DC77AD9A1E}" type="datetime1">
-              <a:rPr lang="ko-KR" altLang="en-US" smtClean="0"/>
-              <a:t>2025-05-23</a:t>
-            </a:fld>
-            <a:endParaRPr lang="ko-KR" altLang="en-US"/>
-          </a:p>
-        </p:txBody>
-      </p:sp>
-      <p:sp>
-        <p:nvSpPr>
-          <p:cNvPr id="5" name="슬라이드 번호 개체 틀 4">
-            <a:extLst>
-              <a:ext uri="{FF2B5EF4-FFF2-40B4-BE49-F238E27FC236}">
-                <a16:creationId xmlns:a16="http://schemas.microsoft.com/office/drawing/2014/main" id="{2644C262-F118-1637-D7E6-29B396333A0D}"/>
-              </a:ext>
-            </a:extLst>
-          </p:cNvPr>
-          <p:cNvSpPr>
-            <a:spLocks noGrp="1"/>
-          </p:cNvSpPr>
-          <p:nvPr>
-            <p:ph type="sldNum" sz="quarter" idx="12"/>
-          </p:nvPr>
-        </p:nvSpPr>
-        <p:spPr/>
-        <p:txBody>
-          <a:bodyPr/>
-          <a:lstStyle/>
-          <a:p>
-            <a:fld id="{083A2CE0-18CD-4102-B738-4ACFF9E68BA4}" type="slidenum">
-              <a:rPr lang="ko-KR" altLang="en-US" smtClean="0"/>
-              <a:t>20</a:t>
-            </a:fld>
-            <a:endParaRPr lang="ko-KR" altLang="en-US"/>
-          </a:p>
-        </p:txBody>
-      </p:sp>
-      <p:graphicFrame>
-        <p:nvGraphicFramePr>
-          <p:cNvPr id="6" name="표 5">
-            <a:extLst>
-              <a:ext uri="{FF2B5EF4-FFF2-40B4-BE49-F238E27FC236}">
-                <a16:creationId xmlns:a16="http://schemas.microsoft.com/office/drawing/2014/main" id="{3A488628-0F6A-B4CE-6F55-BE915DA1DCF5}"/>
-              </a:ext>
-            </a:extLst>
-          </p:cNvPr>
-          <p:cNvGraphicFramePr>
-            <a:graphicFrameLocks noGrp="1"/>
-          </p:cNvGraphicFramePr>
-          <p:nvPr>
-            <p:extLst>
-              <p:ext uri="{D42A27DB-BD31-4B8C-83A1-F6EECF244321}">
-                <p14:modId xmlns:p14="http://schemas.microsoft.com/office/powerpoint/2010/main" val="2746282907"/>
-              </p:ext>
-            </p:extLst>
-          </p:nvPr>
-        </p:nvGraphicFramePr>
-        <p:xfrm>
-          <a:off x="1276120" y="2577419"/>
-          <a:ext cx="9639760" cy="3334442"/>
-        </p:xfrm>
-        <a:graphic>
-          <a:graphicData uri="http://schemas.openxmlformats.org/drawingml/2006/table">
-            <a:tbl>
-              <a:tblPr firstRow="1" bandRow="1">
-                <a:tableStyleId>{912C8C85-51F0-491E-9774-3900AFEF0FD7}</a:tableStyleId>
-              </a:tblPr>
-              <a:tblGrid>
-                <a:gridCol w="4819880">
-                  <a:extLst>
-                    <a:ext uri="{9D8B030D-6E8A-4147-A177-3AD203B41FA5}">
-                      <a16:colId xmlns:a16="http://schemas.microsoft.com/office/drawing/2014/main" val="2124534598"/>
-                    </a:ext>
-                  </a:extLst>
-                </a:gridCol>
-                <a:gridCol w="4819880">
-                  <a:extLst>
-                    <a:ext uri="{9D8B030D-6E8A-4147-A177-3AD203B41FA5}">
-                      <a16:colId xmlns:a16="http://schemas.microsoft.com/office/drawing/2014/main" val="174622155"/>
-                    </a:ext>
-                  </a:extLst>
-                </a:gridCol>
-              </a:tblGrid>
-              <a:tr h="499802">
-                <a:tc>
-                  <a:txBody>
-                    <a:bodyPr/>
-                    <a:lstStyle/>
-                    <a:p>
-                      <a:pPr algn="ctr" latinLnBrk="1"/>
-                      <a:r>
-                        <a:rPr lang="en-US" altLang="ko-KR" sz="2400" dirty="0"/>
-                        <a:t>Debug</a:t>
-                      </a:r>
-                      <a:endParaRPr lang="ko-KR" altLang="en-US" sz="2400" dirty="0"/>
-                    </a:p>
-                  </a:txBody>
-                  <a:tcPr/>
-                </a:tc>
-                <a:tc>
-                  <a:txBody>
-                    <a:bodyPr/>
-                    <a:lstStyle/>
-                    <a:p>
-                      <a:pPr algn="ctr" latinLnBrk="1"/>
-                      <a:r>
-                        <a:rPr lang="en-US" altLang="ko-KR" sz="2400" dirty="0"/>
-                        <a:t>Release</a:t>
-                      </a:r>
-                      <a:endParaRPr lang="ko-KR" altLang="en-US" sz="2400" dirty="0"/>
-                    </a:p>
-                  </a:txBody>
-                  <a:tcPr/>
-                </a:tc>
-                <a:extLst>
-                  <a:ext uri="{0D108BD9-81ED-4DB2-BD59-A6C34878D82A}">
-                    <a16:rowId xmlns:a16="http://schemas.microsoft.com/office/drawing/2014/main" val="4290322977"/>
-                  </a:ext>
-                </a:extLst>
-              </a:tr>
-              <a:tr h="2511140">
-                <a:tc>
-                  <a:txBody>
-                    <a:bodyPr/>
-                    <a:lstStyle/>
-                    <a:p>
-                      <a:pPr marL="342900" indent="-342900" algn="l" latinLnBrk="1">
-                        <a:lnSpc>
-                          <a:spcPct val="150000"/>
-                        </a:lnSpc>
-                        <a:buFont typeface="Arial" panose="020B0604020202020204" pitchFamily="34" charset="0"/>
-                        <a:buChar char="•"/>
-                      </a:pPr>
-                      <a:r>
-                        <a:rPr lang="ko-KR" altLang="en-US" sz="2000" dirty="0"/>
-                        <a:t>코드 최적화 없음</a:t>
-                      </a:r>
-                      <a:endParaRPr lang="en-US" altLang="ko-KR" sz="2000" dirty="0"/>
-                    </a:p>
-                    <a:p>
-                      <a:pPr marL="342900" indent="-342900" algn="l" latinLnBrk="1">
-                        <a:lnSpc>
-                          <a:spcPct val="150000"/>
-                        </a:lnSpc>
-                        <a:buFont typeface="Arial" panose="020B0604020202020204" pitchFamily="34" charset="0"/>
-                        <a:buChar char="•"/>
-                      </a:pPr>
-                      <a:r>
-                        <a:rPr lang="ko-KR" altLang="en-US" sz="2000" dirty="0"/>
-                        <a:t>코드 실행 속도 느림</a:t>
-                      </a:r>
-                      <a:endParaRPr lang="en-US" altLang="ko-KR" sz="2000" dirty="0"/>
-                    </a:p>
-                    <a:p>
-                      <a:pPr marL="342900" indent="-342900" algn="l" latinLnBrk="1">
-                        <a:lnSpc>
-                          <a:spcPct val="150000"/>
-                        </a:lnSpc>
-                        <a:buFont typeface="Arial" panose="020B0604020202020204" pitchFamily="34" charset="0"/>
-                        <a:buChar char="•"/>
-                      </a:pPr>
-                      <a:r>
-                        <a:rPr lang="ko-KR" altLang="en-US" sz="2000" dirty="0"/>
-                        <a:t>메모리 사용량이 많음</a:t>
-                      </a:r>
-                      <a:endParaRPr lang="en-US" altLang="ko-KR" sz="2000" dirty="0"/>
-                    </a:p>
-                    <a:p>
-                      <a:pPr marL="342900" indent="-342900" algn="l" latinLnBrk="1">
-                        <a:lnSpc>
-                          <a:spcPct val="150000"/>
-                        </a:lnSpc>
-                        <a:buFont typeface="Arial" panose="020B0604020202020204" pitchFamily="34" charset="0"/>
-                        <a:buChar char="•"/>
-                      </a:pPr>
-                      <a:r>
-                        <a:rPr lang="ko-KR" altLang="en-US" sz="2000" dirty="0"/>
-                        <a:t>실행 파일에 디버깅에 필요한 정보 포함</a:t>
-                      </a:r>
-                      <a:endParaRPr lang="en-US" altLang="ko-KR" sz="2000" dirty="0"/>
-                    </a:p>
-                    <a:p>
-                      <a:pPr marL="342900" indent="-342900" algn="l" latinLnBrk="1">
-                        <a:lnSpc>
-                          <a:spcPct val="150000"/>
-                        </a:lnSpc>
-                        <a:buFont typeface="Arial" panose="020B0604020202020204" pitchFamily="34" charset="0"/>
-                        <a:buChar char="•"/>
-                      </a:pPr>
-                      <a:r>
-                        <a:rPr lang="ko-KR" altLang="en-US" sz="2000" dirty="0"/>
-                        <a:t>컴파일 속도 빠름</a:t>
-                      </a:r>
-                    </a:p>
-                  </a:txBody>
-                  <a:tcPr/>
-                </a:tc>
-                <a:tc>
-                  <a:txBody>
-                    <a:bodyPr/>
-                    <a:lstStyle/>
-                    <a:p>
-                      <a:pPr marL="342900" indent="-342900" algn="l" latinLnBrk="1">
-                        <a:lnSpc>
-                          <a:spcPct val="150000"/>
-                        </a:lnSpc>
-                        <a:buFont typeface="Arial" panose="020B0604020202020204" pitchFamily="34" charset="0"/>
-                        <a:buChar char="•"/>
-                      </a:pPr>
-                      <a:r>
-                        <a:rPr lang="ko-KR" altLang="en-US" sz="2000" dirty="0"/>
-                        <a:t>코드 최적화 진행</a:t>
-                      </a:r>
-                      <a:endParaRPr lang="en-US" altLang="ko-KR" sz="2000" dirty="0"/>
-                    </a:p>
-                    <a:p>
-                      <a:pPr marL="342900" indent="-342900" algn="l" latinLnBrk="1">
-                        <a:lnSpc>
-                          <a:spcPct val="150000"/>
-                        </a:lnSpc>
-                        <a:buFont typeface="Arial" panose="020B0604020202020204" pitchFamily="34" charset="0"/>
-                        <a:buChar char="•"/>
-                      </a:pPr>
-                      <a:r>
-                        <a:rPr lang="ko-KR" altLang="en-US" sz="2000" dirty="0"/>
-                        <a:t>코드 실행 속도 빠름</a:t>
-                      </a:r>
-                      <a:endParaRPr lang="en-US" altLang="ko-KR" sz="2000" dirty="0"/>
-                    </a:p>
-                    <a:p>
-                      <a:pPr marL="342900" indent="-342900" algn="l" latinLnBrk="1">
-                        <a:lnSpc>
-                          <a:spcPct val="150000"/>
-                        </a:lnSpc>
-                        <a:buFont typeface="Arial" panose="020B0604020202020204" pitchFamily="34" charset="0"/>
-                        <a:buChar char="•"/>
-                      </a:pPr>
-                      <a:r>
-                        <a:rPr lang="ko-KR" altLang="en-US" sz="2000" dirty="0"/>
-                        <a:t>메모리 사용량이 적음</a:t>
-                      </a:r>
-                      <a:endParaRPr lang="en-US" altLang="ko-KR" sz="2000" dirty="0"/>
-                    </a:p>
-                    <a:p>
-                      <a:pPr marL="342900" indent="-342900" algn="l" latinLnBrk="1">
-                        <a:lnSpc>
-                          <a:spcPct val="150000"/>
-                        </a:lnSpc>
-                        <a:buFont typeface="Arial" panose="020B0604020202020204" pitchFamily="34" charset="0"/>
-                        <a:buChar char="•"/>
-                      </a:pPr>
-                      <a:r>
-                        <a:rPr lang="ko-KR" altLang="en-US" sz="2000" dirty="0"/>
-                        <a:t>디버깅에 필요한 정보가 거의 포함되지 않음</a:t>
-                      </a:r>
-                      <a:endParaRPr lang="en-US" altLang="ko-KR" sz="2000" dirty="0"/>
-                    </a:p>
-                    <a:p>
-                      <a:pPr marL="342900" indent="-342900" algn="l" latinLnBrk="1">
-                        <a:lnSpc>
-                          <a:spcPct val="150000"/>
-                        </a:lnSpc>
-                        <a:buFont typeface="Arial" panose="020B0604020202020204" pitchFamily="34" charset="0"/>
-                        <a:buChar char="•"/>
-                      </a:pPr>
-                      <a:r>
-                        <a:rPr lang="ko-KR" altLang="en-US" sz="2000" dirty="0"/>
-                        <a:t>최적화 때문에 컴파일 속도 느림</a:t>
-                      </a:r>
-                    </a:p>
-                  </a:txBody>
-                  <a:tcPr/>
-                </a:tc>
-                <a:extLst>
-                  <a:ext uri="{0D108BD9-81ED-4DB2-BD59-A6C34878D82A}">
-                    <a16:rowId xmlns:a16="http://schemas.microsoft.com/office/drawing/2014/main" val="1949447302"/>
-                  </a:ext>
-                </a:extLst>
-              </a:tr>
-            </a:tbl>
-          </a:graphicData>
-        </a:graphic>
-      </p:graphicFrame>
-    </p:spTree>
-    <p:extLst>
-      <p:ext uri="{BB962C8B-B14F-4D97-AF65-F5344CB8AC3E}">
-        <p14:creationId xmlns:p14="http://schemas.microsoft.com/office/powerpoint/2010/main" val="3183453729"/>
-      </p:ext>
-    </p:extLst>
-  </p:cSld>
-  <p:clrMapOvr>
-    <a:masterClrMapping/>
-  </p:clrMapOvr>
-</p:sld>
-</file>
-
-<file path=ppt/slides/slide21.xml><?xml version="1.0" encoding="utf-8"?>
-<p:sld xmlns:a="http://schemas.openxmlformats.org/drawingml/2006/main" xmlns:r="http://schemas.openxmlformats.org/officeDocument/2006/relationships" xmlns:p="http://schemas.openxmlformats.org/presentationml/2006/main">
-  <p:cSld>
-    <p:spTree>
-      <p:nvGrpSpPr>
-        <p:cNvPr id="1" name=""/>
-        <p:cNvGrpSpPr/>
-        <p:nvPr/>
-      </p:nvGrpSpPr>
-      <p:grpSpPr>
-        <a:xfrm>
-          <a:off x="0" y="0"/>
-          <a:ext cx="0" cy="0"/>
-          <a:chOff x="0" y="0"/>
-          <a:chExt cx="0" cy="0"/>
-        </a:xfrm>
-      </p:grpSpPr>
-      <p:sp>
-        <p:nvSpPr>
-          <p:cNvPr id="2" name="제목 1">
-            <a:extLst>
-              <a:ext uri="{FF2B5EF4-FFF2-40B4-BE49-F238E27FC236}">
-                <a16:creationId xmlns:a16="http://schemas.microsoft.com/office/drawing/2014/main" id="{8A1DB8B8-99D7-15FA-E225-02DC04E740E9}"/>
-              </a:ext>
-            </a:extLst>
-          </p:cNvPr>
-          <p:cNvSpPr>
-            <a:spLocks noGrp="1"/>
-          </p:cNvSpPr>
-          <p:nvPr>
-            <p:ph type="title"/>
-          </p:nvPr>
-        </p:nvSpPr>
-        <p:spPr/>
-        <p:txBody>
-          <a:bodyPr/>
-          <a:lstStyle/>
-          <a:p>
-            <a:r>
-              <a:rPr lang="ko-KR" altLang="en-US" dirty="0"/>
-              <a:t>릴리즈 빌드</a:t>
-            </a:r>
-          </a:p>
-        </p:txBody>
-      </p:sp>
-      <p:sp>
-        <p:nvSpPr>
-          <p:cNvPr id="4" name="날짜 개체 틀 3">
-            <a:extLst>
-              <a:ext uri="{FF2B5EF4-FFF2-40B4-BE49-F238E27FC236}">
-                <a16:creationId xmlns:a16="http://schemas.microsoft.com/office/drawing/2014/main" id="{E98717C0-F3BE-023F-9494-A252B27411F6}"/>
-              </a:ext>
-            </a:extLst>
-          </p:cNvPr>
-          <p:cNvSpPr>
-            <a:spLocks noGrp="1"/>
-          </p:cNvSpPr>
-          <p:nvPr>
-            <p:ph type="dt" sz="half" idx="10"/>
-          </p:nvPr>
-        </p:nvSpPr>
-        <p:spPr/>
-        <p:txBody>
-          <a:bodyPr/>
-          <a:lstStyle/>
-          <a:p>
-            <a:fld id="{0F78D9C4-20C1-4B15-A116-16DC77AD9A1E}" type="datetime1">
-              <a:rPr lang="ko-KR" altLang="en-US" smtClean="0"/>
-              <a:t>2025-05-23</a:t>
-            </a:fld>
-            <a:endParaRPr lang="ko-KR" altLang="en-US"/>
-          </a:p>
-        </p:txBody>
-      </p:sp>
-      <p:sp>
-        <p:nvSpPr>
-          <p:cNvPr id="5" name="슬라이드 번호 개체 틀 4">
-            <a:extLst>
-              <a:ext uri="{FF2B5EF4-FFF2-40B4-BE49-F238E27FC236}">
-                <a16:creationId xmlns:a16="http://schemas.microsoft.com/office/drawing/2014/main" id="{EC738FD2-126E-A4A0-34E1-FB5E8B7459D2}"/>
-              </a:ext>
-            </a:extLst>
-          </p:cNvPr>
-          <p:cNvSpPr>
-            <a:spLocks noGrp="1"/>
-          </p:cNvSpPr>
-          <p:nvPr>
-            <p:ph type="sldNum" sz="quarter" idx="12"/>
-          </p:nvPr>
-        </p:nvSpPr>
-        <p:spPr/>
-        <p:txBody>
-          <a:bodyPr/>
-          <a:lstStyle/>
-          <a:p>
-            <a:fld id="{083A2CE0-18CD-4102-B738-4ACFF9E68BA4}" type="slidenum">
-              <a:rPr lang="ko-KR" altLang="en-US" smtClean="0"/>
-              <a:t>21</a:t>
-            </a:fld>
-            <a:endParaRPr lang="ko-KR" altLang="en-US"/>
-          </a:p>
-        </p:txBody>
-      </p:sp>
-      <p:pic>
-        <p:nvPicPr>
-          <p:cNvPr id="6" name="그림 5">
-            <a:extLst>
-              <a:ext uri="{FF2B5EF4-FFF2-40B4-BE49-F238E27FC236}">
-                <a16:creationId xmlns:a16="http://schemas.microsoft.com/office/drawing/2014/main" id="{A404D55A-3035-763B-93E4-07CAD8C6D46A}"/>
-              </a:ext>
-            </a:extLst>
-          </p:cNvPr>
-          <p:cNvPicPr>
-            <a:picLocks noChangeAspect="1"/>
-          </p:cNvPicPr>
-          <p:nvPr/>
-        </p:nvPicPr>
-        <p:blipFill>
-          <a:blip r:embed="rId2"/>
-          <a:stretch>
-            <a:fillRect/>
-          </a:stretch>
-        </p:blipFill>
-        <p:spPr>
-          <a:xfrm>
-            <a:off x="838200" y="1600984"/>
-            <a:ext cx="6557074" cy="2966774"/>
-          </a:xfrm>
-          <a:prstGeom prst="rect">
-            <a:avLst/>
-          </a:prstGeom>
-        </p:spPr>
-      </p:pic>
-      <p:cxnSp>
-        <p:nvCxnSpPr>
-          <p:cNvPr id="8" name="직선 연결선 7">
-            <a:extLst>
-              <a:ext uri="{FF2B5EF4-FFF2-40B4-BE49-F238E27FC236}">
-                <a16:creationId xmlns:a16="http://schemas.microsoft.com/office/drawing/2014/main" id="{ABCE0421-94EC-3A1A-B3DD-FB45FDA6BFC4}"/>
-              </a:ext>
-            </a:extLst>
-          </p:cNvPr>
-          <p:cNvCxnSpPr/>
-          <p:nvPr/>
-        </p:nvCxnSpPr>
-        <p:spPr>
-          <a:xfrm>
-            <a:off x="4512989" y="1916934"/>
-            <a:ext cx="661012" cy="0"/>
-          </a:xfrm>
-          <a:prstGeom prst="line">
-            <a:avLst/>
-          </a:prstGeom>
-        </p:spPr>
-        <p:style>
-          <a:lnRef idx="3">
-            <a:schemeClr val="accent2"/>
-          </a:lnRef>
-          <a:fillRef idx="0">
-            <a:schemeClr val="accent2"/>
-          </a:fillRef>
-          <a:effectRef idx="2">
-            <a:schemeClr val="accent2"/>
-          </a:effectRef>
-          <a:fontRef idx="minor">
-            <a:schemeClr val="tx1"/>
-          </a:fontRef>
-        </p:style>
-      </p:cxnSp>
-      <p:cxnSp>
-        <p:nvCxnSpPr>
-          <p:cNvPr id="9" name="직선 연결선 8">
-            <a:extLst>
-              <a:ext uri="{FF2B5EF4-FFF2-40B4-BE49-F238E27FC236}">
-                <a16:creationId xmlns:a16="http://schemas.microsoft.com/office/drawing/2014/main" id="{BDC53C88-1A5B-DC5C-492F-10F070BF33FB}"/>
-              </a:ext>
-            </a:extLst>
-          </p:cNvPr>
-          <p:cNvCxnSpPr>
-            <a:cxnSpLocks/>
-          </p:cNvCxnSpPr>
-          <p:nvPr/>
-        </p:nvCxnSpPr>
-        <p:spPr>
-          <a:xfrm>
-            <a:off x="1139991" y="3798982"/>
-            <a:ext cx="1048439" cy="0"/>
-          </a:xfrm>
-          <a:prstGeom prst="line">
-            <a:avLst/>
-          </a:prstGeom>
-        </p:spPr>
-        <p:style>
-          <a:lnRef idx="3">
-            <a:schemeClr val="accent2"/>
-          </a:lnRef>
-          <a:fillRef idx="0">
-            <a:schemeClr val="accent2"/>
-          </a:fillRef>
-          <a:effectRef idx="2">
-            <a:schemeClr val="accent2"/>
-          </a:effectRef>
-          <a:fontRef idx="minor">
-            <a:schemeClr val="tx1"/>
-          </a:fontRef>
-        </p:style>
-      </p:cxnSp>
-      <p:cxnSp>
-        <p:nvCxnSpPr>
-          <p:cNvPr id="15" name="직선 연결선 14">
-            <a:extLst>
-              <a:ext uri="{FF2B5EF4-FFF2-40B4-BE49-F238E27FC236}">
-                <a16:creationId xmlns:a16="http://schemas.microsoft.com/office/drawing/2014/main" id="{CF2E4E28-6112-15C7-04DE-92D311D393C7}"/>
-              </a:ext>
-            </a:extLst>
-          </p:cNvPr>
-          <p:cNvCxnSpPr>
-            <a:cxnSpLocks/>
-          </p:cNvCxnSpPr>
-          <p:nvPr/>
-        </p:nvCxnSpPr>
-        <p:spPr>
-          <a:xfrm>
-            <a:off x="1139991" y="3488673"/>
-            <a:ext cx="1048439" cy="0"/>
-          </a:xfrm>
-          <a:prstGeom prst="line">
-            <a:avLst/>
-          </a:prstGeom>
-        </p:spPr>
-        <p:style>
-          <a:lnRef idx="3">
-            <a:schemeClr val="accent2"/>
-          </a:lnRef>
-          <a:fillRef idx="0">
-            <a:schemeClr val="accent2"/>
-          </a:fillRef>
-          <a:effectRef idx="2">
-            <a:schemeClr val="accent2"/>
-          </a:effectRef>
-          <a:fontRef idx="minor">
-            <a:schemeClr val="tx1"/>
-          </a:fontRef>
-        </p:style>
-      </p:cxnSp>
-      <p:sp>
-        <p:nvSpPr>
-          <p:cNvPr id="18" name="TextBox 17">
-            <a:extLst>
-              <a:ext uri="{FF2B5EF4-FFF2-40B4-BE49-F238E27FC236}">
-                <a16:creationId xmlns:a16="http://schemas.microsoft.com/office/drawing/2014/main" id="{B9DE7ADE-D4F0-CC06-E498-E3DCAAE9C10F}"/>
-              </a:ext>
-            </a:extLst>
-          </p:cNvPr>
-          <p:cNvSpPr txBox="1"/>
-          <p:nvPr/>
-        </p:nvSpPr>
-        <p:spPr>
-          <a:xfrm>
-            <a:off x="3941471" y="4687367"/>
-            <a:ext cx="3043358" cy="369332"/>
-          </a:xfrm>
-          <a:prstGeom prst="rect">
-            <a:avLst/>
-          </a:prstGeom>
-          <a:noFill/>
-        </p:spPr>
-        <p:txBody>
-          <a:bodyPr wrap="square" rtlCol="0">
-            <a:spAutoFit/>
-          </a:bodyPr>
-          <a:lstStyle/>
-          <a:p>
-            <a:pPr algn="r"/>
-            <a:r>
-              <a:rPr lang="ko-KR" altLang="en-US"/>
-              <a:t>다른 위치에 복사 및 실행</a:t>
-            </a:r>
-          </a:p>
-        </p:txBody>
-      </p:sp>
-      <p:cxnSp>
-        <p:nvCxnSpPr>
-          <p:cNvPr id="3" name="직선 연결선 2">
-            <a:extLst>
-              <a:ext uri="{FF2B5EF4-FFF2-40B4-BE49-F238E27FC236}">
-                <a16:creationId xmlns:a16="http://schemas.microsoft.com/office/drawing/2014/main" id="{5ABCCE77-2D6F-E441-9AD0-CD6B3DE529B5}"/>
-              </a:ext>
-            </a:extLst>
-          </p:cNvPr>
-          <p:cNvCxnSpPr>
-            <a:cxnSpLocks/>
-          </p:cNvCxnSpPr>
-          <p:nvPr/>
-        </p:nvCxnSpPr>
-        <p:spPr>
-          <a:xfrm>
-            <a:off x="1139991" y="3200398"/>
-            <a:ext cx="1345895" cy="0"/>
-          </a:xfrm>
-          <a:prstGeom prst="line">
-            <a:avLst/>
-          </a:prstGeom>
-        </p:spPr>
-        <p:style>
-          <a:lnRef idx="3">
-            <a:schemeClr val="accent2"/>
-          </a:lnRef>
-          <a:fillRef idx="0">
-            <a:schemeClr val="accent2"/>
-          </a:fillRef>
-          <a:effectRef idx="2">
-            <a:schemeClr val="accent2"/>
-          </a:effectRef>
-          <a:fontRef idx="minor">
-            <a:schemeClr val="tx1"/>
-          </a:fontRef>
-        </p:style>
-      </p:cxnSp>
-      <p:cxnSp>
-        <p:nvCxnSpPr>
-          <p:cNvPr id="10" name="직선 연결선 9">
-            <a:extLst>
-              <a:ext uri="{FF2B5EF4-FFF2-40B4-BE49-F238E27FC236}">
-                <a16:creationId xmlns:a16="http://schemas.microsoft.com/office/drawing/2014/main" id="{0A99030A-790A-2607-C367-34BB003F809C}"/>
-              </a:ext>
-            </a:extLst>
-          </p:cNvPr>
-          <p:cNvCxnSpPr>
-            <a:cxnSpLocks/>
-          </p:cNvCxnSpPr>
-          <p:nvPr/>
-        </p:nvCxnSpPr>
-        <p:spPr>
-          <a:xfrm>
-            <a:off x="1139991" y="4410418"/>
-            <a:ext cx="1852671" cy="0"/>
-          </a:xfrm>
-          <a:prstGeom prst="line">
-            <a:avLst/>
-          </a:prstGeom>
-        </p:spPr>
-        <p:style>
-          <a:lnRef idx="3">
-            <a:schemeClr val="accent2"/>
-          </a:lnRef>
-          <a:fillRef idx="0">
-            <a:schemeClr val="accent2"/>
-          </a:fillRef>
-          <a:effectRef idx="2">
-            <a:schemeClr val="accent2"/>
-          </a:effectRef>
-          <a:fontRef idx="minor">
-            <a:schemeClr val="tx1"/>
-          </a:fontRef>
-        </p:style>
-      </p:cxnSp>
-      <p:pic>
-        <p:nvPicPr>
-          <p:cNvPr id="13" name="그림 12">
-            <a:extLst>
-              <a:ext uri="{FF2B5EF4-FFF2-40B4-BE49-F238E27FC236}">
-                <a16:creationId xmlns:a16="http://schemas.microsoft.com/office/drawing/2014/main" id="{1D6D0876-E2BE-D900-9515-108BD6E98444}"/>
-              </a:ext>
-            </a:extLst>
-          </p:cNvPr>
-          <p:cNvPicPr>
-            <a:picLocks noChangeAspect="1"/>
-          </p:cNvPicPr>
-          <p:nvPr/>
-        </p:nvPicPr>
-        <p:blipFill>
-          <a:blip r:embed="rId3"/>
-          <a:stretch>
-            <a:fillRect/>
-          </a:stretch>
-        </p:blipFill>
-        <p:spPr>
-          <a:xfrm>
-            <a:off x="7731554" y="3986932"/>
-            <a:ext cx="2838846" cy="2238687"/>
-          </a:xfrm>
-          <a:prstGeom prst="rect">
-            <a:avLst/>
-          </a:prstGeom>
-        </p:spPr>
-      </p:pic>
-      <p:cxnSp>
-        <p:nvCxnSpPr>
-          <p:cNvPr id="17" name="직선 화살표 연결선 16">
-            <a:extLst>
-              <a:ext uri="{FF2B5EF4-FFF2-40B4-BE49-F238E27FC236}">
-                <a16:creationId xmlns:a16="http://schemas.microsoft.com/office/drawing/2014/main" id="{21235FBA-4283-6924-D363-3BEF75D8E9FD}"/>
-              </a:ext>
-            </a:extLst>
-          </p:cNvPr>
-          <p:cNvCxnSpPr>
-            <a:cxnSpLocks/>
-          </p:cNvCxnSpPr>
-          <p:nvPr/>
-        </p:nvCxnSpPr>
-        <p:spPr>
-          <a:xfrm>
-            <a:off x="2331650" y="3704421"/>
-            <a:ext cx="5535282" cy="1179287"/>
-          </a:xfrm>
-          <a:prstGeom prst="straightConnector1">
-            <a:avLst/>
-          </a:prstGeom>
-          <a:ln>
-            <a:tailEnd type="triangle"/>
-          </a:ln>
-        </p:spPr>
-        <p:style>
-          <a:lnRef idx="3">
-            <a:schemeClr val="accent2"/>
-          </a:lnRef>
-          <a:fillRef idx="0">
-            <a:schemeClr val="accent2"/>
-          </a:fillRef>
-          <a:effectRef idx="2">
-            <a:schemeClr val="accent2"/>
-          </a:effectRef>
-          <a:fontRef idx="minor">
-            <a:schemeClr val="tx1"/>
-          </a:fontRef>
-        </p:style>
-      </p:cxnSp>
-    </p:spTree>
-    <p:extLst>
-      <p:ext uri="{BB962C8B-B14F-4D97-AF65-F5344CB8AC3E}">
-        <p14:creationId xmlns:p14="http://schemas.microsoft.com/office/powerpoint/2010/main" val="1868465467"/>
-      </p:ext>
-    </p:extLst>
-  </p:cSld>
-  <p:clrMapOvr>
-    <a:masterClrMapping/>
-  </p:clrMapOvr>
-</p:sld>
-</file>
-
-<file path=ppt/slides/slide22.xml><?xml version="1.0" encoding="utf-8"?>
-<p:sld xmlns:a="http://schemas.openxmlformats.org/drawingml/2006/main" xmlns:r="http://schemas.openxmlformats.org/officeDocument/2006/relationships" xmlns:p="http://schemas.openxmlformats.org/presentationml/2006/main">
-  <p:cSld>
-    <p:spTree>
-      <p:nvGrpSpPr>
-        <p:cNvPr id="1" name=""/>
-        <p:cNvGrpSpPr/>
-        <p:nvPr/>
-      </p:nvGrpSpPr>
-      <p:grpSpPr>
-        <a:xfrm>
-          <a:off x="0" y="0"/>
-          <a:ext cx="0" cy="0"/>
-          <a:chOff x="0" y="0"/>
-          <a:chExt cx="0" cy="0"/>
-        </a:xfrm>
-      </p:grpSpPr>
-      <p:sp>
-        <p:nvSpPr>
-          <p:cNvPr id="2" name="제목 1">
-            <a:extLst>
-              <a:ext uri="{FF2B5EF4-FFF2-40B4-BE49-F238E27FC236}">
-                <a16:creationId xmlns:a16="http://schemas.microsoft.com/office/drawing/2014/main" id="{8A1DB8B8-99D7-15FA-E225-02DC04E740E9}"/>
-              </a:ext>
-            </a:extLst>
-          </p:cNvPr>
-          <p:cNvSpPr>
-            <a:spLocks noGrp="1"/>
-          </p:cNvSpPr>
-          <p:nvPr>
-            <p:ph type="title"/>
-          </p:nvPr>
-        </p:nvSpPr>
-        <p:spPr/>
-        <p:txBody>
-          <a:bodyPr/>
-          <a:lstStyle/>
-          <a:p>
-            <a:r>
-              <a:rPr lang="ko-KR" altLang="en-US" dirty="0"/>
-              <a:t>릴리즈 빌드</a:t>
-            </a:r>
-          </a:p>
-        </p:txBody>
-      </p:sp>
-      <p:sp>
-        <p:nvSpPr>
-          <p:cNvPr id="4" name="날짜 개체 틀 3">
-            <a:extLst>
-              <a:ext uri="{FF2B5EF4-FFF2-40B4-BE49-F238E27FC236}">
-                <a16:creationId xmlns:a16="http://schemas.microsoft.com/office/drawing/2014/main" id="{E98717C0-F3BE-023F-9494-A252B27411F6}"/>
-              </a:ext>
-            </a:extLst>
-          </p:cNvPr>
-          <p:cNvSpPr>
-            <a:spLocks noGrp="1"/>
-          </p:cNvSpPr>
-          <p:nvPr>
-            <p:ph type="dt" sz="half" idx="10"/>
-          </p:nvPr>
-        </p:nvSpPr>
-        <p:spPr/>
-        <p:txBody>
-          <a:bodyPr/>
-          <a:lstStyle/>
-          <a:p>
-            <a:fld id="{0F78D9C4-20C1-4B15-A116-16DC77AD9A1E}" type="datetime1">
-              <a:rPr lang="ko-KR" altLang="en-US" smtClean="0"/>
-              <a:t>2025-05-23</a:t>
-            </a:fld>
-            <a:endParaRPr lang="ko-KR" altLang="en-US"/>
-          </a:p>
-        </p:txBody>
-      </p:sp>
-      <p:sp>
-        <p:nvSpPr>
-          <p:cNvPr id="5" name="슬라이드 번호 개체 틀 4">
-            <a:extLst>
-              <a:ext uri="{FF2B5EF4-FFF2-40B4-BE49-F238E27FC236}">
-                <a16:creationId xmlns:a16="http://schemas.microsoft.com/office/drawing/2014/main" id="{EC738FD2-126E-A4A0-34E1-FB5E8B7459D2}"/>
-              </a:ext>
-            </a:extLst>
-          </p:cNvPr>
-          <p:cNvSpPr>
-            <a:spLocks noGrp="1"/>
-          </p:cNvSpPr>
-          <p:nvPr>
-            <p:ph type="sldNum" sz="quarter" idx="12"/>
-          </p:nvPr>
-        </p:nvSpPr>
-        <p:spPr/>
-        <p:txBody>
-          <a:bodyPr/>
-          <a:lstStyle/>
-          <a:p>
-            <a:fld id="{083A2CE0-18CD-4102-B738-4ACFF9E68BA4}" type="slidenum">
-              <a:rPr lang="ko-KR" altLang="en-US" smtClean="0"/>
-              <a:t>22</a:t>
-            </a:fld>
-            <a:endParaRPr lang="ko-KR" altLang="en-US"/>
-          </a:p>
-        </p:txBody>
-      </p:sp>
-      <p:pic>
-        <p:nvPicPr>
-          <p:cNvPr id="3" name="그림 2">
-            <a:extLst>
-              <a:ext uri="{FF2B5EF4-FFF2-40B4-BE49-F238E27FC236}">
-                <a16:creationId xmlns:a16="http://schemas.microsoft.com/office/drawing/2014/main" id="{04F3F302-D3DD-A4D4-FF9F-427C9E79197B}"/>
-              </a:ext>
-            </a:extLst>
-          </p:cNvPr>
-          <p:cNvPicPr>
-            <a:picLocks noChangeAspect="1"/>
-          </p:cNvPicPr>
-          <p:nvPr/>
-        </p:nvPicPr>
-        <p:blipFill>
-          <a:blip r:embed="rId2"/>
-          <a:stretch>
-            <a:fillRect/>
-          </a:stretch>
-        </p:blipFill>
-        <p:spPr>
-          <a:xfrm>
-            <a:off x="835212" y="2026491"/>
-            <a:ext cx="3353268" cy="2210108"/>
-          </a:xfrm>
-          <a:prstGeom prst="rect">
-            <a:avLst/>
-          </a:prstGeom>
-        </p:spPr>
-      </p:pic>
-      <p:sp>
-        <p:nvSpPr>
-          <p:cNvPr id="11" name="TextBox 10">
-            <a:hlinkClick r:id="rId3"/>
-            <a:extLst>
-              <a:ext uri="{FF2B5EF4-FFF2-40B4-BE49-F238E27FC236}">
-                <a16:creationId xmlns:a16="http://schemas.microsoft.com/office/drawing/2014/main" id="{CF5CFF40-E97F-6E2C-1DC3-1DD6F319641C}"/>
-              </a:ext>
-            </a:extLst>
-          </p:cNvPr>
-          <p:cNvSpPr txBox="1"/>
-          <p:nvPr/>
-        </p:nvSpPr>
-        <p:spPr>
-          <a:xfrm>
-            <a:off x="5022082" y="1935292"/>
-            <a:ext cx="6315419" cy="369332"/>
-          </a:xfrm>
-          <a:prstGeom prst="rect">
-            <a:avLst/>
-          </a:prstGeom>
-          <a:noFill/>
-        </p:spPr>
-        <p:txBody>
-          <a:bodyPr wrap="square">
-            <a:spAutoFit/>
-          </a:bodyPr>
-          <a:lstStyle/>
-          <a:p>
-            <a:r>
-              <a:rPr lang="ko-KR" altLang="en-US">
-                <a:hlinkClick r:id="rId3"/>
-              </a:rPr>
-              <a:t>https://dotnet.microsoft.com/en-us/download/dotnet/8.0</a:t>
-            </a:r>
-            <a:endParaRPr lang="ko-KR" altLang="en-US"/>
-          </a:p>
-        </p:txBody>
-      </p:sp>
-      <p:pic>
-        <p:nvPicPr>
-          <p:cNvPr id="13" name="그림 12">
-            <a:extLst>
-              <a:ext uri="{FF2B5EF4-FFF2-40B4-BE49-F238E27FC236}">
-                <a16:creationId xmlns:a16="http://schemas.microsoft.com/office/drawing/2014/main" id="{4B939874-BAD4-A83D-FD92-AAFAD3535AF8}"/>
-              </a:ext>
-            </a:extLst>
-          </p:cNvPr>
-          <p:cNvPicPr>
-            <a:picLocks noChangeAspect="1"/>
-          </p:cNvPicPr>
-          <p:nvPr/>
-        </p:nvPicPr>
-        <p:blipFill>
-          <a:blip r:embed="rId4"/>
-          <a:stretch>
-            <a:fillRect/>
-          </a:stretch>
-        </p:blipFill>
-        <p:spPr>
-          <a:xfrm>
-            <a:off x="4913677" y="2866726"/>
-            <a:ext cx="6423824" cy="3054522"/>
-          </a:xfrm>
-          <a:prstGeom prst="rect">
-            <a:avLst/>
-          </a:prstGeom>
-        </p:spPr>
-      </p:pic>
-      <p:cxnSp>
-        <p:nvCxnSpPr>
-          <p:cNvPr id="19" name="직선 연결선 18">
-            <a:extLst>
-              <a:ext uri="{FF2B5EF4-FFF2-40B4-BE49-F238E27FC236}">
-                <a16:creationId xmlns:a16="http://schemas.microsoft.com/office/drawing/2014/main" id="{533D3E44-E1C1-6AC0-4C98-6DDE8E5AFE1A}"/>
-              </a:ext>
-            </a:extLst>
-          </p:cNvPr>
-          <p:cNvCxnSpPr/>
-          <p:nvPr/>
-        </p:nvCxnSpPr>
-        <p:spPr>
-          <a:xfrm>
-            <a:off x="5106544" y="3364717"/>
-            <a:ext cx="3833870" cy="0"/>
-          </a:xfrm>
-          <a:prstGeom prst="line">
-            <a:avLst/>
-          </a:prstGeom>
-        </p:spPr>
-        <p:style>
-          <a:lnRef idx="3">
-            <a:schemeClr val="accent2"/>
-          </a:lnRef>
-          <a:fillRef idx="0">
-            <a:schemeClr val="accent2"/>
-          </a:fillRef>
-          <a:effectRef idx="2">
-            <a:schemeClr val="accent2"/>
-          </a:effectRef>
-          <a:fontRef idx="minor">
-            <a:schemeClr val="tx1"/>
-          </a:fontRef>
-        </p:style>
-      </p:cxnSp>
-      <p:cxnSp>
-        <p:nvCxnSpPr>
-          <p:cNvPr id="20" name="직선 연결선 19">
-            <a:extLst>
-              <a:ext uri="{FF2B5EF4-FFF2-40B4-BE49-F238E27FC236}">
-                <a16:creationId xmlns:a16="http://schemas.microsoft.com/office/drawing/2014/main" id="{8E1C2EA5-7061-8C33-9241-64DE31A38300}"/>
-              </a:ext>
-            </a:extLst>
-          </p:cNvPr>
-          <p:cNvCxnSpPr>
-            <a:cxnSpLocks/>
-          </p:cNvCxnSpPr>
-          <p:nvPr/>
-        </p:nvCxnSpPr>
-        <p:spPr>
-          <a:xfrm>
-            <a:off x="6900458" y="5213715"/>
-            <a:ext cx="453527" cy="0"/>
-          </a:xfrm>
-          <a:prstGeom prst="line">
-            <a:avLst/>
-          </a:prstGeom>
-        </p:spPr>
-        <p:style>
-          <a:lnRef idx="3">
-            <a:schemeClr val="accent2"/>
-          </a:lnRef>
-          <a:fillRef idx="0">
-            <a:schemeClr val="accent2"/>
-          </a:fillRef>
-          <a:effectRef idx="2">
-            <a:schemeClr val="accent2"/>
-          </a:effectRef>
-          <a:fontRef idx="minor">
-            <a:schemeClr val="tx1"/>
-          </a:fontRef>
-        </p:style>
-      </p:cxnSp>
-      <p:sp>
-        <p:nvSpPr>
-          <p:cNvPr id="6" name="TextBox 5">
-            <a:extLst>
-              <a:ext uri="{FF2B5EF4-FFF2-40B4-BE49-F238E27FC236}">
-                <a16:creationId xmlns:a16="http://schemas.microsoft.com/office/drawing/2014/main" id="{2C94CE6F-FD94-54FE-15E8-B6D12C7DE002}"/>
-              </a:ext>
-            </a:extLst>
-          </p:cNvPr>
-          <p:cNvSpPr txBox="1"/>
-          <p:nvPr/>
-        </p:nvSpPr>
-        <p:spPr>
-          <a:xfrm>
-            <a:off x="659878" y="4363181"/>
-            <a:ext cx="3869970" cy="707886"/>
-          </a:xfrm>
-          <a:prstGeom prst="rect">
-            <a:avLst/>
-          </a:prstGeom>
-          <a:noFill/>
-        </p:spPr>
-        <p:txBody>
-          <a:bodyPr wrap="none" rtlCol="0">
-            <a:spAutoFit/>
-          </a:bodyPr>
-          <a:lstStyle/>
-          <a:p>
-            <a:r>
-              <a:rPr lang="ko-KR" altLang="en-US" sz="2000" dirty="0"/>
-              <a:t>닷넷이 설치되어 있지 않은 </a:t>
-            </a:r>
-            <a:r>
-              <a:rPr lang="en-US" altLang="ko-KR" sz="2000" dirty="0"/>
-              <a:t>PC</a:t>
-            </a:r>
-            <a:r>
-              <a:rPr lang="ko-KR" altLang="en-US" sz="2000" dirty="0"/>
-              <a:t>에서는</a:t>
-            </a:r>
-            <a:endParaRPr lang="en-US" altLang="ko-KR" sz="2000" dirty="0"/>
-          </a:p>
-          <a:p>
-            <a:r>
-              <a:rPr lang="ko-KR" altLang="en-US" sz="2000" dirty="0"/>
-              <a:t>닷넷 런타임 설치가 필요함</a:t>
-            </a:r>
-          </a:p>
-        </p:txBody>
-      </p:sp>
-    </p:spTree>
-    <p:extLst>
-      <p:ext uri="{BB962C8B-B14F-4D97-AF65-F5344CB8AC3E}">
-        <p14:creationId xmlns:p14="http://schemas.microsoft.com/office/powerpoint/2010/main" val="3899083258"/>
-      </p:ext>
-    </p:extLst>
-  </p:cSld>
-  <p:clrMapOvr>
-    <a:masterClrMapping/>
-  </p:clrMapOvr>
-</p:sld>
-</file>
-
-<file path=ppt/slides/slide23.xml><?xml version="1.0" encoding="utf-8"?>
-<p:sld xmlns:a="http://schemas.openxmlformats.org/drawingml/2006/main" xmlns:r="http://schemas.openxmlformats.org/officeDocument/2006/relationships" xmlns:p="http://schemas.openxmlformats.org/presentationml/2006/main">
-  <p:cSld>
-    <p:spTree>
-      <p:nvGrpSpPr>
-        <p:cNvPr id="1" name=""/>
-        <p:cNvGrpSpPr/>
-        <p:nvPr/>
-      </p:nvGrpSpPr>
-      <p:grpSpPr>
-        <a:xfrm>
-          <a:off x="0" y="0"/>
-          <a:ext cx="0" cy="0"/>
-          <a:chOff x="0" y="0"/>
-          <a:chExt cx="0" cy="0"/>
-        </a:xfrm>
-      </p:grpSpPr>
-      <p:sp>
-        <p:nvSpPr>
-          <p:cNvPr id="2" name="제목 1">
-            <a:extLst>
-              <a:ext uri="{FF2B5EF4-FFF2-40B4-BE49-F238E27FC236}">
-                <a16:creationId xmlns:a16="http://schemas.microsoft.com/office/drawing/2014/main" id="{AFA082E6-BE48-B0D7-C1F7-7F3A49CE43B6}"/>
-              </a:ext>
-            </a:extLst>
-          </p:cNvPr>
-          <p:cNvSpPr>
-            <a:spLocks noGrp="1"/>
-          </p:cNvSpPr>
-          <p:nvPr>
-            <p:ph type="title"/>
-          </p:nvPr>
-        </p:nvSpPr>
-        <p:spPr/>
-        <p:txBody>
-          <a:bodyPr/>
-          <a:lstStyle/>
-          <a:p>
-            <a:r>
-              <a:rPr lang="en-US" altLang="ko-KR" dirty="0" err="1"/>
-              <a:t>dll</a:t>
-            </a:r>
-            <a:r>
-              <a:rPr lang="en-US" altLang="ko-KR" dirty="0"/>
-              <a:t> </a:t>
-            </a:r>
-            <a:r>
-              <a:rPr lang="ko-KR" altLang="en-US" dirty="0"/>
-              <a:t>만들기</a:t>
-            </a:r>
-          </a:p>
-        </p:txBody>
-      </p:sp>
-      <p:sp>
-        <p:nvSpPr>
-          <p:cNvPr id="3" name="내용 개체 틀 2">
-            <a:extLst>
-              <a:ext uri="{FF2B5EF4-FFF2-40B4-BE49-F238E27FC236}">
-                <a16:creationId xmlns:a16="http://schemas.microsoft.com/office/drawing/2014/main" id="{763C456A-E688-7DCD-B6C4-5C49DEE12244}"/>
-              </a:ext>
-            </a:extLst>
-          </p:cNvPr>
-          <p:cNvSpPr>
-            <a:spLocks noGrp="1"/>
-          </p:cNvSpPr>
-          <p:nvPr>
-            <p:ph idx="1"/>
-          </p:nvPr>
-        </p:nvSpPr>
-        <p:spPr/>
-        <p:txBody>
-          <a:bodyPr>
-            <a:normAutofit/>
-          </a:bodyPr>
-          <a:lstStyle/>
-          <a:p>
-            <a:r>
-              <a:rPr lang="ko-KR" altLang="en-US" sz="2400" dirty="0"/>
-              <a:t>프로젝트 속성 </a:t>
-            </a:r>
-            <a:r>
-              <a:rPr lang="en-US" altLang="ko-KR" sz="2400" dirty="0"/>
-              <a:t>(</a:t>
-            </a:r>
-            <a:r>
-              <a:rPr lang="ko-KR" altLang="en-US" sz="2400" dirty="0" err="1"/>
-              <a:t>우클릭</a:t>
-            </a:r>
-            <a:r>
-              <a:rPr lang="ko-KR" altLang="en-US" sz="2400" dirty="0"/>
-              <a:t> 맨 아래</a:t>
-            </a:r>
-            <a:r>
-              <a:rPr lang="en-US" altLang="ko-KR" sz="2400" dirty="0"/>
-              <a:t>) &gt; Output type: Class Library </a:t>
-            </a:r>
-            <a:r>
-              <a:rPr lang="ko-KR" altLang="en-US" sz="2400" dirty="0"/>
-              <a:t>로 변경</a:t>
-            </a:r>
-            <a:endParaRPr lang="en-US" altLang="ko-KR" sz="2400" dirty="0"/>
-          </a:p>
-          <a:p>
-            <a:r>
-              <a:rPr lang="ko-KR" altLang="en-US" sz="2400" dirty="0"/>
-              <a:t>프로젝트 빌드 후 프로젝트 폴더</a:t>
-            </a:r>
-            <a:r>
-              <a:rPr lang="en-US" altLang="ko-KR" sz="2400" dirty="0"/>
-              <a:t>/bin/(</a:t>
-            </a:r>
-            <a:r>
-              <a:rPr lang="ko-KR" altLang="en-US" sz="2400" dirty="0"/>
-              <a:t>빌드 모드</a:t>
-            </a:r>
-            <a:r>
-              <a:rPr lang="en-US" altLang="ko-KR" sz="2400" dirty="0"/>
-              <a:t>)/(</a:t>
-            </a:r>
-            <a:r>
-              <a:rPr lang="ko-KR" altLang="en-US" sz="2400" dirty="0"/>
-              <a:t>프로젝트 이름</a:t>
-            </a:r>
-            <a:r>
-              <a:rPr lang="en-US" altLang="ko-KR" sz="2400" dirty="0"/>
-              <a:t>).</a:t>
-            </a:r>
-            <a:r>
-              <a:rPr lang="en-US" altLang="ko-KR" sz="2400" dirty="0" err="1"/>
-              <a:t>dll</a:t>
-            </a:r>
-            <a:r>
-              <a:rPr lang="en-US" altLang="ko-KR" sz="2400" dirty="0"/>
-              <a:t> </a:t>
-            </a:r>
-            <a:r>
-              <a:rPr lang="ko-KR" altLang="en-US" sz="2400" dirty="0"/>
-              <a:t>생성</a:t>
-            </a:r>
-            <a:endParaRPr lang="en-US" altLang="ko-KR" sz="2400" dirty="0"/>
-          </a:p>
-          <a:p>
-            <a:r>
-              <a:rPr lang="en-US" altLang="ko-KR" sz="2400" dirty="0"/>
-              <a:t>Debug </a:t>
-            </a:r>
-            <a:r>
-              <a:rPr lang="ko-KR" altLang="en-US" sz="2400" dirty="0"/>
-              <a:t>모드로 만든 </a:t>
-            </a:r>
-            <a:r>
-              <a:rPr lang="en-US" altLang="ko-KR" sz="2400" dirty="0" err="1"/>
-              <a:t>dll</a:t>
-            </a:r>
-            <a:r>
-              <a:rPr lang="ko-KR" altLang="en-US" sz="2400" dirty="0"/>
-              <a:t>은 </a:t>
-            </a:r>
-            <a:r>
-              <a:rPr lang="en-US" altLang="ko-KR" sz="2400" dirty="0"/>
-              <a:t>Debug </a:t>
-            </a:r>
-            <a:r>
-              <a:rPr lang="ko-KR" altLang="en-US" sz="2400" dirty="0"/>
-              <a:t>모드에서만 사용 가능 </a:t>
-            </a:r>
-            <a:r>
-              <a:rPr lang="en-US" altLang="ko-KR" sz="2400" dirty="0"/>
-              <a:t>(</a:t>
-            </a:r>
-            <a:r>
-              <a:rPr lang="ko-KR" altLang="en-US" sz="2400" dirty="0"/>
-              <a:t>반대도 마찬가지</a:t>
-            </a:r>
-            <a:r>
-              <a:rPr lang="en-US" altLang="ko-KR" sz="2400" dirty="0"/>
-              <a:t>)</a:t>
-            </a:r>
-            <a:endParaRPr lang="ko-KR" altLang="en-US" sz="2400" dirty="0"/>
-          </a:p>
-        </p:txBody>
-      </p:sp>
-      <p:sp>
-        <p:nvSpPr>
-          <p:cNvPr id="4" name="날짜 개체 틀 3">
-            <a:extLst>
-              <a:ext uri="{FF2B5EF4-FFF2-40B4-BE49-F238E27FC236}">
-                <a16:creationId xmlns:a16="http://schemas.microsoft.com/office/drawing/2014/main" id="{3DDA3093-30E6-6920-43B0-70C9C09CB456}"/>
-              </a:ext>
-            </a:extLst>
-          </p:cNvPr>
-          <p:cNvSpPr>
-            <a:spLocks noGrp="1"/>
-          </p:cNvSpPr>
-          <p:nvPr>
-            <p:ph type="dt" sz="half" idx="10"/>
-          </p:nvPr>
-        </p:nvSpPr>
-        <p:spPr/>
-        <p:txBody>
-          <a:bodyPr/>
-          <a:lstStyle/>
-          <a:p>
-            <a:fld id="{0F78D9C4-20C1-4B15-A116-16DC77AD9A1E}" type="datetime1">
-              <a:rPr lang="ko-KR" altLang="en-US" smtClean="0"/>
-              <a:t>2025-05-23</a:t>
-            </a:fld>
-            <a:endParaRPr lang="ko-KR" altLang="en-US"/>
-          </a:p>
-        </p:txBody>
-      </p:sp>
-      <p:sp>
-        <p:nvSpPr>
-          <p:cNvPr id="5" name="슬라이드 번호 개체 틀 4">
-            <a:extLst>
-              <a:ext uri="{FF2B5EF4-FFF2-40B4-BE49-F238E27FC236}">
-                <a16:creationId xmlns:a16="http://schemas.microsoft.com/office/drawing/2014/main" id="{A7A04B1D-DFD9-0B6F-23FA-5BABB0563277}"/>
-              </a:ext>
-            </a:extLst>
-          </p:cNvPr>
-          <p:cNvSpPr>
-            <a:spLocks noGrp="1"/>
-          </p:cNvSpPr>
-          <p:nvPr>
-            <p:ph type="sldNum" sz="quarter" idx="12"/>
-          </p:nvPr>
-        </p:nvSpPr>
-        <p:spPr/>
-        <p:txBody>
-          <a:bodyPr/>
-          <a:lstStyle/>
-          <a:p>
-            <a:fld id="{083A2CE0-18CD-4102-B738-4ACFF9E68BA4}" type="slidenum">
-              <a:rPr lang="ko-KR" altLang="en-US" smtClean="0"/>
-              <a:t>23</a:t>
-            </a:fld>
-            <a:endParaRPr lang="ko-KR" altLang="en-US"/>
-          </a:p>
-        </p:txBody>
-      </p:sp>
-      <p:pic>
-        <p:nvPicPr>
-          <p:cNvPr id="7" name="그림 6">
-            <a:extLst>
-              <a:ext uri="{FF2B5EF4-FFF2-40B4-BE49-F238E27FC236}">
-                <a16:creationId xmlns:a16="http://schemas.microsoft.com/office/drawing/2014/main" id="{53B89D4D-D0F5-CD20-1434-A601C8F47701}"/>
-              </a:ext>
-            </a:extLst>
-          </p:cNvPr>
-          <p:cNvPicPr>
-            <a:picLocks noChangeAspect="1"/>
-          </p:cNvPicPr>
-          <p:nvPr/>
-        </p:nvPicPr>
-        <p:blipFill>
-          <a:blip r:embed="rId2"/>
-          <a:stretch>
-            <a:fillRect/>
-          </a:stretch>
-        </p:blipFill>
-        <p:spPr>
-          <a:xfrm>
-            <a:off x="1747368" y="3347902"/>
-            <a:ext cx="4622773" cy="2980190"/>
-          </a:xfrm>
-          <a:prstGeom prst="rect">
-            <a:avLst/>
-          </a:prstGeom>
-        </p:spPr>
-      </p:pic>
-      <p:pic>
-        <p:nvPicPr>
-          <p:cNvPr id="9" name="그림 8">
-            <a:extLst>
-              <a:ext uri="{FF2B5EF4-FFF2-40B4-BE49-F238E27FC236}">
-                <a16:creationId xmlns:a16="http://schemas.microsoft.com/office/drawing/2014/main" id="{DCD04757-D612-6C2F-E50E-29D2D8801EFE}"/>
-              </a:ext>
-            </a:extLst>
-          </p:cNvPr>
-          <p:cNvPicPr>
-            <a:picLocks noChangeAspect="1"/>
-          </p:cNvPicPr>
-          <p:nvPr/>
-        </p:nvPicPr>
-        <p:blipFill>
-          <a:blip r:embed="rId3"/>
-          <a:stretch>
-            <a:fillRect/>
-          </a:stretch>
-        </p:blipFill>
-        <p:spPr>
-          <a:xfrm>
-            <a:off x="6737838" y="3429000"/>
-            <a:ext cx="2710962" cy="1676722"/>
-          </a:xfrm>
-          <a:prstGeom prst="rect">
-            <a:avLst/>
-          </a:prstGeom>
-        </p:spPr>
-      </p:pic>
-      <p:cxnSp>
-        <p:nvCxnSpPr>
-          <p:cNvPr id="11" name="직선 연결선 10">
-            <a:extLst>
-              <a:ext uri="{FF2B5EF4-FFF2-40B4-BE49-F238E27FC236}">
-                <a16:creationId xmlns:a16="http://schemas.microsoft.com/office/drawing/2014/main" id="{9020A4A3-B392-D78E-D26D-F3214962F287}"/>
-              </a:ext>
-            </a:extLst>
-          </p:cNvPr>
-          <p:cNvCxnSpPr/>
-          <p:nvPr/>
-        </p:nvCxnSpPr>
-        <p:spPr>
-          <a:xfrm>
-            <a:off x="4247147" y="4319337"/>
-            <a:ext cx="469231" cy="0"/>
-          </a:xfrm>
-          <a:prstGeom prst="line">
-            <a:avLst/>
-          </a:prstGeom>
-          <a:ln w="28575">
-            <a:solidFill>
-              <a:srgbClr val="00B050"/>
-            </a:solidFill>
-          </a:ln>
-        </p:spPr>
-        <p:style>
-          <a:lnRef idx="1">
-            <a:schemeClr val="accent1"/>
-          </a:lnRef>
-          <a:fillRef idx="0">
-            <a:schemeClr val="accent1"/>
-          </a:fillRef>
-          <a:effectRef idx="0">
-            <a:schemeClr val="accent1"/>
-          </a:effectRef>
-          <a:fontRef idx="minor">
-            <a:schemeClr val="tx1"/>
-          </a:fontRef>
-        </p:style>
-      </p:cxnSp>
-    </p:spTree>
-    <p:extLst>
-      <p:ext uri="{BB962C8B-B14F-4D97-AF65-F5344CB8AC3E}">
-        <p14:creationId xmlns:p14="http://schemas.microsoft.com/office/powerpoint/2010/main" val="2239115075"/>
-      </p:ext>
-    </p:extLst>
-  </p:cSld>
-  <p:clrMapOvr>
-    <a:masterClrMapping/>
-  </p:clrMapOvr>
-</p:sld>
-</file>
-
-<file path=ppt/slides/slide24.xml><?xml version="1.0" encoding="utf-8"?>
-<p:sld xmlns:a="http://schemas.openxmlformats.org/drawingml/2006/main" xmlns:r="http://schemas.openxmlformats.org/officeDocument/2006/relationships" xmlns:p="http://schemas.openxmlformats.org/presentationml/2006/main">
-  <p:cSld>
-    <p:spTree>
-      <p:nvGrpSpPr>
-        <p:cNvPr id="1" name="">
-          <a:extLst>
-            <a:ext uri="{FF2B5EF4-FFF2-40B4-BE49-F238E27FC236}">
-              <a16:creationId xmlns:a16="http://schemas.microsoft.com/office/drawing/2014/main" id="{BB879F42-CE0F-1645-9897-A22567725317}"/>
-            </a:ext>
-          </a:extLst>
-        </p:cNvPr>
-        <p:cNvGrpSpPr/>
-        <p:nvPr/>
-      </p:nvGrpSpPr>
-      <p:grpSpPr>
-        <a:xfrm>
-          <a:off x="0" y="0"/>
-          <a:ext cx="0" cy="0"/>
-          <a:chOff x="0" y="0"/>
-          <a:chExt cx="0" cy="0"/>
-        </a:xfrm>
-      </p:grpSpPr>
-      <p:sp>
-        <p:nvSpPr>
-          <p:cNvPr id="2" name="제목 1">
-            <a:extLst>
-              <a:ext uri="{FF2B5EF4-FFF2-40B4-BE49-F238E27FC236}">
-                <a16:creationId xmlns:a16="http://schemas.microsoft.com/office/drawing/2014/main" id="{659812F2-9F52-09AD-C35F-54B201CE45FF}"/>
-              </a:ext>
-            </a:extLst>
-          </p:cNvPr>
-          <p:cNvSpPr>
-            <a:spLocks noGrp="1"/>
-          </p:cNvSpPr>
-          <p:nvPr>
-            <p:ph type="title"/>
-          </p:nvPr>
-        </p:nvSpPr>
-        <p:spPr/>
-        <p:txBody>
-          <a:bodyPr/>
-          <a:lstStyle/>
-          <a:p>
-            <a:r>
-              <a:rPr lang="en-US" altLang="ko-KR" dirty="0" err="1"/>
-              <a:t>dll</a:t>
-            </a:r>
-            <a:r>
-              <a:rPr lang="en-US" altLang="ko-KR" dirty="0"/>
-              <a:t> </a:t>
-            </a:r>
-            <a:r>
-              <a:rPr lang="ko-KR" altLang="en-US" dirty="0"/>
-              <a:t>가져오기</a:t>
-            </a:r>
-          </a:p>
-        </p:txBody>
-      </p:sp>
-      <p:sp>
-        <p:nvSpPr>
-          <p:cNvPr id="3" name="내용 개체 틀 2">
-            <a:extLst>
-              <a:ext uri="{FF2B5EF4-FFF2-40B4-BE49-F238E27FC236}">
-                <a16:creationId xmlns:a16="http://schemas.microsoft.com/office/drawing/2014/main" id="{45F89D23-F17D-544A-2C3F-7B814B58C64E}"/>
-              </a:ext>
-            </a:extLst>
-          </p:cNvPr>
-          <p:cNvSpPr>
-            <a:spLocks noGrp="1"/>
-          </p:cNvSpPr>
-          <p:nvPr>
-            <p:ph idx="1"/>
-          </p:nvPr>
-        </p:nvSpPr>
-        <p:spPr/>
-        <p:txBody>
-          <a:bodyPr>
-            <a:normAutofit/>
-          </a:bodyPr>
-          <a:lstStyle/>
-          <a:p>
-            <a:r>
-              <a:rPr lang="ko-KR" altLang="en-US" sz="2400" dirty="0"/>
-              <a:t>프로젝트 </a:t>
-            </a:r>
-            <a:r>
-              <a:rPr lang="ko-KR" altLang="en-US" sz="2400" dirty="0" err="1"/>
-              <a:t>우클릭</a:t>
-            </a:r>
-            <a:r>
-              <a:rPr lang="ko-KR" altLang="en-US" sz="2400" dirty="0"/>
-              <a:t> </a:t>
-            </a:r>
-            <a:r>
-              <a:rPr lang="en-US" altLang="ko-KR" sz="2400" dirty="0"/>
-              <a:t>&gt; Add &gt; Project</a:t>
-            </a:r>
-            <a:r>
-              <a:rPr lang="ko-KR" altLang="en-US" sz="2400" dirty="0"/>
-              <a:t> </a:t>
-            </a:r>
-            <a:r>
-              <a:rPr lang="en-US" altLang="ko-KR" sz="2400" dirty="0"/>
-              <a:t>Reference &gt;</a:t>
-            </a:r>
-            <a:r>
-              <a:rPr lang="ko-KR" altLang="en-US" sz="2400" dirty="0"/>
-              <a:t> </a:t>
-            </a:r>
-            <a:r>
-              <a:rPr lang="en-US" altLang="ko-KR" sz="2400" dirty="0"/>
-              <a:t>Browse &gt; </a:t>
-            </a:r>
-            <a:r>
-              <a:rPr lang="en-US" altLang="ko-KR" sz="2400" dirty="0" err="1"/>
-              <a:t>dll</a:t>
-            </a:r>
-            <a:r>
-              <a:rPr lang="en-US" altLang="ko-KR" sz="2400" dirty="0"/>
-              <a:t> </a:t>
-            </a:r>
-            <a:r>
-              <a:rPr lang="ko-KR" altLang="en-US" sz="2400" dirty="0"/>
-              <a:t>파일 선택</a:t>
-            </a:r>
-            <a:endParaRPr lang="en-US" altLang="ko-KR" sz="2400" dirty="0"/>
-          </a:p>
-          <a:p>
-            <a:r>
-              <a:rPr lang="ko-KR" altLang="en-US" sz="2400" dirty="0"/>
-              <a:t>프로젝트</a:t>
-            </a:r>
-            <a:r>
-              <a:rPr lang="en-US" altLang="ko-KR" sz="2400" dirty="0"/>
-              <a:t>/</a:t>
-            </a:r>
-            <a:r>
-              <a:rPr lang="en-US" altLang="ko-KR" sz="2400" dirty="0" err="1"/>
-              <a:t>Depedencies</a:t>
-            </a:r>
-            <a:r>
-              <a:rPr lang="en-US" altLang="ko-KR" sz="2400" dirty="0"/>
-              <a:t>/Assemblies</a:t>
-            </a:r>
-            <a:r>
-              <a:rPr lang="ko-KR" altLang="en-US" sz="2400" dirty="0"/>
-              <a:t>에 </a:t>
-            </a:r>
-            <a:r>
-              <a:rPr lang="en-US" altLang="ko-KR" sz="2400" dirty="0"/>
-              <a:t>namespace</a:t>
-            </a:r>
-            <a:r>
-              <a:rPr lang="ko-KR" altLang="en-US" sz="2400" dirty="0"/>
-              <a:t>가 추가된 것을 확인</a:t>
-            </a:r>
-            <a:endParaRPr lang="en-US" altLang="ko-KR" sz="2400" dirty="0"/>
-          </a:p>
-          <a:p>
-            <a:r>
-              <a:rPr lang="en-US" altLang="ko-KR" sz="2400" dirty="0"/>
-              <a:t>using</a:t>
-            </a:r>
-            <a:r>
-              <a:rPr lang="ko-KR" altLang="en-US" sz="2400" dirty="0"/>
-              <a:t>으로 </a:t>
-            </a:r>
-            <a:r>
-              <a:rPr lang="en-US" altLang="ko-KR" sz="2400" dirty="0"/>
-              <a:t>namespace</a:t>
-            </a:r>
-            <a:r>
-              <a:rPr lang="ko-KR" altLang="en-US" sz="2400" dirty="0"/>
-              <a:t>를 가져오거나 전체 이름을 지정하여 사용</a:t>
-            </a:r>
-          </a:p>
-        </p:txBody>
-      </p:sp>
-      <p:sp>
-        <p:nvSpPr>
-          <p:cNvPr id="4" name="날짜 개체 틀 3">
-            <a:extLst>
-              <a:ext uri="{FF2B5EF4-FFF2-40B4-BE49-F238E27FC236}">
-                <a16:creationId xmlns:a16="http://schemas.microsoft.com/office/drawing/2014/main" id="{F513B2C1-268F-54CD-3A91-29E0D79631CE}"/>
-              </a:ext>
-            </a:extLst>
-          </p:cNvPr>
-          <p:cNvSpPr>
-            <a:spLocks noGrp="1"/>
-          </p:cNvSpPr>
-          <p:nvPr>
-            <p:ph type="dt" sz="half" idx="10"/>
-          </p:nvPr>
-        </p:nvSpPr>
-        <p:spPr/>
-        <p:txBody>
-          <a:bodyPr/>
-          <a:lstStyle/>
-          <a:p>
-            <a:fld id="{0F78D9C4-20C1-4B15-A116-16DC77AD9A1E}" type="datetime1">
-              <a:rPr lang="ko-KR" altLang="en-US" smtClean="0"/>
-              <a:t>2025-05-23</a:t>
-            </a:fld>
-            <a:endParaRPr lang="ko-KR" altLang="en-US"/>
-          </a:p>
-        </p:txBody>
-      </p:sp>
-      <p:sp>
-        <p:nvSpPr>
-          <p:cNvPr id="5" name="슬라이드 번호 개체 틀 4">
-            <a:extLst>
-              <a:ext uri="{FF2B5EF4-FFF2-40B4-BE49-F238E27FC236}">
-                <a16:creationId xmlns:a16="http://schemas.microsoft.com/office/drawing/2014/main" id="{D034ABD6-AD46-D906-115B-9FC339BCE14A}"/>
-              </a:ext>
-            </a:extLst>
-          </p:cNvPr>
-          <p:cNvSpPr>
-            <a:spLocks noGrp="1"/>
-          </p:cNvSpPr>
-          <p:nvPr>
-            <p:ph type="sldNum" sz="quarter" idx="12"/>
-          </p:nvPr>
-        </p:nvSpPr>
-        <p:spPr/>
-        <p:txBody>
-          <a:bodyPr/>
-          <a:lstStyle/>
-          <a:p>
-            <a:fld id="{083A2CE0-18CD-4102-B738-4ACFF9E68BA4}" type="slidenum">
-              <a:rPr lang="ko-KR" altLang="en-US" smtClean="0"/>
-              <a:t>24</a:t>
-            </a:fld>
-            <a:endParaRPr lang="ko-KR" altLang="en-US"/>
-          </a:p>
-        </p:txBody>
-      </p:sp>
-      <p:pic>
-        <p:nvPicPr>
-          <p:cNvPr id="11" name="그림 10">
-            <a:extLst>
-              <a:ext uri="{FF2B5EF4-FFF2-40B4-BE49-F238E27FC236}">
-                <a16:creationId xmlns:a16="http://schemas.microsoft.com/office/drawing/2014/main" id="{40834622-150B-FD87-4754-3361D8425ADC}"/>
-              </a:ext>
-            </a:extLst>
-          </p:cNvPr>
-          <p:cNvPicPr>
-            <a:picLocks noChangeAspect="1"/>
-          </p:cNvPicPr>
-          <p:nvPr/>
-        </p:nvPicPr>
-        <p:blipFill>
-          <a:blip r:embed="rId2"/>
-          <a:stretch>
-            <a:fillRect/>
-          </a:stretch>
-        </p:blipFill>
-        <p:spPr>
-          <a:xfrm>
-            <a:off x="387269" y="3429000"/>
-            <a:ext cx="3362794" cy="2048161"/>
-          </a:xfrm>
-          <a:prstGeom prst="rect">
-            <a:avLst/>
-          </a:prstGeom>
-        </p:spPr>
-      </p:pic>
-      <p:pic>
-        <p:nvPicPr>
-          <p:cNvPr id="13" name="그림 12">
-            <a:extLst>
-              <a:ext uri="{FF2B5EF4-FFF2-40B4-BE49-F238E27FC236}">
-                <a16:creationId xmlns:a16="http://schemas.microsoft.com/office/drawing/2014/main" id="{F15B56F3-CE63-8592-F403-EDE89A5FF0A1}"/>
-              </a:ext>
-            </a:extLst>
-          </p:cNvPr>
-          <p:cNvPicPr>
-            <a:picLocks noChangeAspect="1"/>
-          </p:cNvPicPr>
-          <p:nvPr/>
-        </p:nvPicPr>
-        <p:blipFill>
-          <a:blip r:embed="rId3"/>
-          <a:srcRect b="58265"/>
-          <a:stretch/>
-        </p:blipFill>
-        <p:spPr>
-          <a:xfrm>
-            <a:off x="3893118" y="3653076"/>
-            <a:ext cx="5555682" cy="1600008"/>
-          </a:xfrm>
-          <a:prstGeom prst="rect">
-            <a:avLst/>
-          </a:prstGeom>
-        </p:spPr>
-      </p:pic>
-      <p:pic>
-        <p:nvPicPr>
-          <p:cNvPr id="15" name="그림 14">
-            <a:extLst>
-              <a:ext uri="{FF2B5EF4-FFF2-40B4-BE49-F238E27FC236}">
-                <a16:creationId xmlns:a16="http://schemas.microsoft.com/office/drawing/2014/main" id="{26C9169D-0950-C12E-CC46-BECA386F875A}"/>
-              </a:ext>
-            </a:extLst>
-          </p:cNvPr>
-          <p:cNvPicPr>
-            <a:picLocks noChangeAspect="1"/>
-          </p:cNvPicPr>
-          <p:nvPr/>
-        </p:nvPicPr>
-        <p:blipFill>
-          <a:blip r:embed="rId4"/>
-          <a:stretch>
-            <a:fillRect/>
-          </a:stretch>
-        </p:blipFill>
-        <p:spPr>
-          <a:xfrm>
-            <a:off x="9591855" y="3538345"/>
-            <a:ext cx="2057687" cy="1714739"/>
-          </a:xfrm>
-          <a:prstGeom prst="rect">
-            <a:avLst/>
-          </a:prstGeom>
-        </p:spPr>
-      </p:pic>
-      <p:cxnSp>
-        <p:nvCxnSpPr>
-          <p:cNvPr id="17" name="직선 연결선 16">
-            <a:extLst>
-              <a:ext uri="{FF2B5EF4-FFF2-40B4-BE49-F238E27FC236}">
-                <a16:creationId xmlns:a16="http://schemas.microsoft.com/office/drawing/2014/main" id="{E811D93E-49C2-0FE0-5BD2-30157504AD32}"/>
-              </a:ext>
-            </a:extLst>
-          </p:cNvPr>
-          <p:cNvCxnSpPr/>
-          <p:nvPr/>
-        </p:nvCxnSpPr>
-        <p:spPr>
-          <a:xfrm>
-            <a:off x="10431379" y="4620125"/>
-            <a:ext cx="922421" cy="0"/>
-          </a:xfrm>
-          <a:prstGeom prst="line">
-            <a:avLst/>
-          </a:prstGeom>
-          <a:ln w="28575">
-            <a:solidFill>
-              <a:srgbClr val="00B050"/>
-            </a:solidFill>
-          </a:ln>
-        </p:spPr>
-        <p:style>
-          <a:lnRef idx="1">
-            <a:schemeClr val="accent1"/>
-          </a:lnRef>
-          <a:fillRef idx="0">
-            <a:schemeClr val="accent1"/>
-          </a:fillRef>
-          <a:effectRef idx="0">
-            <a:schemeClr val="accent1"/>
-          </a:effectRef>
-          <a:fontRef idx="minor">
-            <a:schemeClr val="tx1"/>
-          </a:fontRef>
-        </p:style>
-      </p:cxnSp>
-    </p:spTree>
-    <p:extLst>
-      <p:ext uri="{BB962C8B-B14F-4D97-AF65-F5344CB8AC3E}">
-        <p14:creationId xmlns:p14="http://schemas.microsoft.com/office/powerpoint/2010/main" val="2578661195"/>
-      </p:ext>
-    </p:extLst>
-  </p:cSld>
-  <p:clrMapOvr>
-    <a:masterClrMapping/>
-  </p:clrMapOvr>
-</p:sld>
-</file>
-
-<file path=ppt/slides/slide25.xml><?xml version="1.0" encoding="utf-8"?>
-<p:sld xmlns:a="http://schemas.openxmlformats.org/drawingml/2006/main" xmlns:r="http://schemas.openxmlformats.org/officeDocument/2006/relationships" xmlns:p="http://schemas.openxmlformats.org/presentationml/2006/main">
-  <p:cSld>
-    <p:spTree>
-      <p:nvGrpSpPr>
-        <p:cNvPr id="1" name=""/>
-        <p:cNvGrpSpPr/>
-        <p:nvPr/>
-      </p:nvGrpSpPr>
-      <p:grpSpPr>
-        <a:xfrm>
-          <a:off x="0" y="0"/>
-          <a:ext cx="0" cy="0"/>
-          <a:chOff x="0" y="0"/>
-          <a:chExt cx="0" cy="0"/>
-        </a:xfrm>
-      </p:grpSpPr>
-      <p:sp>
-        <p:nvSpPr>
-          <p:cNvPr id="2" name="제목 1">
-            <a:extLst>
-              <a:ext uri="{FF2B5EF4-FFF2-40B4-BE49-F238E27FC236}">
-                <a16:creationId xmlns:a16="http://schemas.microsoft.com/office/drawing/2014/main" id="{02E3818A-5629-8D68-1AB1-AC8F9A0DCBC4}"/>
-              </a:ext>
-            </a:extLst>
-          </p:cNvPr>
-          <p:cNvSpPr>
-            <a:spLocks noGrp="1"/>
-          </p:cNvSpPr>
-          <p:nvPr>
-            <p:ph type="title"/>
-          </p:nvPr>
-        </p:nvSpPr>
-        <p:spPr/>
-        <p:txBody>
-          <a:bodyPr/>
-          <a:lstStyle/>
-          <a:p>
-            <a:r>
-              <a:rPr lang="ko-KR" altLang="en-US" dirty="0">
-                <a:solidFill>
-                  <a:srgbClr val="00B050"/>
-                </a:solidFill>
-              </a:rPr>
-              <a:t>실습</a:t>
-            </a:r>
-            <a:r>
-              <a:rPr lang="en-US" altLang="ko-KR" dirty="0">
-                <a:solidFill>
-                  <a:srgbClr val="00B050"/>
-                </a:solidFill>
-              </a:rPr>
-              <a:t>. </a:t>
-            </a:r>
-            <a:r>
-              <a:rPr lang="ko-KR" altLang="en-US" dirty="0">
-                <a:solidFill>
-                  <a:srgbClr val="00B050"/>
-                </a:solidFill>
-              </a:rPr>
-              <a:t>계산기 릴리즈</a:t>
-            </a:r>
-          </a:p>
-        </p:txBody>
-      </p:sp>
-      <p:sp>
-        <p:nvSpPr>
-          <p:cNvPr id="3" name="내용 개체 틀 2">
-            <a:extLst>
-              <a:ext uri="{FF2B5EF4-FFF2-40B4-BE49-F238E27FC236}">
-                <a16:creationId xmlns:a16="http://schemas.microsoft.com/office/drawing/2014/main" id="{CEE0565B-A383-5C05-9F8B-8053206FC414}"/>
-              </a:ext>
-            </a:extLst>
-          </p:cNvPr>
-          <p:cNvSpPr>
-            <a:spLocks noGrp="1"/>
-          </p:cNvSpPr>
-          <p:nvPr>
-            <p:ph idx="1"/>
-          </p:nvPr>
-        </p:nvSpPr>
-        <p:spPr/>
-        <p:txBody>
-          <a:bodyPr/>
-          <a:lstStyle/>
-          <a:p>
-            <a:r>
-              <a:rPr lang="en-US" altLang="ko-KR" dirty="0" err="1"/>
-              <a:t>WinForm</a:t>
-            </a:r>
-            <a:r>
-              <a:rPr lang="en-US" altLang="ko-KR" dirty="0"/>
-              <a:t> </a:t>
-            </a:r>
-            <a:r>
-              <a:rPr lang="ko-KR" altLang="en-US" dirty="0"/>
-              <a:t>미니 프로젝트 </a:t>
-            </a:r>
-            <a:r>
-              <a:rPr lang="en-US" altLang="ko-KR" dirty="0"/>
-              <a:t>- </a:t>
-            </a:r>
-            <a:r>
-              <a:rPr lang="ko-KR" altLang="en-US" dirty="0"/>
-              <a:t>계산기 만들기를 통해 개발한 프로그램을 </a:t>
-            </a:r>
-            <a:r>
-              <a:rPr lang="en-US" altLang="ko-KR" dirty="0"/>
-              <a:t>WPF </a:t>
-            </a:r>
-            <a:r>
-              <a:rPr lang="ko-KR" altLang="en-US" dirty="0"/>
-              <a:t>프로젝트로 이주</a:t>
-            </a:r>
-            <a:r>
-              <a:rPr lang="en-US" altLang="ko-KR" dirty="0"/>
-              <a:t>(Migration)</a:t>
-            </a:r>
-          </a:p>
-          <a:p>
-            <a:r>
-              <a:rPr lang="ko-KR" altLang="en-US" dirty="0"/>
-              <a:t>릴리즈 버전으로 빌드</a:t>
-            </a:r>
-            <a:endParaRPr lang="en-US" altLang="ko-KR" dirty="0"/>
-          </a:p>
-          <a:p>
-            <a:r>
-              <a:rPr lang="en-US" altLang="ko-KR" dirty="0"/>
-              <a:t>Visual Studio</a:t>
-            </a:r>
-            <a:r>
-              <a:rPr lang="ko-KR" altLang="en-US" dirty="0"/>
-              <a:t>와 상관없이 독립적으로 실행 가능한 상태의 </a:t>
-            </a:r>
-            <a:r>
-              <a:rPr lang="en-US" altLang="ko-KR" dirty="0"/>
-              <a:t>exe, </a:t>
-            </a:r>
-            <a:r>
-              <a:rPr lang="en-US" altLang="ko-KR" dirty="0" err="1"/>
-              <a:t>dll</a:t>
-            </a:r>
-            <a:r>
-              <a:rPr lang="en-US" altLang="ko-KR" dirty="0"/>
-              <a:t>, </a:t>
-            </a:r>
-            <a:r>
-              <a:rPr lang="en-US" altLang="ko-KR" dirty="0" err="1"/>
-              <a:t>json</a:t>
-            </a:r>
-            <a:r>
-              <a:rPr lang="en-US" altLang="ko-KR" dirty="0"/>
-              <a:t> </a:t>
-            </a:r>
-            <a:r>
-              <a:rPr lang="ko-KR" altLang="en-US" dirty="0"/>
-              <a:t>파일을 압축하여 제출</a:t>
-            </a:r>
-            <a:r>
-              <a:rPr lang="en-US" altLang="ko-KR" dirty="0"/>
-              <a:t>!</a:t>
-            </a:r>
-            <a:endParaRPr lang="ko-KR" altLang="en-US" dirty="0">
-              <a:solidFill>
-                <a:schemeClr val="accent5"/>
-              </a:solidFill>
-            </a:endParaRPr>
-          </a:p>
-        </p:txBody>
-      </p:sp>
-      <p:sp>
-        <p:nvSpPr>
-          <p:cNvPr id="4" name="날짜 개체 틀 3">
-            <a:extLst>
-              <a:ext uri="{FF2B5EF4-FFF2-40B4-BE49-F238E27FC236}">
-                <a16:creationId xmlns:a16="http://schemas.microsoft.com/office/drawing/2014/main" id="{85B1AA7E-F2DB-3FA5-D889-B76B97F985AB}"/>
-              </a:ext>
-            </a:extLst>
-          </p:cNvPr>
-          <p:cNvSpPr>
-            <a:spLocks noGrp="1"/>
-          </p:cNvSpPr>
-          <p:nvPr>
-            <p:ph type="dt" sz="half" idx="10"/>
-          </p:nvPr>
-        </p:nvSpPr>
-        <p:spPr/>
-        <p:txBody>
-          <a:bodyPr/>
-          <a:lstStyle/>
-          <a:p>
-            <a:fld id="{0F78D9C4-20C1-4B15-A116-16DC77AD9A1E}" type="datetime1">
-              <a:rPr lang="ko-KR" altLang="en-US" smtClean="0"/>
-              <a:t>2025-05-23</a:t>
-            </a:fld>
-            <a:endParaRPr lang="ko-KR" altLang="en-US"/>
-          </a:p>
-        </p:txBody>
-      </p:sp>
-      <p:sp>
-        <p:nvSpPr>
-          <p:cNvPr id="5" name="슬라이드 번호 개체 틀 4">
-            <a:extLst>
-              <a:ext uri="{FF2B5EF4-FFF2-40B4-BE49-F238E27FC236}">
-                <a16:creationId xmlns:a16="http://schemas.microsoft.com/office/drawing/2014/main" id="{75B6E68E-5274-5F3A-F601-36F17D2AC2ED}"/>
-              </a:ext>
-            </a:extLst>
-          </p:cNvPr>
-          <p:cNvSpPr>
-            <a:spLocks noGrp="1"/>
-          </p:cNvSpPr>
-          <p:nvPr>
-            <p:ph type="sldNum" sz="quarter" idx="12"/>
-          </p:nvPr>
-        </p:nvSpPr>
-        <p:spPr/>
-        <p:txBody>
-          <a:bodyPr/>
-          <a:lstStyle/>
-          <a:p>
-            <a:fld id="{083A2CE0-18CD-4102-B738-4ACFF9E68BA4}" type="slidenum">
-              <a:rPr lang="ko-KR" altLang="en-US" smtClean="0"/>
-              <a:t>25</a:t>
-            </a:fld>
-            <a:endParaRPr lang="ko-KR" altLang="en-US"/>
-          </a:p>
-        </p:txBody>
-      </p:sp>
-    </p:spTree>
-    <p:extLst>
-      <p:ext uri="{BB962C8B-B14F-4D97-AF65-F5344CB8AC3E}">
-        <p14:creationId xmlns:p14="http://schemas.microsoft.com/office/powerpoint/2010/main" val="595807414"/>
-      </p:ext>
-    </p:extLst>
-  </p:cSld>
-  <p:clrMapOvr>
-    <a:masterClrMapping/>
-  </p:clrMapOvr>
-</p:sld>
-</file>
-
-<file path=ppt/slides/slide26.xml><?xml version="1.0" encoding="utf-8"?>
-<p:sld xmlns:a="http://schemas.openxmlformats.org/drawingml/2006/main" xmlns:r="http://schemas.openxmlformats.org/officeDocument/2006/relationships" xmlns:p="http://schemas.openxmlformats.org/presentationml/2006/main">
-  <p:cSld>
-    <p:spTree>
-      <p:nvGrpSpPr>
-        <p:cNvPr id="1" name=""/>
-        <p:cNvGrpSpPr/>
-        <p:nvPr/>
-      </p:nvGrpSpPr>
-      <p:grpSpPr>
-        <a:xfrm>
-          <a:off x="0" y="0"/>
-          <a:ext cx="0" cy="0"/>
-          <a:chOff x="0" y="0"/>
-          <a:chExt cx="0" cy="0"/>
-        </a:xfrm>
-      </p:grpSpPr>
-      <p:sp>
-        <p:nvSpPr>
-          <p:cNvPr id="2" name="제목 1">
-            <a:extLst>
-              <a:ext uri="{FF2B5EF4-FFF2-40B4-BE49-F238E27FC236}">
-                <a16:creationId xmlns:a16="http://schemas.microsoft.com/office/drawing/2014/main" id="{092A5A5D-A6A2-0396-AE2D-D5AC9FBCC51B}"/>
-              </a:ext>
-            </a:extLst>
-          </p:cNvPr>
-          <p:cNvSpPr>
-            <a:spLocks noGrp="1"/>
-          </p:cNvSpPr>
-          <p:nvPr>
-            <p:ph type="title"/>
-          </p:nvPr>
-        </p:nvSpPr>
-        <p:spPr/>
-        <p:txBody>
-          <a:bodyPr/>
-          <a:lstStyle/>
-          <a:p>
-            <a:r>
-              <a:rPr lang="en-US" altLang="ko-KR" dirty="0"/>
-              <a:t>WPF </a:t>
-            </a:r>
-            <a:r>
-              <a:rPr lang="ko-KR" altLang="en-US" dirty="0"/>
-              <a:t>크로스 스레드 해결</a:t>
-            </a:r>
-          </a:p>
-        </p:txBody>
-      </p:sp>
-      <p:sp>
-        <p:nvSpPr>
-          <p:cNvPr id="3" name="내용 개체 틀 2">
-            <a:extLst>
-              <a:ext uri="{FF2B5EF4-FFF2-40B4-BE49-F238E27FC236}">
-                <a16:creationId xmlns:a16="http://schemas.microsoft.com/office/drawing/2014/main" id="{2774465A-F72E-263F-030C-D356E0B12E04}"/>
-              </a:ext>
-            </a:extLst>
-          </p:cNvPr>
-          <p:cNvSpPr>
-            <a:spLocks noGrp="1"/>
-          </p:cNvSpPr>
-          <p:nvPr>
-            <p:ph idx="1"/>
-          </p:nvPr>
-        </p:nvSpPr>
-        <p:spPr/>
-        <p:txBody>
-          <a:bodyPr/>
-          <a:lstStyle/>
-          <a:p>
-            <a:r>
-              <a:rPr lang="en-US" altLang="ko-KR" dirty="0" err="1"/>
-              <a:t>WinForm</a:t>
-            </a:r>
-            <a:r>
-              <a:rPr lang="ko-KR" altLang="en-US" dirty="0"/>
-              <a:t>의 </a:t>
-            </a:r>
-            <a:r>
-              <a:rPr lang="en-US" altLang="ko-KR" dirty="0"/>
-              <a:t>Invoke() </a:t>
-            </a:r>
-            <a:r>
-              <a:rPr lang="ko-KR" altLang="en-US" dirty="0"/>
-              <a:t>대신 </a:t>
-            </a:r>
-            <a:r>
-              <a:rPr lang="en-US" altLang="ko-KR" dirty="0" err="1"/>
-              <a:t>Dispatcher.Invoke</a:t>
-            </a:r>
-            <a:r>
-              <a:rPr lang="en-US" altLang="ko-KR" dirty="0"/>
-              <a:t>()</a:t>
-            </a:r>
-            <a:r>
-              <a:rPr lang="ko-KR" altLang="en-US" dirty="0"/>
-              <a:t>를 사용</a:t>
-            </a:r>
-          </a:p>
-        </p:txBody>
-      </p:sp>
-      <p:sp>
-        <p:nvSpPr>
-          <p:cNvPr id="4" name="날짜 개체 틀 3">
-            <a:extLst>
-              <a:ext uri="{FF2B5EF4-FFF2-40B4-BE49-F238E27FC236}">
-                <a16:creationId xmlns:a16="http://schemas.microsoft.com/office/drawing/2014/main" id="{C1D9E62B-41C3-EAE7-FC4D-A52217EAF2A6}"/>
-              </a:ext>
-            </a:extLst>
-          </p:cNvPr>
-          <p:cNvSpPr>
-            <a:spLocks noGrp="1"/>
-          </p:cNvSpPr>
-          <p:nvPr>
-            <p:ph type="dt" sz="half" idx="10"/>
-          </p:nvPr>
-        </p:nvSpPr>
-        <p:spPr/>
-        <p:txBody>
-          <a:bodyPr/>
-          <a:lstStyle/>
-          <a:p>
-            <a:fld id="{0F78D9C4-20C1-4B15-A116-16DC77AD9A1E}" type="datetime1">
-              <a:rPr lang="ko-KR" altLang="en-US" smtClean="0"/>
-              <a:t>2025-05-23</a:t>
-            </a:fld>
-            <a:endParaRPr lang="ko-KR" altLang="en-US"/>
-          </a:p>
-        </p:txBody>
-      </p:sp>
-      <p:sp>
-        <p:nvSpPr>
-          <p:cNvPr id="5" name="슬라이드 번호 개체 틀 4">
-            <a:extLst>
-              <a:ext uri="{FF2B5EF4-FFF2-40B4-BE49-F238E27FC236}">
-                <a16:creationId xmlns:a16="http://schemas.microsoft.com/office/drawing/2014/main" id="{8EC48E86-E88D-A09E-31AE-AB8B359E898D}"/>
-              </a:ext>
-            </a:extLst>
-          </p:cNvPr>
-          <p:cNvSpPr>
-            <a:spLocks noGrp="1"/>
-          </p:cNvSpPr>
-          <p:nvPr>
-            <p:ph type="sldNum" sz="quarter" idx="12"/>
-          </p:nvPr>
-        </p:nvSpPr>
-        <p:spPr/>
-        <p:txBody>
-          <a:bodyPr/>
-          <a:lstStyle/>
-          <a:p>
-            <a:fld id="{083A2CE0-18CD-4102-B738-4ACFF9E68BA4}" type="slidenum">
-              <a:rPr lang="ko-KR" altLang="en-US" smtClean="0"/>
-              <a:t>26</a:t>
-            </a:fld>
-            <a:endParaRPr lang="ko-KR" altLang="en-US"/>
-          </a:p>
-        </p:txBody>
-      </p:sp>
-      <p:pic>
-        <p:nvPicPr>
-          <p:cNvPr id="7" name="그림 6">
-            <a:extLst>
-              <a:ext uri="{FF2B5EF4-FFF2-40B4-BE49-F238E27FC236}">
-                <a16:creationId xmlns:a16="http://schemas.microsoft.com/office/drawing/2014/main" id="{E45C5E83-6C14-ED7C-B5A8-A6FB2A9ED379}"/>
-              </a:ext>
-            </a:extLst>
-          </p:cNvPr>
-          <p:cNvPicPr>
-            <a:picLocks noChangeAspect="1"/>
-          </p:cNvPicPr>
-          <p:nvPr/>
-        </p:nvPicPr>
-        <p:blipFill>
-          <a:blip r:embed="rId2"/>
-          <a:stretch>
-            <a:fillRect/>
-          </a:stretch>
-        </p:blipFill>
-        <p:spPr>
-          <a:xfrm>
-            <a:off x="1371600" y="2547262"/>
-            <a:ext cx="5009203" cy="3113830"/>
-          </a:xfrm>
-          <a:prstGeom prst="rect">
-            <a:avLst/>
-          </a:prstGeom>
-        </p:spPr>
-      </p:pic>
-    </p:spTree>
-    <p:extLst>
-      <p:ext uri="{BB962C8B-B14F-4D97-AF65-F5344CB8AC3E}">
-        <p14:creationId xmlns:p14="http://schemas.microsoft.com/office/powerpoint/2010/main" val="2699034194"/>
       </p:ext>
     </p:extLst>
   </p:cSld>
@@ -10682,7 +8786,7 @@
           <a:p>
             <a:fld id="{0F78D9C4-20C1-4B15-A116-16DC77AD9A1E}" type="datetime1">
               <a:rPr lang="ko-KR" altLang="en-US" smtClean="0"/>
-              <a:t>2025-05-23</a:t>
+              <a:t>2025-05-25</a:t>
             </a:fld>
             <a:endParaRPr lang="ko-KR" altLang="en-US"/>
           </a:p>
@@ -10746,36 +8850,6 @@
           </a:prstGeom>
         </p:spPr>
       </p:pic>
-      <p:pic>
-        <p:nvPicPr>
-          <p:cNvPr id="11" name="그림 10">
-            <a:extLst>
-              <a:ext uri="{FF2B5EF4-FFF2-40B4-BE49-F238E27FC236}">
-                <a16:creationId xmlns:a16="http://schemas.microsoft.com/office/drawing/2014/main" id="{0C3C174E-A7C9-95A5-8D6C-5BB0E83403B1}"/>
-              </a:ext>
-            </a:extLst>
-          </p:cNvPr>
-          <p:cNvPicPr>
-            <a:picLocks noChangeAspect="1"/>
-          </p:cNvPicPr>
-          <p:nvPr/>
-        </p:nvPicPr>
-        <p:blipFill>
-          <a:blip r:embed="rId3"/>
-          <a:stretch>
-            <a:fillRect/>
-          </a:stretch>
-        </p:blipFill>
-        <p:spPr>
-          <a:xfrm>
-            <a:off x="3491828" y="1504940"/>
-            <a:ext cx="8480916" cy="4880854"/>
-          </a:xfrm>
-          <a:prstGeom prst="rect">
-            <a:avLst/>
-          </a:prstGeom>
-        </p:spPr>
-      </p:pic>
       <p:sp>
         <p:nvSpPr>
           <p:cNvPr id="12" name="TextBox 11">
@@ -10819,6 +8893,29 @@
           </a:p>
         </p:txBody>
       </p:sp>
+      <p:pic>
+        <p:nvPicPr>
+          <p:cNvPr id="3" name="그림 2"/>
+          <p:cNvPicPr>
+            <a:picLocks noChangeAspect="1"/>
+          </p:cNvPicPr>
+          <p:nvPr/>
+        </p:nvPicPr>
+        <p:blipFill rotWithShape="1">
+          <a:blip r:embed="rId3"/>
+          <a:srcRect t="4718"/>
+          <a:stretch/>
+        </p:blipFill>
+        <p:spPr>
+          <a:xfrm>
+            <a:off x="3588797" y="1595336"/>
+            <a:ext cx="7520190" cy="4616622"/>
+          </a:xfrm>
+          <a:prstGeom prst="rect">
+            <a:avLst/>
+          </a:prstGeom>
+        </p:spPr>
+      </p:pic>
     </p:spTree>
     <p:extLst>
       <p:ext uri="{BB962C8B-B14F-4D97-AF65-F5344CB8AC3E}">
@@ -10871,31 +8968,142 @@
           <a:lstStyle/>
           <a:p>
             <a:r>
-              <a:rPr lang="en-US" altLang="ko-KR"/>
-              <a:t>Visual Studio - NuGet </a:t>
-            </a:r>
-            <a:r>
-              <a:rPr lang="ko-KR" altLang="en-US"/>
+              <a:rPr lang="en-US" altLang="ko-KR" dirty="0"/>
+              <a:t>Visual Studio - </a:t>
+            </a:r>
+            <a:r>
+              <a:rPr lang="en-US" altLang="ko-KR" dirty="0" err="1"/>
+              <a:t>NuGet</a:t>
+            </a:r>
+            <a:r>
+              <a:rPr lang="en-US" altLang="ko-KR" dirty="0"/>
+              <a:t> </a:t>
+            </a:r>
+            <a:r>
+              <a:rPr lang="ko-KR" altLang="en-US" dirty="0"/>
               <a:t>사용법</a:t>
             </a:r>
+          </a:p>
+        </p:txBody>
+      </p:sp>
+      <p:sp>
+        <p:nvSpPr>
+          <p:cNvPr id="4" name="날짜 개체 틀 3">
+            <a:extLst>
+              <a:ext uri="{FF2B5EF4-FFF2-40B4-BE49-F238E27FC236}">
+                <a16:creationId xmlns:a16="http://schemas.microsoft.com/office/drawing/2014/main" id="{4C9F154D-80D0-D2D6-C02A-E28620F9963F}"/>
+              </a:ext>
+            </a:extLst>
+          </p:cNvPr>
+          <p:cNvSpPr>
+            <a:spLocks noGrp="1"/>
+          </p:cNvSpPr>
+          <p:nvPr>
+            <p:ph type="dt" sz="half" idx="10"/>
+          </p:nvPr>
+        </p:nvSpPr>
+        <p:spPr/>
+        <p:txBody>
+          <a:bodyPr/>
+          <a:lstStyle/>
+          <a:p>
+            <a:fld id="{0F78D9C4-20C1-4B15-A116-16DC77AD9A1E}" type="datetime1">
+              <a:rPr lang="ko-KR" altLang="en-US" smtClean="0"/>
+              <a:t>2025-05-25</a:t>
+            </a:fld>
+            <a:endParaRPr lang="ko-KR" altLang="en-US"/>
+          </a:p>
+        </p:txBody>
+      </p:sp>
+      <p:sp>
+        <p:nvSpPr>
+          <p:cNvPr id="5" name="슬라이드 번호 개체 틀 4">
+            <a:extLst>
+              <a:ext uri="{FF2B5EF4-FFF2-40B4-BE49-F238E27FC236}">
+                <a16:creationId xmlns:a16="http://schemas.microsoft.com/office/drawing/2014/main" id="{7AAAC558-F07A-2E7F-8713-874FAB29BA07}"/>
+              </a:ext>
+            </a:extLst>
+          </p:cNvPr>
+          <p:cNvSpPr>
+            <a:spLocks noGrp="1"/>
+          </p:cNvSpPr>
+          <p:nvPr>
+            <p:ph type="sldNum" sz="quarter" idx="12"/>
+          </p:nvPr>
+        </p:nvSpPr>
+        <p:spPr/>
+        <p:txBody>
+          <a:bodyPr/>
+          <a:lstStyle/>
+          <a:p>
+            <a:fld id="{083A2CE0-18CD-4102-B738-4ACFF9E68BA4}" type="slidenum">
+              <a:rPr lang="ko-KR" altLang="en-US" smtClean="0"/>
+              <a:t>4</a:t>
+            </a:fld>
+            <a:endParaRPr lang="ko-KR" altLang="en-US"/>
+          </a:p>
+        </p:txBody>
+      </p:sp>
+      <p:sp>
+        <p:nvSpPr>
+          <p:cNvPr id="9" name="TextBox 8">
+            <a:extLst>
+              <a:ext uri="{FF2B5EF4-FFF2-40B4-BE49-F238E27FC236}">
+                <a16:creationId xmlns:a16="http://schemas.microsoft.com/office/drawing/2014/main" id="{53B03DFE-987F-1891-5644-82EA5D5505B8}"/>
+              </a:ext>
+            </a:extLst>
+          </p:cNvPr>
+          <p:cNvSpPr txBox="1"/>
+          <p:nvPr/>
+        </p:nvSpPr>
+        <p:spPr>
+          <a:xfrm>
+            <a:off x="8426787" y="2225399"/>
+            <a:ext cx="2750293" cy="369332"/>
+          </a:xfrm>
+          <a:prstGeom prst="rect">
+            <a:avLst/>
+          </a:prstGeom>
+          <a:noFill/>
+          <a:ln>
+            <a:solidFill>
+              <a:schemeClr val="bg1"/>
+            </a:solidFill>
+          </a:ln>
+        </p:spPr>
+        <p:txBody>
+          <a:bodyPr wrap="square" rtlCol="0">
+            <a:spAutoFit/>
+          </a:bodyPr>
+          <a:lstStyle/>
+          <a:p>
+            <a:r>
+              <a:rPr lang="en-US" altLang="ko-KR" dirty="0" smtClean="0"/>
+              <a:t>- </a:t>
+            </a:r>
+            <a:r>
+              <a:rPr lang="ko-KR" altLang="en-US" dirty="0" smtClean="0"/>
+              <a:t>패키지 정보 </a:t>
+            </a:r>
+            <a:r>
+              <a:rPr lang="ko-KR" altLang="en-US" dirty="0" err="1" smtClean="0"/>
+              <a:t>바로가기</a:t>
+            </a:r>
+            <a:r>
+              <a:rPr lang="ko-KR" altLang="en-US" dirty="0" smtClean="0"/>
+              <a:t> </a:t>
+            </a:r>
+            <a:endParaRPr lang="ko-KR" altLang="en-US" dirty="0"/>
           </a:p>
         </p:txBody>
       </p:sp>
       <p:pic>
         <p:nvPicPr>
-          <p:cNvPr id="7" name="내용 개체 틀 6">
-            <a:extLst>
-              <a:ext uri="{FF2B5EF4-FFF2-40B4-BE49-F238E27FC236}">
-                <a16:creationId xmlns:a16="http://schemas.microsoft.com/office/drawing/2014/main" id="{ED4462B6-A198-11A6-17EB-C5735FEE71A3}"/>
-              </a:ext>
-            </a:extLst>
-          </p:cNvPr>
+          <p:cNvPr id="6" name="그림 5"/>
           <p:cNvPicPr>
-            <a:picLocks noGrp="1" noChangeAspect="1"/>
+            <a:picLocks noChangeAspect="1"/>
           </p:cNvPicPr>
-          <p:nvPr>
-            <p:ph idx="1"/>
-          </p:nvPr>
+          <p:nvPr/>
         </p:nvPicPr>
         <p:blipFill>
           <a:blip r:embed="rId2"/>
@@ -10905,71 +9113,16 @@
         </p:blipFill>
         <p:spPr>
           <a:xfrm>
-            <a:off x="605920" y="1423893"/>
-            <a:ext cx="8670366" cy="5035550"/>
+            <a:off x="1108953" y="1579370"/>
+            <a:ext cx="7317835" cy="4597593"/>
           </a:xfrm>
+          <a:prstGeom prst="rect">
+            <a:avLst/>
+          </a:prstGeom>
         </p:spPr>
       </p:pic>
       <p:sp>
         <p:nvSpPr>
-          <p:cNvPr id="4" name="날짜 개체 틀 3">
-            <a:extLst>
-              <a:ext uri="{FF2B5EF4-FFF2-40B4-BE49-F238E27FC236}">
-                <a16:creationId xmlns:a16="http://schemas.microsoft.com/office/drawing/2014/main" id="{4C9F154D-80D0-D2D6-C02A-E28620F9963F}"/>
-              </a:ext>
-            </a:extLst>
-          </p:cNvPr>
-          <p:cNvSpPr>
-            <a:spLocks noGrp="1"/>
-          </p:cNvSpPr>
-          <p:nvPr>
-            <p:ph type="dt" sz="half" idx="10"/>
-          </p:nvPr>
-        </p:nvSpPr>
-        <p:spPr/>
-        <p:txBody>
-          <a:bodyPr/>
-          <a:lstStyle/>
-          <a:p>
-            <a:fld id="{0F78D9C4-20C1-4B15-A116-16DC77AD9A1E}" type="datetime1">
-              <a:rPr lang="ko-KR" altLang="en-US" smtClean="0"/>
-              <a:t>2025-05-23</a:t>
-            </a:fld>
-            <a:endParaRPr lang="ko-KR" altLang="en-US"/>
-          </a:p>
-        </p:txBody>
-      </p:sp>
-      <p:sp>
-        <p:nvSpPr>
-          <p:cNvPr id="5" name="슬라이드 번호 개체 틀 4">
-            <a:extLst>
-              <a:ext uri="{FF2B5EF4-FFF2-40B4-BE49-F238E27FC236}">
-                <a16:creationId xmlns:a16="http://schemas.microsoft.com/office/drawing/2014/main" id="{7AAAC558-F07A-2E7F-8713-874FAB29BA07}"/>
-              </a:ext>
-            </a:extLst>
-          </p:cNvPr>
-          <p:cNvSpPr>
-            <a:spLocks noGrp="1"/>
-          </p:cNvSpPr>
-          <p:nvPr>
-            <p:ph type="sldNum" sz="quarter" idx="12"/>
-          </p:nvPr>
-        </p:nvSpPr>
-        <p:spPr/>
-        <p:txBody>
-          <a:bodyPr/>
-          <a:lstStyle/>
-          <a:p>
-            <a:fld id="{083A2CE0-18CD-4102-B738-4ACFF9E68BA4}" type="slidenum">
-              <a:rPr lang="ko-KR" altLang="en-US" smtClean="0"/>
-              <a:t>4</a:t>
-            </a:fld>
-            <a:endParaRPr lang="ko-KR" altLang="en-US"/>
-          </a:p>
-        </p:txBody>
-      </p:sp>
-      <p:sp>
-        <p:nvSpPr>
           <p:cNvPr id="8" name="직사각형 7">
             <a:extLst>
               <a:ext uri="{FF2B5EF4-FFF2-40B4-BE49-F238E27FC236}">
@@ -10982,8 +9135,8 @@
         </p:nvSpPr>
         <p:spPr>
           <a:xfrm>
-            <a:off x="8086381" y="2489812"/>
-            <a:ext cx="980501" cy="374574"/>
+            <a:off x="7316009" y="2271768"/>
+            <a:ext cx="975401" cy="276595"/>
           </a:xfrm>
           <a:prstGeom prst="rect">
             <a:avLst/>
@@ -11017,52 +9170,6 @@
           <a:p>
             <a:pPr algn="ctr"/>
             <a:endParaRPr lang="ko-KR" altLang="en-US"/>
-          </a:p>
-        </p:txBody>
-      </p:sp>
-      <p:sp>
-        <p:nvSpPr>
-          <p:cNvPr id="9" name="TextBox 8">
-            <a:extLst>
-              <a:ext uri="{FF2B5EF4-FFF2-40B4-BE49-F238E27FC236}">
-                <a16:creationId xmlns:a16="http://schemas.microsoft.com/office/drawing/2014/main" id="{53B03DFE-987F-1891-5644-82EA5D5505B8}"/>
-              </a:ext>
-            </a:extLst>
-          </p:cNvPr>
-          <p:cNvSpPr txBox="1"/>
-          <p:nvPr/>
-        </p:nvSpPr>
-        <p:spPr>
-          <a:xfrm>
-            <a:off x="9276286" y="2342916"/>
-            <a:ext cx="2361544" cy="646331"/>
-          </a:xfrm>
-          <a:prstGeom prst="rect">
-            <a:avLst/>
-          </a:prstGeom>
-          <a:noFill/>
-        </p:spPr>
-        <p:txBody>
-          <a:bodyPr wrap="none" rtlCol="0">
-            <a:spAutoFit/>
-          </a:bodyPr>
-          <a:lstStyle/>
-          <a:p>
-            <a:r>
-              <a:rPr lang="ko-KR" altLang="en-US"/>
-              <a:t>원하는 기능 선택 후 </a:t>
-            </a:r>
-            <a:endParaRPr lang="en-US" altLang="ko-KR"/>
-          </a:p>
-          <a:p>
-            <a:r>
-              <a:rPr lang="en-US" altLang="ko-KR"/>
-              <a:t>Install </a:t>
-            </a:r>
-            <a:r>
-              <a:rPr lang="ko-KR" altLang="en-US"/>
-              <a:t>버튼 클릭하면 끝</a:t>
-            </a:r>
           </a:p>
         </p:txBody>
       </p:sp>
@@ -11147,23 +9254,42 @@
           <a:lstStyle/>
           <a:p>
             <a:r>
-              <a:rPr lang="en-US" altLang="ko-KR"/>
+              <a:rPr lang="en-US" altLang="ko-KR" dirty="0" err="1">
+                <a:latin typeface="Pretendard" panose="02000503000000020004" pitchFamily="2" charset="-127"/>
+                <a:ea typeface="Pretendard" panose="02000503000000020004" pitchFamily="2" charset="-127"/>
+                <a:cs typeface="Pretendard" panose="02000503000000020004" pitchFamily="2" charset="-127"/>
+              </a:rPr>
               <a:t>NuGet</a:t>
             </a:r>
             <a:r>
-              <a:rPr lang="ko-KR" altLang="en-US"/>
+              <a:rPr lang="ko-KR" altLang="en-US" dirty="0">
+                <a:latin typeface="Pretendard" panose="02000503000000020004" pitchFamily="2" charset="-127"/>
+                <a:ea typeface="Pretendard" panose="02000503000000020004" pitchFamily="2" charset="-127"/>
+                <a:cs typeface="Pretendard" panose="02000503000000020004" pitchFamily="2" charset="-127"/>
+              </a:rPr>
               <a:t>으로 설치 가능한 무료 차트 생성 라이브러리</a:t>
             </a:r>
-            <a:endParaRPr lang="en-US" altLang="ko-KR"/>
-          </a:p>
-          <a:p>
-            <a:r>
-              <a:rPr lang="en-US" altLang="ko-KR">
-                <a:hlinkClick r:id="rId2"/>
+            <a:endParaRPr lang="en-US" altLang="ko-KR" dirty="0">
+              <a:latin typeface="Pretendard" panose="02000503000000020004" pitchFamily="2" charset="-127"/>
+              <a:ea typeface="Pretendard" panose="02000503000000020004" pitchFamily="2" charset="-127"/>
+              <a:cs typeface="Pretendard" panose="02000503000000020004" pitchFamily="2" charset="-127"/>
+            </a:endParaRPr>
+          </a:p>
+          <a:p>
+            <a:r>
+              <a:rPr lang="en-US" altLang="ko-KR" dirty="0">
+                <a:latin typeface="Pretendard" panose="02000503000000020004" pitchFamily="2" charset="-127"/>
+                <a:ea typeface="Pretendard" panose="02000503000000020004" pitchFamily="2" charset="-127"/>
+                <a:cs typeface="Pretendard" panose="02000503000000020004" pitchFamily="2" charset="-127"/>
+                <a:hlinkClick r:id="rId3"/>
               </a:rPr>
               <a:t>https://scottplot.net/</a:t>
             </a:r>
-            <a:endParaRPr lang="ko-KR" altLang="en-US"/>
+            <a:endParaRPr lang="ko-KR" altLang="en-US" dirty="0">
+              <a:latin typeface="Pretendard" panose="02000503000000020004" pitchFamily="2" charset="-127"/>
+              <a:ea typeface="Pretendard" panose="02000503000000020004" pitchFamily="2" charset="-127"/>
+              <a:cs typeface="Pretendard" panose="02000503000000020004" pitchFamily="2" charset="-127"/>
+            </a:endParaRPr>
           </a:p>
         </p:txBody>
       </p:sp>
@@ -11190,7 +9316,7 @@
           <a:p>
             <a:fld id="{0F78D9C4-20C1-4B15-A116-16DC77AD9A1E}" type="datetime1">
               <a:rPr lang="ko-KR" altLang="en-US" smtClean="0"/>
-              <a:t>2025-05-23</a:t>
+              <a:t>2025-05-26</a:t>
             </a:fld>
             <a:endParaRPr lang="ko-KR" altLang="en-US"/>
           </a:p>
@@ -11240,7 +9366,7 @@
           <p:nvPr/>
         </p:nvPicPr>
         <p:blipFill>
-          <a:blip r:embed="rId3"/>
+          <a:blip r:embed="rId4"/>
           <a:stretch>
             <a:fillRect/>
           </a:stretch>
@@ -11377,7 +9503,7 @@
           <a:p>
             <a:fld id="{0F78D9C4-20C1-4B15-A116-16DC77AD9A1E}" type="datetime1">
               <a:rPr lang="ko-KR" altLang="en-US" smtClean="0"/>
-              <a:t>2025-05-23</a:t>
+              <a:t>2025-05-26</a:t>
             </a:fld>
             <a:endParaRPr lang="ko-KR" altLang="en-US"/>
           </a:p>
@@ -11414,95 +9540,7 @@
       </p:sp>
       <p:pic>
         <p:nvPicPr>
-          <p:cNvPr id="7" name="그림 6">
-            <a:extLst>
-              <a:ext uri="{FF2B5EF4-FFF2-40B4-BE49-F238E27FC236}">
-                <a16:creationId xmlns:a16="http://schemas.microsoft.com/office/drawing/2014/main" id="{18F95258-2612-A324-D6FF-281397C3A300}"/>
-              </a:ext>
-            </a:extLst>
-          </p:cNvPr>
-          <p:cNvPicPr>
-            <a:picLocks noChangeAspect="1"/>
-          </p:cNvPicPr>
-          <p:nvPr/>
-        </p:nvPicPr>
-        <p:blipFill>
-          <a:blip r:embed="rId2"/>
-          <a:stretch>
-            <a:fillRect/>
-          </a:stretch>
-        </p:blipFill>
-        <p:spPr>
-          <a:xfrm>
-            <a:off x="646324" y="1704913"/>
-            <a:ext cx="7539209" cy="4398432"/>
-          </a:xfrm>
-          <a:prstGeom prst="rect">
-            <a:avLst/>
-          </a:prstGeom>
-        </p:spPr>
-      </p:pic>
-      <p:sp>
-        <p:nvSpPr>
-          <p:cNvPr id="8" name="직사각형 7">
-            <a:extLst>
-              <a:ext uri="{FF2B5EF4-FFF2-40B4-BE49-F238E27FC236}">
-                <a16:creationId xmlns:a16="http://schemas.microsoft.com/office/drawing/2014/main" id="{1975EC5A-70E4-E080-7E7F-722307EFF2F7}"/>
-              </a:ext>
-            </a:extLst>
-          </p:cNvPr>
-          <p:cNvSpPr/>
-          <p:nvPr/>
-        </p:nvSpPr>
-        <p:spPr>
-          <a:xfrm>
-            <a:off x="7282149" y="2787267"/>
-            <a:ext cx="793215" cy="286439"/>
-          </a:xfrm>
-          <a:prstGeom prst="rect">
-            <a:avLst/>
-          </a:prstGeom>
-          <a:noFill/>
-          <a:ln w="38100">
-            <a:solidFill>
-              <a:schemeClr val="accent2"/>
-            </a:solidFill>
-          </a:ln>
-        </p:spPr>
-        <p:style>
-          <a:lnRef idx="2">
-            <a:schemeClr val="accent1">
-              <a:shade val="15000"/>
-            </a:schemeClr>
-          </a:lnRef>
-          <a:fillRef idx="1">
-            <a:schemeClr val="accent1"/>
-          </a:fillRef>
-          <a:effectRef idx="0">
-            <a:schemeClr val="accent1"/>
-          </a:effectRef>
-          <a:fontRef idx="minor">
-            <a:schemeClr val="lt1"/>
-          </a:fontRef>
-        </p:style>
-        <p:txBody>
-          <a:bodyPr rtlCol="0" anchor="ctr"/>
-          <a:lstStyle/>
-          <a:p>
-            <a:pPr algn="ctr"/>
-            <a:endParaRPr lang="ko-KR" altLang="en-US"/>
-          </a:p>
-        </p:txBody>
-      </p:sp>
-      <p:pic>
-        <p:nvPicPr>
-          <p:cNvPr id="10" name="그림 9">
-            <a:extLst>
-              <a:ext uri="{FF2B5EF4-FFF2-40B4-BE49-F238E27FC236}">
-                <a16:creationId xmlns:a16="http://schemas.microsoft.com/office/drawing/2014/main" id="{92693D9F-9F7E-8579-E336-C189FA78AD80}"/>
-              </a:ext>
-            </a:extLst>
-          </p:cNvPr>
+          <p:cNvPr id="3" name="그림 2"/>
           <p:cNvPicPr>
             <a:picLocks noChangeAspect="1"/>
           </p:cNvPicPr>
@@ -11516,8 +9554,8 @@
         </p:blipFill>
         <p:spPr>
           <a:xfrm>
-            <a:off x="8471970" y="1704913"/>
-            <a:ext cx="3073706" cy="1961003"/>
+            <a:off x="559544" y="2544075"/>
+            <a:ext cx="7612774" cy="3540825"/>
           </a:xfrm>
           <a:prstGeom prst="rect">
             <a:avLst/>
@@ -11526,13 +9564,7 @@
       </p:pic>
       <p:pic>
         <p:nvPicPr>
-          <p:cNvPr id="12" name="그림 11">
-            <a:extLst>
-              <a:ext uri="{FF2B5EF4-FFF2-40B4-BE49-F238E27FC236}">
-                <a16:creationId xmlns:a16="http://schemas.microsoft.com/office/drawing/2014/main" id="{815C7FBE-F390-2368-B413-E0AA8386F748}"/>
-              </a:ext>
-            </a:extLst>
-          </p:cNvPr>
+          <p:cNvPr id="9" name="그림 8"/>
           <p:cNvPicPr>
             <a:picLocks noChangeAspect="1"/>
           </p:cNvPicPr>
@@ -11546,8 +9578,8 @@
         </p:blipFill>
         <p:spPr>
           <a:xfrm>
-            <a:off x="8471970" y="3904129"/>
-            <a:ext cx="3073706" cy="2001004"/>
+            <a:off x="8450974" y="2544075"/>
+            <a:ext cx="3430628" cy="2163087"/>
           </a:xfrm>
           <a:prstGeom prst="rect">
             <a:avLst/>
@@ -11568,7 +9600,7 @@
 </file>
 
 <file path=ppt/slides/slide7.xml><?xml version="1.0" encoding="utf-8"?>
-<p:sld xmlns:a="http://schemas.openxmlformats.org/drawingml/2006/main" xmlns:r="http://schemas.openxmlformats.org/officeDocument/2006/relationships" xmlns:p="http://schemas.openxmlformats.org/presentationml/2006/main">
+<p:sld xmlns:a="http://schemas.openxmlformats.org/drawingml/2006/main" xmlns:r="http://schemas.openxmlformats.org/officeDocument/2006/relationships" xmlns:p="http://schemas.openxmlformats.org/presentationml/2006/main" show="0">
   <p:cSld>
     <p:spTree>
       <p:nvGrpSpPr>
@@ -11606,10 +9638,34 @@
           <a:lstStyle/>
           <a:p>
             <a:r>
-              <a:rPr lang="en-US" altLang="ko-KR"/>
+              <a:rPr lang="ko-KR" altLang="en-US" dirty="0">
+                <a:solidFill>
+                  <a:srgbClr val="00B050"/>
+                </a:solidFill>
+              </a:rPr>
+              <a:t>실습</a:t>
+            </a:r>
+            <a:r>
+              <a:rPr lang="en-US" altLang="ko-KR" dirty="0">
+                <a:solidFill>
+                  <a:srgbClr val="00B050"/>
+                </a:solidFill>
+              </a:rPr>
+              <a:t>. </a:t>
+            </a:r>
+            <a:r>
+              <a:rPr lang="en-US" altLang="ko-KR" dirty="0" err="1">
+                <a:solidFill>
+                  <a:srgbClr val="00B050"/>
+                </a:solidFill>
+              </a:rPr>
               <a:t>ScottPlot</a:t>
             </a:r>
-            <a:endParaRPr lang="ko-KR" altLang="en-US"/>
+            <a:endParaRPr lang="ko-KR" altLang="en-US" dirty="0">
+              <a:solidFill>
+                <a:srgbClr val="00B050"/>
+              </a:solidFill>
+            </a:endParaRPr>
           </a:p>
         </p:txBody>
       </p:sp>
@@ -11632,106 +9688,152 @@
         <p:spPr/>
         <p:txBody>
           <a:bodyPr>
-            <a:normAutofit fontScale="92500" lnSpcReduction="10000"/>
+            <a:normAutofit fontScale="70000" lnSpcReduction="20000"/>
           </a:bodyPr>
           <a:lstStyle/>
           <a:p>
+            <a:pPr>
+              <a:lnSpc>
+                <a:spcPct val="120000"/>
+              </a:lnSpc>
+            </a:pPr>
             <a:r>
               <a:rPr lang="ko-KR" altLang="en-US" dirty="0"/>
-              <a:t>공식 설치 매뉴얼 </a:t>
+              <a:t>공식 </a:t>
+            </a:r>
+            <a:r>
+              <a:rPr lang="ko-KR" altLang="en-US" dirty="0" err="1"/>
+              <a:t>쿡북</a:t>
             </a:r>
             <a:r>
               <a:rPr lang="en-US" altLang="ko-KR" dirty="0"/>
-              <a:t>(Quick Start)</a:t>
-            </a:r>
-          </a:p>
-          <a:p>
-            <a:pPr lvl="1"/>
+              <a:t>(</a:t>
+            </a:r>
+            <a:r>
+              <a:rPr lang="ko-KR" altLang="en-US" dirty="0"/>
+              <a:t>예제 소스 코드</a:t>
+            </a:r>
+            <a:r>
+              <a:rPr lang="en-US" altLang="ko-KR" dirty="0"/>
+              <a:t>)</a:t>
+            </a:r>
+            <a:r>
+              <a:rPr lang="ko-KR" altLang="en-US" dirty="0"/>
+              <a:t>에서 아래 내용 실습 </a:t>
+            </a:r>
+            <a:endParaRPr lang="en-US" altLang="ko-KR" dirty="0"/>
+          </a:p>
+          <a:p>
+            <a:pPr>
+              <a:lnSpc>
+                <a:spcPct val="120000"/>
+              </a:lnSpc>
+            </a:pPr>
+            <a:r>
+              <a:rPr lang="en-US" altLang="ko-KR" dirty="0" err="1"/>
+              <a:t>Quickstart</a:t>
+            </a:r>
+            <a:endParaRPr lang="en-US" altLang="ko-KR" dirty="0"/>
+          </a:p>
+          <a:p>
+            <a:pPr lvl="1">
+              <a:lnSpc>
+                <a:spcPct val="120000"/>
+              </a:lnSpc>
+            </a:pPr>
+            <a:r>
+              <a:rPr lang="en-US" altLang="ko-KR" dirty="0"/>
+              <a:t>Scatter Plot</a:t>
+            </a:r>
+          </a:p>
+          <a:p>
+            <a:pPr lvl="1">
+              <a:lnSpc>
+                <a:spcPct val="120000"/>
+              </a:lnSpc>
+            </a:pPr>
+            <a:r>
+              <a:rPr lang="en-US" altLang="ko-KR" dirty="0"/>
+              <a:t>Signal Plot</a:t>
+            </a:r>
+          </a:p>
+          <a:p>
+            <a:pPr lvl="1">
+              <a:lnSpc>
+                <a:spcPct val="120000"/>
+              </a:lnSpc>
+            </a:pPr>
+            <a:r>
+              <a:rPr lang="en-US" altLang="ko-KR" dirty="0"/>
+              <a:t>Legend</a:t>
+            </a:r>
+          </a:p>
+          <a:p>
+            <a:pPr lvl="1">
+              <a:lnSpc>
+                <a:spcPct val="120000"/>
+              </a:lnSpc>
+            </a:pPr>
             <a:r>
               <a:rPr lang="en-US" altLang="ko-KR" dirty="0">
                 <a:hlinkClick r:id="rId2"/>
               </a:rPr>
-              <a:t>https://scottplot.net/quickstart/wpf/</a:t>
+              <a:t>https://scottplot.net/cookbook/5.0/ScottPlotQuickstart/</a:t>
             </a:r>
             <a:endParaRPr lang="en-US" altLang="ko-KR" dirty="0"/>
           </a:p>
           <a:p>
-            <a:pPr lvl="1"/>
+            <a:pPr lvl="1">
+              <a:lnSpc>
+                <a:spcPct val="120000"/>
+              </a:lnSpc>
+            </a:pPr>
+            <a:endParaRPr lang="en-US" altLang="ko-KR" dirty="0"/>
+          </a:p>
+          <a:p>
+            <a:pPr>
+              <a:lnSpc>
+                <a:spcPct val="120000"/>
+              </a:lnSpc>
+            </a:pPr>
+            <a:r>
+              <a:rPr lang="en-US" altLang="ko-KR" dirty="0"/>
+              <a:t>Multi-Axis</a:t>
+            </a:r>
+          </a:p>
+          <a:p>
+            <a:pPr lvl="1">
+              <a:lnSpc>
+                <a:spcPct val="120000"/>
+              </a:lnSpc>
+            </a:pPr>
+            <a:r>
+              <a:rPr lang="en-US" altLang="ko-KR" dirty="0"/>
+              <a:t>Primary Axes</a:t>
+            </a:r>
+          </a:p>
+          <a:p>
+            <a:pPr lvl="1">
+              <a:lnSpc>
+                <a:spcPct val="120000"/>
+              </a:lnSpc>
+            </a:pPr>
+            <a:r>
+              <a:rPr lang="en-US" altLang="ko-KR" dirty="0"/>
+              <a:t>Additional Y Axis</a:t>
+            </a:r>
+          </a:p>
+          <a:p>
+            <a:pPr lvl="1">
+              <a:lnSpc>
+                <a:spcPct val="120000"/>
+              </a:lnSpc>
+            </a:pPr>
             <a:r>
               <a:rPr lang="en-US" altLang="ko-KR" dirty="0">
                 <a:hlinkClick r:id="rId3"/>
               </a:rPr>
-              <a:t>https://scottplot.net/quickstart/winforms/</a:t>
-            </a:r>
-            <a:r>
-              <a:rPr lang="en-US" altLang="ko-KR" dirty="0"/>
-              <a:t/>
-            </a:r>
-            <a:br>
-              <a:rPr lang="en-US" altLang="ko-KR" dirty="0"/>
-            </a:br>
-            <a:endParaRPr lang="en-US" altLang="ko-KR" dirty="0"/>
-          </a:p>
-          <a:p>
-            <a:r>
-              <a:rPr lang="ko-KR" altLang="en-US" dirty="0"/>
-              <a:t>공식 </a:t>
-            </a:r>
-            <a:r>
-              <a:rPr lang="ko-KR" altLang="en-US" dirty="0" err="1"/>
-              <a:t>쿡북</a:t>
-            </a:r>
-            <a:r>
-              <a:rPr lang="en-US" altLang="ko-KR" dirty="0"/>
-              <a:t>(</a:t>
-            </a:r>
-            <a:r>
-              <a:rPr lang="ko-KR" altLang="en-US" dirty="0"/>
-              <a:t>예제 소스 코드</a:t>
-            </a:r>
-            <a:r>
-              <a:rPr lang="en-US" altLang="ko-KR" dirty="0"/>
-              <a:t>)</a:t>
-            </a:r>
-          </a:p>
-          <a:p>
-            <a:pPr lvl="1"/>
-            <a:r>
-              <a:rPr lang="en-US" altLang="ko-KR" dirty="0">
-                <a:hlinkClick r:id="rId4"/>
-              </a:rPr>
-              <a:t>https://scottplot.net/cookbook/5.0/</a:t>
-            </a:r>
-            <a:endParaRPr lang="en-US" altLang="ko-KR" dirty="0"/>
-          </a:p>
-          <a:p>
-            <a:pPr lvl="1"/>
-            <a:endParaRPr lang="en-US" altLang="ko-KR" dirty="0"/>
-          </a:p>
-          <a:p>
-            <a:r>
-              <a:rPr lang="ko-KR" altLang="en-US" dirty="0"/>
-              <a:t>공식 데모 프로그램 및 소스코드</a:t>
-            </a:r>
-            <a:endParaRPr lang="en-US" altLang="ko-KR" dirty="0"/>
-          </a:p>
-          <a:p>
-            <a:pPr lvl="1"/>
-            <a:r>
-              <a:rPr lang="en-US" altLang="ko-KR" dirty="0">
-                <a:hlinkClick r:id="rId5"/>
-              </a:rPr>
-              <a:t>https://scottplot.net/demo/</a:t>
-            </a:r>
-            <a:endParaRPr lang="en-US" altLang="ko-KR" dirty="0"/>
-          </a:p>
-          <a:p>
-            <a:pPr lvl="1"/>
-            <a:r>
-              <a:rPr lang="en-US" altLang="ko-KR" dirty="0">
-                <a:hlinkClick r:id="rId6"/>
-              </a:rPr>
-              <a:t>https://github.com/ScottPlot/ScottPlot/tree/main/src/ScottPlot5/ScottPlot5%20Demos</a:t>
+              <a:t>https://scottplot.net/cookbook/5.0/MultiAxis/</a:t>
             </a:r>
             <a:r>
               <a:rPr lang="en-US" altLang="ko-KR" dirty="0"/>
@@ -11767,7 +9869,7 @@
           <a:p>
             <a:fld id="{0F78D9C4-20C1-4B15-A116-16DC77AD9A1E}" type="datetime1">
               <a:rPr lang="ko-KR" altLang="en-US" smtClean="0"/>
-              <a:t>2025-05-23</a:t>
+              <a:t>2025-05-25</a:t>
             </a:fld>
             <a:endParaRPr lang="ko-KR" altLang="en-US"/>
           </a:p>
@@ -11805,18 +9907,26 @@
     </p:spTree>
     <p:extLst>
       <p:ext uri="{BB962C8B-B14F-4D97-AF65-F5344CB8AC3E}">
-        <p14:creationId xmlns:p14="http://schemas.microsoft.com/office/powerpoint/2010/main" val="2228991982"/>
+        <p14:creationId xmlns:p14="http://schemas.microsoft.com/office/powerpoint/2010/main" val="972493690"/>
       </p:ext>
     </p:extLst>
   </p:cSld>
   <p:clrMapOvr>
     <a:masterClrMapping/>
   </p:clrMapOvr>
+  <mc:AlternateContent xmlns:mc="http://schemas.openxmlformats.org/markup-compatibility/2006">
+    <mc:Choice xmlns:p14="http://schemas.microsoft.com/office/powerpoint/2010/main" Requires="p14">
+      <p:transition spd="slow" p14:dur="2000"/>
+    </mc:Choice>
+    <mc:Fallback>
+      <p:transition spd="slow"/>
+    </mc:Fallback>
+  </mc:AlternateContent>
 </p:sld>
 </file>
 
 <file path=ppt/slides/slide8.xml><?xml version="1.0" encoding="utf-8"?>
-<p:sld xmlns:a="http://schemas.openxmlformats.org/drawingml/2006/main" xmlns:r="http://schemas.openxmlformats.org/officeDocument/2006/relationships" xmlns:p="http://schemas.openxmlformats.org/presentationml/2006/main">
+<p:sld xmlns:a="http://schemas.openxmlformats.org/drawingml/2006/main" xmlns:r="http://schemas.openxmlformats.org/officeDocument/2006/relationships" xmlns:p="http://schemas.openxmlformats.org/presentationml/2006/main" show="0">
   <p:cSld>
     <p:spTree>
       <p:nvGrpSpPr>
@@ -11854,202 +9964,129 @@
           <a:lstStyle/>
           <a:p>
             <a:r>
-              <a:rPr lang="ko-KR" altLang="en-US" dirty="0">
-                <a:solidFill>
-                  <a:srgbClr val="00B050"/>
-                </a:solidFill>
-              </a:rPr>
+              <a:rPr lang="ko-KR" altLang="en-US" dirty="0"/>
               <a:t>실습</a:t>
             </a:r>
             <a:r>
-              <a:rPr lang="en-US" altLang="ko-KR" dirty="0">
-                <a:solidFill>
-                  <a:srgbClr val="00B050"/>
-                </a:solidFill>
-              </a:rPr>
+              <a:rPr lang="en-US" altLang="ko-KR" dirty="0"/>
               <a:t>. </a:t>
             </a:r>
             <a:r>
-              <a:rPr lang="en-US" altLang="ko-KR" dirty="0" err="1">
-                <a:solidFill>
-                  <a:srgbClr val="00B050"/>
-                </a:solidFill>
-              </a:rPr>
+              <a:rPr lang="en-US" altLang="ko-KR" dirty="0" err="1"/>
               <a:t>ScottPlot</a:t>
             </a:r>
-            <a:endParaRPr lang="ko-KR" altLang="en-US" dirty="0">
-              <a:solidFill>
-                <a:srgbClr val="00B050"/>
-              </a:solidFill>
-            </a:endParaRPr>
-          </a:p>
-        </p:txBody>
-      </p:sp>
-      <p:sp>
-        <p:nvSpPr>
-          <p:cNvPr id="6" name="내용 개체 틀 5">
-            <a:extLst>
-              <a:ext uri="{FF2B5EF4-FFF2-40B4-BE49-F238E27FC236}">
-                <a16:creationId xmlns:a16="http://schemas.microsoft.com/office/drawing/2014/main" id="{5EB2918C-1851-B2B5-60C1-B1A81C584C14}"/>
-              </a:ext>
-            </a:extLst>
-          </p:cNvPr>
-          <p:cNvSpPr>
-            <a:spLocks noGrp="1"/>
-          </p:cNvSpPr>
-          <p:nvPr>
-            <p:ph idx="1"/>
-          </p:nvPr>
-        </p:nvSpPr>
-        <p:spPr/>
-        <p:txBody>
-          <a:bodyPr>
-            <a:normAutofit fontScale="70000" lnSpcReduction="20000"/>
-          </a:bodyPr>
-          <a:lstStyle/>
-          <a:p>
-            <a:pPr>
-              <a:lnSpc>
-                <a:spcPct val="120000"/>
-              </a:lnSpc>
-            </a:pPr>
+            <a:r>
+              <a:rPr lang="en-US" altLang="ko-KR" dirty="0"/>
+              <a:t> (</a:t>
+            </a:r>
+            <a:r>
+              <a:rPr lang="en-US" altLang="ko-KR" dirty="0" err="1"/>
+              <a:t>Winform</a:t>
+            </a:r>
             <a:r>
               <a:rPr lang="ko-KR" altLang="en-US" dirty="0"/>
-              <a:t>공식 </a:t>
-            </a:r>
-            <a:r>
-              <a:rPr lang="ko-KR" altLang="en-US" dirty="0" err="1"/>
-              <a:t>쿡북</a:t>
-            </a:r>
-            <a:r>
-              <a:rPr lang="en-US" altLang="ko-KR" dirty="0"/>
-              <a:t>(</a:t>
-            </a:r>
-            <a:r>
-              <a:rPr lang="ko-KR" altLang="en-US" dirty="0"/>
-              <a:t>예제 소스 코드</a:t>
+              <a:t> 이용</a:t>
             </a:r>
             <a:r>
               <a:rPr lang="en-US" altLang="ko-KR" dirty="0"/>
               <a:t>)</a:t>
             </a:r>
+            <a:endParaRPr lang="ko-KR" altLang="en-US" dirty="0"/>
+          </a:p>
+        </p:txBody>
+      </p:sp>
+      <p:sp>
+        <p:nvSpPr>
+          <p:cNvPr id="6" name="내용 개체 틀 5">
+            <a:extLst>
+              <a:ext uri="{FF2B5EF4-FFF2-40B4-BE49-F238E27FC236}">
+                <a16:creationId xmlns:a16="http://schemas.microsoft.com/office/drawing/2014/main" id="{5EB2918C-1851-B2B5-60C1-B1A81C584C14}"/>
+              </a:ext>
+            </a:extLst>
+          </p:cNvPr>
+          <p:cNvSpPr>
+            <a:spLocks noGrp="1"/>
+          </p:cNvSpPr>
+          <p:nvPr>
+            <p:ph idx="1"/>
+          </p:nvPr>
+        </p:nvSpPr>
+        <p:spPr/>
+        <p:txBody>
+          <a:bodyPr/>
+          <a:lstStyle/>
+          <a:p>
+            <a:pPr marL="514350" indent="-514350">
+              <a:buFont typeface="+mj-lt"/>
+              <a:buAutoNum type="arabicPeriod"/>
+            </a:pPr>
+            <a:r>
+              <a:rPr lang="en-US" altLang="ko-KR" dirty="0" err="1"/>
+              <a:t>ScottPlot</a:t>
+            </a:r>
+            <a:r>
+              <a:rPr lang="en-US" altLang="ko-KR" dirty="0"/>
+              <a:t> </a:t>
+            </a:r>
             <a:r>
               <a:rPr lang="ko-KR" altLang="en-US" dirty="0"/>
-              <a:t>에서 아래 내용 실습 </a:t>
+              <a:t>공식 데모 소스 코드에서 적절한 예제 찾기</a:t>
             </a:r>
             <a:endParaRPr lang="en-US" altLang="ko-KR" dirty="0"/>
           </a:p>
           <a:p>
-            <a:pPr>
-              <a:lnSpc>
-                <a:spcPct val="120000"/>
-              </a:lnSpc>
-            </a:pPr>
-            <a:r>
-              <a:rPr lang="en-US" altLang="ko-KR" dirty="0" err="1"/>
-              <a:t>Quickstart</a:t>
+            <a:pPr lvl="1"/>
+            <a:r>
+              <a:rPr lang="ko-KR" altLang="en-US" dirty="0"/>
+              <a:t>한 차트에 여러 개의 </a:t>
+            </a:r>
+            <a:r>
+              <a:rPr lang="en-US" altLang="ko-KR" dirty="0"/>
+              <a:t>Axis</a:t>
+            </a:r>
+            <a:r>
+              <a:rPr lang="ko-KR" altLang="en-US" dirty="0"/>
+              <a:t>를 표시하는 기능</a:t>
             </a:r>
             <a:endParaRPr lang="en-US" altLang="ko-KR" dirty="0"/>
           </a:p>
           <a:p>
-            <a:pPr lvl="1">
-              <a:lnSpc>
-                <a:spcPct val="120000"/>
-              </a:lnSpc>
-            </a:pPr>
+            <a:pPr lvl="1"/>
+            <a:r>
+              <a:rPr lang="ko-KR" altLang="en-US" dirty="0"/>
+              <a:t>격자가 없는 배경을 사용하는 기능</a:t>
+            </a:r>
+            <a:endParaRPr lang="en-US" altLang="ko-KR" dirty="0"/>
+          </a:p>
+          <a:p>
+            <a:pPr lvl="1"/>
+            <a:r>
+              <a:rPr lang="ko-KR" altLang="en-US" dirty="0"/>
+              <a:t>마우스 움직임에 따라 차트의 </a:t>
+            </a:r>
             <a:r>
               <a:rPr lang="en-US" altLang="ko-KR" dirty="0"/>
-              <a:t>Scatter Plot</a:t>
-            </a:r>
-          </a:p>
-          <a:p>
-            <a:pPr lvl="1">
-              <a:lnSpc>
-                <a:spcPct val="120000"/>
-              </a:lnSpc>
-            </a:pPr>
+              <a:t>X, Y </a:t>
+            </a:r>
+            <a:r>
+              <a:rPr lang="ko-KR" altLang="en-US" dirty="0"/>
+              <a:t>값을 표시하는 기능</a:t>
+            </a:r>
+            <a:endParaRPr lang="en-US" altLang="ko-KR" dirty="0"/>
+          </a:p>
+          <a:p>
+            <a:pPr lvl="1"/>
+            <a:r>
+              <a:rPr lang="ko-KR" altLang="en-US" dirty="0"/>
+              <a:t>차트 위에 말풍선</a:t>
+            </a:r>
             <a:r>
               <a:rPr lang="en-US" altLang="ko-KR" dirty="0"/>
-              <a:t>Signal Plot</a:t>
-            </a:r>
-          </a:p>
-          <a:p>
-            <a:pPr lvl="1">
-              <a:lnSpc>
-                <a:spcPct val="120000"/>
-              </a:lnSpc>
-            </a:pPr>
-            <a:r>
-              <a:rPr lang="en-US" altLang="ko-KR" dirty="0"/>
-              <a:t>Legend</a:t>
-            </a:r>
-          </a:p>
-          <a:p>
-            <a:pPr lvl="1">
-              <a:lnSpc>
-                <a:spcPct val="120000"/>
-              </a:lnSpc>
-            </a:pPr>
-            <a:r>
-              <a:rPr lang="en-US" altLang="ko-KR" dirty="0">
-                <a:hlinkClick r:id="rId2"/>
-              </a:rPr>
-              <a:t>https://scottplot.net/cookbook/5.0/ScottPlotQuickstart/</a:t>
-            </a:r>
-            <a:endParaRPr lang="en-US" altLang="ko-KR" dirty="0"/>
-          </a:p>
-          <a:p>
-            <a:pPr lvl="1">
-              <a:lnSpc>
-                <a:spcPct val="120000"/>
-              </a:lnSpc>
-            </a:pPr>
-            <a:endParaRPr lang="en-US" altLang="ko-KR" dirty="0"/>
-          </a:p>
-          <a:p>
-            <a:pPr>
-              <a:lnSpc>
-                <a:spcPct val="120000"/>
-              </a:lnSpc>
-            </a:pPr>
-            <a:r>
-              <a:rPr lang="en-US" altLang="ko-KR" dirty="0"/>
-              <a:t>Multi-Axis</a:t>
-            </a:r>
-          </a:p>
-          <a:p>
-            <a:pPr lvl="1">
-              <a:lnSpc>
-                <a:spcPct val="120000"/>
-              </a:lnSpc>
-            </a:pPr>
-            <a:r>
-              <a:rPr lang="en-US" altLang="ko-KR" dirty="0"/>
-              <a:t>Primary Axes</a:t>
-            </a:r>
-          </a:p>
-          <a:p>
-            <a:pPr lvl="1">
-              <a:lnSpc>
-                <a:spcPct val="120000"/>
-              </a:lnSpc>
-            </a:pPr>
-            <a:r>
-              <a:rPr lang="en-US" altLang="ko-KR" dirty="0"/>
-              <a:t>Additional Y Axis</a:t>
-            </a:r>
-          </a:p>
-          <a:p>
-            <a:pPr lvl="1">
-              <a:lnSpc>
-                <a:spcPct val="120000"/>
-              </a:lnSpc>
-            </a:pPr>
-            <a:r>
-              <a:rPr lang="en-US" altLang="ko-KR" dirty="0">
-                <a:hlinkClick r:id="rId3"/>
-              </a:rPr>
-              <a:t>https://scottplot.net/cookbook/5.0/MultiAxis/</a:t>
+              <a:t>(callout)</a:t>
+            </a:r>
+            <a:r>
+              <a:rPr lang="ko-KR" altLang="en-US" dirty="0"/>
+              <a:t>을 띄우는 기능</a:t>
             </a:r>
             <a:r>
               <a:rPr lang="en-US" altLang="ko-KR" dirty="0"/>
@@ -12058,7 +10095,25 @@
             <a:br>
               <a:rPr lang="en-US" altLang="ko-KR" dirty="0"/>
             </a:br>
-            <a:endParaRPr lang="ko-KR" altLang="en-US" dirty="0"/>
+            <a:endParaRPr lang="en-US" altLang="ko-KR" dirty="0"/>
+          </a:p>
+          <a:p>
+            <a:pPr marL="514350" indent="-514350">
+              <a:buFont typeface="+mj-lt"/>
+              <a:buAutoNum type="arabicPeriod"/>
+            </a:pPr>
+            <a:r>
+              <a:rPr lang="ko-KR" altLang="en-US" dirty="0"/>
+              <a:t>위 기능이 모두 합쳐진 하나의 차트를 만들기</a:t>
+            </a:r>
+            <a:endParaRPr lang="en-US" altLang="ko-KR" dirty="0"/>
+          </a:p>
+          <a:p>
+            <a:pPr lvl="1"/>
+            <a:r>
+              <a:rPr lang="ko-KR" altLang="en-US" dirty="0"/>
+              <a:t>차트 데이터의 내용은 무관함</a:t>
+            </a:r>
           </a:p>
         </p:txBody>
       </p:sp>
@@ -12085,7 +10140,7 @@
           <a:p>
             <a:fld id="{0F78D9C4-20C1-4B15-A116-16DC77AD9A1E}" type="datetime1">
               <a:rPr lang="ko-KR" altLang="en-US" smtClean="0"/>
-              <a:t>2025-05-23</a:t>
+              <a:t>2025-05-25</a:t>
             </a:fld>
             <a:endParaRPr lang="ko-KR" altLang="en-US"/>
           </a:p>
@@ -12123,13 +10178,21 @@
     </p:spTree>
     <p:extLst>
       <p:ext uri="{BB962C8B-B14F-4D97-AF65-F5344CB8AC3E}">
-        <p14:creationId xmlns:p14="http://schemas.microsoft.com/office/powerpoint/2010/main" val="972493690"/>
+        <p14:creationId xmlns:p14="http://schemas.microsoft.com/office/powerpoint/2010/main" val="2379541585"/>
       </p:ext>
     </p:extLst>
   </p:cSld>
   <p:clrMapOvr>
     <a:masterClrMapping/>
   </p:clrMapOvr>
+  <mc:AlternateContent xmlns:mc="http://schemas.openxmlformats.org/markup-compatibility/2006">
+    <mc:Choice xmlns:p14="http://schemas.microsoft.com/office/powerpoint/2010/main" Requires="p14">
+      <p:transition spd="slow" p14:dur="2000"/>
+    </mc:Choice>
+    <mc:Fallback>
+      <p:transition spd="slow"/>
+    </mc:Fallback>
+  </mc:AlternateContent>
 </p:sld>
 </file>
 
@@ -12155,49 +10218,37 @@
           <p:cNvPr id="2" name="제목 1">
             <a:extLst>
               <a:ext uri="{FF2B5EF4-FFF2-40B4-BE49-F238E27FC236}">
-                <a16:creationId xmlns:a16="http://schemas.microsoft.com/office/drawing/2014/main" id="{061F91DF-B2CB-9B0A-089A-E7636D1C92E9}"/>
-              </a:ext>
-            </a:extLst>
-          </p:cNvPr>
-          <p:cNvSpPr>
-            <a:spLocks noGrp="1"/>
-          </p:cNvSpPr>
-          <p:nvPr>
-            <p:ph type="title"/>
-          </p:nvPr>
-        </p:nvSpPr>
-        <p:spPr/>
-        <p:txBody>
-          <a:bodyPr/>
-          <a:lstStyle/>
-          <a:p>
-            <a:r>
-              <a:rPr lang="ko-KR" altLang="en-US" dirty="0"/>
-              <a:t>실습</a:t>
-            </a:r>
-            <a:r>
-              <a:rPr lang="en-US" altLang="ko-KR" dirty="0"/>
-              <a:t>. </a:t>
-            </a:r>
-            <a:r>
-              <a:rPr lang="en-US" altLang="ko-KR" dirty="0" err="1"/>
-              <a:t>ScottPlot</a:t>
-            </a:r>
-            <a:r>
-              <a:rPr lang="en-US" altLang="ko-KR" dirty="0"/>
-              <a:t> (</a:t>
-            </a:r>
-            <a:r>
-              <a:rPr lang="en-US" altLang="ko-KR" dirty="0" err="1"/>
-              <a:t>Winform</a:t>
-            </a:r>
-            <a:r>
-              <a:rPr lang="ko-KR" altLang="en-US" dirty="0"/>
-              <a:t> 이용</a:t>
-            </a:r>
-            <a:r>
-              <a:rPr lang="en-US" altLang="ko-KR" dirty="0"/>
-              <a:t>)</a:t>
+                <a16:creationId xmlns:a16="http://schemas.microsoft.com/office/drawing/2014/main" id="{5CB49C79-8DE4-4842-D1E6-927CDD6D4464}"/>
+              </a:ext>
+            </a:extLst>
+          </p:cNvPr>
+          <p:cNvSpPr>
+            <a:spLocks noGrp="1"/>
+          </p:cNvSpPr>
+          <p:nvPr>
+            <p:ph type="ctrTitle"/>
+          </p:nvPr>
+        </p:nvSpPr>
+        <p:spPr>
+          <a:xfrm>
+            <a:off x="2958595" y="2816157"/>
+            <a:ext cx="6060801" cy="974422"/>
+          </a:xfrm>
+        </p:spPr>
+        <p:txBody>
+          <a:bodyPr>
+            <a:noAutofit/>
+          </a:bodyPr>
+          <a:lstStyle/>
+          <a:p>
+            <a:pPr>
+              <a:lnSpc>
+                <a:spcPct val="150000"/>
+              </a:lnSpc>
+            </a:pPr>
+            <a:r>
+              <a:rPr lang="ko-KR" altLang="en-US" dirty="0" smtClean="0"/>
+              <a:t>디자인 패턴</a:t>
             </a:r>
             <a:endParaRPr lang="ko-KR" altLang="en-US" dirty="0"/>
           </a:p>
@@ -12205,132 +10256,10 @@
       </p:sp>
       <p:sp>
         <p:nvSpPr>
-          <p:cNvPr id="6" name="내용 개체 틀 5">
-            <a:extLst>
-              <a:ext uri="{FF2B5EF4-FFF2-40B4-BE49-F238E27FC236}">
-                <a16:creationId xmlns:a16="http://schemas.microsoft.com/office/drawing/2014/main" id="{5EB2918C-1851-B2B5-60C1-B1A81C584C14}"/>
-              </a:ext>
-            </a:extLst>
-          </p:cNvPr>
-          <p:cNvSpPr>
-            <a:spLocks noGrp="1"/>
-          </p:cNvSpPr>
-          <p:nvPr>
-            <p:ph idx="1"/>
-          </p:nvPr>
-        </p:nvSpPr>
-        <p:spPr/>
-        <p:txBody>
-          <a:bodyPr/>
-          <a:lstStyle/>
-          <a:p>
-            <a:pPr marL="514350" indent="-514350">
-              <a:buFont typeface="+mj-lt"/>
-              <a:buAutoNum type="arabicPeriod"/>
-            </a:pPr>
-            <a:r>
-              <a:rPr lang="en-US" altLang="ko-KR" dirty="0" err="1"/>
-              <a:t>ScottPlot</a:t>
-            </a:r>
-            <a:r>
-              <a:rPr lang="en-US" altLang="ko-KR" dirty="0"/>
-              <a:t> </a:t>
-            </a:r>
-            <a:r>
-              <a:rPr lang="ko-KR" altLang="en-US" dirty="0"/>
-              <a:t>공식 데모 소스 코드에서 적절한 예제 찾기</a:t>
-            </a:r>
-            <a:endParaRPr lang="en-US" altLang="ko-KR" dirty="0"/>
-          </a:p>
-          <a:p>
-            <a:pPr lvl="1"/>
-            <a:r>
-              <a:rPr lang="ko-KR" altLang="en-US" dirty="0"/>
-              <a:t>한 차트에 여러 개의 </a:t>
-            </a:r>
-            <a:r>
-              <a:rPr lang="en-US" altLang="ko-KR" dirty="0"/>
-              <a:t>Axis</a:t>
-            </a:r>
-            <a:r>
-              <a:rPr lang="ko-KR" altLang="en-US" dirty="0"/>
-              <a:t>를 표시하는 기능</a:t>
-            </a:r>
-            <a:endParaRPr lang="en-US" altLang="ko-KR" dirty="0"/>
-          </a:p>
-          <a:p>
-            <a:pPr lvl="1"/>
-            <a:r>
-              <a:rPr lang="ko-KR" altLang="en-US" dirty="0"/>
-              <a:t>격자가 없는 배경을 사용하는 기능</a:t>
-            </a:r>
-            <a:endParaRPr lang="en-US" altLang="ko-KR" dirty="0"/>
-          </a:p>
-          <a:p>
-            <a:pPr lvl="1"/>
-            <a:r>
-              <a:rPr lang="ko-KR" altLang="en-US" dirty="0"/>
-              <a:t>마우스 움직임에 따라 차트의 </a:t>
-            </a:r>
-            <a:r>
-              <a:rPr lang="en-US" altLang="ko-KR" dirty="0"/>
-              <a:t>X, Y </a:t>
-            </a:r>
-            <a:r>
-              <a:rPr lang="ko-KR" altLang="en-US" dirty="0"/>
-              <a:t>값을 표시하는 기능</a:t>
-            </a:r>
-            <a:endParaRPr lang="en-US" altLang="ko-KR" dirty="0"/>
-          </a:p>
-          <a:p>
-            <a:pPr lvl="1"/>
-            <a:r>
-              <a:rPr lang="ko-KR" altLang="en-US" dirty="0"/>
-              <a:t>차트 위에 말풍선</a:t>
-            </a:r>
-            <a:r>
-              <a:rPr lang="en-US" altLang="ko-KR" dirty="0"/>
-              <a:t>(callout)</a:t>
-            </a:r>
-            <a:r>
-              <a:rPr lang="ko-KR" altLang="en-US" dirty="0"/>
-              <a:t>을 띄우는 기능</a:t>
-            </a:r>
-            <a:r>
-              <a:rPr lang="en-US" altLang="ko-KR" dirty="0"/>
-              <a:t/>
-            </a:r>
-            <a:br>
-              <a:rPr lang="en-US" altLang="ko-KR" dirty="0"/>
-            </a:br>
-            <a:endParaRPr lang="en-US" altLang="ko-KR" dirty="0"/>
-          </a:p>
-          <a:p>
-            <a:pPr marL="514350" indent="-514350">
-              <a:buFont typeface="+mj-lt"/>
-              <a:buAutoNum type="arabicPeriod"/>
-            </a:pPr>
-            <a:r>
-              <a:rPr lang="ko-KR" altLang="en-US" dirty="0"/>
-              <a:t>위 기능이 모두 합쳐진 하나의 차트를 만들기</a:t>
-            </a:r>
-            <a:endParaRPr lang="en-US" altLang="ko-KR" dirty="0"/>
-          </a:p>
-          <a:p>
-            <a:pPr lvl="1"/>
-            <a:r>
-              <a:rPr lang="ko-KR" altLang="en-US" dirty="0"/>
-              <a:t>차트 데이터의 내용은 무관함</a:t>
-            </a:r>
-          </a:p>
-        </p:txBody>
-      </p:sp>
-      <p:sp>
-        <p:nvSpPr>
           <p:cNvPr id="4" name="날짜 개체 틀 3">
             <a:extLst>
               <a:ext uri="{FF2B5EF4-FFF2-40B4-BE49-F238E27FC236}">
-                <a16:creationId xmlns:a16="http://schemas.microsoft.com/office/drawing/2014/main" id="{4C9F154D-80D0-D2D6-C02A-E28620F9963F}"/>
+                <a16:creationId xmlns:a16="http://schemas.microsoft.com/office/drawing/2014/main" id="{20223B3B-2FCF-58AF-BC81-E9824EB6B19E}"/>
               </a:ext>
             </a:extLst>
           </p:cNvPr>
@@ -12346,9 +10275,9 @@
           <a:bodyPr/>
           <a:lstStyle/>
           <a:p>
-            <a:fld id="{0F78D9C4-20C1-4B15-A116-16DC77AD9A1E}" type="datetime1">
+            <a:fld id="{2E2BEDFA-D8AA-4914-9440-7DF713C99FA9}" type="datetime1">
               <a:rPr lang="ko-KR" altLang="en-US" smtClean="0"/>
-              <a:t>2025-05-23</a:t>
+              <a:t>2025-05-25</a:t>
             </a:fld>
             <a:endParaRPr lang="ko-KR" altLang="en-US"/>
           </a:p>
@@ -12356,10 +10285,10 @@
       </p:sp>
       <p:sp>
         <p:nvSpPr>
-          <p:cNvPr id="5" name="슬라이드 번호 개체 틀 4">
-            <a:extLst>
-              <a:ext uri="{FF2B5EF4-FFF2-40B4-BE49-F238E27FC236}">
-                <a16:creationId xmlns:a16="http://schemas.microsoft.com/office/drawing/2014/main" id="{7AAAC558-F07A-2E7F-8713-874FAB29BA07}"/>
+          <p:cNvPr id="6" name="슬라이드 번호 개체 틀 5">
+            <a:extLst>
+              <a:ext uri="{FF2B5EF4-FFF2-40B4-BE49-F238E27FC236}">
+                <a16:creationId xmlns:a16="http://schemas.microsoft.com/office/drawing/2014/main" id="{AC7112DC-52CD-A148-06F6-6813E1A67427}"/>
               </a:ext>
             </a:extLst>
           </p:cNvPr>
@@ -12386,7 +10315,7 @@
     </p:spTree>
     <p:extLst>
       <p:ext uri="{BB962C8B-B14F-4D97-AF65-F5344CB8AC3E}">
-        <p14:creationId xmlns:p14="http://schemas.microsoft.com/office/powerpoint/2010/main" val="2379541585"/>
+        <p14:creationId xmlns:p14="http://schemas.microsoft.com/office/powerpoint/2010/main" val="1743899618"/>
       </p:ext>
     </p:extLst>
   </p:cSld>
